--- a/profiles/community/tosca/sources/figures.pptx
+++ b/profiles/community/tosca/sources/figures.pptx
@@ -5,7 +5,7 @@
     <p:sldMasterId id="2147483648" r:id="rId1"/>
   </p:sldMasterIdLst>
   <p:notesMasterIdLst>
-    <p:notesMasterId r:id="rId19"/>
+    <p:notesMasterId r:id="rId21"/>
   </p:notesMasterIdLst>
   <p:sldIdLst>
     <p:sldId id="267" r:id="rId2"/>
@@ -15,16 +15,18 @@
     <p:sldId id="268" r:id="rId6"/>
     <p:sldId id="261" r:id="rId7"/>
     <p:sldId id="281" r:id="rId8"/>
-    <p:sldId id="282" r:id="rId9"/>
-    <p:sldId id="269" r:id="rId10"/>
-    <p:sldId id="273" r:id="rId11"/>
-    <p:sldId id="274" r:id="rId12"/>
-    <p:sldId id="272" r:id="rId13"/>
-    <p:sldId id="275" r:id="rId14"/>
-    <p:sldId id="270" r:id="rId15"/>
-    <p:sldId id="271" r:id="rId16"/>
-    <p:sldId id="264" r:id="rId17"/>
-    <p:sldId id="266" r:id="rId18"/>
+    <p:sldId id="284" r:id="rId9"/>
+    <p:sldId id="283" r:id="rId10"/>
+    <p:sldId id="282" r:id="rId11"/>
+    <p:sldId id="269" r:id="rId12"/>
+    <p:sldId id="273" r:id="rId13"/>
+    <p:sldId id="274" r:id="rId14"/>
+    <p:sldId id="272" r:id="rId15"/>
+    <p:sldId id="275" r:id="rId16"/>
+    <p:sldId id="270" r:id="rId17"/>
+    <p:sldId id="271" r:id="rId18"/>
+    <p:sldId id="264" r:id="rId19"/>
+    <p:sldId id="266" r:id="rId20"/>
   </p:sldIdLst>
   <p:sldSz cx="12192000" cy="6858000"/>
   <p:notesSz cx="6858000" cy="9144000"/>
@@ -213,7 +215,7 @@
           <a:p>
             <a:fld id="{9BC9C640-FDAB-4920-985D-AE6877D6D812}" type="datetimeFigureOut">
               <a:rPr lang="en-US" smtClean="0"/>
-              <a:t>11/13/2025</a:t>
+              <a:t>11/14/2025</a:t>
             </a:fld>
             <a:endParaRPr lang="en-US"/>
           </a:p>
@@ -627,7 +629,7 @@
           <a:p>
             <a:fld id="{7588158F-7D22-4D02-A7C1-554F35EEE72C}" type="datetimeFigureOut">
               <a:rPr lang="en-US" smtClean="0"/>
-              <a:t>11/13/2025</a:t>
+              <a:t>11/14/2025</a:t>
             </a:fld>
             <a:endParaRPr lang="en-US"/>
           </a:p>
@@ -825,7 +827,7 @@
           <a:p>
             <a:fld id="{7588158F-7D22-4D02-A7C1-554F35EEE72C}" type="datetimeFigureOut">
               <a:rPr lang="en-US" smtClean="0"/>
-              <a:t>11/13/2025</a:t>
+              <a:t>11/14/2025</a:t>
             </a:fld>
             <a:endParaRPr lang="en-US"/>
           </a:p>
@@ -1033,7 +1035,7 @@
           <a:p>
             <a:fld id="{7588158F-7D22-4D02-A7C1-554F35EEE72C}" type="datetimeFigureOut">
               <a:rPr lang="en-US" smtClean="0"/>
-              <a:t>11/13/2025</a:t>
+              <a:t>11/14/2025</a:t>
             </a:fld>
             <a:endParaRPr lang="en-US"/>
           </a:p>
@@ -1231,7 +1233,7 @@
           <a:p>
             <a:fld id="{7588158F-7D22-4D02-A7C1-554F35EEE72C}" type="datetimeFigureOut">
               <a:rPr lang="en-US" smtClean="0"/>
-              <a:t>11/13/2025</a:t>
+              <a:t>11/14/2025</a:t>
             </a:fld>
             <a:endParaRPr lang="en-US"/>
           </a:p>
@@ -1506,7 +1508,7 @@
           <a:p>
             <a:fld id="{7588158F-7D22-4D02-A7C1-554F35EEE72C}" type="datetimeFigureOut">
               <a:rPr lang="en-US" smtClean="0"/>
-              <a:t>11/13/2025</a:t>
+              <a:t>11/14/2025</a:t>
             </a:fld>
             <a:endParaRPr lang="en-US"/>
           </a:p>
@@ -1771,7 +1773,7 @@
           <a:p>
             <a:fld id="{7588158F-7D22-4D02-A7C1-554F35EEE72C}" type="datetimeFigureOut">
               <a:rPr lang="en-US" smtClean="0"/>
-              <a:t>11/13/2025</a:t>
+              <a:t>11/14/2025</a:t>
             </a:fld>
             <a:endParaRPr lang="en-US"/>
           </a:p>
@@ -2183,7 +2185,7 @@
           <a:p>
             <a:fld id="{7588158F-7D22-4D02-A7C1-554F35EEE72C}" type="datetimeFigureOut">
               <a:rPr lang="en-US" smtClean="0"/>
-              <a:t>11/13/2025</a:t>
+              <a:t>11/14/2025</a:t>
             </a:fld>
             <a:endParaRPr lang="en-US"/>
           </a:p>
@@ -2324,7 +2326,7 @@
           <a:p>
             <a:fld id="{7588158F-7D22-4D02-A7C1-554F35EEE72C}" type="datetimeFigureOut">
               <a:rPr lang="en-US" smtClean="0"/>
-              <a:t>11/13/2025</a:t>
+              <a:t>11/14/2025</a:t>
             </a:fld>
             <a:endParaRPr lang="en-US"/>
           </a:p>
@@ -2437,7 +2439,7 @@
           <a:p>
             <a:fld id="{7588158F-7D22-4D02-A7C1-554F35EEE72C}" type="datetimeFigureOut">
               <a:rPr lang="en-US" smtClean="0"/>
-              <a:t>11/13/2025</a:t>
+              <a:t>11/14/2025</a:t>
             </a:fld>
             <a:endParaRPr lang="en-US"/>
           </a:p>
@@ -2748,7 +2750,7 @@
           <a:p>
             <a:fld id="{7588158F-7D22-4D02-A7C1-554F35EEE72C}" type="datetimeFigureOut">
               <a:rPr lang="en-US" smtClean="0"/>
-              <a:t>11/13/2025</a:t>
+              <a:t>11/14/2025</a:t>
             </a:fld>
             <a:endParaRPr lang="en-US"/>
           </a:p>
@@ -3036,7 +3038,7 @@
           <a:p>
             <a:fld id="{7588158F-7D22-4D02-A7C1-554F35EEE72C}" type="datetimeFigureOut">
               <a:rPr lang="en-US" smtClean="0"/>
-              <a:t>11/13/2025</a:t>
+              <a:t>11/14/2025</a:t>
             </a:fld>
             <a:endParaRPr lang="en-US"/>
           </a:p>
@@ -3277,7 +3279,7 @@
           <a:p>
             <a:fld id="{7588158F-7D22-4D02-A7C1-554F35EEE72C}" type="datetimeFigureOut">
               <a:rPr lang="en-US" smtClean="0"/>
-              <a:t>11/13/2025</a:t>
+              <a:t>11/14/2025</a:t>
             </a:fld>
             <a:endParaRPr lang="en-US"/>
           </a:p>
@@ -4474,6 +4476,5025 @@
 </file>
 
 <file path=ppt/slides/slide10.xml><?xml version="1.0" encoding="utf-8"?>
+<p:sld xmlns:a="http://schemas.openxmlformats.org/drawingml/2006/main" xmlns:r="http://schemas.openxmlformats.org/officeDocument/2006/relationships" xmlns:p="http://schemas.openxmlformats.org/presentationml/2006/main">
+  <p:cSld>
+    <p:spTree>
+      <p:nvGrpSpPr>
+        <p:cNvPr id="1" name="">
+          <a:extLst>
+            <a:ext uri="{FF2B5EF4-FFF2-40B4-BE49-F238E27FC236}">
+              <a16:creationId xmlns:a16="http://schemas.microsoft.com/office/drawing/2014/main" id="{BCE4EC49-5347-9AA9-556E-CD96F87AE626}"/>
+            </a:ext>
+          </a:extLst>
+        </p:cNvPr>
+        <p:cNvGrpSpPr/>
+        <p:nvPr/>
+      </p:nvGrpSpPr>
+      <p:grpSpPr>
+        <a:xfrm>
+          <a:off x="0" y="0"/>
+          <a:ext cx="0" cy="0"/>
+          <a:chOff x="0" y="0"/>
+          <a:chExt cx="0" cy="0"/>
+        </a:xfrm>
+      </p:grpSpPr>
+      <p:sp>
+        <p:nvSpPr>
+          <p:cNvPr id="2" name="Rectangle: Rounded Corners 54">
+            <a:extLst>
+              <a:ext uri="{FF2B5EF4-FFF2-40B4-BE49-F238E27FC236}">
+                <a16:creationId xmlns:a16="http://schemas.microsoft.com/office/drawing/2014/main" id="{DEF71628-5049-BDA2-E5D9-9703FB3408F9}"/>
+              </a:ext>
+            </a:extLst>
+          </p:cNvPr>
+          <p:cNvSpPr/>
+          <p:nvPr/>
+        </p:nvSpPr>
+        <p:spPr>
+          <a:xfrm>
+            <a:off x="4559424" y="1760643"/>
+            <a:ext cx="3017520" cy="4575501"/>
+          </a:xfrm>
+          <a:prstGeom prst="roundRect">
+            <a:avLst/>
+          </a:prstGeom>
+          <a:noFill/>
+          <a:ln w="19050">
+            <a:prstDash val="sysDash"/>
+          </a:ln>
+        </p:spPr>
+        <p:style>
+          <a:lnRef idx="2">
+            <a:schemeClr val="accent1">
+              <a:shade val="15000"/>
+            </a:schemeClr>
+          </a:lnRef>
+          <a:fillRef idx="1">
+            <a:schemeClr val="accent1"/>
+          </a:fillRef>
+          <a:effectRef idx="0">
+            <a:schemeClr val="accent1"/>
+          </a:effectRef>
+          <a:fontRef idx="minor">
+            <a:schemeClr val="lt1"/>
+          </a:fontRef>
+        </p:style>
+        <p:txBody>
+          <a:bodyPr rtlCol="0" anchor="t" anchorCtr="0"/>
+          <a:lstStyle/>
+          <a:p>
+            <a:r>
+              <a:rPr lang="en-US" sz="1100" dirty="0">
+                <a:solidFill>
+                  <a:schemeClr val="tx1"/>
+                </a:solidFill>
+              </a:rPr>
+              <a:t>Service Template</a:t>
+            </a:r>
+          </a:p>
+        </p:txBody>
+      </p:sp>
+      <p:sp>
+        <p:nvSpPr>
+          <p:cNvPr id="9" name="Rectangle 22">
+            <a:extLst>
+              <a:ext uri="{FF2B5EF4-FFF2-40B4-BE49-F238E27FC236}">
+                <a16:creationId xmlns:a16="http://schemas.microsoft.com/office/drawing/2014/main" id="{418DBB63-21E9-CABB-BDDE-72AA494C8DA2}"/>
+              </a:ext>
+            </a:extLst>
+          </p:cNvPr>
+          <p:cNvSpPr/>
+          <p:nvPr/>
+        </p:nvSpPr>
+        <p:spPr>
+          <a:xfrm>
+            <a:off x="4840709" y="2413214"/>
+            <a:ext cx="771421" cy="279919"/>
+          </a:xfrm>
+          <a:prstGeom prst="rect">
+            <a:avLst/>
+          </a:prstGeom>
+          <a:solidFill>
+            <a:schemeClr val="bg1">
+              <a:lumMod val="95000"/>
+            </a:schemeClr>
+          </a:solidFill>
+          <a:ln w="19050">
+            <a:solidFill>
+              <a:schemeClr val="bg2"/>
+            </a:solidFill>
+          </a:ln>
+        </p:spPr>
+        <p:style>
+          <a:lnRef idx="2">
+            <a:schemeClr val="accent1">
+              <a:shade val="50000"/>
+            </a:schemeClr>
+          </a:lnRef>
+          <a:fillRef idx="1">
+            <a:schemeClr val="accent1"/>
+          </a:fillRef>
+          <a:effectRef idx="0">
+            <a:schemeClr val="accent1"/>
+          </a:effectRef>
+          <a:fontRef idx="minor">
+            <a:schemeClr val="lt1"/>
+          </a:fontRef>
+        </p:style>
+        <p:txBody>
+          <a:bodyPr lIns="0" rIns="0" rtlCol="0" anchor="ctr"/>
+          <a:lstStyle/>
+          <a:p>
+            <a:pPr marL="0" marR="0" lvl="0" indent="0" algn="ctr" defTabSz="914400" rtl="0" eaLnBrk="1" fontAlgn="auto" latinLnBrk="0" hangingPunct="1">
+              <a:lnSpc>
+                <a:spcPct val="100000"/>
+              </a:lnSpc>
+              <a:spcBef>
+                <a:spcPts val="0"/>
+              </a:spcBef>
+              <a:spcAft>
+                <a:spcPts val="0"/>
+              </a:spcAft>
+              <a:buClrTx/>
+              <a:buSzTx/>
+              <a:buFontTx/>
+              <a:buNone/>
+              <a:tabLst/>
+              <a:defRPr/>
+            </a:pPr>
+            <a:r>
+              <a:rPr kumimoji="0" lang="en-US" sz="900" b="0" i="0" u="none" strike="noStrike" kern="1200" cap="none" spc="0" normalizeH="0" baseline="0" noProof="0" dirty="0">
+                <a:ln>
+                  <a:noFill/>
+                </a:ln>
+                <a:solidFill>
+                  <a:prstClr val="black"/>
+                </a:solidFill>
+                <a:effectLst/>
+                <a:uLnTx/>
+                <a:uFillTx/>
+                <a:ea typeface="+mn-ea"/>
+                <a:cs typeface="+mn-cs"/>
+              </a:rPr>
+              <a:t>Application</a:t>
+            </a:r>
+          </a:p>
+        </p:txBody>
+      </p:sp>
+      <p:sp>
+        <p:nvSpPr>
+          <p:cNvPr id="10" name="Rectangle: Rounded Corners 23">
+            <a:extLst>
+              <a:ext uri="{FF2B5EF4-FFF2-40B4-BE49-F238E27FC236}">
+                <a16:creationId xmlns:a16="http://schemas.microsoft.com/office/drawing/2014/main" id="{F34336D5-4517-BFF9-F903-7B2248FA1C74}"/>
+              </a:ext>
+            </a:extLst>
+          </p:cNvPr>
+          <p:cNvSpPr/>
+          <p:nvPr/>
+        </p:nvSpPr>
+        <p:spPr>
+          <a:xfrm>
+            <a:off x="4840709" y="2173408"/>
+            <a:ext cx="771420" cy="815478"/>
+          </a:xfrm>
+          <a:prstGeom prst="roundRect">
+            <a:avLst/>
+          </a:prstGeom>
+          <a:noFill/>
+          <a:ln w="19050">
+            <a:solidFill>
+              <a:schemeClr val="tx1"/>
+            </a:solidFill>
+          </a:ln>
+        </p:spPr>
+        <p:style>
+          <a:lnRef idx="2">
+            <a:schemeClr val="accent1">
+              <a:shade val="50000"/>
+            </a:schemeClr>
+          </a:lnRef>
+          <a:fillRef idx="1">
+            <a:schemeClr val="accent1"/>
+          </a:fillRef>
+          <a:effectRef idx="0">
+            <a:schemeClr val="accent1"/>
+          </a:effectRef>
+          <a:fontRef idx="minor">
+            <a:schemeClr val="lt1"/>
+          </a:fontRef>
+        </p:style>
+        <p:txBody>
+          <a:bodyPr tIns="0" rtlCol="0" anchor="t" anchorCtr="0"/>
+          <a:lstStyle/>
+          <a:p>
+            <a:pPr marL="0" marR="0" lvl="0" indent="0" algn="l" defTabSz="914400" rtl="0" eaLnBrk="1" fontAlgn="auto" latinLnBrk="0" hangingPunct="1">
+              <a:lnSpc>
+                <a:spcPct val="100000"/>
+              </a:lnSpc>
+              <a:spcBef>
+                <a:spcPts val="0"/>
+              </a:spcBef>
+              <a:spcAft>
+                <a:spcPts val="0"/>
+              </a:spcAft>
+              <a:buClrTx/>
+              <a:buSzTx/>
+              <a:buFontTx/>
+              <a:buNone/>
+              <a:tabLst/>
+              <a:defRPr/>
+            </a:pPr>
+            <a:r>
+              <a:rPr kumimoji="0" lang="en-US" sz="800" b="0" i="0" u="none" strike="noStrike" kern="1200" cap="none" spc="0" normalizeH="0" baseline="0" noProof="0" dirty="0">
+                <a:ln>
+                  <a:noFill/>
+                </a:ln>
+                <a:solidFill>
+                  <a:prstClr val="black"/>
+                </a:solidFill>
+                <a:effectLst/>
+                <a:uLnTx/>
+                <a:uFillTx/>
+                <a:ea typeface="+mn-ea"/>
+                <a:cs typeface="+mn-cs"/>
+              </a:rPr>
+              <a:t>application</a:t>
+            </a:r>
+          </a:p>
+        </p:txBody>
+      </p:sp>
+      <p:sp>
+        <p:nvSpPr>
+          <p:cNvPr id="11" name="Flowchart: Off-page Connector 24">
+            <a:extLst>
+              <a:ext uri="{FF2B5EF4-FFF2-40B4-BE49-F238E27FC236}">
+                <a16:creationId xmlns:a16="http://schemas.microsoft.com/office/drawing/2014/main" id="{E1213925-E079-6383-3620-30B52CC0EF0E}"/>
+              </a:ext>
+            </a:extLst>
+          </p:cNvPr>
+          <p:cNvSpPr/>
+          <p:nvPr/>
+        </p:nvSpPr>
+        <p:spPr>
+          <a:xfrm>
+            <a:off x="5122566" y="2867588"/>
+            <a:ext cx="180000" cy="270000"/>
+          </a:xfrm>
+          <a:prstGeom prst="flowChartOffpageConnector">
+            <a:avLst/>
+          </a:prstGeom>
+          <a:solidFill>
+            <a:schemeClr val="bg1"/>
+          </a:solidFill>
+          <a:ln w="19050">
+            <a:solidFill>
+              <a:schemeClr val="tx1"/>
+            </a:solidFill>
+          </a:ln>
+        </p:spPr>
+        <p:style>
+          <a:lnRef idx="2">
+            <a:schemeClr val="accent1">
+              <a:shade val="50000"/>
+            </a:schemeClr>
+          </a:lnRef>
+          <a:fillRef idx="1">
+            <a:schemeClr val="accent1"/>
+          </a:fillRef>
+          <a:effectRef idx="0">
+            <a:schemeClr val="accent1"/>
+          </a:effectRef>
+          <a:fontRef idx="minor">
+            <a:schemeClr val="lt1"/>
+          </a:fontRef>
+        </p:style>
+        <p:txBody>
+          <a:bodyPr tIns="0" rtlCol="0" anchor="t" anchorCtr="0"/>
+          <a:lstStyle/>
+          <a:p>
+            <a:pPr marL="0" marR="0" lvl="0" indent="0" algn="l" defTabSz="914400" rtl="0" eaLnBrk="1" fontAlgn="auto" latinLnBrk="0" hangingPunct="1">
+              <a:lnSpc>
+                <a:spcPct val="100000"/>
+              </a:lnSpc>
+              <a:spcBef>
+                <a:spcPts val="0"/>
+              </a:spcBef>
+              <a:spcAft>
+                <a:spcPts val="0"/>
+              </a:spcAft>
+              <a:buClrTx/>
+              <a:buSzTx/>
+              <a:buFontTx/>
+              <a:buNone/>
+              <a:tabLst/>
+              <a:defRPr/>
+            </a:pPr>
+            <a:endParaRPr kumimoji="0" lang="en-US" sz="1000" b="0" i="0" u="none" strike="noStrike" kern="1200" cap="none" spc="0" normalizeH="0" baseline="0" noProof="0">
+              <a:ln>
+                <a:noFill/>
+              </a:ln>
+              <a:solidFill>
+                <a:prstClr val="black"/>
+              </a:solidFill>
+              <a:effectLst/>
+              <a:uLnTx/>
+              <a:uFillTx/>
+              <a:ea typeface="+mn-ea"/>
+              <a:cs typeface="+mn-cs"/>
+            </a:endParaRPr>
+          </a:p>
+        </p:txBody>
+      </p:sp>
+      <p:cxnSp>
+        <p:nvCxnSpPr>
+          <p:cNvPr id="13" name="Straight Arrow Connector 45">
+            <a:extLst>
+              <a:ext uri="{FF2B5EF4-FFF2-40B4-BE49-F238E27FC236}">
+                <a16:creationId xmlns:a16="http://schemas.microsoft.com/office/drawing/2014/main" id="{03B9BD71-4145-61B2-9C71-E4E7A9C9BB9E}"/>
+              </a:ext>
+            </a:extLst>
+          </p:cNvPr>
+          <p:cNvCxnSpPr>
+            <a:cxnSpLocks/>
+            <a:stCxn id="11" idx="2"/>
+            <a:endCxn id="6" idx="1"/>
+          </p:cNvCxnSpPr>
+          <p:nvPr/>
+        </p:nvCxnSpPr>
+        <p:spPr>
+          <a:xfrm flipH="1">
+            <a:off x="5067922" y="3137588"/>
+            <a:ext cx="144644" cy="436810"/>
+          </a:xfrm>
+          <a:prstGeom prst="straightConnector1">
+            <a:avLst/>
+          </a:prstGeom>
+          <a:ln w="12700">
+            <a:solidFill>
+              <a:schemeClr val="tx1"/>
+            </a:solidFill>
+            <a:tailEnd type="triangle"/>
+          </a:ln>
+        </p:spPr>
+        <p:style>
+          <a:lnRef idx="1">
+            <a:schemeClr val="accent1"/>
+          </a:lnRef>
+          <a:fillRef idx="0">
+            <a:schemeClr val="accent1"/>
+          </a:fillRef>
+          <a:effectRef idx="0">
+            <a:schemeClr val="accent1"/>
+          </a:effectRef>
+          <a:fontRef idx="minor">
+            <a:schemeClr val="tx1"/>
+          </a:fontRef>
+        </p:style>
+      </p:cxnSp>
+      <p:sp>
+        <p:nvSpPr>
+          <p:cNvPr id="16" name="CasellaDiTesto 15">
+            <a:extLst>
+              <a:ext uri="{FF2B5EF4-FFF2-40B4-BE49-F238E27FC236}">
+                <a16:creationId xmlns:a16="http://schemas.microsoft.com/office/drawing/2014/main" id="{48F3AD40-3A35-29F2-65AE-B9A0F1BD76B3}"/>
+              </a:ext>
+            </a:extLst>
+          </p:cNvPr>
+          <p:cNvSpPr txBox="1"/>
+          <p:nvPr/>
+        </p:nvSpPr>
+        <p:spPr>
+          <a:xfrm>
+            <a:off x="4710434" y="3243520"/>
+            <a:ext cx="895928" cy="138499"/>
+          </a:xfrm>
+          <a:prstGeom prst="rect">
+            <a:avLst/>
+          </a:prstGeom>
+          <a:solidFill>
+            <a:schemeClr val="bg1"/>
+          </a:solidFill>
+        </p:spPr>
+        <p:txBody>
+          <a:bodyPr wrap="square" lIns="0" tIns="0" rIns="0" bIns="0" rtlCol="0">
+            <a:spAutoFit/>
+          </a:bodyPr>
+          <a:lstStyle/>
+          <a:p>
+            <a:pPr algn="ctr"/>
+            <a:r>
+              <a:rPr lang="it-IT" sz="900" dirty="0" err="1"/>
+              <a:t>RunsOn</a:t>
+            </a:r>
+            <a:endParaRPr lang="it-IT" sz="900" dirty="0"/>
+          </a:p>
+        </p:txBody>
+      </p:sp>
+      <p:sp>
+        <p:nvSpPr>
+          <p:cNvPr id="17" name="Rectangle: Rounded Corners 63">
+            <a:extLst>
+              <a:ext uri="{FF2B5EF4-FFF2-40B4-BE49-F238E27FC236}">
+                <a16:creationId xmlns:a16="http://schemas.microsoft.com/office/drawing/2014/main" id="{8F1D8FDA-8817-7E8F-A088-BD0E97EE90E5}"/>
+              </a:ext>
+            </a:extLst>
+          </p:cNvPr>
+          <p:cNvSpPr/>
+          <p:nvPr/>
+        </p:nvSpPr>
+        <p:spPr>
+          <a:xfrm>
+            <a:off x="3576663" y="424687"/>
+            <a:ext cx="1545903" cy="1083735"/>
+          </a:xfrm>
+          <a:prstGeom prst="roundRect">
+            <a:avLst/>
+          </a:prstGeom>
+          <a:noFill/>
+          <a:ln w="19050">
+            <a:prstDash val="sysDash"/>
+          </a:ln>
+        </p:spPr>
+        <p:style>
+          <a:lnRef idx="2">
+            <a:schemeClr val="accent1">
+              <a:shade val="15000"/>
+            </a:schemeClr>
+          </a:lnRef>
+          <a:fillRef idx="1">
+            <a:schemeClr val="accent1"/>
+          </a:fillRef>
+          <a:effectRef idx="0">
+            <a:schemeClr val="accent1"/>
+          </a:effectRef>
+          <a:fontRef idx="minor">
+            <a:schemeClr val="lt1"/>
+          </a:fontRef>
+        </p:style>
+        <p:txBody>
+          <a:bodyPr rtlCol="0" anchor="ctr" anchorCtr="0"/>
+          <a:lstStyle/>
+          <a:p>
+            <a:pPr algn="ctr"/>
+            <a:r>
+              <a:rPr lang="en-US" sz="1100" dirty="0">
+                <a:solidFill>
+                  <a:schemeClr val="tx1"/>
+                </a:solidFill>
+              </a:rPr>
+              <a:t>Substituting</a:t>
+            </a:r>
+            <a:br>
+              <a:rPr lang="en-US" sz="1100" dirty="0">
+                <a:solidFill>
+                  <a:schemeClr val="tx1"/>
+                </a:solidFill>
+              </a:rPr>
+            </a:br>
+            <a:r>
+              <a:rPr lang="en-US" sz="1100" dirty="0">
+                <a:solidFill>
+                  <a:schemeClr val="tx1"/>
+                </a:solidFill>
+              </a:rPr>
+              <a:t>Service Template</a:t>
+            </a:r>
+            <a:br>
+              <a:rPr lang="en-US" sz="1100" dirty="0">
+                <a:solidFill>
+                  <a:schemeClr val="tx1"/>
+                </a:solidFill>
+              </a:rPr>
+            </a:br>
+            <a:r>
+              <a:rPr lang="en-US" sz="1100" dirty="0">
+                <a:solidFill>
+                  <a:schemeClr val="tx1"/>
+                </a:solidFill>
+              </a:rPr>
+              <a:t>(Application)</a:t>
+            </a:r>
+          </a:p>
+        </p:txBody>
+      </p:sp>
+      <p:cxnSp>
+        <p:nvCxnSpPr>
+          <p:cNvPr id="18" name="Straight Arrow Connector 134">
+            <a:extLst>
+              <a:ext uri="{FF2B5EF4-FFF2-40B4-BE49-F238E27FC236}">
+                <a16:creationId xmlns:a16="http://schemas.microsoft.com/office/drawing/2014/main" id="{5ADCD18D-9E05-559E-8798-F4DD3D824BE6}"/>
+              </a:ext>
+            </a:extLst>
+          </p:cNvPr>
+          <p:cNvCxnSpPr>
+            <a:cxnSpLocks/>
+            <a:stCxn id="10" idx="0"/>
+            <a:endCxn id="17" idx="2"/>
+          </p:cNvCxnSpPr>
+          <p:nvPr/>
+        </p:nvCxnSpPr>
+        <p:spPr>
+          <a:xfrm flipH="1" flipV="1">
+            <a:off x="4349615" y="1508422"/>
+            <a:ext cx="876804" cy="664986"/>
+          </a:xfrm>
+          <a:prstGeom prst="straightConnector1">
+            <a:avLst/>
+          </a:prstGeom>
+          <a:ln w="28575">
+            <a:solidFill>
+              <a:schemeClr val="accent2"/>
+            </a:solidFill>
+            <a:prstDash val="sysDash"/>
+            <a:headEnd type="triangle" w="med" len="med"/>
+            <a:tailEnd type="none" w="med" len="med"/>
+          </a:ln>
+        </p:spPr>
+        <p:style>
+          <a:lnRef idx="1">
+            <a:schemeClr val="accent1"/>
+          </a:lnRef>
+          <a:fillRef idx="0">
+            <a:schemeClr val="accent1"/>
+          </a:fillRef>
+          <a:effectRef idx="0">
+            <a:schemeClr val="accent1"/>
+          </a:effectRef>
+          <a:fontRef idx="minor">
+            <a:schemeClr val="tx1"/>
+          </a:fontRef>
+        </p:style>
+      </p:cxnSp>
+      <p:sp>
+        <p:nvSpPr>
+          <p:cNvPr id="19" name="TextBox 135">
+            <a:extLst>
+              <a:ext uri="{FF2B5EF4-FFF2-40B4-BE49-F238E27FC236}">
+                <a16:creationId xmlns:a16="http://schemas.microsoft.com/office/drawing/2014/main" id="{9BBA8697-E1A7-6079-7B6D-A95FE29A8113}"/>
+              </a:ext>
+            </a:extLst>
+          </p:cNvPr>
+          <p:cNvSpPr txBox="1"/>
+          <p:nvPr/>
+        </p:nvSpPr>
+        <p:spPr>
+          <a:xfrm>
+            <a:off x="3924884" y="1641541"/>
+            <a:ext cx="533800" cy="138499"/>
+          </a:xfrm>
+          <a:prstGeom prst="rect">
+            <a:avLst/>
+          </a:prstGeom>
+          <a:solidFill>
+            <a:schemeClr val="bg1"/>
+          </a:solidFill>
+        </p:spPr>
+        <p:txBody>
+          <a:bodyPr wrap="square" lIns="0" tIns="0" rIns="0" bIns="0" rtlCol="0">
+            <a:spAutoFit/>
+          </a:bodyPr>
+          <a:lstStyle/>
+          <a:p>
+            <a:pPr algn="ctr"/>
+            <a:r>
+              <a:rPr lang="en-US" sz="900" b="1" dirty="0"/>
+              <a:t>substitutes</a:t>
+            </a:r>
+          </a:p>
+        </p:txBody>
+      </p:sp>
+      <p:sp>
+        <p:nvSpPr>
+          <p:cNvPr id="23" name="Rectangle: Rounded Corners 63">
+            <a:extLst>
+              <a:ext uri="{FF2B5EF4-FFF2-40B4-BE49-F238E27FC236}">
+                <a16:creationId xmlns:a16="http://schemas.microsoft.com/office/drawing/2014/main" id="{4002801D-BFF7-C1FB-2534-28C597D28530}"/>
+              </a:ext>
+            </a:extLst>
+          </p:cNvPr>
+          <p:cNvSpPr/>
+          <p:nvPr/>
+        </p:nvSpPr>
+        <p:spPr>
+          <a:xfrm>
+            <a:off x="2761143" y="4771901"/>
+            <a:ext cx="1545903" cy="1083735"/>
+          </a:xfrm>
+          <a:prstGeom prst="roundRect">
+            <a:avLst/>
+          </a:prstGeom>
+          <a:noFill/>
+          <a:ln w="19050">
+            <a:prstDash val="sysDash"/>
+          </a:ln>
+        </p:spPr>
+        <p:style>
+          <a:lnRef idx="2">
+            <a:schemeClr val="accent1">
+              <a:shade val="15000"/>
+            </a:schemeClr>
+          </a:lnRef>
+          <a:fillRef idx="1">
+            <a:schemeClr val="accent1"/>
+          </a:fillRef>
+          <a:effectRef idx="0">
+            <a:schemeClr val="accent1"/>
+          </a:effectRef>
+          <a:fontRef idx="minor">
+            <a:schemeClr val="lt1"/>
+          </a:fontRef>
+        </p:style>
+        <p:txBody>
+          <a:bodyPr rtlCol="0" anchor="ctr" anchorCtr="0"/>
+          <a:lstStyle/>
+          <a:p>
+            <a:pPr algn="ctr"/>
+            <a:r>
+              <a:rPr lang="en-US" sz="1100" dirty="0">
+                <a:solidFill>
+                  <a:schemeClr val="tx1"/>
+                </a:solidFill>
+              </a:rPr>
+              <a:t>Substituting</a:t>
+            </a:r>
+            <a:br>
+              <a:rPr lang="en-US" sz="1100" dirty="0">
+                <a:solidFill>
+                  <a:schemeClr val="tx1"/>
+                </a:solidFill>
+              </a:rPr>
+            </a:br>
+            <a:r>
+              <a:rPr lang="en-US" sz="1100" dirty="0">
+                <a:solidFill>
+                  <a:schemeClr val="tx1"/>
+                </a:solidFill>
+              </a:rPr>
+              <a:t>Service Template</a:t>
+            </a:r>
+            <a:br>
+              <a:rPr lang="en-US" sz="1100" dirty="0">
+                <a:solidFill>
+                  <a:schemeClr val="tx1"/>
+                </a:solidFill>
+              </a:rPr>
+            </a:br>
+            <a:r>
+              <a:rPr lang="en-US" sz="1100" dirty="0">
+                <a:solidFill>
+                  <a:schemeClr val="tx1"/>
+                </a:solidFill>
+              </a:rPr>
+              <a:t>(Platform)</a:t>
+            </a:r>
+          </a:p>
+        </p:txBody>
+      </p:sp>
+      <p:cxnSp>
+        <p:nvCxnSpPr>
+          <p:cNvPr id="24" name="Straight Arrow Connector 134">
+            <a:extLst>
+              <a:ext uri="{FF2B5EF4-FFF2-40B4-BE49-F238E27FC236}">
+                <a16:creationId xmlns:a16="http://schemas.microsoft.com/office/drawing/2014/main" id="{71074922-9B0C-E947-C5D1-D54D54ABD220}"/>
+              </a:ext>
+            </a:extLst>
+          </p:cNvPr>
+          <p:cNvCxnSpPr>
+            <a:cxnSpLocks/>
+            <a:stCxn id="5" idx="1"/>
+            <a:endCxn id="23" idx="0"/>
+          </p:cNvCxnSpPr>
+          <p:nvPr/>
+        </p:nvCxnSpPr>
+        <p:spPr>
+          <a:xfrm flipH="1">
+            <a:off x="3534095" y="4086312"/>
+            <a:ext cx="1306613" cy="685589"/>
+          </a:xfrm>
+          <a:prstGeom prst="straightConnector1">
+            <a:avLst/>
+          </a:prstGeom>
+          <a:ln w="28575">
+            <a:solidFill>
+              <a:schemeClr val="accent2"/>
+            </a:solidFill>
+            <a:prstDash val="sysDash"/>
+            <a:headEnd type="triangle" w="med" len="med"/>
+            <a:tailEnd type="none" w="med" len="med"/>
+          </a:ln>
+        </p:spPr>
+        <p:style>
+          <a:lnRef idx="1">
+            <a:schemeClr val="accent1"/>
+          </a:lnRef>
+          <a:fillRef idx="0">
+            <a:schemeClr val="accent1"/>
+          </a:fillRef>
+          <a:effectRef idx="0">
+            <a:schemeClr val="accent1"/>
+          </a:effectRef>
+          <a:fontRef idx="minor">
+            <a:schemeClr val="tx1"/>
+          </a:fontRef>
+        </p:style>
+      </p:cxnSp>
+      <p:sp>
+        <p:nvSpPr>
+          <p:cNvPr id="27" name="TextBox 135">
+            <a:extLst>
+              <a:ext uri="{FF2B5EF4-FFF2-40B4-BE49-F238E27FC236}">
+                <a16:creationId xmlns:a16="http://schemas.microsoft.com/office/drawing/2014/main" id="{7D58991A-C1C5-666C-BF2B-CB4888FEFF63}"/>
+              </a:ext>
+            </a:extLst>
+          </p:cNvPr>
+          <p:cNvSpPr txBox="1"/>
+          <p:nvPr/>
+        </p:nvSpPr>
+        <p:spPr>
+          <a:xfrm>
+            <a:off x="3843750" y="4359857"/>
+            <a:ext cx="533800" cy="138499"/>
+          </a:xfrm>
+          <a:prstGeom prst="rect">
+            <a:avLst/>
+          </a:prstGeom>
+          <a:solidFill>
+            <a:schemeClr val="bg1"/>
+          </a:solidFill>
+        </p:spPr>
+        <p:txBody>
+          <a:bodyPr wrap="square" lIns="0" tIns="0" rIns="0" bIns="0" rtlCol="0">
+            <a:spAutoFit/>
+          </a:bodyPr>
+          <a:lstStyle/>
+          <a:p>
+            <a:pPr algn="ctr"/>
+            <a:r>
+              <a:rPr lang="en-US" sz="900" b="1" dirty="0"/>
+              <a:t>substitutes</a:t>
+            </a:r>
+          </a:p>
+        </p:txBody>
+      </p:sp>
+      <p:sp>
+        <p:nvSpPr>
+          <p:cNvPr id="12" name="Rectangle 22">
+            <a:extLst>
+              <a:ext uri="{FF2B5EF4-FFF2-40B4-BE49-F238E27FC236}">
+                <a16:creationId xmlns:a16="http://schemas.microsoft.com/office/drawing/2014/main" id="{38DE2E4A-2810-ACE5-4FE9-892283D74D36}"/>
+              </a:ext>
+            </a:extLst>
+          </p:cNvPr>
+          <p:cNvSpPr/>
+          <p:nvPr/>
+        </p:nvSpPr>
+        <p:spPr>
+          <a:xfrm>
+            <a:off x="6538445" y="2419310"/>
+            <a:ext cx="771421" cy="279919"/>
+          </a:xfrm>
+          <a:prstGeom prst="rect">
+            <a:avLst/>
+          </a:prstGeom>
+          <a:solidFill>
+            <a:schemeClr val="bg1">
+              <a:lumMod val="95000"/>
+            </a:schemeClr>
+          </a:solidFill>
+          <a:ln w="19050">
+            <a:solidFill>
+              <a:schemeClr val="bg2"/>
+            </a:solidFill>
+          </a:ln>
+        </p:spPr>
+        <p:style>
+          <a:lnRef idx="2">
+            <a:schemeClr val="accent1">
+              <a:shade val="50000"/>
+            </a:schemeClr>
+          </a:lnRef>
+          <a:fillRef idx="1">
+            <a:schemeClr val="accent1"/>
+          </a:fillRef>
+          <a:effectRef idx="0">
+            <a:schemeClr val="accent1"/>
+          </a:effectRef>
+          <a:fontRef idx="minor">
+            <a:schemeClr val="lt1"/>
+          </a:fontRef>
+        </p:style>
+        <p:txBody>
+          <a:bodyPr lIns="0" rIns="0" rtlCol="0" anchor="ctr"/>
+          <a:lstStyle/>
+          <a:p>
+            <a:pPr marL="0" marR="0" lvl="0" indent="0" algn="ctr" defTabSz="914400" rtl="0" eaLnBrk="1" fontAlgn="auto" latinLnBrk="0" hangingPunct="1">
+              <a:lnSpc>
+                <a:spcPct val="100000"/>
+              </a:lnSpc>
+              <a:spcBef>
+                <a:spcPts val="0"/>
+              </a:spcBef>
+              <a:spcAft>
+                <a:spcPts val="0"/>
+              </a:spcAft>
+              <a:buClrTx/>
+              <a:buSzTx/>
+              <a:buFontTx/>
+              <a:buNone/>
+              <a:tabLst/>
+              <a:defRPr/>
+            </a:pPr>
+            <a:r>
+              <a:rPr kumimoji="0" lang="en-US" sz="900" b="0" i="0" u="none" strike="noStrike" kern="1200" cap="none" spc="0" normalizeH="0" baseline="0" noProof="0" dirty="0">
+                <a:ln>
+                  <a:noFill/>
+                </a:ln>
+                <a:solidFill>
+                  <a:prstClr val="black"/>
+                </a:solidFill>
+                <a:effectLst/>
+                <a:uLnTx/>
+                <a:uFillTx/>
+                <a:ea typeface="+mn-ea"/>
+                <a:cs typeface="+mn-cs"/>
+              </a:rPr>
+              <a:t>Data</a:t>
+            </a:r>
+          </a:p>
+        </p:txBody>
+      </p:sp>
+      <p:sp>
+        <p:nvSpPr>
+          <p:cNvPr id="14" name="Rectangle: Rounded Corners 23">
+            <a:extLst>
+              <a:ext uri="{FF2B5EF4-FFF2-40B4-BE49-F238E27FC236}">
+                <a16:creationId xmlns:a16="http://schemas.microsoft.com/office/drawing/2014/main" id="{114D6F49-751F-E8EE-570B-08CF4AA8697D}"/>
+              </a:ext>
+            </a:extLst>
+          </p:cNvPr>
+          <p:cNvSpPr/>
+          <p:nvPr/>
+        </p:nvSpPr>
+        <p:spPr>
+          <a:xfrm>
+            <a:off x="6538445" y="2179504"/>
+            <a:ext cx="771420" cy="815478"/>
+          </a:xfrm>
+          <a:prstGeom prst="roundRect">
+            <a:avLst/>
+          </a:prstGeom>
+          <a:noFill/>
+          <a:ln w="19050">
+            <a:solidFill>
+              <a:schemeClr val="tx1"/>
+            </a:solidFill>
+          </a:ln>
+        </p:spPr>
+        <p:style>
+          <a:lnRef idx="2">
+            <a:schemeClr val="accent1">
+              <a:shade val="50000"/>
+            </a:schemeClr>
+          </a:lnRef>
+          <a:fillRef idx="1">
+            <a:schemeClr val="accent1"/>
+          </a:fillRef>
+          <a:effectRef idx="0">
+            <a:schemeClr val="accent1"/>
+          </a:effectRef>
+          <a:fontRef idx="minor">
+            <a:schemeClr val="lt1"/>
+          </a:fontRef>
+        </p:style>
+        <p:txBody>
+          <a:bodyPr tIns="0" rtlCol="0" anchor="t" anchorCtr="0"/>
+          <a:lstStyle/>
+          <a:p>
+            <a:pPr marL="0" marR="0" lvl="0" indent="0" algn="l" defTabSz="914400" rtl="0" eaLnBrk="1" fontAlgn="auto" latinLnBrk="0" hangingPunct="1">
+              <a:lnSpc>
+                <a:spcPct val="100000"/>
+              </a:lnSpc>
+              <a:spcBef>
+                <a:spcPts val="0"/>
+              </a:spcBef>
+              <a:spcAft>
+                <a:spcPts val="0"/>
+              </a:spcAft>
+              <a:buClrTx/>
+              <a:buSzTx/>
+              <a:buFontTx/>
+              <a:buNone/>
+              <a:tabLst/>
+              <a:defRPr/>
+            </a:pPr>
+            <a:r>
+              <a:rPr kumimoji="0" lang="en-US" sz="800" b="0" i="0" u="none" strike="noStrike" kern="1200" cap="none" spc="0" normalizeH="0" baseline="0" noProof="0" dirty="0">
+                <a:ln>
+                  <a:noFill/>
+                </a:ln>
+                <a:solidFill>
+                  <a:prstClr val="black"/>
+                </a:solidFill>
+                <a:effectLst/>
+                <a:uLnTx/>
+                <a:uFillTx/>
+                <a:ea typeface="+mn-ea"/>
+                <a:cs typeface="+mn-cs"/>
+              </a:rPr>
+              <a:t>data</a:t>
+            </a:r>
+          </a:p>
+        </p:txBody>
+      </p:sp>
+      <p:sp>
+        <p:nvSpPr>
+          <p:cNvPr id="20" name="Flowchart: Off-page Connector 24">
+            <a:extLst>
+              <a:ext uri="{FF2B5EF4-FFF2-40B4-BE49-F238E27FC236}">
+                <a16:creationId xmlns:a16="http://schemas.microsoft.com/office/drawing/2014/main" id="{D9C11C47-CF96-60DB-5A52-0C8F9897D32C}"/>
+              </a:ext>
+            </a:extLst>
+          </p:cNvPr>
+          <p:cNvSpPr/>
+          <p:nvPr/>
+        </p:nvSpPr>
+        <p:spPr>
+          <a:xfrm>
+            <a:off x="6820302" y="2873684"/>
+            <a:ext cx="180000" cy="270000"/>
+          </a:xfrm>
+          <a:prstGeom prst="flowChartOffpageConnector">
+            <a:avLst/>
+          </a:prstGeom>
+          <a:solidFill>
+            <a:schemeClr val="bg1"/>
+          </a:solidFill>
+          <a:ln w="19050">
+            <a:solidFill>
+              <a:schemeClr val="tx1"/>
+            </a:solidFill>
+          </a:ln>
+        </p:spPr>
+        <p:style>
+          <a:lnRef idx="2">
+            <a:schemeClr val="accent1">
+              <a:shade val="50000"/>
+            </a:schemeClr>
+          </a:lnRef>
+          <a:fillRef idx="1">
+            <a:schemeClr val="accent1"/>
+          </a:fillRef>
+          <a:effectRef idx="0">
+            <a:schemeClr val="accent1"/>
+          </a:effectRef>
+          <a:fontRef idx="minor">
+            <a:schemeClr val="lt1"/>
+          </a:fontRef>
+        </p:style>
+        <p:txBody>
+          <a:bodyPr tIns="0" rtlCol="0" anchor="t" anchorCtr="0"/>
+          <a:lstStyle/>
+          <a:p>
+            <a:pPr marL="0" marR="0" lvl="0" indent="0" algn="l" defTabSz="914400" rtl="0" eaLnBrk="1" fontAlgn="auto" latinLnBrk="0" hangingPunct="1">
+              <a:lnSpc>
+                <a:spcPct val="100000"/>
+              </a:lnSpc>
+              <a:spcBef>
+                <a:spcPts val="0"/>
+              </a:spcBef>
+              <a:spcAft>
+                <a:spcPts val="0"/>
+              </a:spcAft>
+              <a:buClrTx/>
+              <a:buSzTx/>
+              <a:buFontTx/>
+              <a:buNone/>
+              <a:tabLst/>
+              <a:defRPr/>
+            </a:pPr>
+            <a:endParaRPr kumimoji="0" lang="en-US" sz="1000" b="0" i="0" u="none" strike="noStrike" kern="1200" cap="none" spc="0" normalizeH="0" baseline="0" noProof="0">
+              <a:ln>
+                <a:noFill/>
+              </a:ln>
+              <a:solidFill>
+                <a:prstClr val="black"/>
+              </a:solidFill>
+              <a:effectLst/>
+              <a:uLnTx/>
+              <a:uFillTx/>
+              <a:ea typeface="+mn-ea"/>
+              <a:cs typeface="+mn-cs"/>
+            </a:endParaRPr>
+          </a:p>
+        </p:txBody>
+      </p:sp>
+      <p:sp>
+        <p:nvSpPr>
+          <p:cNvPr id="4" name="Rectangle 13">
+            <a:extLst>
+              <a:ext uri="{FF2B5EF4-FFF2-40B4-BE49-F238E27FC236}">
+                <a16:creationId xmlns:a16="http://schemas.microsoft.com/office/drawing/2014/main" id="{661FB2EF-04D1-CBEF-84E6-92252088FC92}"/>
+              </a:ext>
+            </a:extLst>
+          </p:cNvPr>
+          <p:cNvSpPr/>
+          <p:nvPr/>
+        </p:nvSpPr>
+        <p:spPr>
+          <a:xfrm>
+            <a:off x="4840708" y="3909398"/>
+            <a:ext cx="771421" cy="250978"/>
+          </a:xfrm>
+          <a:prstGeom prst="rect">
+            <a:avLst/>
+          </a:prstGeom>
+          <a:solidFill>
+            <a:schemeClr val="bg1">
+              <a:lumMod val="95000"/>
+            </a:schemeClr>
+          </a:solidFill>
+          <a:ln w="19050">
+            <a:solidFill>
+              <a:schemeClr val="bg2"/>
+            </a:solidFill>
+          </a:ln>
+        </p:spPr>
+        <p:style>
+          <a:lnRef idx="2">
+            <a:schemeClr val="accent1">
+              <a:shade val="50000"/>
+            </a:schemeClr>
+          </a:lnRef>
+          <a:fillRef idx="1">
+            <a:schemeClr val="accent1"/>
+          </a:fillRef>
+          <a:effectRef idx="0">
+            <a:schemeClr val="accent1"/>
+          </a:effectRef>
+          <a:fontRef idx="minor">
+            <a:schemeClr val="lt1"/>
+          </a:fontRef>
+        </p:style>
+        <p:txBody>
+          <a:bodyPr lIns="0" rIns="0" rtlCol="0" anchor="ctr"/>
+          <a:lstStyle/>
+          <a:p>
+            <a:pPr marL="0" marR="0" lvl="0" indent="0" algn="ctr" defTabSz="914400" rtl="0" eaLnBrk="1" fontAlgn="auto" latinLnBrk="0" hangingPunct="1">
+              <a:lnSpc>
+                <a:spcPct val="100000"/>
+              </a:lnSpc>
+              <a:spcBef>
+                <a:spcPts val="0"/>
+              </a:spcBef>
+              <a:spcAft>
+                <a:spcPts val="0"/>
+              </a:spcAft>
+              <a:buClrTx/>
+              <a:buSzTx/>
+              <a:buFontTx/>
+              <a:buNone/>
+              <a:tabLst/>
+              <a:defRPr/>
+            </a:pPr>
+            <a:r>
+              <a:rPr kumimoji="0" lang="en-US" sz="900" b="0" i="0" u="none" strike="noStrike" kern="1200" cap="none" spc="0" normalizeH="0" baseline="0" noProof="0" dirty="0">
+                <a:ln>
+                  <a:noFill/>
+                </a:ln>
+                <a:solidFill>
+                  <a:prstClr val="black"/>
+                </a:solidFill>
+                <a:effectLst/>
+                <a:uLnTx/>
+                <a:uFillTx/>
+                <a:ea typeface="+mn-ea"/>
+                <a:cs typeface="+mn-cs"/>
+              </a:rPr>
+              <a:t>Platform</a:t>
+            </a:r>
+          </a:p>
+        </p:txBody>
+      </p:sp>
+      <p:sp>
+        <p:nvSpPr>
+          <p:cNvPr id="5" name="Rectangle: Rounded Corners 14">
+            <a:extLst>
+              <a:ext uri="{FF2B5EF4-FFF2-40B4-BE49-F238E27FC236}">
+                <a16:creationId xmlns:a16="http://schemas.microsoft.com/office/drawing/2014/main" id="{AEC89EE1-0DB9-BB32-AA14-AE05E75821EF}"/>
+              </a:ext>
+            </a:extLst>
+          </p:cNvPr>
+          <p:cNvSpPr/>
+          <p:nvPr/>
+        </p:nvSpPr>
+        <p:spPr>
+          <a:xfrm>
+            <a:off x="4840708" y="3678572"/>
+            <a:ext cx="771420" cy="815479"/>
+          </a:xfrm>
+          <a:prstGeom prst="roundRect">
+            <a:avLst/>
+          </a:prstGeom>
+          <a:noFill/>
+          <a:ln w="19050">
+            <a:solidFill>
+              <a:schemeClr val="tx1"/>
+            </a:solidFill>
+          </a:ln>
+        </p:spPr>
+        <p:style>
+          <a:lnRef idx="2">
+            <a:schemeClr val="accent1">
+              <a:shade val="50000"/>
+            </a:schemeClr>
+          </a:lnRef>
+          <a:fillRef idx="1">
+            <a:schemeClr val="accent1"/>
+          </a:fillRef>
+          <a:effectRef idx="0">
+            <a:schemeClr val="accent1"/>
+          </a:effectRef>
+          <a:fontRef idx="minor">
+            <a:schemeClr val="lt1"/>
+          </a:fontRef>
+        </p:style>
+        <p:txBody>
+          <a:bodyPr lIns="45720" tIns="0" bIns="73152" rtlCol="0" anchor="b" anchorCtr="0"/>
+          <a:lstStyle/>
+          <a:p>
+            <a:pPr lvl="0">
+              <a:defRPr/>
+            </a:pPr>
+            <a:r>
+              <a:rPr lang="en-US" sz="800" dirty="0">
+                <a:solidFill>
+                  <a:prstClr val="black"/>
+                </a:solidFill>
+              </a:rPr>
+              <a:t>platform</a:t>
+            </a:r>
+            <a:endParaRPr kumimoji="0" lang="en-US" sz="800" b="0" i="0" u="none" strike="noStrike" kern="1200" cap="none" spc="0" normalizeH="0" baseline="0" noProof="0" dirty="0">
+              <a:ln>
+                <a:noFill/>
+              </a:ln>
+              <a:solidFill>
+                <a:prstClr val="black"/>
+              </a:solidFill>
+              <a:effectLst/>
+              <a:uLnTx/>
+              <a:uFillTx/>
+              <a:ea typeface="+mn-ea"/>
+              <a:cs typeface="+mn-cs"/>
+            </a:endParaRPr>
+          </a:p>
+        </p:txBody>
+      </p:sp>
+      <p:sp>
+        <p:nvSpPr>
+          <p:cNvPr id="6" name="Arrow: Chevron 15">
+            <a:extLst>
+              <a:ext uri="{FF2B5EF4-FFF2-40B4-BE49-F238E27FC236}">
+                <a16:creationId xmlns:a16="http://schemas.microsoft.com/office/drawing/2014/main" id="{5D0DA601-C7DC-B76F-133C-DA4478376664}"/>
+              </a:ext>
+            </a:extLst>
+          </p:cNvPr>
+          <p:cNvSpPr/>
+          <p:nvPr/>
+        </p:nvSpPr>
+        <p:spPr>
+          <a:xfrm rot="5400000">
+            <a:off x="4932922" y="3594198"/>
+            <a:ext cx="270000" cy="180000"/>
+          </a:xfrm>
+          <a:prstGeom prst="chevron">
+            <a:avLst>
+              <a:gd name="adj" fmla="val 14000"/>
+            </a:avLst>
+          </a:prstGeom>
+          <a:solidFill>
+            <a:schemeClr val="bg1"/>
+          </a:solidFill>
+          <a:ln w="12700">
+            <a:solidFill>
+              <a:schemeClr val="tx1"/>
+            </a:solidFill>
+          </a:ln>
+        </p:spPr>
+        <p:style>
+          <a:lnRef idx="2">
+            <a:schemeClr val="accent1">
+              <a:shade val="50000"/>
+            </a:schemeClr>
+          </a:lnRef>
+          <a:fillRef idx="1">
+            <a:schemeClr val="accent1"/>
+          </a:fillRef>
+          <a:effectRef idx="0">
+            <a:schemeClr val="accent1"/>
+          </a:effectRef>
+          <a:fontRef idx="minor">
+            <a:schemeClr val="lt1"/>
+          </a:fontRef>
+        </p:style>
+        <p:txBody>
+          <a:bodyPr tIns="0" rtlCol="0" anchor="t" anchorCtr="0"/>
+          <a:lstStyle/>
+          <a:p>
+            <a:pPr marL="0" marR="0" lvl="0" indent="0" algn="l" defTabSz="914400" rtl="0" eaLnBrk="1" fontAlgn="auto" latinLnBrk="0" hangingPunct="1">
+              <a:lnSpc>
+                <a:spcPct val="100000"/>
+              </a:lnSpc>
+              <a:spcBef>
+                <a:spcPts val="0"/>
+              </a:spcBef>
+              <a:spcAft>
+                <a:spcPts val="0"/>
+              </a:spcAft>
+              <a:buClrTx/>
+              <a:buSzTx/>
+              <a:buFontTx/>
+              <a:buNone/>
+              <a:tabLst/>
+              <a:defRPr/>
+            </a:pPr>
+            <a:endParaRPr kumimoji="0" lang="en-US" sz="1000" b="0" i="0" u="none" strike="noStrike" kern="1200" cap="none" spc="0" normalizeH="0" baseline="0" noProof="0">
+              <a:ln>
+                <a:noFill/>
+              </a:ln>
+              <a:solidFill>
+                <a:prstClr val="black"/>
+              </a:solidFill>
+              <a:effectLst/>
+              <a:uLnTx/>
+              <a:uFillTx/>
+              <a:ea typeface="+mn-ea"/>
+              <a:cs typeface="+mn-cs"/>
+            </a:endParaRPr>
+          </a:p>
+        </p:txBody>
+      </p:sp>
+      <p:sp>
+        <p:nvSpPr>
+          <p:cNvPr id="21" name="Arrow: Chevron 15">
+            <a:extLst>
+              <a:ext uri="{FF2B5EF4-FFF2-40B4-BE49-F238E27FC236}">
+                <a16:creationId xmlns:a16="http://schemas.microsoft.com/office/drawing/2014/main" id="{52F1839F-A31B-0E29-282F-55606B711867}"/>
+              </a:ext>
+            </a:extLst>
+          </p:cNvPr>
+          <p:cNvSpPr/>
+          <p:nvPr/>
+        </p:nvSpPr>
+        <p:spPr>
+          <a:xfrm rot="5400000">
+            <a:off x="5249914" y="3594198"/>
+            <a:ext cx="270000" cy="180000"/>
+          </a:xfrm>
+          <a:prstGeom prst="chevron">
+            <a:avLst>
+              <a:gd name="adj" fmla="val 14000"/>
+            </a:avLst>
+          </a:prstGeom>
+          <a:solidFill>
+            <a:schemeClr val="bg1"/>
+          </a:solidFill>
+          <a:ln w="12700">
+            <a:solidFill>
+              <a:schemeClr val="tx1"/>
+            </a:solidFill>
+          </a:ln>
+        </p:spPr>
+        <p:style>
+          <a:lnRef idx="2">
+            <a:schemeClr val="accent1">
+              <a:shade val="50000"/>
+            </a:schemeClr>
+          </a:lnRef>
+          <a:fillRef idx="1">
+            <a:schemeClr val="accent1"/>
+          </a:fillRef>
+          <a:effectRef idx="0">
+            <a:schemeClr val="accent1"/>
+          </a:effectRef>
+          <a:fontRef idx="minor">
+            <a:schemeClr val="lt1"/>
+          </a:fontRef>
+        </p:style>
+        <p:txBody>
+          <a:bodyPr tIns="0" rtlCol="0" anchor="t" anchorCtr="0"/>
+          <a:lstStyle/>
+          <a:p>
+            <a:pPr marL="0" marR="0" lvl="0" indent="0" algn="l" defTabSz="914400" rtl="0" eaLnBrk="1" fontAlgn="auto" latinLnBrk="0" hangingPunct="1">
+              <a:lnSpc>
+                <a:spcPct val="100000"/>
+              </a:lnSpc>
+              <a:spcBef>
+                <a:spcPts val="0"/>
+              </a:spcBef>
+              <a:spcAft>
+                <a:spcPts val="0"/>
+              </a:spcAft>
+              <a:buClrTx/>
+              <a:buSzTx/>
+              <a:buFontTx/>
+              <a:buNone/>
+              <a:tabLst/>
+              <a:defRPr/>
+            </a:pPr>
+            <a:endParaRPr kumimoji="0" lang="en-US" sz="1000" b="0" i="0" u="none" strike="noStrike" kern="1200" cap="none" spc="0" normalizeH="0" baseline="0" noProof="0">
+              <a:ln>
+                <a:noFill/>
+              </a:ln>
+              <a:solidFill>
+                <a:prstClr val="black"/>
+              </a:solidFill>
+              <a:effectLst/>
+              <a:uLnTx/>
+              <a:uFillTx/>
+              <a:ea typeface="+mn-ea"/>
+              <a:cs typeface="+mn-cs"/>
+            </a:endParaRPr>
+          </a:p>
+        </p:txBody>
+      </p:sp>
+      <p:cxnSp>
+        <p:nvCxnSpPr>
+          <p:cNvPr id="28" name="Straight Arrow Connector 45">
+            <a:extLst>
+              <a:ext uri="{FF2B5EF4-FFF2-40B4-BE49-F238E27FC236}">
+                <a16:creationId xmlns:a16="http://schemas.microsoft.com/office/drawing/2014/main" id="{FA17832D-3B77-D8C0-0D83-C94E587B81F1}"/>
+              </a:ext>
+            </a:extLst>
+          </p:cNvPr>
+          <p:cNvCxnSpPr>
+            <a:cxnSpLocks/>
+            <a:endCxn id="30" idx="1"/>
+          </p:cNvCxnSpPr>
+          <p:nvPr/>
+        </p:nvCxnSpPr>
+        <p:spPr>
+          <a:xfrm>
+            <a:off x="6910302" y="3143684"/>
+            <a:ext cx="172348" cy="436675"/>
+          </a:xfrm>
+          <a:prstGeom prst="straightConnector1">
+            <a:avLst/>
+          </a:prstGeom>
+          <a:ln w="12700">
+            <a:solidFill>
+              <a:schemeClr val="tx1"/>
+            </a:solidFill>
+            <a:tailEnd type="triangle"/>
+          </a:ln>
+        </p:spPr>
+        <p:style>
+          <a:lnRef idx="1">
+            <a:schemeClr val="accent1"/>
+          </a:lnRef>
+          <a:fillRef idx="0">
+            <a:schemeClr val="accent1"/>
+          </a:fillRef>
+          <a:effectRef idx="0">
+            <a:schemeClr val="accent1"/>
+          </a:effectRef>
+          <a:fontRef idx="minor">
+            <a:schemeClr val="tx1"/>
+          </a:fontRef>
+        </p:style>
+      </p:cxnSp>
+      <p:sp>
+        <p:nvSpPr>
+          <p:cNvPr id="29" name="CasellaDiTesto 28">
+            <a:extLst>
+              <a:ext uri="{FF2B5EF4-FFF2-40B4-BE49-F238E27FC236}">
+                <a16:creationId xmlns:a16="http://schemas.microsoft.com/office/drawing/2014/main" id="{8603A465-6D85-033D-30A7-8657E875303B}"/>
+              </a:ext>
+            </a:extLst>
+          </p:cNvPr>
+          <p:cNvSpPr txBox="1"/>
+          <p:nvPr/>
+        </p:nvSpPr>
+        <p:spPr>
+          <a:xfrm>
+            <a:off x="6528046" y="3262832"/>
+            <a:ext cx="895928" cy="138499"/>
+          </a:xfrm>
+          <a:prstGeom prst="rect">
+            <a:avLst/>
+          </a:prstGeom>
+          <a:solidFill>
+            <a:schemeClr val="bg1"/>
+          </a:solidFill>
+        </p:spPr>
+        <p:txBody>
+          <a:bodyPr wrap="square" lIns="0" tIns="0" rIns="0" bIns="0" rtlCol="0">
+            <a:spAutoFit/>
+          </a:bodyPr>
+          <a:lstStyle>
+            <a:defPPr>
+              <a:defRPr lang="en-US"/>
+            </a:defPPr>
+            <a:lvl1pPr algn="ctr">
+              <a:defRPr sz="900"/>
+            </a:lvl1pPr>
+          </a:lstStyle>
+          <a:p>
+            <a:r>
+              <a:rPr lang="it-IT" dirty="0"/>
+              <a:t>AvailableOn</a:t>
+            </a:r>
+          </a:p>
+        </p:txBody>
+      </p:sp>
+      <p:sp>
+        <p:nvSpPr>
+          <p:cNvPr id="34" name="Flowchart: Off-page Connector 24">
+            <a:extLst>
+              <a:ext uri="{FF2B5EF4-FFF2-40B4-BE49-F238E27FC236}">
+                <a16:creationId xmlns:a16="http://schemas.microsoft.com/office/drawing/2014/main" id="{BB02F2B3-5611-F3C5-C080-0629917C758D}"/>
+              </a:ext>
+            </a:extLst>
+          </p:cNvPr>
+          <p:cNvSpPr/>
+          <p:nvPr/>
+        </p:nvSpPr>
+        <p:spPr>
+          <a:xfrm>
+            <a:off x="5555485" y="2413977"/>
+            <a:ext cx="180000" cy="270000"/>
+          </a:xfrm>
+          <a:prstGeom prst="flowChartOffpageConnector">
+            <a:avLst/>
+          </a:prstGeom>
+          <a:solidFill>
+            <a:schemeClr val="bg1"/>
+          </a:solidFill>
+          <a:ln w="19050">
+            <a:solidFill>
+              <a:schemeClr val="tx1"/>
+            </a:solidFill>
+          </a:ln>
+          <a:scene3d>
+            <a:camera prst="orthographicFront">
+              <a:rot lat="0" lon="0" rev="5400000"/>
+            </a:camera>
+            <a:lightRig rig="threePt" dir="t"/>
+          </a:scene3d>
+        </p:spPr>
+        <p:style>
+          <a:lnRef idx="2">
+            <a:schemeClr val="accent1">
+              <a:shade val="50000"/>
+            </a:schemeClr>
+          </a:lnRef>
+          <a:fillRef idx="1">
+            <a:schemeClr val="accent1"/>
+          </a:fillRef>
+          <a:effectRef idx="0">
+            <a:schemeClr val="accent1"/>
+          </a:effectRef>
+          <a:fontRef idx="minor">
+            <a:schemeClr val="lt1"/>
+          </a:fontRef>
+        </p:style>
+        <p:txBody>
+          <a:bodyPr tIns="0" rtlCol="0" anchor="t" anchorCtr="0"/>
+          <a:lstStyle/>
+          <a:p>
+            <a:pPr marL="0" marR="0" lvl="0" indent="0" algn="l" defTabSz="914400" rtl="0" eaLnBrk="1" fontAlgn="auto" latinLnBrk="0" hangingPunct="1">
+              <a:lnSpc>
+                <a:spcPct val="100000"/>
+              </a:lnSpc>
+              <a:spcBef>
+                <a:spcPts val="0"/>
+              </a:spcBef>
+              <a:spcAft>
+                <a:spcPts val="0"/>
+              </a:spcAft>
+              <a:buClrTx/>
+              <a:buSzTx/>
+              <a:buFontTx/>
+              <a:buNone/>
+              <a:tabLst/>
+              <a:defRPr/>
+            </a:pPr>
+            <a:endParaRPr kumimoji="0" lang="en-US" sz="1000" b="0" i="0" u="none" strike="noStrike" kern="1200" cap="none" spc="0" normalizeH="0" baseline="0" noProof="0">
+              <a:ln>
+                <a:noFill/>
+              </a:ln>
+              <a:solidFill>
+                <a:prstClr val="black"/>
+              </a:solidFill>
+              <a:effectLst/>
+              <a:uLnTx/>
+              <a:uFillTx/>
+              <a:ea typeface="+mn-ea"/>
+              <a:cs typeface="+mn-cs"/>
+            </a:endParaRPr>
+          </a:p>
+        </p:txBody>
+      </p:sp>
+      <p:sp>
+        <p:nvSpPr>
+          <p:cNvPr id="36" name="Arrow: Chevron 15">
+            <a:extLst>
+              <a:ext uri="{FF2B5EF4-FFF2-40B4-BE49-F238E27FC236}">
+                <a16:creationId xmlns:a16="http://schemas.microsoft.com/office/drawing/2014/main" id="{6314DDD9-BF53-9AE5-3FB3-ECACA2C803BE}"/>
+              </a:ext>
+            </a:extLst>
+          </p:cNvPr>
+          <p:cNvSpPr/>
+          <p:nvPr/>
+        </p:nvSpPr>
+        <p:spPr>
+          <a:xfrm rot="5400000">
+            <a:off x="6401738" y="2467639"/>
+            <a:ext cx="270000" cy="180000"/>
+          </a:xfrm>
+          <a:prstGeom prst="chevron">
+            <a:avLst>
+              <a:gd name="adj" fmla="val 14000"/>
+            </a:avLst>
+          </a:prstGeom>
+          <a:solidFill>
+            <a:schemeClr val="bg1"/>
+          </a:solidFill>
+          <a:ln w="12700">
+            <a:solidFill>
+              <a:schemeClr val="tx1"/>
+            </a:solidFill>
+          </a:ln>
+          <a:scene3d>
+            <a:camera prst="orthographicFront">
+              <a:rot lat="0" lon="0" rev="5400000"/>
+            </a:camera>
+            <a:lightRig rig="threePt" dir="t"/>
+          </a:scene3d>
+        </p:spPr>
+        <p:style>
+          <a:lnRef idx="2">
+            <a:schemeClr val="accent1">
+              <a:shade val="50000"/>
+            </a:schemeClr>
+          </a:lnRef>
+          <a:fillRef idx="1">
+            <a:schemeClr val="accent1"/>
+          </a:fillRef>
+          <a:effectRef idx="0">
+            <a:schemeClr val="accent1"/>
+          </a:effectRef>
+          <a:fontRef idx="minor">
+            <a:schemeClr val="lt1"/>
+          </a:fontRef>
+        </p:style>
+        <p:txBody>
+          <a:bodyPr tIns="0" rtlCol="0" anchor="t" anchorCtr="0"/>
+          <a:lstStyle/>
+          <a:p>
+            <a:pPr marL="0" marR="0" lvl="0" indent="0" algn="l" defTabSz="914400" rtl="0" eaLnBrk="1" fontAlgn="auto" latinLnBrk="0" hangingPunct="1">
+              <a:lnSpc>
+                <a:spcPct val="100000"/>
+              </a:lnSpc>
+              <a:spcBef>
+                <a:spcPts val="0"/>
+              </a:spcBef>
+              <a:spcAft>
+                <a:spcPts val="0"/>
+              </a:spcAft>
+              <a:buClrTx/>
+              <a:buSzTx/>
+              <a:buFontTx/>
+              <a:buNone/>
+              <a:tabLst/>
+              <a:defRPr/>
+            </a:pPr>
+            <a:endParaRPr kumimoji="0" lang="en-US" sz="1000" b="0" i="0" u="none" strike="noStrike" kern="1200" cap="none" spc="0" normalizeH="0" baseline="0" noProof="0">
+              <a:ln>
+                <a:noFill/>
+              </a:ln>
+              <a:solidFill>
+                <a:prstClr val="black"/>
+              </a:solidFill>
+              <a:effectLst/>
+              <a:uLnTx/>
+              <a:uFillTx/>
+              <a:ea typeface="+mn-ea"/>
+              <a:cs typeface="+mn-cs"/>
+            </a:endParaRPr>
+          </a:p>
+        </p:txBody>
+      </p:sp>
+      <p:cxnSp>
+        <p:nvCxnSpPr>
+          <p:cNvPr id="37" name="Straight Arrow Connector 45">
+            <a:extLst>
+              <a:ext uri="{FF2B5EF4-FFF2-40B4-BE49-F238E27FC236}">
+                <a16:creationId xmlns:a16="http://schemas.microsoft.com/office/drawing/2014/main" id="{E5BFFA8F-7EC9-F7DA-841F-1F36909B9A1D}"/>
+              </a:ext>
+            </a:extLst>
+          </p:cNvPr>
+          <p:cNvCxnSpPr>
+            <a:cxnSpLocks/>
+            <a:stCxn id="34" idx="3"/>
+            <a:endCxn id="36" idx="2"/>
+          </p:cNvCxnSpPr>
+          <p:nvPr/>
+        </p:nvCxnSpPr>
+        <p:spPr>
+          <a:xfrm flipV="1">
+            <a:off x="5735485" y="2545039"/>
+            <a:ext cx="711253" cy="3938"/>
+          </a:xfrm>
+          <a:prstGeom prst="straightConnector1">
+            <a:avLst/>
+          </a:prstGeom>
+          <a:ln w="12700">
+            <a:solidFill>
+              <a:schemeClr val="tx1"/>
+            </a:solidFill>
+            <a:tailEnd type="triangle"/>
+          </a:ln>
+        </p:spPr>
+        <p:style>
+          <a:lnRef idx="1">
+            <a:schemeClr val="accent1"/>
+          </a:lnRef>
+          <a:fillRef idx="0">
+            <a:schemeClr val="accent1"/>
+          </a:fillRef>
+          <a:effectRef idx="0">
+            <a:schemeClr val="accent1"/>
+          </a:effectRef>
+          <a:fontRef idx="minor">
+            <a:schemeClr val="tx1"/>
+          </a:fontRef>
+        </p:style>
+      </p:cxnSp>
+      <p:sp>
+        <p:nvSpPr>
+          <p:cNvPr id="40" name="CasellaDiTesto 39">
+            <a:extLst>
+              <a:ext uri="{FF2B5EF4-FFF2-40B4-BE49-F238E27FC236}">
+                <a16:creationId xmlns:a16="http://schemas.microsoft.com/office/drawing/2014/main" id="{7FECE17C-B432-16F6-3F1D-FE99849260FD}"/>
+              </a:ext>
+            </a:extLst>
+          </p:cNvPr>
+          <p:cNvSpPr txBox="1"/>
+          <p:nvPr/>
+        </p:nvSpPr>
+        <p:spPr>
+          <a:xfrm>
+            <a:off x="5618267" y="2316108"/>
+            <a:ext cx="895928" cy="230832"/>
+          </a:xfrm>
+          <a:prstGeom prst="rect">
+            <a:avLst/>
+          </a:prstGeom>
+          <a:noFill/>
+        </p:spPr>
+        <p:txBody>
+          <a:bodyPr wrap="square" rtlCol="0">
+            <a:spAutoFit/>
+          </a:bodyPr>
+          <a:lstStyle/>
+          <a:p>
+            <a:pPr algn="ctr"/>
+            <a:r>
+              <a:rPr lang="it-IT" sz="900" dirty="0" err="1"/>
+              <a:t>Processes</a:t>
+            </a:r>
+            <a:endParaRPr lang="it-IT" sz="900" dirty="0"/>
+          </a:p>
+        </p:txBody>
+      </p:sp>
+      <p:sp>
+        <p:nvSpPr>
+          <p:cNvPr id="45" name="Rectangle: Rounded Corners 63">
+            <a:extLst>
+              <a:ext uri="{FF2B5EF4-FFF2-40B4-BE49-F238E27FC236}">
+                <a16:creationId xmlns:a16="http://schemas.microsoft.com/office/drawing/2014/main" id="{C78AC00A-DB3A-8E02-6F89-8A4AE5B634EA}"/>
+              </a:ext>
+            </a:extLst>
+          </p:cNvPr>
+          <p:cNvSpPr/>
+          <p:nvPr/>
+        </p:nvSpPr>
+        <p:spPr>
+          <a:xfrm>
+            <a:off x="7165531" y="424687"/>
+            <a:ext cx="1545903" cy="1083735"/>
+          </a:xfrm>
+          <a:prstGeom prst="roundRect">
+            <a:avLst/>
+          </a:prstGeom>
+          <a:noFill/>
+          <a:ln w="19050">
+            <a:prstDash val="sysDash"/>
+          </a:ln>
+        </p:spPr>
+        <p:style>
+          <a:lnRef idx="2">
+            <a:schemeClr val="accent1">
+              <a:shade val="15000"/>
+            </a:schemeClr>
+          </a:lnRef>
+          <a:fillRef idx="1">
+            <a:schemeClr val="accent1"/>
+          </a:fillRef>
+          <a:effectRef idx="0">
+            <a:schemeClr val="accent1"/>
+          </a:effectRef>
+          <a:fontRef idx="minor">
+            <a:schemeClr val="lt1"/>
+          </a:fontRef>
+        </p:style>
+        <p:txBody>
+          <a:bodyPr rtlCol="0" anchor="ctr" anchorCtr="0"/>
+          <a:lstStyle/>
+          <a:p>
+            <a:pPr algn="ctr"/>
+            <a:r>
+              <a:rPr lang="en-US" sz="1100" dirty="0">
+                <a:solidFill>
+                  <a:schemeClr val="tx1"/>
+                </a:solidFill>
+              </a:rPr>
+              <a:t>Substituting</a:t>
+            </a:r>
+            <a:br>
+              <a:rPr lang="en-US" sz="1100" dirty="0">
+                <a:solidFill>
+                  <a:schemeClr val="tx1"/>
+                </a:solidFill>
+              </a:rPr>
+            </a:br>
+            <a:r>
+              <a:rPr lang="en-US" sz="1100" dirty="0">
+                <a:solidFill>
+                  <a:schemeClr val="tx1"/>
+                </a:solidFill>
+              </a:rPr>
+              <a:t>Service Template</a:t>
+            </a:r>
+            <a:br>
+              <a:rPr lang="en-US" sz="1100" dirty="0">
+                <a:solidFill>
+                  <a:schemeClr val="tx1"/>
+                </a:solidFill>
+              </a:rPr>
+            </a:br>
+            <a:r>
+              <a:rPr lang="en-US" sz="1100" dirty="0">
+                <a:solidFill>
+                  <a:schemeClr val="tx1"/>
+                </a:solidFill>
+              </a:rPr>
+              <a:t>(Data)</a:t>
+            </a:r>
+          </a:p>
+        </p:txBody>
+      </p:sp>
+      <p:cxnSp>
+        <p:nvCxnSpPr>
+          <p:cNvPr id="46" name="Straight Arrow Connector 134">
+            <a:extLst>
+              <a:ext uri="{FF2B5EF4-FFF2-40B4-BE49-F238E27FC236}">
+                <a16:creationId xmlns:a16="http://schemas.microsoft.com/office/drawing/2014/main" id="{479AD7EE-8F73-D4C2-C81E-9787B2F28C6A}"/>
+              </a:ext>
+            </a:extLst>
+          </p:cNvPr>
+          <p:cNvCxnSpPr>
+            <a:cxnSpLocks/>
+            <a:stCxn id="14" idx="0"/>
+            <a:endCxn id="45" idx="2"/>
+          </p:cNvCxnSpPr>
+          <p:nvPr/>
+        </p:nvCxnSpPr>
+        <p:spPr>
+          <a:xfrm flipV="1">
+            <a:off x="6924155" y="1508422"/>
+            <a:ext cx="1014328" cy="671082"/>
+          </a:xfrm>
+          <a:prstGeom prst="straightConnector1">
+            <a:avLst/>
+          </a:prstGeom>
+          <a:ln w="28575">
+            <a:solidFill>
+              <a:schemeClr val="accent2"/>
+            </a:solidFill>
+            <a:prstDash val="sysDash"/>
+            <a:headEnd type="triangle" w="med" len="med"/>
+            <a:tailEnd type="none" w="med" len="med"/>
+          </a:ln>
+        </p:spPr>
+        <p:style>
+          <a:lnRef idx="1">
+            <a:schemeClr val="accent1"/>
+          </a:lnRef>
+          <a:fillRef idx="0">
+            <a:schemeClr val="accent1"/>
+          </a:fillRef>
+          <a:effectRef idx="0">
+            <a:schemeClr val="accent1"/>
+          </a:effectRef>
+          <a:fontRef idx="minor">
+            <a:schemeClr val="tx1"/>
+          </a:fontRef>
+        </p:style>
+      </p:cxnSp>
+      <p:sp>
+        <p:nvSpPr>
+          <p:cNvPr id="47" name="TextBox 135">
+            <a:extLst>
+              <a:ext uri="{FF2B5EF4-FFF2-40B4-BE49-F238E27FC236}">
+                <a16:creationId xmlns:a16="http://schemas.microsoft.com/office/drawing/2014/main" id="{AA06CFF1-8DDE-9A69-008B-9BB2FC3275AE}"/>
+              </a:ext>
+            </a:extLst>
+          </p:cNvPr>
+          <p:cNvSpPr txBox="1"/>
+          <p:nvPr/>
+        </p:nvSpPr>
+        <p:spPr>
+          <a:xfrm>
+            <a:off x="7696519" y="1719295"/>
+            <a:ext cx="533800" cy="138499"/>
+          </a:xfrm>
+          <a:prstGeom prst="rect">
+            <a:avLst/>
+          </a:prstGeom>
+          <a:solidFill>
+            <a:schemeClr val="bg1"/>
+          </a:solidFill>
+        </p:spPr>
+        <p:txBody>
+          <a:bodyPr wrap="square" lIns="0" tIns="0" rIns="0" bIns="0" rtlCol="0">
+            <a:spAutoFit/>
+          </a:bodyPr>
+          <a:lstStyle/>
+          <a:p>
+            <a:pPr algn="ctr"/>
+            <a:r>
+              <a:rPr lang="en-US" sz="900" b="1" dirty="0"/>
+              <a:t>substitutes</a:t>
+            </a:r>
+          </a:p>
+        </p:txBody>
+      </p:sp>
+      <p:sp>
+        <p:nvSpPr>
+          <p:cNvPr id="50" name="Flowchart: Multidocument 1">
+            <a:extLst>
+              <a:ext uri="{FF2B5EF4-FFF2-40B4-BE49-F238E27FC236}">
+                <a16:creationId xmlns:a16="http://schemas.microsoft.com/office/drawing/2014/main" id="{00D716A5-3EA9-2897-182A-F5CF123F507D}"/>
+              </a:ext>
+            </a:extLst>
+          </p:cNvPr>
+          <p:cNvSpPr/>
+          <p:nvPr/>
+        </p:nvSpPr>
+        <p:spPr>
+          <a:xfrm>
+            <a:off x="2821407" y="1578702"/>
+            <a:ext cx="1021210" cy="685800"/>
+          </a:xfrm>
+          <a:prstGeom prst="flowChartMultidocument">
+            <a:avLst/>
+          </a:prstGeom>
+          <a:noFill/>
+          <a:ln w="19050" cap="flat" cmpd="sng" algn="ctr">
+            <a:solidFill>
+              <a:sysClr val="windowText" lastClr="000000"/>
+            </a:solidFill>
+            <a:prstDash val="solid"/>
+          </a:ln>
+          <a:effectLst/>
+        </p:spPr>
+        <p:txBody>
+          <a:bodyPr tIns="91440" rtlCol="0" anchor="t" anchorCtr="0"/>
+          <a:lstStyle/>
+          <a:p>
+            <a:r>
+              <a:rPr lang="en-US" sz="1100" kern="0" dirty="0">
+                <a:solidFill>
+                  <a:prstClr val="black"/>
+                </a:solidFill>
+                <a:latin typeface="Calibri" panose="020F0502020204030204"/>
+              </a:rPr>
+              <a:t>Application Profile</a:t>
+            </a:r>
+          </a:p>
+        </p:txBody>
+      </p:sp>
+      <p:sp>
+        <p:nvSpPr>
+          <p:cNvPr id="51" name="Flowchart: Multidocument 1">
+            <a:extLst>
+              <a:ext uri="{FF2B5EF4-FFF2-40B4-BE49-F238E27FC236}">
+                <a16:creationId xmlns:a16="http://schemas.microsoft.com/office/drawing/2014/main" id="{2723B9EE-4E0F-83AF-0AB4-19FB4D59A63B}"/>
+              </a:ext>
+            </a:extLst>
+          </p:cNvPr>
+          <p:cNvSpPr/>
+          <p:nvPr/>
+        </p:nvSpPr>
+        <p:spPr>
+          <a:xfrm>
+            <a:off x="2195893" y="4081166"/>
+            <a:ext cx="1021210" cy="685800"/>
+          </a:xfrm>
+          <a:prstGeom prst="flowChartMultidocument">
+            <a:avLst/>
+          </a:prstGeom>
+          <a:noFill/>
+          <a:ln w="19050" cap="flat" cmpd="sng" algn="ctr">
+            <a:solidFill>
+              <a:sysClr val="windowText" lastClr="000000"/>
+            </a:solidFill>
+            <a:prstDash val="solid"/>
+          </a:ln>
+          <a:effectLst/>
+        </p:spPr>
+        <p:txBody>
+          <a:bodyPr tIns="91440" rtlCol="0" anchor="t" anchorCtr="0"/>
+          <a:lstStyle/>
+          <a:p>
+            <a:r>
+              <a:rPr lang="en-US" sz="1100" kern="0" dirty="0">
+                <a:solidFill>
+                  <a:prstClr val="black"/>
+                </a:solidFill>
+                <a:latin typeface="Calibri" panose="020F0502020204030204"/>
+              </a:rPr>
+              <a:t>Platform</a:t>
+            </a:r>
+            <a:br>
+              <a:rPr lang="en-US" sz="1100" kern="0" dirty="0">
+                <a:solidFill>
+                  <a:prstClr val="black"/>
+                </a:solidFill>
+                <a:latin typeface="Calibri" panose="020F0502020204030204"/>
+              </a:rPr>
+            </a:br>
+            <a:r>
+              <a:rPr lang="en-US" sz="1100" kern="0" dirty="0">
+                <a:solidFill>
+                  <a:prstClr val="black"/>
+                </a:solidFill>
+                <a:latin typeface="Calibri" panose="020F0502020204030204"/>
+              </a:rPr>
+              <a:t>Profile</a:t>
+            </a:r>
+          </a:p>
+        </p:txBody>
+      </p:sp>
+      <p:sp>
+        <p:nvSpPr>
+          <p:cNvPr id="52" name="Flowchart: Multidocument 1">
+            <a:extLst>
+              <a:ext uri="{FF2B5EF4-FFF2-40B4-BE49-F238E27FC236}">
+                <a16:creationId xmlns:a16="http://schemas.microsoft.com/office/drawing/2014/main" id="{7C0A90B7-6C8E-B055-BBC6-642D8841911B}"/>
+              </a:ext>
+            </a:extLst>
+          </p:cNvPr>
+          <p:cNvSpPr/>
+          <p:nvPr/>
+        </p:nvSpPr>
+        <p:spPr>
+          <a:xfrm>
+            <a:off x="3383662" y="2717800"/>
+            <a:ext cx="1021210" cy="685800"/>
+          </a:xfrm>
+          <a:prstGeom prst="flowChartMultidocument">
+            <a:avLst/>
+          </a:prstGeom>
+          <a:noFill/>
+          <a:ln w="19050" cap="flat" cmpd="sng" algn="ctr">
+            <a:solidFill>
+              <a:sysClr val="windowText" lastClr="000000"/>
+            </a:solidFill>
+            <a:prstDash val="solid"/>
+          </a:ln>
+          <a:effectLst/>
+        </p:spPr>
+        <p:txBody>
+          <a:bodyPr tIns="91440" rtlCol="0" anchor="t" anchorCtr="0"/>
+          <a:lstStyle/>
+          <a:p>
+            <a:r>
+              <a:rPr lang="en-US" sz="1100" kern="0" dirty="0">
+                <a:solidFill>
+                  <a:prstClr val="black"/>
+                </a:solidFill>
+                <a:latin typeface="Calibri" panose="020F0502020204030204"/>
+              </a:rPr>
+              <a:t>Common Profile</a:t>
+            </a:r>
+          </a:p>
+        </p:txBody>
+      </p:sp>
+      <p:sp>
+        <p:nvSpPr>
+          <p:cNvPr id="53" name="Flowchart: Multidocument 1">
+            <a:extLst>
+              <a:ext uri="{FF2B5EF4-FFF2-40B4-BE49-F238E27FC236}">
+                <a16:creationId xmlns:a16="http://schemas.microsoft.com/office/drawing/2014/main" id="{ACC5DA49-CD56-D8FF-E090-3FED2322FBDF}"/>
+              </a:ext>
+            </a:extLst>
+          </p:cNvPr>
+          <p:cNvSpPr/>
+          <p:nvPr/>
+        </p:nvSpPr>
+        <p:spPr>
+          <a:xfrm>
+            <a:off x="8349384" y="1578702"/>
+            <a:ext cx="1021210" cy="685800"/>
+          </a:xfrm>
+          <a:prstGeom prst="flowChartMultidocument">
+            <a:avLst/>
+          </a:prstGeom>
+          <a:noFill/>
+          <a:ln w="19050" cap="flat" cmpd="sng" algn="ctr">
+            <a:solidFill>
+              <a:sysClr val="windowText" lastClr="000000"/>
+            </a:solidFill>
+            <a:prstDash val="solid"/>
+          </a:ln>
+          <a:effectLst/>
+        </p:spPr>
+        <p:txBody>
+          <a:bodyPr tIns="91440" rtlCol="0" anchor="t" anchorCtr="0"/>
+          <a:lstStyle/>
+          <a:p>
+            <a:r>
+              <a:rPr lang="en-US" sz="1100" kern="0" dirty="0">
+                <a:solidFill>
+                  <a:prstClr val="black"/>
+                </a:solidFill>
+                <a:latin typeface="Calibri" panose="020F0502020204030204"/>
+              </a:rPr>
+              <a:t>Data Profile</a:t>
+            </a:r>
+          </a:p>
+        </p:txBody>
+      </p:sp>
+      <p:sp>
+        <p:nvSpPr>
+          <p:cNvPr id="22" name="Rectangle 13">
+            <a:extLst>
+              <a:ext uri="{FF2B5EF4-FFF2-40B4-BE49-F238E27FC236}">
+                <a16:creationId xmlns:a16="http://schemas.microsoft.com/office/drawing/2014/main" id="{432AEFCF-202E-1BBF-5696-6F63303027D4}"/>
+              </a:ext>
+            </a:extLst>
+          </p:cNvPr>
+          <p:cNvSpPr/>
+          <p:nvPr/>
+        </p:nvSpPr>
+        <p:spPr>
+          <a:xfrm>
+            <a:off x="6538444" y="3915359"/>
+            <a:ext cx="771421" cy="250978"/>
+          </a:xfrm>
+          <a:prstGeom prst="rect">
+            <a:avLst/>
+          </a:prstGeom>
+          <a:solidFill>
+            <a:schemeClr val="bg1">
+              <a:lumMod val="95000"/>
+            </a:schemeClr>
+          </a:solidFill>
+          <a:ln w="19050">
+            <a:solidFill>
+              <a:schemeClr val="bg2"/>
+            </a:solidFill>
+          </a:ln>
+        </p:spPr>
+        <p:style>
+          <a:lnRef idx="2">
+            <a:schemeClr val="accent1">
+              <a:shade val="50000"/>
+            </a:schemeClr>
+          </a:lnRef>
+          <a:fillRef idx="1">
+            <a:schemeClr val="accent1"/>
+          </a:fillRef>
+          <a:effectRef idx="0">
+            <a:schemeClr val="accent1"/>
+          </a:effectRef>
+          <a:fontRef idx="minor">
+            <a:schemeClr val="lt1"/>
+          </a:fontRef>
+        </p:style>
+        <p:txBody>
+          <a:bodyPr lIns="0" rIns="0" rtlCol="0" anchor="ctr"/>
+          <a:lstStyle/>
+          <a:p>
+            <a:pPr marL="0" marR="0" lvl="0" indent="0" algn="ctr" defTabSz="914400" rtl="0" eaLnBrk="1" fontAlgn="auto" latinLnBrk="0" hangingPunct="1">
+              <a:lnSpc>
+                <a:spcPct val="100000"/>
+              </a:lnSpc>
+              <a:spcBef>
+                <a:spcPts val="0"/>
+              </a:spcBef>
+              <a:spcAft>
+                <a:spcPts val="0"/>
+              </a:spcAft>
+              <a:buClrTx/>
+              <a:buSzTx/>
+              <a:buFontTx/>
+              <a:buNone/>
+              <a:tabLst/>
+              <a:defRPr/>
+            </a:pPr>
+            <a:r>
+              <a:rPr kumimoji="0" lang="en-US" sz="900" b="0" i="0" u="none" strike="noStrike" kern="1200" cap="none" spc="0" normalizeH="0" baseline="0" noProof="0" dirty="0">
+                <a:ln>
+                  <a:noFill/>
+                </a:ln>
+                <a:solidFill>
+                  <a:prstClr val="black"/>
+                </a:solidFill>
+                <a:effectLst/>
+                <a:uLnTx/>
+                <a:uFillTx/>
+                <a:ea typeface="+mn-ea"/>
+                <a:cs typeface="+mn-cs"/>
+              </a:rPr>
+              <a:t>Platform</a:t>
+            </a:r>
+          </a:p>
+        </p:txBody>
+      </p:sp>
+      <p:sp>
+        <p:nvSpPr>
+          <p:cNvPr id="25" name="Rectangle: Rounded Corners 14">
+            <a:extLst>
+              <a:ext uri="{FF2B5EF4-FFF2-40B4-BE49-F238E27FC236}">
+                <a16:creationId xmlns:a16="http://schemas.microsoft.com/office/drawing/2014/main" id="{CA7BB718-0A42-E647-1DE3-1BE96B5890FD}"/>
+              </a:ext>
+            </a:extLst>
+          </p:cNvPr>
+          <p:cNvSpPr/>
+          <p:nvPr/>
+        </p:nvSpPr>
+        <p:spPr>
+          <a:xfrm>
+            <a:off x="6538444" y="3684533"/>
+            <a:ext cx="771420" cy="815479"/>
+          </a:xfrm>
+          <a:prstGeom prst="roundRect">
+            <a:avLst/>
+          </a:prstGeom>
+          <a:noFill/>
+          <a:ln w="19050">
+            <a:solidFill>
+              <a:schemeClr val="tx1"/>
+            </a:solidFill>
+          </a:ln>
+        </p:spPr>
+        <p:style>
+          <a:lnRef idx="2">
+            <a:schemeClr val="accent1">
+              <a:shade val="50000"/>
+            </a:schemeClr>
+          </a:lnRef>
+          <a:fillRef idx="1">
+            <a:schemeClr val="accent1"/>
+          </a:fillRef>
+          <a:effectRef idx="0">
+            <a:schemeClr val="accent1"/>
+          </a:effectRef>
+          <a:fontRef idx="minor">
+            <a:schemeClr val="lt1"/>
+          </a:fontRef>
+        </p:style>
+        <p:txBody>
+          <a:bodyPr lIns="45720" tIns="0" bIns="73152" rtlCol="0" anchor="b" anchorCtr="0"/>
+          <a:lstStyle/>
+          <a:p>
+            <a:r>
+              <a:rPr lang="en-US" sz="800" dirty="0">
+                <a:solidFill>
+                  <a:prstClr val="black"/>
+                </a:solidFill>
+              </a:rPr>
+              <a:t>platform</a:t>
+            </a:r>
+          </a:p>
+        </p:txBody>
+      </p:sp>
+      <p:sp>
+        <p:nvSpPr>
+          <p:cNvPr id="26" name="Arrow: Chevron 15">
+            <a:extLst>
+              <a:ext uri="{FF2B5EF4-FFF2-40B4-BE49-F238E27FC236}">
+                <a16:creationId xmlns:a16="http://schemas.microsoft.com/office/drawing/2014/main" id="{BCEE1D49-457A-A15D-6AD7-555115AC47C8}"/>
+              </a:ext>
+            </a:extLst>
+          </p:cNvPr>
+          <p:cNvSpPr/>
+          <p:nvPr/>
+        </p:nvSpPr>
+        <p:spPr>
+          <a:xfrm rot="5400000">
+            <a:off x="6630658" y="3600159"/>
+            <a:ext cx="270000" cy="180000"/>
+          </a:xfrm>
+          <a:prstGeom prst="chevron">
+            <a:avLst>
+              <a:gd name="adj" fmla="val 14000"/>
+            </a:avLst>
+          </a:prstGeom>
+          <a:solidFill>
+            <a:schemeClr val="bg1"/>
+          </a:solidFill>
+          <a:ln w="12700">
+            <a:solidFill>
+              <a:schemeClr val="tx1"/>
+            </a:solidFill>
+          </a:ln>
+        </p:spPr>
+        <p:style>
+          <a:lnRef idx="2">
+            <a:schemeClr val="accent1">
+              <a:shade val="50000"/>
+            </a:schemeClr>
+          </a:lnRef>
+          <a:fillRef idx="1">
+            <a:schemeClr val="accent1"/>
+          </a:fillRef>
+          <a:effectRef idx="0">
+            <a:schemeClr val="accent1"/>
+          </a:effectRef>
+          <a:fontRef idx="minor">
+            <a:schemeClr val="lt1"/>
+          </a:fontRef>
+        </p:style>
+        <p:txBody>
+          <a:bodyPr tIns="0" rtlCol="0" anchor="t" anchorCtr="0"/>
+          <a:lstStyle/>
+          <a:p>
+            <a:pPr marL="0" marR="0" lvl="0" indent="0" algn="l" defTabSz="914400" rtl="0" eaLnBrk="1" fontAlgn="auto" latinLnBrk="0" hangingPunct="1">
+              <a:lnSpc>
+                <a:spcPct val="100000"/>
+              </a:lnSpc>
+              <a:spcBef>
+                <a:spcPts val="0"/>
+              </a:spcBef>
+              <a:spcAft>
+                <a:spcPts val="0"/>
+              </a:spcAft>
+              <a:buClrTx/>
+              <a:buSzTx/>
+              <a:buFontTx/>
+              <a:buNone/>
+              <a:tabLst/>
+              <a:defRPr/>
+            </a:pPr>
+            <a:endParaRPr kumimoji="0" lang="en-US" sz="1000" b="0" i="0" u="none" strike="noStrike" kern="1200" cap="none" spc="0" normalizeH="0" baseline="0" noProof="0">
+              <a:ln>
+                <a:noFill/>
+              </a:ln>
+              <a:solidFill>
+                <a:prstClr val="black"/>
+              </a:solidFill>
+              <a:effectLst/>
+              <a:uLnTx/>
+              <a:uFillTx/>
+              <a:ea typeface="+mn-ea"/>
+              <a:cs typeface="+mn-cs"/>
+            </a:endParaRPr>
+          </a:p>
+        </p:txBody>
+      </p:sp>
+      <p:sp>
+        <p:nvSpPr>
+          <p:cNvPr id="30" name="Arrow: Chevron 15">
+            <a:extLst>
+              <a:ext uri="{FF2B5EF4-FFF2-40B4-BE49-F238E27FC236}">
+                <a16:creationId xmlns:a16="http://schemas.microsoft.com/office/drawing/2014/main" id="{0E176ACC-2C8A-250B-EEF6-A44E8A202EAC}"/>
+              </a:ext>
+            </a:extLst>
+          </p:cNvPr>
+          <p:cNvSpPr/>
+          <p:nvPr/>
+        </p:nvSpPr>
+        <p:spPr>
+          <a:xfrm rot="5400000">
+            <a:off x="6947650" y="3600159"/>
+            <a:ext cx="270000" cy="180000"/>
+          </a:xfrm>
+          <a:prstGeom prst="chevron">
+            <a:avLst>
+              <a:gd name="adj" fmla="val 14000"/>
+            </a:avLst>
+          </a:prstGeom>
+          <a:solidFill>
+            <a:schemeClr val="bg1"/>
+          </a:solidFill>
+          <a:ln w="12700">
+            <a:solidFill>
+              <a:schemeClr val="tx1"/>
+            </a:solidFill>
+          </a:ln>
+        </p:spPr>
+        <p:style>
+          <a:lnRef idx="2">
+            <a:schemeClr val="accent1">
+              <a:shade val="50000"/>
+            </a:schemeClr>
+          </a:lnRef>
+          <a:fillRef idx="1">
+            <a:schemeClr val="accent1"/>
+          </a:fillRef>
+          <a:effectRef idx="0">
+            <a:schemeClr val="accent1"/>
+          </a:effectRef>
+          <a:fontRef idx="minor">
+            <a:schemeClr val="lt1"/>
+          </a:fontRef>
+        </p:style>
+        <p:txBody>
+          <a:bodyPr tIns="0" rtlCol="0" anchor="t" anchorCtr="0"/>
+          <a:lstStyle/>
+          <a:p>
+            <a:pPr marL="0" marR="0" lvl="0" indent="0" algn="l" defTabSz="914400" rtl="0" eaLnBrk="1" fontAlgn="auto" latinLnBrk="0" hangingPunct="1">
+              <a:lnSpc>
+                <a:spcPct val="100000"/>
+              </a:lnSpc>
+              <a:spcBef>
+                <a:spcPts val="0"/>
+              </a:spcBef>
+              <a:spcAft>
+                <a:spcPts val="0"/>
+              </a:spcAft>
+              <a:buClrTx/>
+              <a:buSzTx/>
+              <a:buFontTx/>
+              <a:buNone/>
+              <a:tabLst/>
+              <a:defRPr/>
+            </a:pPr>
+            <a:endParaRPr kumimoji="0" lang="en-US" sz="1000" b="0" i="0" u="none" strike="noStrike" kern="1200" cap="none" spc="0" normalizeH="0" baseline="0" noProof="0">
+              <a:ln>
+                <a:noFill/>
+              </a:ln>
+              <a:solidFill>
+                <a:prstClr val="black"/>
+              </a:solidFill>
+              <a:effectLst/>
+              <a:uLnTx/>
+              <a:uFillTx/>
+              <a:ea typeface="+mn-ea"/>
+              <a:cs typeface="+mn-cs"/>
+            </a:endParaRPr>
+          </a:p>
+        </p:txBody>
+      </p:sp>
+      <p:grpSp>
+        <p:nvGrpSpPr>
+          <p:cNvPr id="38" name="Group 37">
+            <a:extLst>
+              <a:ext uri="{FF2B5EF4-FFF2-40B4-BE49-F238E27FC236}">
+                <a16:creationId xmlns:a16="http://schemas.microsoft.com/office/drawing/2014/main" id="{F8FEA937-A154-4EC5-FDF9-EBD6A478F047}"/>
+              </a:ext>
+            </a:extLst>
+          </p:cNvPr>
+          <p:cNvGrpSpPr/>
+          <p:nvPr/>
+        </p:nvGrpSpPr>
+        <p:grpSpPr>
+          <a:xfrm>
+            <a:off x="5705107" y="4873500"/>
+            <a:ext cx="771421" cy="944853"/>
+            <a:chOff x="5689577" y="3579964"/>
+            <a:chExt cx="771421" cy="944853"/>
+          </a:xfrm>
+        </p:grpSpPr>
+        <p:sp>
+          <p:nvSpPr>
+            <p:cNvPr id="39" name="Rectangle 13">
+              <a:extLst>
+                <a:ext uri="{FF2B5EF4-FFF2-40B4-BE49-F238E27FC236}">
+                  <a16:creationId xmlns:a16="http://schemas.microsoft.com/office/drawing/2014/main" id="{CBA6BD34-7409-ABCC-8429-4400542A1099}"/>
+                </a:ext>
+              </a:extLst>
+            </p:cNvPr>
+            <p:cNvSpPr/>
+            <p:nvPr/>
+          </p:nvSpPr>
+          <p:spPr>
+            <a:xfrm>
+              <a:off x="5689577" y="4032525"/>
+              <a:ext cx="771421" cy="250978"/>
+            </a:xfrm>
+            <a:prstGeom prst="rect">
+              <a:avLst/>
+            </a:prstGeom>
+            <a:solidFill>
+              <a:schemeClr val="bg1">
+                <a:lumMod val="95000"/>
+              </a:schemeClr>
+            </a:solidFill>
+            <a:ln w="19050">
+              <a:solidFill>
+                <a:schemeClr val="bg2"/>
+              </a:solidFill>
+            </a:ln>
+          </p:spPr>
+          <p:style>
+            <a:lnRef idx="2">
+              <a:schemeClr val="accent1">
+                <a:shade val="50000"/>
+              </a:schemeClr>
+            </a:lnRef>
+            <a:fillRef idx="1">
+              <a:schemeClr val="accent1"/>
+            </a:fillRef>
+            <a:effectRef idx="0">
+              <a:schemeClr val="accent1"/>
+            </a:effectRef>
+            <a:fontRef idx="minor">
+              <a:schemeClr val="lt1"/>
+            </a:fontRef>
+          </p:style>
+          <p:txBody>
+            <a:bodyPr lIns="0" rIns="0" rtlCol="0" anchor="ctr"/>
+            <a:lstStyle/>
+            <a:p>
+              <a:pPr marL="0" marR="0" lvl="0" indent="0" algn="ctr" defTabSz="914400" rtl="0" eaLnBrk="1" fontAlgn="auto" latinLnBrk="0" hangingPunct="1">
+                <a:lnSpc>
+                  <a:spcPct val="100000"/>
+                </a:lnSpc>
+                <a:spcBef>
+                  <a:spcPts val="0"/>
+                </a:spcBef>
+                <a:spcAft>
+                  <a:spcPts val="0"/>
+                </a:spcAft>
+                <a:buClrTx/>
+                <a:buSzTx/>
+                <a:buFontTx/>
+                <a:buNone/>
+                <a:tabLst/>
+                <a:defRPr/>
+              </a:pPr>
+              <a:r>
+                <a:rPr kumimoji="0" lang="en-US" sz="900" b="0" i="0" u="none" strike="noStrike" kern="1200" cap="none" spc="0" normalizeH="0" baseline="0" noProof="0" dirty="0">
+                  <a:ln>
+                    <a:noFill/>
+                  </a:ln>
+                  <a:solidFill>
+                    <a:prstClr val="black"/>
+                  </a:solidFill>
+                  <a:effectLst/>
+                  <a:uLnTx/>
+                  <a:uFillTx/>
+                  <a:ea typeface="+mn-ea"/>
+                  <a:cs typeface="+mn-cs"/>
+                </a:rPr>
+                <a:t>Network</a:t>
+              </a:r>
+            </a:p>
+          </p:txBody>
+        </p:sp>
+        <p:sp>
+          <p:nvSpPr>
+            <p:cNvPr id="41" name="Rectangle: Rounded Corners 14">
+              <a:extLst>
+                <a:ext uri="{FF2B5EF4-FFF2-40B4-BE49-F238E27FC236}">
+                  <a16:creationId xmlns:a16="http://schemas.microsoft.com/office/drawing/2014/main" id="{F40F421E-A583-B27D-DC4D-FC31D927FE07}"/>
+                </a:ext>
+              </a:extLst>
+            </p:cNvPr>
+            <p:cNvSpPr/>
+            <p:nvPr/>
+          </p:nvSpPr>
+          <p:spPr>
+            <a:xfrm>
+              <a:off x="5689577" y="3709338"/>
+              <a:ext cx="771420" cy="815479"/>
+            </a:xfrm>
+            <a:prstGeom prst="roundRect">
+              <a:avLst/>
+            </a:prstGeom>
+            <a:noFill/>
+            <a:ln w="19050">
+              <a:solidFill>
+                <a:schemeClr val="tx1"/>
+              </a:solidFill>
+            </a:ln>
+          </p:spPr>
+          <p:style>
+            <a:lnRef idx="2">
+              <a:schemeClr val="accent1">
+                <a:shade val="50000"/>
+              </a:schemeClr>
+            </a:lnRef>
+            <a:fillRef idx="1">
+              <a:schemeClr val="accent1"/>
+            </a:fillRef>
+            <a:effectRef idx="0">
+              <a:schemeClr val="accent1"/>
+            </a:effectRef>
+            <a:fontRef idx="minor">
+              <a:schemeClr val="lt1"/>
+            </a:fontRef>
+          </p:style>
+          <p:txBody>
+            <a:bodyPr lIns="45720" tIns="0" bIns="9144" rtlCol="0" anchor="b" anchorCtr="0"/>
+            <a:lstStyle/>
+            <a:p>
+              <a:pPr lvl="0">
+                <a:defRPr/>
+              </a:pPr>
+              <a:r>
+                <a:rPr lang="en-US" sz="800" dirty="0">
+                  <a:solidFill>
+                    <a:prstClr val="black"/>
+                  </a:solidFill>
+                </a:rPr>
+                <a:t>network</a:t>
+              </a:r>
+              <a:endParaRPr kumimoji="0" lang="en-US" sz="800" b="0" i="0" u="none" strike="noStrike" kern="1200" cap="none" spc="0" normalizeH="0" baseline="0" noProof="0" dirty="0">
+                <a:ln>
+                  <a:noFill/>
+                </a:ln>
+                <a:solidFill>
+                  <a:prstClr val="black"/>
+                </a:solidFill>
+                <a:effectLst/>
+                <a:uLnTx/>
+                <a:uFillTx/>
+                <a:ea typeface="+mn-ea"/>
+                <a:cs typeface="+mn-cs"/>
+              </a:endParaRPr>
+            </a:p>
+          </p:txBody>
+        </p:sp>
+        <p:sp>
+          <p:nvSpPr>
+            <p:cNvPr id="42" name="Arrow: Chevron 15">
+              <a:extLst>
+                <a:ext uri="{FF2B5EF4-FFF2-40B4-BE49-F238E27FC236}">
+                  <a16:creationId xmlns:a16="http://schemas.microsoft.com/office/drawing/2014/main" id="{D71D04E4-0AEB-AA00-4C90-593A99699BB5}"/>
+                </a:ext>
+              </a:extLst>
+            </p:cNvPr>
+            <p:cNvSpPr/>
+            <p:nvPr/>
+          </p:nvSpPr>
+          <p:spPr>
+            <a:xfrm rot="5400000">
+              <a:off x="5781791" y="3624964"/>
+              <a:ext cx="270000" cy="180000"/>
+            </a:xfrm>
+            <a:prstGeom prst="chevron">
+              <a:avLst>
+                <a:gd name="adj" fmla="val 14000"/>
+              </a:avLst>
+            </a:prstGeom>
+            <a:solidFill>
+              <a:schemeClr val="bg1"/>
+            </a:solidFill>
+            <a:ln w="12700">
+              <a:solidFill>
+                <a:schemeClr val="tx1"/>
+              </a:solidFill>
+            </a:ln>
+          </p:spPr>
+          <p:style>
+            <a:lnRef idx="2">
+              <a:schemeClr val="accent1">
+                <a:shade val="50000"/>
+              </a:schemeClr>
+            </a:lnRef>
+            <a:fillRef idx="1">
+              <a:schemeClr val="accent1"/>
+            </a:fillRef>
+            <a:effectRef idx="0">
+              <a:schemeClr val="accent1"/>
+            </a:effectRef>
+            <a:fontRef idx="minor">
+              <a:schemeClr val="lt1"/>
+            </a:fontRef>
+          </p:style>
+          <p:txBody>
+            <a:bodyPr tIns="0" rtlCol="0" anchor="t" anchorCtr="0"/>
+            <a:lstStyle/>
+            <a:p>
+              <a:pPr marL="0" marR="0" lvl="0" indent="0" algn="l" defTabSz="914400" rtl="0" eaLnBrk="1" fontAlgn="auto" latinLnBrk="0" hangingPunct="1">
+                <a:lnSpc>
+                  <a:spcPct val="100000"/>
+                </a:lnSpc>
+                <a:spcBef>
+                  <a:spcPts val="0"/>
+                </a:spcBef>
+                <a:spcAft>
+                  <a:spcPts val="0"/>
+                </a:spcAft>
+                <a:buClrTx/>
+                <a:buSzTx/>
+                <a:buFontTx/>
+                <a:buNone/>
+                <a:tabLst/>
+                <a:defRPr/>
+              </a:pPr>
+              <a:endParaRPr kumimoji="0" lang="en-US" sz="1000" b="0" i="0" u="none" strike="noStrike" kern="1200" cap="none" spc="0" normalizeH="0" baseline="0" noProof="0">
+                <a:ln>
+                  <a:noFill/>
+                </a:ln>
+                <a:solidFill>
+                  <a:prstClr val="black"/>
+                </a:solidFill>
+                <a:effectLst/>
+                <a:uLnTx/>
+                <a:uFillTx/>
+                <a:ea typeface="+mn-ea"/>
+                <a:cs typeface="+mn-cs"/>
+              </a:endParaRPr>
+            </a:p>
+          </p:txBody>
+        </p:sp>
+        <p:sp>
+          <p:nvSpPr>
+            <p:cNvPr id="43" name="Arrow: Chevron 15">
+              <a:extLst>
+                <a:ext uri="{FF2B5EF4-FFF2-40B4-BE49-F238E27FC236}">
+                  <a16:creationId xmlns:a16="http://schemas.microsoft.com/office/drawing/2014/main" id="{C7AC128C-691C-C750-6978-DB32C3D56D18}"/>
+                </a:ext>
+              </a:extLst>
+            </p:cNvPr>
+            <p:cNvSpPr/>
+            <p:nvPr/>
+          </p:nvSpPr>
+          <p:spPr>
+            <a:xfrm rot="5400000">
+              <a:off x="6098783" y="3624964"/>
+              <a:ext cx="270000" cy="180000"/>
+            </a:xfrm>
+            <a:prstGeom prst="chevron">
+              <a:avLst>
+                <a:gd name="adj" fmla="val 14000"/>
+              </a:avLst>
+            </a:prstGeom>
+            <a:solidFill>
+              <a:schemeClr val="bg1"/>
+            </a:solidFill>
+            <a:ln w="12700">
+              <a:solidFill>
+                <a:schemeClr val="tx1"/>
+              </a:solidFill>
+            </a:ln>
+          </p:spPr>
+          <p:style>
+            <a:lnRef idx="2">
+              <a:schemeClr val="accent1">
+                <a:shade val="50000"/>
+              </a:schemeClr>
+            </a:lnRef>
+            <a:fillRef idx="1">
+              <a:schemeClr val="accent1"/>
+            </a:fillRef>
+            <a:effectRef idx="0">
+              <a:schemeClr val="accent1"/>
+            </a:effectRef>
+            <a:fontRef idx="minor">
+              <a:schemeClr val="lt1"/>
+            </a:fontRef>
+          </p:style>
+          <p:txBody>
+            <a:bodyPr tIns="0" rtlCol="0" anchor="t" anchorCtr="0"/>
+            <a:lstStyle/>
+            <a:p>
+              <a:pPr marL="0" marR="0" lvl="0" indent="0" algn="l" defTabSz="914400" rtl="0" eaLnBrk="1" fontAlgn="auto" latinLnBrk="0" hangingPunct="1">
+                <a:lnSpc>
+                  <a:spcPct val="100000"/>
+                </a:lnSpc>
+                <a:spcBef>
+                  <a:spcPts val="0"/>
+                </a:spcBef>
+                <a:spcAft>
+                  <a:spcPts val="0"/>
+                </a:spcAft>
+                <a:buClrTx/>
+                <a:buSzTx/>
+                <a:buFontTx/>
+                <a:buNone/>
+                <a:tabLst/>
+                <a:defRPr/>
+              </a:pPr>
+              <a:endParaRPr kumimoji="0" lang="en-US" sz="1000" b="0" i="0" u="none" strike="noStrike" kern="1200" cap="none" spc="0" normalizeH="0" baseline="0" noProof="0">
+                <a:ln>
+                  <a:noFill/>
+                </a:ln>
+                <a:solidFill>
+                  <a:prstClr val="black"/>
+                </a:solidFill>
+                <a:effectLst/>
+                <a:uLnTx/>
+                <a:uFillTx/>
+                <a:ea typeface="+mn-ea"/>
+                <a:cs typeface="+mn-cs"/>
+              </a:endParaRPr>
+            </a:p>
+          </p:txBody>
+        </p:sp>
+      </p:grpSp>
+      <p:sp>
+        <p:nvSpPr>
+          <p:cNvPr id="44" name="Flowchart: Off-page Connector 24">
+            <a:extLst>
+              <a:ext uri="{FF2B5EF4-FFF2-40B4-BE49-F238E27FC236}">
+                <a16:creationId xmlns:a16="http://schemas.microsoft.com/office/drawing/2014/main" id="{81D513DE-8560-9B8C-C5E2-F4E4A5C433DD}"/>
+              </a:ext>
+            </a:extLst>
+          </p:cNvPr>
+          <p:cNvSpPr/>
+          <p:nvPr/>
+        </p:nvSpPr>
+        <p:spPr>
+          <a:xfrm>
+            <a:off x="5136418" y="4412466"/>
+            <a:ext cx="180000" cy="270000"/>
+          </a:xfrm>
+          <a:prstGeom prst="flowChartOffpageConnector">
+            <a:avLst/>
+          </a:prstGeom>
+          <a:solidFill>
+            <a:schemeClr val="bg1"/>
+          </a:solidFill>
+          <a:ln w="19050">
+            <a:solidFill>
+              <a:schemeClr val="tx1"/>
+            </a:solidFill>
+          </a:ln>
+        </p:spPr>
+        <p:style>
+          <a:lnRef idx="2">
+            <a:schemeClr val="accent1">
+              <a:shade val="50000"/>
+            </a:schemeClr>
+          </a:lnRef>
+          <a:fillRef idx="1">
+            <a:schemeClr val="accent1"/>
+          </a:fillRef>
+          <a:effectRef idx="0">
+            <a:schemeClr val="accent1"/>
+          </a:effectRef>
+          <a:fontRef idx="minor">
+            <a:schemeClr val="lt1"/>
+          </a:fontRef>
+        </p:style>
+        <p:txBody>
+          <a:bodyPr tIns="0" rtlCol="0" anchor="t" anchorCtr="0"/>
+          <a:lstStyle/>
+          <a:p>
+            <a:pPr marL="0" marR="0" lvl="0" indent="0" algn="l" defTabSz="914400" rtl="0" eaLnBrk="1" fontAlgn="auto" latinLnBrk="0" hangingPunct="1">
+              <a:lnSpc>
+                <a:spcPct val="100000"/>
+              </a:lnSpc>
+              <a:spcBef>
+                <a:spcPts val="0"/>
+              </a:spcBef>
+              <a:spcAft>
+                <a:spcPts val="0"/>
+              </a:spcAft>
+              <a:buClrTx/>
+              <a:buSzTx/>
+              <a:buFontTx/>
+              <a:buNone/>
+              <a:tabLst/>
+              <a:defRPr/>
+            </a:pPr>
+            <a:endParaRPr kumimoji="0" lang="en-US" sz="1000" b="0" i="0" u="none" strike="noStrike" kern="1200" cap="none" spc="0" normalizeH="0" baseline="0" noProof="0">
+              <a:ln>
+                <a:noFill/>
+              </a:ln>
+              <a:solidFill>
+                <a:prstClr val="black"/>
+              </a:solidFill>
+              <a:effectLst/>
+              <a:uLnTx/>
+              <a:uFillTx/>
+              <a:ea typeface="+mn-ea"/>
+              <a:cs typeface="+mn-cs"/>
+            </a:endParaRPr>
+          </a:p>
+        </p:txBody>
+      </p:sp>
+      <p:sp>
+        <p:nvSpPr>
+          <p:cNvPr id="48" name="Flowchart: Off-page Connector 24">
+            <a:extLst>
+              <a:ext uri="{FF2B5EF4-FFF2-40B4-BE49-F238E27FC236}">
+                <a16:creationId xmlns:a16="http://schemas.microsoft.com/office/drawing/2014/main" id="{867FF9A4-53B5-133C-FC6F-2E7105101230}"/>
+              </a:ext>
+            </a:extLst>
+          </p:cNvPr>
+          <p:cNvSpPr/>
+          <p:nvPr/>
+        </p:nvSpPr>
+        <p:spPr>
+          <a:xfrm>
+            <a:off x="6834154" y="4412466"/>
+            <a:ext cx="180000" cy="270000"/>
+          </a:xfrm>
+          <a:prstGeom prst="flowChartOffpageConnector">
+            <a:avLst/>
+          </a:prstGeom>
+          <a:solidFill>
+            <a:schemeClr val="bg1"/>
+          </a:solidFill>
+          <a:ln w="19050">
+            <a:solidFill>
+              <a:schemeClr val="tx1"/>
+            </a:solidFill>
+          </a:ln>
+        </p:spPr>
+        <p:style>
+          <a:lnRef idx="2">
+            <a:schemeClr val="accent1">
+              <a:shade val="50000"/>
+            </a:schemeClr>
+          </a:lnRef>
+          <a:fillRef idx="1">
+            <a:schemeClr val="accent1"/>
+          </a:fillRef>
+          <a:effectRef idx="0">
+            <a:schemeClr val="accent1"/>
+          </a:effectRef>
+          <a:fontRef idx="minor">
+            <a:schemeClr val="lt1"/>
+          </a:fontRef>
+        </p:style>
+        <p:txBody>
+          <a:bodyPr tIns="0" rtlCol="0" anchor="t" anchorCtr="0"/>
+          <a:lstStyle/>
+          <a:p>
+            <a:pPr marL="0" marR="0" lvl="0" indent="0" algn="l" defTabSz="914400" rtl="0" eaLnBrk="1" fontAlgn="auto" latinLnBrk="0" hangingPunct="1">
+              <a:lnSpc>
+                <a:spcPct val="100000"/>
+              </a:lnSpc>
+              <a:spcBef>
+                <a:spcPts val="0"/>
+              </a:spcBef>
+              <a:spcAft>
+                <a:spcPts val="0"/>
+              </a:spcAft>
+              <a:buClrTx/>
+              <a:buSzTx/>
+              <a:buFontTx/>
+              <a:buNone/>
+              <a:tabLst/>
+              <a:defRPr/>
+            </a:pPr>
+            <a:endParaRPr kumimoji="0" lang="en-US" sz="1000" b="0" i="0" u="none" strike="noStrike" kern="1200" cap="none" spc="0" normalizeH="0" baseline="0" noProof="0">
+              <a:ln>
+                <a:noFill/>
+              </a:ln>
+              <a:solidFill>
+                <a:prstClr val="black"/>
+              </a:solidFill>
+              <a:effectLst/>
+              <a:uLnTx/>
+              <a:uFillTx/>
+              <a:ea typeface="+mn-ea"/>
+              <a:cs typeface="+mn-cs"/>
+            </a:endParaRPr>
+          </a:p>
+        </p:txBody>
+      </p:sp>
+      <p:cxnSp>
+        <p:nvCxnSpPr>
+          <p:cNvPr id="49" name="Straight Arrow Connector 45">
+            <a:extLst>
+              <a:ext uri="{FF2B5EF4-FFF2-40B4-BE49-F238E27FC236}">
+                <a16:creationId xmlns:a16="http://schemas.microsoft.com/office/drawing/2014/main" id="{9D7720F5-DC46-443B-B451-10BBA6B11BC0}"/>
+              </a:ext>
+            </a:extLst>
+          </p:cNvPr>
+          <p:cNvCxnSpPr>
+            <a:cxnSpLocks/>
+            <a:stCxn id="44" idx="2"/>
+            <a:endCxn id="42" idx="1"/>
+          </p:cNvCxnSpPr>
+          <p:nvPr/>
+        </p:nvCxnSpPr>
+        <p:spPr>
+          <a:xfrm>
+            <a:off x="5226418" y="4682466"/>
+            <a:ext cx="705903" cy="216234"/>
+          </a:xfrm>
+          <a:prstGeom prst="straightConnector1">
+            <a:avLst/>
+          </a:prstGeom>
+          <a:ln w="12700">
+            <a:solidFill>
+              <a:schemeClr val="tx1"/>
+            </a:solidFill>
+            <a:tailEnd type="triangle"/>
+          </a:ln>
+        </p:spPr>
+        <p:style>
+          <a:lnRef idx="1">
+            <a:schemeClr val="accent1"/>
+          </a:lnRef>
+          <a:fillRef idx="0">
+            <a:schemeClr val="accent1"/>
+          </a:fillRef>
+          <a:effectRef idx="0">
+            <a:schemeClr val="accent1"/>
+          </a:effectRef>
+          <a:fontRef idx="minor">
+            <a:schemeClr val="tx1"/>
+          </a:fontRef>
+        </p:style>
+      </p:cxnSp>
+      <p:cxnSp>
+        <p:nvCxnSpPr>
+          <p:cNvPr id="56" name="Straight Arrow Connector 45">
+            <a:extLst>
+              <a:ext uri="{FF2B5EF4-FFF2-40B4-BE49-F238E27FC236}">
+                <a16:creationId xmlns:a16="http://schemas.microsoft.com/office/drawing/2014/main" id="{1410699C-33F1-2C21-2ABA-F0DC56207468}"/>
+              </a:ext>
+            </a:extLst>
+          </p:cNvPr>
+          <p:cNvCxnSpPr>
+            <a:cxnSpLocks/>
+            <a:stCxn id="48" idx="2"/>
+            <a:endCxn id="43" idx="1"/>
+          </p:cNvCxnSpPr>
+          <p:nvPr/>
+        </p:nvCxnSpPr>
+        <p:spPr>
+          <a:xfrm flipH="1">
+            <a:off x="6249313" y="4682466"/>
+            <a:ext cx="674841" cy="216234"/>
+          </a:xfrm>
+          <a:prstGeom prst="straightConnector1">
+            <a:avLst/>
+          </a:prstGeom>
+          <a:ln w="12700">
+            <a:solidFill>
+              <a:schemeClr val="tx1"/>
+            </a:solidFill>
+            <a:tailEnd type="triangle"/>
+          </a:ln>
+        </p:spPr>
+        <p:style>
+          <a:lnRef idx="1">
+            <a:schemeClr val="accent1"/>
+          </a:lnRef>
+          <a:fillRef idx="0">
+            <a:schemeClr val="accent1"/>
+          </a:fillRef>
+          <a:effectRef idx="0">
+            <a:schemeClr val="accent1"/>
+          </a:effectRef>
+          <a:fontRef idx="minor">
+            <a:schemeClr val="tx1"/>
+          </a:fontRef>
+        </p:style>
+      </p:cxnSp>
+      <p:sp>
+        <p:nvSpPr>
+          <p:cNvPr id="59" name="CasellaDiTesto 15">
+            <a:extLst>
+              <a:ext uri="{FF2B5EF4-FFF2-40B4-BE49-F238E27FC236}">
+                <a16:creationId xmlns:a16="http://schemas.microsoft.com/office/drawing/2014/main" id="{157490BF-8174-5AE5-4C91-32B685F3A96A}"/>
+              </a:ext>
+            </a:extLst>
+          </p:cNvPr>
+          <p:cNvSpPr txBox="1"/>
+          <p:nvPr/>
+        </p:nvSpPr>
+        <p:spPr>
+          <a:xfrm>
+            <a:off x="5041886" y="4706846"/>
+            <a:ext cx="895928" cy="138499"/>
+          </a:xfrm>
+          <a:prstGeom prst="rect">
+            <a:avLst/>
+          </a:prstGeom>
+          <a:solidFill>
+            <a:schemeClr val="bg1"/>
+          </a:solidFill>
+        </p:spPr>
+        <p:txBody>
+          <a:bodyPr wrap="square" lIns="0" tIns="0" rIns="0" bIns="0" rtlCol="0">
+            <a:spAutoFit/>
+          </a:bodyPr>
+          <a:lstStyle/>
+          <a:p>
+            <a:pPr algn="ctr"/>
+            <a:r>
+              <a:rPr lang="it-IT" sz="900" dirty="0"/>
+              <a:t>LinksTo</a:t>
+            </a:r>
+          </a:p>
+        </p:txBody>
+      </p:sp>
+      <p:sp>
+        <p:nvSpPr>
+          <p:cNvPr id="60" name="CasellaDiTesto 15">
+            <a:extLst>
+              <a:ext uri="{FF2B5EF4-FFF2-40B4-BE49-F238E27FC236}">
+                <a16:creationId xmlns:a16="http://schemas.microsoft.com/office/drawing/2014/main" id="{8BF5D854-10F5-3449-9E1A-96C1FDF4C52F}"/>
+              </a:ext>
+            </a:extLst>
+          </p:cNvPr>
+          <p:cNvSpPr txBox="1"/>
+          <p:nvPr/>
+        </p:nvSpPr>
+        <p:spPr>
+          <a:xfrm>
+            <a:off x="6256639" y="4702314"/>
+            <a:ext cx="895928" cy="138499"/>
+          </a:xfrm>
+          <a:prstGeom prst="rect">
+            <a:avLst/>
+          </a:prstGeom>
+          <a:solidFill>
+            <a:schemeClr val="bg1"/>
+          </a:solidFill>
+        </p:spPr>
+        <p:txBody>
+          <a:bodyPr wrap="square" lIns="0" tIns="0" rIns="0" bIns="0" rtlCol="0">
+            <a:spAutoFit/>
+          </a:bodyPr>
+          <a:lstStyle/>
+          <a:p>
+            <a:pPr algn="ctr"/>
+            <a:r>
+              <a:rPr lang="it-IT" sz="900" dirty="0"/>
+              <a:t>LinksTo</a:t>
+            </a:r>
+          </a:p>
+        </p:txBody>
+      </p:sp>
+      <p:sp>
+        <p:nvSpPr>
+          <p:cNvPr id="61" name="Rectangle: Rounded Corners 63">
+            <a:extLst>
+              <a:ext uri="{FF2B5EF4-FFF2-40B4-BE49-F238E27FC236}">
+                <a16:creationId xmlns:a16="http://schemas.microsoft.com/office/drawing/2014/main" id="{01916197-6A7F-14DB-00A6-0340F5D74390}"/>
+              </a:ext>
+            </a:extLst>
+          </p:cNvPr>
+          <p:cNvSpPr/>
+          <p:nvPr/>
+        </p:nvSpPr>
+        <p:spPr>
+          <a:xfrm>
+            <a:off x="7890331" y="5096276"/>
+            <a:ext cx="1545903" cy="1083735"/>
+          </a:xfrm>
+          <a:prstGeom prst="roundRect">
+            <a:avLst/>
+          </a:prstGeom>
+          <a:noFill/>
+          <a:ln w="19050">
+            <a:prstDash val="sysDash"/>
+          </a:ln>
+        </p:spPr>
+        <p:style>
+          <a:lnRef idx="2">
+            <a:schemeClr val="accent1">
+              <a:shade val="15000"/>
+            </a:schemeClr>
+          </a:lnRef>
+          <a:fillRef idx="1">
+            <a:schemeClr val="accent1"/>
+          </a:fillRef>
+          <a:effectRef idx="0">
+            <a:schemeClr val="accent1"/>
+          </a:effectRef>
+          <a:fontRef idx="minor">
+            <a:schemeClr val="lt1"/>
+          </a:fontRef>
+        </p:style>
+        <p:txBody>
+          <a:bodyPr rtlCol="0" anchor="ctr" anchorCtr="0"/>
+          <a:lstStyle/>
+          <a:p>
+            <a:pPr algn="ctr"/>
+            <a:r>
+              <a:rPr lang="en-US" sz="1100" dirty="0">
+                <a:solidFill>
+                  <a:schemeClr val="tx1"/>
+                </a:solidFill>
+              </a:rPr>
+              <a:t>Substituting</a:t>
+            </a:r>
+            <a:br>
+              <a:rPr lang="en-US" sz="1100" dirty="0">
+                <a:solidFill>
+                  <a:schemeClr val="tx1"/>
+                </a:solidFill>
+              </a:rPr>
+            </a:br>
+            <a:r>
+              <a:rPr lang="en-US" sz="1100" dirty="0">
+                <a:solidFill>
+                  <a:schemeClr val="tx1"/>
+                </a:solidFill>
+              </a:rPr>
+              <a:t>Service Template</a:t>
+            </a:r>
+            <a:br>
+              <a:rPr lang="en-US" sz="1100" dirty="0">
+                <a:solidFill>
+                  <a:schemeClr val="tx1"/>
+                </a:solidFill>
+              </a:rPr>
+            </a:br>
+            <a:r>
+              <a:rPr lang="en-US" sz="1100" dirty="0">
+                <a:solidFill>
+                  <a:schemeClr val="tx1"/>
+                </a:solidFill>
+              </a:rPr>
+              <a:t>(Platform)</a:t>
+            </a:r>
+          </a:p>
+        </p:txBody>
+      </p:sp>
+      <p:cxnSp>
+        <p:nvCxnSpPr>
+          <p:cNvPr id="62" name="Straight Arrow Connector 134">
+            <a:extLst>
+              <a:ext uri="{FF2B5EF4-FFF2-40B4-BE49-F238E27FC236}">
+                <a16:creationId xmlns:a16="http://schemas.microsoft.com/office/drawing/2014/main" id="{31A412C6-0587-9A73-61C1-E3CD4BD6617D}"/>
+              </a:ext>
+            </a:extLst>
+          </p:cNvPr>
+          <p:cNvCxnSpPr>
+            <a:cxnSpLocks/>
+            <a:stCxn id="41" idx="3"/>
+            <a:endCxn id="61" idx="1"/>
+          </p:cNvCxnSpPr>
+          <p:nvPr/>
+        </p:nvCxnSpPr>
+        <p:spPr>
+          <a:xfrm>
+            <a:off x="6476527" y="5410614"/>
+            <a:ext cx="1413804" cy="227530"/>
+          </a:xfrm>
+          <a:prstGeom prst="straightConnector1">
+            <a:avLst/>
+          </a:prstGeom>
+          <a:ln w="28575">
+            <a:solidFill>
+              <a:schemeClr val="accent2"/>
+            </a:solidFill>
+            <a:prstDash val="sysDash"/>
+            <a:headEnd type="triangle" w="med" len="med"/>
+            <a:tailEnd type="none" w="med" len="med"/>
+          </a:ln>
+        </p:spPr>
+        <p:style>
+          <a:lnRef idx="1">
+            <a:schemeClr val="accent1"/>
+          </a:lnRef>
+          <a:fillRef idx="0">
+            <a:schemeClr val="accent1"/>
+          </a:fillRef>
+          <a:effectRef idx="0">
+            <a:schemeClr val="accent1"/>
+          </a:effectRef>
+          <a:fontRef idx="minor">
+            <a:schemeClr val="tx1"/>
+          </a:fontRef>
+        </p:style>
+      </p:cxnSp>
+      <p:sp>
+        <p:nvSpPr>
+          <p:cNvPr id="63" name="TextBox 135">
+            <a:extLst>
+              <a:ext uri="{FF2B5EF4-FFF2-40B4-BE49-F238E27FC236}">
+                <a16:creationId xmlns:a16="http://schemas.microsoft.com/office/drawing/2014/main" id="{25068B08-97E5-0E2B-9442-99BE0CCF4673}"/>
+              </a:ext>
+            </a:extLst>
+          </p:cNvPr>
+          <p:cNvSpPr txBox="1"/>
+          <p:nvPr/>
+        </p:nvSpPr>
+        <p:spPr>
+          <a:xfrm>
+            <a:off x="6885667" y="5479863"/>
+            <a:ext cx="533800" cy="138499"/>
+          </a:xfrm>
+          <a:prstGeom prst="rect">
+            <a:avLst/>
+          </a:prstGeom>
+          <a:solidFill>
+            <a:schemeClr val="bg1"/>
+          </a:solidFill>
+        </p:spPr>
+        <p:txBody>
+          <a:bodyPr wrap="square" lIns="0" tIns="0" rIns="0" bIns="0" rtlCol="0">
+            <a:spAutoFit/>
+          </a:bodyPr>
+          <a:lstStyle/>
+          <a:p>
+            <a:pPr algn="ctr"/>
+            <a:r>
+              <a:rPr lang="en-US" sz="900" b="1" dirty="0"/>
+              <a:t>substitutes</a:t>
+            </a:r>
+          </a:p>
+        </p:txBody>
+      </p:sp>
+      <p:sp>
+        <p:nvSpPr>
+          <p:cNvPr id="64" name="Flowchart: Multidocument 1">
+            <a:extLst>
+              <a:ext uri="{FF2B5EF4-FFF2-40B4-BE49-F238E27FC236}">
+                <a16:creationId xmlns:a16="http://schemas.microsoft.com/office/drawing/2014/main" id="{E17DD981-A46B-3EAF-C83D-F8B208096BE8}"/>
+              </a:ext>
+            </a:extLst>
+          </p:cNvPr>
+          <p:cNvSpPr/>
+          <p:nvPr/>
+        </p:nvSpPr>
+        <p:spPr>
+          <a:xfrm>
+            <a:off x="8781420" y="4317074"/>
+            <a:ext cx="1021210" cy="685800"/>
+          </a:xfrm>
+          <a:prstGeom prst="flowChartMultidocument">
+            <a:avLst/>
+          </a:prstGeom>
+          <a:noFill/>
+          <a:ln w="19050" cap="flat" cmpd="sng" algn="ctr">
+            <a:solidFill>
+              <a:sysClr val="windowText" lastClr="000000"/>
+            </a:solidFill>
+            <a:prstDash val="solid"/>
+          </a:ln>
+          <a:effectLst/>
+        </p:spPr>
+        <p:txBody>
+          <a:bodyPr tIns="91440" rtlCol="0" anchor="t" anchorCtr="0"/>
+          <a:lstStyle/>
+          <a:p>
+            <a:r>
+              <a:rPr lang="en-US" sz="1100" kern="0" dirty="0">
+                <a:solidFill>
+                  <a:prstClr val="black"/>
+                </a:solidFill>
+                <a:latin typeface="Calibri" panose="020F0502020204030204"/>
+              </a:rPr>
+              <a:t>Platform</a:t>
+            </a:r>
+            <a:br>
+              <a:rPr lang="en-US" sz="1100" kern="0" dirty="0">
+                <a:solidFill>
+                  <a:prstClr val="black"/>
+                </a:solidFill>
+                <a:latin typeface="Calibri" panose="020F0502020204030204"/>
+              </a:rPr>
+            </a:br>
+            <a:r>
+              <a:rPr lang="en-US" sz="1100" kern="0" dirty="0">
+                <a:solidFill>
+                  <a:prstClr val="black"/>
+                </a:solidFill>
+                <a:latin typeface="Calibri" panose="020F0502020204030204"/>
+              </a:rPr>
+              <a:t>Profile</a:t>
+            </a:r>
+          </a:p>
+        </p:txBody>
+      </p:sp>
+    </p:spTree>
+    <p:extLst>
+      <p:ext uri="{BB962C8B-B14F-4D97-AF65-F5344CB8AC3E}">
+        <p14:creationId xmlns:p14="http://schemas.microsoft.com/office/powerpoint/2010/main" val="2302801649"/>
+      </p:ext>
+    </p:extLst>
+  </p:cSld>
+  <p:clrMapOvr>
+    <a:masterClrMapping/>
+  </p:clrMapOvr>
+</p:sld>
+</file>
+
+<file path=ppt/slides/slide11.xml><?xml version="1.0" encoding="utf-8"?>
+<p:sld xmlns:a="http://schemas.openxmlformats.org/drawingml/2006/main" xmlns:r="http://schemas.openxmlformats.org/officeDocument/2006/relationships" xmlns:p="http://schemas.openxmlformats.org/presentationml/2006/main">
+  <p:cSld>
+    <p:spTree>
+      <p:nvGrpSpPr>
+        <p:cNvPr id="1" name=""/>
+        <p:cNvGrpSpPr/>
+        <p:nvPr/>
+      </p:nvGrpSpPr>
+      <p:grpSpPr>
+        <a:xfrm>
+          <a:off x="0" y="0"/>
+          <a:ext cx="0" cy="0"/>
+          <a:chOff x="0" y="0"/>
+          <a:chExt cx="0" cy="0"/>
+        </a:xfrm>
+      </p:grpSpPr>
+      <p:grpSp>
+        <p:nvGrpSpPr>
+          <p:cNvPr id="56" name="Group 55">
+            <a:extLst>
+              <a:ext uri="{FF2B5EF4-FFF2-40B4-BE49-F238E27FC236}">
+                <a16:creationId xmlns:a16="http://schemas.microsoft.com/office/drawing/2014/main" id="{581E700A-16D7-0EAC-9261-4F58A4131FC0}"/>
+              </a:ext>
+            </a:extLst>
+          </p:cNvPr>
+          <p:cNvGrpSpPr/>
+          <p:nvPr/>
+        </p:nvGrpSpPr>
+        <p:grpSpPr>
+          <a:xfrm>
+            <a:off x="916973" y="1269330"/>
+            <a:ext cx="4074193" cy="2573099"/>
+            <a:chOff x="3907757" y="1209675"/>
+            <a:chExt cx="4074193" cy="2573099"/>
+          </a:xfrm>
+        </p:grpSpPr>
+        <p:grpSp>
+          <p:nvGrpSpPr>
+            <p:cNvPr id="27" name="Group 26">
+              <a:extLst>
+                <a:ext uri="{FF2B5EF4-FFF2-40B4-BE49-F238E27FC236}">
+                  <a16:creationId xmlns:a16="http://schemas.microsoft.com/office/drawing/2014/main" id="{0E01CFB6-52FD-F6EA-23A7-6BBD5DD8BD58}"/>
+                </a:ext>
+              </a:extLst>
+            </p:cNvPr>
+            <p:cNvGrpSpPr/>
+            <p:nvPr/>
+          </p:nvGrpSpPr>
+          <p:grpSpPr>
+            <a:xfrm>
+              <a:off x="4056224" y="2437941"/>
+              <a:ext cx="771421" cy="974099"/>
+              <a:chOff x="3816085" y="2671396"/>
+              <a:chExt cx="771421" cy="974099"/>
+            </a:xfrm>
+          </p:grpSpPr>
+          <p:sp>
+            <p:nvSpPr>
+              <p:cNvPr id="23" name="Rectangle 22">
+                <a:extLst>
+                  <a:ext uri="{FF2B5EF4-FFF2-40B4-BE49-F238E27FC236}">
+                    <a16:creationId xmlns:a16="http://schemas.microsoft.com/office/drawing/2014/main" id="{5F154AFF-E66D-C26A-3511-384EE7118538}"/>
+                  </a:ext>
+                </a:extLst>
+              </p:cNvPr>
+              <p:cNvSpPr/>
+              <p:nvPr/>
+            </p:nvSpPr>
+            <p:spPr>
+              <a:xfrm>
+                <a:off x="3816085" y="2911202"/>
+                <a:ext cx="771421" cy="279919"/>
+              </a:xfrm>
+              <a:prstGeom prst="rect">
+                <a:avLst/>
+              </a:prstGeom>
+              <a:solidFill>
+                <a:schemeClr val="bg1">
+                  <a:lumMod val="95000"/>
+                </a:schemeClr>
+              </a:solidFill>
+              <a:ln w="19050">
+                <a:solidFill>
+                  <a:schemeClr val="bg2"/>
+                </a:solidFill>
+              </a:ln>
+            </p:spPr>
+            <p:style>
+              <a:lnRef idx="2">
+                <a:schemeClr val="accent1">
+                  <a:shade val="50000"/>
+                </a:schemeClr>
+              </a:lnRef>
+              <a:fillRef idx="1">
+                <a:schemeClr val="accent1"/>
+              </a:fillRef>
+              <a:effectRef idx="0">
+                <a:schemeClr val="accent1"/>
+              </a:effectRef>
+              <a:fontRef idx="minor">
+                <a:schemeClr val="lt1"/>
+              </a:fontRef>
+            </p:style>
+            <p:txBody>
+              <a:bodyPr lIns="0" rIns="0" rtlCol="0" anchor="ctr"/>
+              <a:lstStyle/>
+              <a:p>
+                <a:pPr marL="0" marR="0" lvl="0" indent="0" algn="ctr" defTabSz="914400" rtl="0" eaLnBrk="1" fontAlgn="auto" latinLnBrk="0" hangingPunct="1">
+                  <a:lnSpc>
+                    <a:spcPct val="100000"/>
+                  </a:lnSpc>
+                  <a:spcBef>
+                    <a:spcPts val="0"/>
+                  </a:spcBef>
+                  <a:spcAft>
+                    <a:spcPts val="0"/>
+                  </a:spcAft>
+                  <a:buClrTx/>
+                  <a:buSzTx/>
+                  <a:buFontTx/>
+                  <a:buNone/>
+                  <a:tabLst/>
+                  <a:defRPr/>
+                </a:pPr>
+                <a:r>
+                  <a:rPr kumimoji="0" lang="en-US" sz="900" b="0" i="0" u="none" strike="noStrike" kern="1200" cap="none" spc="0" normalizeH="0" baseline="0" noProof="0" dirty="0" err="1">
+                    <a:ln>
+                      <a:noFill/>
+                    </a:ln>
+                    <a:solidFill>
+                      <a:prstClr val="black"/>
+                    </a:solidFill>
+                    <a:effectLst/>
+                    <a:uLnTx/>
+                    <a:uFillTx/>
+                    <a:ea typeface="+mn-ea"/>
+                    <a:cs typeface="+mn-cs"/>
+                  </a:rPr>
+                  <a:t>WebUI</a:t>
+                </a:r>
+                <a:endParaRPr kumimoji="0" lang="en-US" sz="900" b="0" i="0" u="none" strike="noStrike" kern="1200" cap="none" spc="0" normalizeH="0" baseline="0" noProof="0" dirty="0">
+                  <a:ln>
+                    <a:noFill/>
+                  </a:ln>
+                  <a:solidFill>
+                    <a:prstClr val="black"/>
+                  </a:solidFill>
+                  <a:effectLst/>
+                  <a:uLnTx/>
+                  <a:uFillTx/>
+                  <a:ea typeface="+mn-ea"/>
+                  <a:cs typeface="+mn-cs"/>
+                </a:endParaRPr>
+              </a:p>
+            </p:txBody>
+          </p:sp>
+          <p:sp>
+            <p:nvSpPr>
+              <p:cNvPr id="24" name="Rectangle: Rounded Corners 23">
+                <a:extLst>
+                  <a:ext uri="{FF2B5EF4-FFF2-40B4-BE49-F238E27FC236}">
+                    <a16:creationId xmlns:a16="http://schemas.microsoft.com/office/drawing/2014/main" id="{EB8B633A-33D6-51B9-BD2D-F71276AB5A13}"/>
+                  </a:ext>
+                </a:extLst>
+              </p:cNvPr>
+              <p:cNvSpPr/>
+              <p:nvPr/>
+            </p:nvSpPr>
+            <p:spPr>
+              <a:xfrm>
+                <a:off x="3816085" y="2671396"/>
+                <a:ext cx="771420" cy="815478"/>
+              </a:xfrm>
+              <a:prstGeom prst="roundRect">
+                <a:avLst/>
+              </a:prstGeom>
+              <a:noFill/>
+              <a:ln w="19050">
+                <a:solidFill>
+                  <a:schemeClr val="tx1"/>
+                </a:solidFill>
+              </a:ln>
+            </p:spPr>
+            <p:style>
+              <a:lnRef idx="2">
+                <a:schemeClr val="accent1">
+                  <a:shade val="50000"/>
+                </a:schemeClr>
+              </a:lnRef>
+              <a:fillRef idx="1">
+                <a:schemeClr val="accent1"/>
+              </a:fillRef>
+              <a:effectRef idx="0">
+                <a:schemeClr val="accent1"/>
+              </a:effectRef>
+              <a:fontRef idx="minor">
+                <a:schemeClr val="lt1"/>
+              </a:fontRef>
+            </p:style>
+            <p:txBody>
+              <a:bodyPr tIns="0" rtlCol="0" anchor="t" anchorCtr="0"/>
+              <a:lstStyle/>
+              <a:p>
+                <a:pPr marL="0" marR="0" lvl="0" indent="0" algn="l" defTabSz="914400" rtl="0" eaLnBrk="1" fontAlgn="auto" latinLnBrk="0" hangingPunct="1">
+                  <a:lnSpc>
+                    <a:spcPct val="100000"/>
+                  </a:lnSpc>
+                  <a:spcBef>
+                    <a:spcPts val="0"/>
+                  </a:spcBef>
+                  <a:spcAft>
+                    <a:spcPts val="0"/>
+                  </a:spcAft>
+                  <a:buClrTx/>
+                  <a:buSzTx/>
+                  <a:buFontTx/>
+                  <a:buNone/>
+                  <a:tabLst/>
+                  <a:defRPr/>
+                </a:pPr>
+                <a:r>
+                  <a:rPr kumimoji="0" lang="en-US" sz="800" b="0" i="0" u="none" strike="noStrike" kern="1200" cap="none" spc="0" normalizeH="0" baseline="0" noProof="0" dirty="0" err="1">
+                    <a:ln>
+                      <a:noFill/>
+                    </a:ln>
+                    <a:solidFill>
+                      <a:prstClr val="black"/>
+                    </a:solidFill>
+                    <a:effectLst/>
+                    <a:uLnTx/>
+                    <a:uFillTx/>
+                    <a:ea typeface="+mn-ea"/>
+                    <a:cs typeface="+mn-cs"/>
+                  </a:rPr>
+                  <a:t>gui</a:t>
+                </a:r>
+                <a:endParaRPr kumimoji="0" lang="en-US" sz="800" b="0" i="0" u="none" strike="noStrike" kern="1200" cap="none" spc="0" normalizeH="0" baseline="0" noProof="0" dirty="0">
+                  <a:ln>
+                    <a:noFill/>
+                  </a:ln>
+                  <a:solidFill>
+                    <a:prstClr val="black"/>
+                  </a:solidFill>
+                  <a:effectLst/>
+                  <a:uLnTx/>
+                  <a:uFillTx/>
+                  <a:ea typeface="+mn-ea"/>
+                  <a:cs typeface="+mn-cs"/>
+                </a:endParaRPr>
+              </a:p>
+            </p:txBody>
+          </p:sp>
+          <p:sp>
+            <p:nvSpPr>
+              <p:cNvPr id="25" name="Flowchart: Off-page Connector 24">
+                <a:extLst>
+                  <a:ext uri="{FF2B5EF4-FFF2-40B4-BE49-F238E27FC236}">
+                    <a16:creationId xmlns:a16="http://schemas.microsoft.com/office/drawing/2014/main" id="{69B68D98-14FE-97A2-487E-F7BFB7443003}"/>
+                  </a:ext>
+                </a:extLst>
+              </p:cNvPr>
+              <p:cNvSpPr/>
+              <p:nvPr/>
+            </p:nvSpPr>
+            <p:spPr>
+              <a:xfrm>
+                <a:off x="3968530" y="3365576"/>
+                <a:ext cx="466531" cy="279919"/>
+              </a:xfrm>
+              <a:prstGeom prst="flowChartOffpageConnector">
+                <a:avLst/>
+              </a:prstGeom>
+              <a:solidFill>
+                <a:schemeClr val="bg1"/>
+              </a:solidFill>
+              <a:ln w="19050">
+                <a:solidFill>
+                  <a:schemeClr val="tx1"/>
+                </a:solidFill>
+              </a:ln>
+            </p:spPr>
+            <p:style>
+              <a:lnRef idx="2">
+                <a:schemeClr val="accent1">
+                  <a:shade val="50000"/>
+                </a:schemeClr>
+              </a:lnRef>
+              <a:fillRef idx="1">
+                <a:schemeClr val="accent1"/>
+              </a:fillRef>
+              <a:effectRef idx="0">
+                <a:schemeClr val="accent1"/>
+              </a:effectRef>
+              <a:fontRef idx="minor">
+                <a:schemeClr val="lt1"/>
+              </a:fontRef>
+            </p:style>
+            <p:txBody>
+              <a:bodyPr tIns="0" rtlCol="0" anchor="t" anchorCtr="0"/>
+              <a:lstStyle/>
+              <a:p>
+                <a:pPr marL="0" marR="0" lvl="0" indent="0" algn="l" defTabSz="914400" rtl="0" eaLnBrk="1" fontAlgn="auto" latinLnBrk="0" hangingPunct="1">
+                  <a:lnSpc>
+                    <a:spcPct val="100000"/>
+                  </a:lnSpc>
+                  <a:spcBef>
+                    <a:spcPts val="0"/>
+                  </a:spcBef>
+                  <a:spcAft>
+                    <a:spcPts val="0"/>
+                  </a:spcAft>
+                  <a:buClrTx/>
+                  <a:buSzTx/>
+                  <a:buFontTx/>
+                  <a:buNone/>
+                  <a:tabLst/>
+                  <a:defRPr/>
+                </a:pPr>
+                <a:endParaRPr kumimoji="0" lang="en-US" sz="1000" b="0" i="0" u="none" strike="noStrike" kern="1200" cap="none" spc="0" normalizeH="0" baseline="0" noProof="0">
+                  <a:ln>
+                    <a:noFill/>
+                  </a:ln>
+                  <a:solidFill>
+                    <a:prstClr val="black"/>
+                  </a:solidFill>
+                  <a:effectLst/>
+                  <a:uLnTx/>
+                  <a:uFillTx/>
+                  <a:ea typeface="+mn-ea"/>
+                  <a:cs typeface="+mn-cs"/>
+                </a:endParaRPr>
+              </a:p>
+            </p:txBody>
+          </p:sp>
+          <p:sp>
+            <p:nvSpPr>
+              <p:cNvPr id="26" name="TextBox 25">
+                <a:extLst>
+                  <a:ext uri="{FF2B5EF4-FFF2-40B4-BE49-F238E27FC236}">
+                    <a16:creationId xmlns:a16="http://schemas.microsoft.com/office/drawing/2014/main" id="{480C39FB-6F4D-855B-3762-A6EEFA2F65EE}"/>
+                  </a:ext>
+                </a:extLst>
+              </p:cNvPr>
+              <p:cNvSpPr txBox="1"/>
+              <p:nvPr/>
+            </p:nvSpPr>
+            <p:spPr>
+              <a:xfrm>
+                <a:off x="3995649" y="3382425"/>
+                <a:ext cx="412292" cy="230832"/>
+              </a:xfrm>
+              <a:prstGeom prst="rect">
+                <a:avLst/>
+              </a:prstGeom>
+              <a:noFill/>
+            </p:spPr>
+            <p:txBody>
+              <a:bodyPr wrap="square" rtlCol="0">
+                <a:spAutoFit/>
+              </a:bodyPr>
+              <a:lstStyle/>
+              <a:p>
+                <a:pPr marL="0" marR="0" lvl="0" indent="0" algn="l" defTabSz="914400" rtl="0" eaLnBrk="1" fontAlgn="auto" latinLnBrk="0" hangingPunct="1">
+                  <a:lnSpc>
+                    <a:spcPct val="100000"/>
+                  </a:lnSpc>
+                  <a:spcBef>
+                    <a:spcPts val="0"/>
+                  </a:spcBef>
+                  <a:spcAft>
+                    <a:spcPts val="0"/>
+                  </a:spcAft>
+                  <a:buClrTx/>
+                  <a:buSzTx/>
+                  <a:buFontTx/>
+                  <a:buNone/>
+                  <a:tabLst/>
+                  <a:defRPr/>
+                </a:pPr>
+                <a:r>
+                  <a:rPr kumimoji="0" lang="en-US" sz="900" b="0" i="0" u="none" strike="noStrike" kern="1200" cap="none" spc="0" normalizeH="0" baseline="0" noProof="0" dirty="0">
+                    <a:ln>
+                      <a:noFill/>
+                    </a:ln>
+                    <a:solidFill>
+                      <a:prstClr val="black"/>
+                    </a:solidFill>
+                    <a:effectLst/>
+                    <a:uLnTx/>
+                    <a:uFillTx/>
+                    <a:ea typeface="+mn-ea"/>
+                    <a:cs typeface="+mn-cs"/>
+                  </a:rPr>
+                  <a:t>host</a:t>
+                </a:r>
+              </a:p>
+            </p:txBody>
+          </p:sp>
+        </p:grpSp>
+        <p:grpSp>
+          <p:nvGrpSpPr>
+            <p:cNvPr id="28" name="Group 27">
+              <a:extLst>
+                <a:ext uri="{FF2B5EF4-FFF2-40B4-BE49-F238E27FC236}">
+                  <a16:creationId xmlns:a16="http://schemas.microsoft.com/office/drawing/2014/main" id="{CA303DF7-B63A-A462-3056-B4A35CEA272B}"/>
+                </a:ext>
+              </a:extLst>
+            </p:cNvPr>
+            <p:cNvGrpSpPr/>
+            <p:nvPr/>
+          </p:nvGrpSpPr>
+          <p:grpSpPr>
+            <a:xfrm>
+              <a:off x="6038698" y="1337597"/>
+              <a:ext cx="771421" cy="974099"/>
+              <a:chOff x="3816085" y="2671396"/>
+              <a:chExt cx="771421" cy="974099"/>
+            </a:xfrm>
+          </p:grpSpPr>
+          <p:sp>
+            <p:nvSpPr>
+              <p:cNvPr id="29" name="Rectangle 28">
+                <a:extLst>
+                  <a:ext uri="{FF2B5EF4-FFF2-40B4-BE49-F238E27FC236}">
+                    <a16:creationId xmlns:a16="http://schemas.microsoft.com/office/drawing/2014/main" id="{785F5931-2EF8-FDA6-3705-9DD1486D46A7}"/>
+                  </a:ext>
+                </a:extLst>
+              </p:cNvPr>
+              <p:cNvSpPr/>
+              <p:nvPr/>
+            </p:nvSpPr>
+            <p:spPr>
+              <a:xfrm>
+                <a:off x="3816085" y="2911202"/>
+                <a:ext cx="771421" cy="279919"/>
+              </a:xfrm>
+              <a:prstGeom prst="rect">
+                <a:avLst/>
+              </a:prstGeom>
+              <a:solidFill>
+                <a:schemeClr val="bg1">
+                  <a:lumMod val="95000"/>
+                </a:schemeClr>
+              </a:solidFill>
+              <a:ln w="19050">
+                <a:solidFill>
+                  <a:schemeClr val="bg2"/>
+                </a:solidFill>
+              </a:ln>
+            </p:spPr>
+            <p:style>
+              <a:lnRef idx="2">
+                <a:schemeClr val="accent1">
+                  <a:shade val="50000"/>
+                </a:schemeClr>
+              </a:lnRef>
+              <a:fillRef idx="1">
+                <a:schemeClr val="accent1"/>
+              </a:fillRef>
+              <a:effectRef idx="0">
+                <a:schemeClr val="accent1"/>
+              </a:effectRef>
+              <a:fontRef idx="minor">
+                <a:schemeClr val="lt1"/>
+              </a:fontRef>
+            </p:style>
+            <p:txBody>
+              <a:bodyPr lIns="0" rIns="0" rtlCol="0" anchor="ctr"/>
+              <a:lstStyle/>
+              <a:p>
+                <a:pPr marL="0" marR="0" lvl="0" indent="0" algn="ctr" defTabSz="914400" rtl="0" eaLnBrk="1" fontAlgn="auto" latinLnBrk="0" hangingPunct="1">
+                  <a:lnSpc>
+                    <a:spcPct val="100000"/>
+                  </a:lnSpc>
+                  <a:spcBef>
+                    <a:spcPts val="0"/>
+                  </a:spcBef>
+                  <a:spcAft>
+                    <a:spcPts val="0"/>
+                  </a:spcAft>
+                  <a:buClrTx/>
+                  <a:buSzTx/>
+                  <a:buFontTx/>
+                  <a:buNone/>
+                  <a:tabLst/>
+                  <a:defRPr/>
+                </a:pPr>
+                <a:r>
+                  <a:rPr kumimoji="0" lang="en-US" sz="900" b="0" i="0" u="none" strike="noStrike" kern="1200" cap="none" spc="0" normalizeH="0" baseline="0" noProof="0" dirty="0">
+                    <a:ln>
+                      <a:noFill/>
+                    </a:ln>
+                    <a:solidFill>
+                      <a:prstClr val="black"/>
+                    </a:solidFill>
+                    <a:effectLst/>
+                    <a:uLnTx/>
+                    <a:uFillTx/>
+                    <a:ea typeface="+mn-ea"/>
+                    <a:cs typeface="+mn-cs"/>
+                  </a:rPr>
+                  <a:t>Context</a:t>
+                </a:r>
+              </a:p>
+              <a:p>
+                <a:pPr marL="0" marR="0" lvl="0" indent="0" algn="ctr" defTabSz="914400" rtl="0" eaLnBrk="1" fontAlgn="auto" latinLnBrk="0" hangingPunct="1">
+                  <a:lnSpc>
+                    <a:spcPct val="100000"/>
+                  </a:lnSpc>
+                  <a:spcBef>
+                    <a:spcPts val="0"/>
+                  </a:spcBef>
+                  <a:spcAft>
+                    <a:spcPts val="0"/>
+                  </a:spcAft>
+                  <a:buClrTx/>
+                  <a:buSzTx/>
+                  <a:buFontTx/>
+                  <a:buNone/>
+                  <a:tabLst/>
+                  <a:defRPr/>
+                </a:pPr>
+                <a:r>
+                  <a:rPr kumimoji="0" lang="en-US" sz="900" b="0" i="0" u="none" strike="noStrike" kern="1200" cap="none" spc="0" normalizeH="0" baseline="0" noProof="0" dirty="0">
+                    <a:ln>
+                      <a:noFill/>
+                    </a:ln>
+                    <a:solidFill>
+                      <a:prstClr val="black"/>
+                    </a:solidFill>
+                    <a:effectLst/>
+                    <a:uLnTx/>
+                    <a:uFillTx/>
+                    <a:ea typeface="+mn-ea"/>
+                    <a:cs typeface="+mn-cs"/>
+                  </a:rPr>
+                  <a:t>Analyzer</a:t>
+                </a:r>
+              </a:p>
+            </p:txBody>
+          </p:sp>
+          <p:sp>
+            <p:nvSpPr>
+              <p:cNvPr id="30" name="Rectangle: Rounded Corners 29">
+                <a:extLst>
+                  <a:ext uri="{FF2B5EF4-FFF2-40B4-BE49-F238E27FC236}">
+                    <a16:creationId xmlns:a16="http://schemas.microsoft.com/office/drawing/2014/main" id="{06639B89-A87E-6F94-BBA8-64CCA7390726}"/>
+                  </a:ext>
+                </a:extLst>
+              </p:cNvPr>
+              <p:cNvSpPr/>
+              <p:nvPr/>
+            </p:nvSpPr>
+            <p:spPr>
+              <a:xfrm>
+                <a:off x="3816085" y="2671396"/>
+                <a:ext cx="771420" cy="815478"/>
+              </a:xfrm>
+              <a:prstGeom prst="roundRect">
+                <a:avLst/>
+              </a:prstGeom>
+              <a:noFill/>
+              <a:ln w="19050">
+                <a:solidFill>
+                  <a:schemeClr val="tx1"/>
+                </a:solidFill>
+              </a:ln>
+            </p:spPr>
+            <p:style>
+              <a:lnRef idx="2">
+                <a:schemeClr val="accent1">
+                  <a:shade val="50000"/>
+                </a:schemeClr>
+              </a:lnRef>
+              <a:fillRef idx="1">
+                <a:schemeClr val="accent1"/>
+              </a:fillRef>
+              <a:effectRef idx="0">
+                <a:schemeClr val="accent1"/>
+              </a:effectRef>
+              <a:fontRef idx="minor">
+                <a:schemeClr val="lt1"/>
+              </a:fontRef>
+            </p:style>
+            <p:txBody>
+              <a:bodyPr tIns="0" rtlCol="0" anchor="t" anchorCtr="0"/>
+              <a:lstStyle/>
+              <a:p>
+                <a:pPr marL="0" marR="0" lvl="0" indent="0" algn="l" defTabSz="914400" rtl="0" eaLnBrk="1" fontAlgn="auto" latinLnBrk="0" hangingPunct="1">
+                  <a:lnSpc>
+                    <a:spcPct val="100000"/>
+                  </a:lnSpc>
+                  <a:spcBef>
+                    <a:spcPts val="0"/>
+                  </a:spcBef>
+                  <a:spcAft>
+                    <a:spcPts val="0"/>
+                  </a:spcAft>
+                  <a:buClrTx/>
+                  <a:buSzTx/>
+                  <a:buFontTx/>
+                  <a:buNone/>
+                  <a:tabLst/>
+                  <a:defRPr/>
+                </a:pPr>
+                <a:r>
+                  <a:rPr kumimoji="0" lang="en-US" sz="800" b="0" i="0" u="none" strike="noStrike" kern="1200" cap="none" spc="0" normalizeH="0" baseline="0" noProof="0" dirty="0">
+                    <a:ln>
+                      <a:noFill/>
+                    </a:ln>
+                    <a:solidFill>
+                      <a:prstClr val="black"/>
+                    </a:solidFill>
+                    <a:effectLst/>
+                    <a:uLnTx/>
+                    <a:uFillTx/>
+                    <a:ea typeface="+mn-ea"/>
+                    <a:cs typeface="+mn-cs"/>
+                  </a:rPr>
+                  <a:t>analytics</a:t>
+                </a:r>
+              </a:p>
+            </p:txBody>
+          </p:sp>
+          <p:sp>
+            <p:nvSpPr>
+              <p:cNvPr id="31" name="Flowchart: Off-page Connector 30">
+                <a:extLst>
+                  <a:ext uri="{FF2B5EF4-FFF2-40B4-BE49-F238E27FC236}">
+                    <a16:creationId xmlns:a16="http://schemas.microsoft.com/office/drawing/2014/main" id="{88BA0694-B850-BC67-B211-A0691D4970B1}"/>
+                  </a:ext>
+                </a:extLst>
+              </p:cNvPr>
+              <p:cNvSpPr/>
+              <p:nvPr/>
+            </p:nvSpPr>
+            <p:spPr>
+              <a:xfrm>
+                <a:off x="3968530" y="3365576"/>
+                <a:ext cx="466531" cy="279919"/>
+              </a:xfrm>
+              <a:prstGeom prst="flowChartOffpageConnector">
+                <a:avLst/>
+              </a:prstGeom>
+              <a:solidFill>
+                <a:schemeClr val="bg1"/>
+              </a:solidFill>
+              <a:ln w="19050">
+                <a:solidFill>
+                  <a:schemeClr val="tx1"/>
+                </a:solidFill>
+              </a:ln>
+            </p:spPr>
+            <p:style>
+              <a:lnRef idx="2">
+                <a:schemeClr val="accent1">
+                  <a:shade val="50000"/>
+                </a:schemeClr>
+              </a:lnRef>
+              <a:fillRef idx="1">
+                <a:schemeClr val="accent1"/>
+              </a:fillRef>
+              <a:effectRef idx="0">
+                <a:schemeClr val="accent1"/>
+              </a:effectRef>
+              <a:fontRef idx="minor">
+                <a:schemeClr val="lt1"/>
+              </a:fontRef>
+            </p:style>
+            <p:txBody>
+              <a:bodyPr tIns="0" rtlCol="0" anchor="t" anchorCtr="0"/>
+              <a:lstStyle/>
+              <a:p>
+                <a:pPr marL="0" marR="0" lvl="0" indent="0" algn="l" defTabSz="914400" rtl="0" eaLnBrk="1" fontAlgn="auto" latinLnBrk="0" hangingPunct="1">
+                  <a:lnSpc>
+                    <a:spcPct val="100000"/>
+                  </a:lnSpc>
+                  <a:spcBef>
+                    <a:spcPts val="0"/>
+                  </a:spcBef>
+                  <a:spcAft>
+                    <a:spcPts val="0"/>
+                  </a:spcAft>
+                  <a:buClrTx/>
+                  <a:buSzTx/>
+                  <a:buFontTx/>
+                  <a:buNone/>
+                  <a:tabLst/>
+                  <a:defRPr/>
+                </a:pPr>
+                <a:endParaRPr kumimoji="0" lang="en-US" sz="1000" b="0" i="0" u="none" strike="noStrike" kern="1200" cap="none" spc="0" normalizeH="0" baseline="0" noProof="0">
+                  <a:ln>
+                    <a:noFill/>
+                  </a:ln>
+                  <a:solidFill>
+                    <a:prstClr val="black"/>
+                  </a:solidFill>
+                  <a:effectLst/>
+                  <a:uLnTx/>
+                  <a:uFillTx/>
+                  <a:ea typeface="+mn-ea"/>
+                  <a:cs typeface="+mn-cs"/>
+                </a:endParaRPr>
+              </a:p>
+            </p:txBody>
+          </p:sp>
+          <p:sp>
+            <p:nvSpPr>
+              <p:cNvPr id="32" name="TextBox 31">
+                <a:extLst>
+                  <a:ext uri="{FF2B5EF4-FFF2-40B4-BE49-F238E27FC236}">
+                    <a16:creationId xmlns:a16="http://schemas.microsoft.com/office/drawing/2014/main" id="{B1073C08-2ABA-B500-FE04-02D5BE3A9AC5}"/>
+                  </a:ext>
+                </a:extLst>
+              </p:cNvPr>
+              <p:cNvSpPr txBox="1"/>
+              <p:nvPr/>
+            </p:nvSpPr>
+            <p:spPr>
+              <a:xfrm>
+                <a:off x="3995649" y="3382425"/>
+                <a:ext cx="412292" cy="230832"/>
+              </a:xfrm>
+              <a:prstGeom prst="rect">
+                <a:avLst/>
+              </a:prstGeom>
+              <a:noFill/>
+            </p:spPr>
+            <p:txBody>
+              <a:bodyPr wrap="square" rtlCol="0">
+                <a:spAutoFit/>
+              </a:bodyPr>
+              <a:lstStyle/>
+              <a:p>
+                <a:pPr marL="0" marR="0" lvl="0" indent="0" algn="l" defTabSz="914400" rtl="0" eaLnBrk="1" fontAlgn="auto" latinLnBrk="0" hangingPunct="1">
+                  <a:lnSpc>
+                    <a:spcPct val="100000"/>
+                  </a:lnSpc>
+                  <a:spcBef>
+                    <a:spcPts val="0"/>
+                  </a:spcBef>
+                  <a:spcAft>
+                    <a:spcPts val="0"/>
+                  </a:spcAft>
+                  <a:buClrTx/>
+                  <a:buSzTx/>
+                  <a:buFontTx/>
+                  <a:buNone/>
+                  <a:tabLst/>
+                  <a:defRPr/>
+                </a:pPr>
+                <a:r>
+                  <a:rPr kumimoji="0" lang="en-US" sz="900" b="0" i="0" u="none" strike="noStrike" kern="1200" cap="none" spc="0" normalizeH="0" baseline="0" noProof="0" dirty="0">
+                    <a:ln>
+                      <a:noFill/>
+                    </a:ln>
+                    <a:solidFill>
+                      <a:prstClr val="black"/>
+                    </a:solidFill>
+                    <a:effectLst/>
+                    <a:uLnTx/>
+                    <a:uFillTx/>
+                    <a:ea typeface="+mn-ea"/>
+                    <a:cs typeface="+mn-cs"/>
+                  </a:rPr>
+                  <a:t>host</a:t>
+                </a:r>
+              </a:p>
+            </p:txBody>
+          </p:sp>
+        </p:grpSp>
+        <p:grpSp>
+          <p:nvGrpSpPr>
+            <p:cNvPr id="33" name="Group 32">
+              <a:extLst>
+                <a:ext uri="{FF2B5EF4-FFF2-40B4-BE49-F238E27FC236}">
+                  <a16:creationId xmlns:a16="http://schemas.microsoft.com/office/drawing/2014/main" id="{D1CAD669-DBD1-97D4-432A-98106C870BFC}"/>
+                </a:ext>
+              </a:extLst>
+            </p:cNvPr>
+            <p:cNvGrpSpPr/>
+            <p:nvPr/>
+          </p:nvGrpSpPr>
+          <p:grpSpPr>
+            <a:xfrm>
+              <a:off x="7069202" y="2091638"/>
+              <a:ext cx="771421" cy="974099"/>
+              <a:chOff x="3816085" y="2671396"/>
+              <a:chExt cx="771421" cy="974099"/>
+            </a:xfrm>
+          </p:grpSpPr>
+          <p:sp>
+            <p:nvSpPr>
+              <p:cNvPr id="34" name="Rectangle 33">
+                <a:extLst>
+                  <a:ext uri="{FF2B5EF4-FFF2-40B4-BE49-F238E27FC236}">
+                    <a16:creationId xmlns:a16="http://schemas.microsoft.com/office/drawing/2014/main" id="{AC8C008F-40AE-7B56-066D-358A9B134B49}"/>
+                  </a:ext>
+                </a:extLst>
+              </p:cNvPr>
+              <p:cNvSpPr/>
+              <p:nvPr/>
+            </p:nvSpPr>
+            <p:spPr>
+              <a:xfrm>
+                <a:off x="3816085" y="2911202"/>
+                <a:ext cx="771421" cy="279919"/>
+              </a:xfrm>
+              <a:prstGeom prst="rect">
+                <a:avLst/>
+              </a:prstGeom>
+              <a:solidFill>
+                <a:schemeClr val="bg1">
+                  <a:lumMod val="95000"/>
+                </a:schemeClr>
+              </a:solidFill>
+              <a:ln w="19050">
+                <a:solidFill>
+                  <a:schemeClr val="bg2"/>
+                </a:solidFill>
+              </a:ln>
+            </p:spPr>
+            <p:style>
+              <a:lnRef idx="2">
+                <a:schemeClr val="accent1">
+                  <a:shade val="50000"/>
+                </a:schemeClr>
+              </a:lnRef>
+              <a:fillRef idx="1">
+                <a:schemeClr val="accent1"/>
+              </a:fillRef>
+              <a:effectRef idx="0">
+                <a:schemeClr val="accent1"/>
+              </a:effectRef>
+              <a:fontRef idx="minor">
+                <a:schemeClr val="lt1"/>
+              </a:fontRef>
+            </p:style>
+            <p:txBody>
+              <a:bodyPr lIns="0" rIns="0" rtlCol="0" anchor="ctr"/>
+              <a:lstStyle/>
+              <a:p>
+                <a:pPr marL="0" marR="0" lvl="0" indent="0" algn="ctr" defTabSz="914400" rtl="0" eaLnBrk="1" fontAlgn="auto" latinLnBrk="0" hangingPunct="1">
+                  <a:lnSpc>
+                    <a:spcPct val="100000"/>
+                  </a:lnSpc>
+                  <a:spcBef>
+                    <a:spcPts val="0"/>
+                  </a:spcBef>
+                  <a:spcAft>
+                    <a:spcPts val="0"/>
+                  </a:spcAft>
+                  <a:buClrTx/>
+                  <a:buSzTx/>
+                  <a:buFontTx/>
+                  <a:buNone/>
+                  <a:tabLst/>
+                  <a:defRPr/>
+                </a:pPr>
+                <a:r>
+                  <a:rPr kumimoji="0" lang="en-US" sz="900" b="0" i="0" u="none" strike="noStrike" kern="1200" cap="none" spc="0" normalizeH="0" baseline="0" noProof="0" dirty="0">
+                    <a:ln>
+                      <a:noFill/>
+                    </a:ln>
+                    <a:solidFill>
+                      <a:prstClr val="black"/>
+                    </a:solidFill>
+                    <a:effectLst/>
+                    <a:uLnTx/>
+                    <a:uFillTx/>
+                    <a:ea typeface="+mn-ea"/>
+                    <a:cs typeface="+mn-cs"/>
+                  </a:rPr>
+                  <a:t>Database</a:t>
+                </a:r>
+              </a:p>
+            </p:txBody>
+          </p:sp>
+          <p:sp>
+            <p:nvSpPr>
+              <p:cNvPr id="35" name="Rectangle: Rounded Corners 34">
+                <a:extLst>
+                  <a:ext uri="{FF2B5EF4-FFF2-40B4-BE49-F238E27FC236}">
+                    <a16:creationId xmlns:a16="http://schemas.microsoft.com/office/drawing/2014/main" id="{DFBFC135-6FE4-4904-9572-E0043D70EBD6}"/>
+                  </a:ext>
+                </a:extLst>
+              </p:cNvPr>
+              <p:cNvSpPr/>
+              <p:nvPr/>
+            </p:nvSpPr>
+            <p:spPr>
+              <a:xfrm>
+                <a:off x="3816085" y="2671396"/>
+                <a:ext cx="771420" cy="815478"/>
+              </a:xfrm>
+              <a:prstGeom prst="roundRect">
+                <a:avLst/>
+              </a:prstGeom>
+              <a:noFill/>
+              <a:ln w="19050">
+                <a:solidFill>
+                  <a:schemeClr val="tx1"/>
+                </a:solidFill>
+              </a:ln>
+            </p:spPr>
+            <p:style>
+              <a:lnRef idx="2">
+                <a:schemeClr val="accent1">
+                  <a:shade val="50000"/>
+                </a:schemeClr>
+              </a:lnRef>
+              <a:fillRef idx="1">
+                <a:schemeClr val="accent1"/>
+              </a:fillRef>
+              <a:effectRef idx="0">
+                <a:schemeClr val="accent1"/>
+              </a:effectRef>
+              <a:fontRef idx="minor">
+                <a:schemeClr val="lt1"/>
+              </a:fontRef>
+            </p:style>
+            <p:txBody>
+              <a:bodyPr tIns="0" rtlCol="0" anchor="t" anchorCtr="0"/>
+              <a:lstStyle/>
+              <a:p>
+                <a:pPr marL="0" marR="0" lvl="0" indent="0" algn="l" defTabSz="914400" rtl="0" eaLnBrk="1" fontAlgn="auto" latinLnBrk="0" hangingPunct="1">
+                  <a:lnSpc>
+                    <a:spcPct val="100000"/>
+                  </a:lnSpc>
+                  <a:spcBef>
+                    <a:spcPts val="0"/>
+                  </a:spcBef>
+                  <a:spcAft>
+                    <a:spcPts val="0"/>
+                  </a:spcAft>
+                  <a:buClrTx/>
+                  <a:buSzTx/>
+                  <a:buFontTx/>
+                  <a:buNone/>
+                  <a:tabLst/>
+                  <a:defRPr/>
+                </a:pPr>
+                <a:r>
+                  <a:rPr kumimoji="0" lang="en-US" sz="800" b="0" i="0" u="none" strike="noStrike" kern="1200" cap="none" spc="0" normalizeH="0" baseline="0" noProof="0" dirty="0" err="1">
+                    <a:ln>
+                      <a:noFill/>
+                    </a:ln>
+                    <a:solidFill>
+                      <a:prstClr val="black"/>
+                    </a:solidFill>
+                    <a:effectLst/>
+                    <a:uLnTx/>
+                    <a:uFillTx/>
+                    <a:ea typeface="+mn-ea"/>
+                    <a:cs typeface="+mn-cs"/>
+                  </a:rPr>
+                  <a:t>db</a:t>
+                </a:r>
+                <a:endParaRPr kumimoji="0" lang="en-US" sz="800" b="0" i="0" u="none" strike="noStrike" kern="1200" cap="none" spc="0" normalizeH="0" baseline="0" noProof="0" dirty="0">
+                  <a:ln>
+                    <a:noFill/>
+                  </a:ln>
+                  <a:solidFill>
+                    <a:prstClr val="black"/>
+                  </a:solidFill>
+                  <a:effectLst/>
+                  <a:uLnTx/>
+                  <a:uFillTx/>
+                  <a:ea typeface="+mn-ea"/>
+                  <a:cs typeface="+mn-cs"/>
+                </a:endParaRPr>
+              </a:p>
+            </p:txBody>
+          </p:sp>
+          <p:sp>
+            <p:nvSpPr>
+              <p:cNvPr id="36" name="Flowchart: Off-page Connector 35">
+                <a:extLst>
+                  <a:ext uri="{FF2B5EF4-FFF2-40B4-BE49-F238E27FC236}">
+                    <a16:creationId xmlns:a16="http://schemas.microsoft.com/office/drawing/2014/main" id="{200F0872-23D3-5A7D-8660-9DA58F7CD82D}"/>
+                  </a:ext>
+                </a:extLst>
+              </p:cNvPr>
+              <p:cNvSpPr/>
+              <p:nvPr/>
+            </p:nvSpPr>
+            <p:spPr>
+              <a:xfrm>
+                <a:off x="3968530" y="3365576"/>
+                <a:ext cx="466531" cy="279919"/>
+              </a:xfrm>
+              <a:prstGeom prst="flowChartOffpageConnector">
+                <a:avLst/>
+              </a:prstGeom>
+              <a:solidFill>
+                <a:schemeClr val="bg1"/>
+              </a:solidFill>
+              <a:ln w="19050">
+                <a:solidFill>
+                  <a:schemeClr val="tx1"/>
+                </a:solidFill>
+              </a:ln>
+            </p:spPr>
+            <p:style>
+              <a:lnRef idx="2">
+                <a:schemeClr val="accent1">
+                  <a:shade val="50000"/>
+                </a:schemeClr>
+              </a:lnRef>
+              <a:fillRef idx="1">
+                <a:schemeClr val="accent1"/>
+              </a:fillRef>
+              <a:effectRef idx="0">
+                <a:schemeClr val="accent1"/>
+              </a:effectRef>
+              <a:fontRef idx="minor">
+                <a:schemeClr val="lt1"/>
+              </a:fontRef>
+            </p:style>
+            <p:txBody>
+              <a:bodyPr tIns="0" rtlCol="0" anchor="t" anchorCtr="0"/>
+              <a:lstStyle/>
+              <a:p>
+                <a:pPr marL="0" marR="0" lvl="0" indent="0" algn="l" defTabSz="914400" rtl="0" eaLnBrk="1" fontAlgn="auto" latinLnBrk="0" hangingPunct="1">
+                  <a:lnSpc>
+                    <a:spcPct val="100000"/>
+                  </a:lnSpc>
+                  <a:spcBef>
+                    <a:spcPts val="0"/>
+                  </a:spcBef>
+                  <a:spcAft>
+                    <a:spcPts val="0"/>
+                  </a:spcAft>
+                  <a:buClrTx/>
+                  <a:buSzTx/>
+                  <a:buFontTx/>
+                  <a:buNone/>
+                  <a:tabLst/>
+                  <a:defRPr/>
+                </a:pPr>
+                <a:endParaRPr kumimoji="0" lang="en-US" sz="1000" b="0" i="0" u="none" strike="noStrike" kern="1200" cap="none" spc="0" normalizeH="0" baseline="0" noProof="0">
+                  <a:ln>
+                    <a:noFill/>
+                  </a:ln>
+                  <a:solidFill>
+                    <a:prstClr val="black"/>
+                  </a:solidFill>
+                  <a:effectLst/>
+                  <a:uLnTx/>
+                  <a:uFillTx/>
+                  <a:ea typeface="+mn-ea"/>
+                  <a:cs typeface="+mn-cs"/>
+                </a:endParaRPr>
+              </a:p>
+            </p:txBody>
+          </p:sp>
+          <p:sp>
+            <p:nvSpPr>
+              <p:cNvPr id="37" name="TextBox 36">
+                <a:extLst>
+                  <a:ext uri="{FF2B5EF4-FFF2-40B4-BE49-F238E27FC236}">
+                    <a16:creationId xmlns:a16="http://schemas.microsoft.com/office/drawing/2014/main" id="{75E9CD42-DACD-5EDE-FB72-AF6D27C6718E}"/>
+                  </a:ext>
+                </a:extLst>
+              </p:cNvPr>
+              <p:cNvSpPr txBox="1"/>
+              <p:nvPr/>
+            </p:nvSpPr>
+            <p:spPr>
+              <a:xfrm>
+                <a:off x="3995649" y="3382425"/>
+                <a:ext cx="412292" cy="230832"/>
+              </a:xfrm>
+              <a:prstGeom prst="rect">
+                <a:avLst/>
+              </a:prstGeom>
+              <a:noFill/>
+            </p:spPr>
+            <p:txBody>
+              <a:bodyPr wrap="square" rtlCol="0">
+                <a:spAutoFit/>
+              </a:bodyPr>
+              <a:lstStyle/>
+              <a:p>
+                <a:pPr marL="0" marR="0" lvl="0" indent="0" algn="l" defTabSz="914400" rtl="0" eaLnBrk="1" fontAlgn="auto" latinLnBrk="0" hangingPunct="1">
+                  <a:lnSpc>
+                    <a:spcPct val="100000"/>
+                  </a:lnSpc>
+                  <a:spcBef>
+                    <a:spcPts val="0"/>
+                  </a:spcBef>
+                  <a:spcAft>
+                    <a:spcPts val="0"/>
+                  </a:spcAft>
+                  <a:buClrTx/>
+                  <a:buSzTx/>
+                  <a:buFontTx/>
+                  <a:buNone/>
+                  <a:tabLst/>
+                  <a:defRPr/>
+                </a:pPr>
+                <a:r>
+                  <a:rPr kumimoji="0" lang="en-US" sz="900" b="0" i="0" u="none" strike="noStrike" kern="1200" cap="none" spc="0" normalizeH="0" baseline="0" noProof="0" dirty="0">
+                    <a:ln>
+                      <a:noFill/>
+                    </a:ln>
+                    <a:solidFill>
+                      <a:prstClr val="black"/>
+                    </a:solidFill>
+                    <a:effectLst/>
+                    <a:uLnTx/>
+                    <a:uFillTx/>
+                    <a:ea typeface="+mn-ea"/>
+                    <a:cs typeface="+mn-cs"/>
+                  </a:rPr>
+                  <a:t>host</a:t>
+                </a:r>
+              </a:p>
+            </p:txBody>
+          </p:sp>
+        </p:grpSp>
+        <p:grpSp>
+          <p:nvGrpSpPr>
+            <p:cNvPr id="38" name="Group 37">
+              <a:extLst>
+                <a:ext uri="{FF2B5EF4-FFF2-40B4-BE49-F238E27FC236}">
+                  <a16:creationId xmlns:a16="http://schemas.microsoft.com/office/drawing/2014/main" id="{2BEFC344-8421-8717-1968-C22F3773F849}"/>
+                </a:ext>
+              </a:extLst>
+            </p:cNvPr>
+            <p:cNvGrpSpPr/>
+            <p:nvPr/>
+          </p:nvGrpSpPr>
+          <p:grpSpPr>
+            <a:xfrm>
+              <a:off x="5267699" y="2437941"/>
+              <a:ext cx="771421" cy="974099"/>
+              <a:chOff x="3816085" y="2671396"/>
+              <a:chExt cx="771421" cy="974099"/>
+            </a:xfrm>
+          </p:grpSpPr>
+          <p:sp>
+            <p:nvSpPr>
+              <p:cNvPr id="39" name="Rectangle 38">
+                <a:extLst>
+                  <a:ext uri="{FF2B5EF4-FFF2-40B4-BE49-F238E27FC236}">
+                    <a16:creationId xmlns:a16="http://schemas.microsoft.com/office/drawing/2014/main" id="{8FC7F0BC-E9B1-F6F8-F0B0-91EF7BABF4D7}"/>
+                  </a:ext>
+                </a:extLst>
+              </p:cNvPr>
+              <p:cNvSpPr/>
+              <p:nvPr/>
+            </p:nvSpPr>
+            <p:spPr>
+              <a:xfrm>
+                <a:off x="3816085" y="2911202"/>
+                <a:ext cx="771421" cy="279919"/>
+              </a:xfrm>
+              <a:prstGeom prst="rect">
+                <a:avLst/>
+              </a:prstGeom>
+              <a:solidFill>
+                <a:schemeClr val="bg1">
+                  <a:lumMod val="95000"/>
+                </a:schemeClr>
+              </a:solidFill>
+              <a:ln w="19050">
+                <a:solidFill>
+                  <a:schemeClr val="bg2"/>
+                </a:solidFill>
+              </a:ln>
+            </p:spPr>
+            <p:style>
+              <a:lnRef idx="2">
+                <a:schemeClr val="accent1">
+                  <a:shade val="50000"/>
+                </a:schemeClr>
+              </a:lnRef>
+              <a:fillRef idx="1">
+                <a:schemeClr val="accent1"/>
+              </a:fillRef>
+              <a:effectRef idx="0">
+                <a:schemeClr val="accent1"/>
+              </a:effectRef>
+              <a:fontRef idx="minor">
+                <a:schemeClr val="lt1"/>
+              </a:fontRef>
+            </p:style>
+            <p:txBody>
+              <a:bodyPr lIns="0" rIns="0" rtlCol="0" anchor="ctr"/>
+              <a:lstStyle/>
+              <a:p>
+                <a:pPr marL="0" marR="0" lvl="0" indent="0" algn="ctr" defTabSz="914400" rtl="0" eaLnBrk="1" fontAlgn="auto" latinLnBrk="0" hangingPunct="1">
+                  <a:lnSpc>
+                    <a:spcPct val="100000"/>
+                  </a:lnSpc>
+                  <a:spcBef>
+                    <a:spcPts val="0"/>
+                  </a:spcBef>
+                  <a:spcAft>
+                    <a:spcPts val="0"/>
+                  </a:spcAft>
+                  <a:buClrTx/>
+                  <a:buSzTx/>
+                  <a:buFontTx/>
+                  <a:buNone/>
+                  <a:tabLst/>
+                  <a:defRPr/>
+                </a:pPr>
+                <a:r>
+                  <a:rPr kumimoji="0" lang="en-US" sz="900" b="0" i="0" u="none" strike="noStrike" kern="1200" cap="none" spc="0" normalizeH="0" baseline="0" noProof="0" dirty="0">
+                    <a:ln>
+                      <a:noFill/>
+                    </a:ln>
+                    <a:solidFill>
+                      <a:prstClr val="black"/>
+                    </a:solidFill>
+                    <a:effectLst/>
+                    <a:uLnTx/>
+                    <a:uFillTx/>
+                    <a:ea typeface="+mn-ea"/>
+                    <a:cs typeface="+mn-cs"/>
+                  </a:rPr>
+                  <a:t>Assistant</a:t>
+                </a:r>
+              </a:p>
+            </p:txBody>
+          </p:sp>
+          <p:sp>
+            <p:nvSpPr>
+              <p:cNvPr id="40" name="Rectangle: Rounded Corners 39">
+                <a:extLst>
+                  <a:ext uri="{FF2B5EF4-FFF2-40B4-BE49-F238E27FC236}">
+                    <a16:creationId xmlns:a16="http://schemas.microsoft.com/office/drawing/2014/main" id="{349F8877-D641-9DA3-6E32-F1200C81A93C}"/>
+                  </a:ext>
+                </a:extLst>
+              </p:cNvPr>
+              <p:cNvSpPr/>
+              <p:nvPr/>
+            </p:nvSpPr>
+            <p:spPr>
+              <a:xfrm>
+                <a:off x="3816085" y="2671396"/>
+                <a:ext cx="771420" cy="815478"/>
+              </a:xfrm>
+              <a:prstGeom prst="roundRect">
+                <a:avLst/>
+              </a:prstGeom>
+              <a:noFill/>
+              <a:ln w="19050">
+                <a:solidFill>
+                  <a:schemeClr val="tx1"/>
+                </a:solidFill>
+              </a:ln>
+            </p:spPr>
+            <p:style>
+              <a:lnRef idx="2">
+                <a:schemeClr val="accent1">
+                  <a:shade val="50000"/>
+                </a:schemeClr>
+              </a:lnRef>
+              <a:fillRef idx="1">
+                <a:schemeClr val="accent1"/>
+              </a:fillRef>
+              <a:effectRef idx="0">
+                <a:schemeClr val="accent1"/>
+              </a:effectRef>
+              <a:fontRef idx="minor">
+                <a:schemeClr val="lt1"/>
+              </a:fontRef>
+            </p:style>
+            <p:txBody>
+              <a:bodyPr tIns="0" rtlCol="0" anchor="t" anchorCtr="0"/>
+              <a:lstStyle/>
+              <a:p>
+                <a:pPr marL="0" marR="0" lvl="0" indent="0" algn="l" defTabSz="914400" rtl="0" eaLnBrk="1" fontAlgn="auto" latinLnBrk="0" hangingPunct="1">
+                  <a:lnSpc>
+                    <a:spcPct val="100000"/>
+                  </a:lnSpc>
+                  <a:spcBef>
+                    <a:spcPts val="0"/>
+                  </a:spcBef>
+                  <a:spcAft>
+                    <a:spcPts val="0"/>
+                  </a:spcAft>
+                  <a:buClrTx/>
+                  <a:buSzTx/>
+                  <a:buFontTx/>
+                  <a:buNone/>
+                  <a:tabLst/>
+                  <a:defRPr/>
+                </a:pPr>
+                <a:r>
+                  <a:rPr kumimoji="0" lang="en-US" sz="800" b="0" i="0" u="none" strike="noStrike" kern="1200" cap="none" spc="0" normalizeH="0" baseline="0" noProof="0" dirty="0">
+                    <a:ln>
+                      <a:noFill/>
+                    </a:ln>
+                    <a:solidFill>
+                      <a:prstClr val="black"/>
+                    </a:solidFill>
+                    <a:effectLst/>
+                    <a:uLnTx/>
+                    <a:uFillTx/>
+                    <a:ea typeface="+mn-ea"/>
+                    <a:cs typeface="+mn-cs"/>
+                  </a:rPr>
+                  <a:t>assistant</a:t>
+                </a:r>
+              </a:p>
+            </p:txBody>
+          </p:sp>
+          <p:sp>
+            <p:nvSpPr>
+              <p:cNvPr id="41" name="Flowchart: Off-page Connector 40">
+                <a:extLst>
+                  <a:ext uri="{FF2B5EF4-FFF2-40B4-BE49-F238E27FC236}">
+                    <a16:creationId xmlns:a16="http://schemas.microsoft.com/office/drawing/2014/main" id="{21976103-1A4B-58D8-0DAE-023930197B13}"/>
+                  </a:ext>
+                </a:extLst>
+              </p:cNvPr>
+              <p:cNvSpPr/>
+              <p:nvPr/>
+            </p:nvSpPr>
+            <p:spPr>
+              <a:xfrm>
+                <a:off x="3968530" y="3365576"/>
+                <a:ext cx="466531" cy="279919"/>
+              </a:xfrm>
+              <a:prstGeom prst="flowChartOffpageConnector">
+                <a:avLst/>
+              </a:prstGeom>
+              <a:solidFill>
+                <a:schemeClr val="bg1"/>
+              </a:solidFill>
+              <a:ln w="19050">
+                <a:solidFill>
+                  <a:schemeClr val="tx1"/>
+                </a:solidFill>
+              </a:ln>
+            </p:spPr>
+            <p:style>
+              <a:lnRef idx="2">
+                <a:schemeClr val="accent1">
+                  <a:shade val="50000"/>
+                </a:schemeClr>
+              </a:lnRef>
+              <a:fillRef idx="1">
+                <a:schemeClr val="accent1"/>
+              </a:fillRef>
+              <a:effectRef idx="0">
+                <a:schemeClr val="accent1"/>
+              </a:effectRef>
+              <a:fontRef idx="minor">
+                <a:schemeClr val="lt1"/>
+              </a:fontRef>
+            </p:style>
+            <p:txBody>
+              <a:bodyPr tIns="0" rtlCol="0" anchor="t" anchorCtr="0"/>
+              <a:lstStyle/>
+              <a:p>
+                <a:pPr marL="0" marR="0" lvl="0" indent="0" algn="l" defTabSz="914400" rtl="0" eaLnBrk="1" fontAlgn="auto" latinLnBrk="0" hangingPunct="1">
+                  <a:lnSpc>
+                    <a:spcPct val="100000"/>
+                  </a:lnSpc>
+                  <a:spcBef>
+                    <a:spcPts val="0"/>
+                  </a:spcBef>
+                  <a:spcAft>
+                    <a:spcPts val="0"/>
+                  </a:spcAft>
+                  <a:buClrTx/>
+                  <a:buSzTx/>
+                  <a:buFontTx/>
+                  <a:buNone/>
+                  <a:tabLst/>
+                  <a:defRPr/>
+                </a:pPr>
+                <a:endParaRPr kumimoji="0" lang="en-US" sz="1000" b="0" i="0" u="none" strike="noStrike" kern="1200" cap="none" spc="0" normalizeH="0" baseline="0" noProof="0">
+                  <a:ln>
+                    <a:noFill/>
+                  </a:ln>
+                  <a:solidFill>
+                    <a:prstClr val="black"/>
+                  </a:solidFill>
+                  <a:effectLst/>
+                  <a:uLnTx/>
+                  <a:uFillTx/>
+                  <a:ea typeface="+mn-ea"/>
+                  <a:cs typeface="+mn-cs"/>
+                </a:endParaRPr>
+              </a:p>
+            </p:txBody>
+          </p:sp>
+          <p:sp>
+            <p:nvSpPr>
+              <p:cNvPr id="42" name="TextBox 41">
+                <a:extLst>
+                  <a:ext uri="{FF2B5EF4-FFF2-40B4-BE49-F238E27FC236}">
+                    <a16:creationId xmlns:a16="http://schemas.microsoft.com/office/drawing/2014/main" id="{CFFCB50C-2E13-56DA-2339-872944ED9FBD}"/>
+                  </a:ext>
+                </a:extLst>
+              </p:cNvPr>
+              <p:cNvSpPr txBox="1"/>
+              <p:nvPr/>
+            </p:nvSpPr>
+            <p:spPr>
+              <a:xfrm>
+                <a:off x="3995649" y="3382425"/>
+                <a:ext cx="412292" cy="230832"/>
+              </a:xfrm>
+              <a:prstGeom prst="rect">
+                <a:avLst/>
+              </a:prstGeom>
+              <a:noFill/>
+            </p:spPr>
+            <p:txBody>
+              <a:bodyPr wrap="square" rtlCol="0">
+                <a:spAutoFit/>
+              </a:bodyPr>
+              <a:lstStyle/>
+              <a:p>
+                <a:pPr marL="0" marR="0" lvl="0" indent="0" algn="l" defTabSz="914400" rtl="0" eaLnBrk="1" fontAlgn="auto" latinLnBrk="0" hangingPunct="1">
+                  <a:lnSpc>
+                    <a:spcPct val="100000"/>
+                  </a:lnSpc>
+                  <a:spcBef>
+                    <a:spcPts val="0"/>
+                  </a:spcBef>
+                  <a:spcAft>
+                    <a:spcPts val="0"/>
+                  </a:spcAft>
+                  <a:buClrTx/>
+                  <a:buSzTx/>
+                  <a:buFontTx/>
+                  <a:buNone/>
+                  <a:tabLst/>
+                  <a:defRPr/>
+                </a:pPr>
+                <a:r>
+                  <a:rPr kumimoji="0" lang="en-US" sz="900" b="0" i="0" u="none" strike="noStrike" kern="1200" cap="none" spc="0" normalizeH="0" baseline="0" noProof="0" dirty="0">
+                    <a:ln>
+                      <a:noFill/>
+                    </a:ln>
+                    <a:solidFill>
+                      <a:prstClr val="black"/>
+                    </a:solidFill>
+                    <a:effectLst/>
+                    <a:uLnTx/>
+                    <a:uFillTx/>
+                    <a:ea typeface="+mn-ea"/>
+                    <a:cs typeface="+mn-cs"/>
+                  </a:rPr>
+                  <a:t>host</a:t>
+                </a:r>
+              </a:p>
+            </p:txBody>
+          </p:sp>
+        </p:grpSp>
+        <p:cxnSp>
+          <p:nvCxnSpPr>
+            <p:cNvPr id="43" name="Straight Arrow Connector 42">
+              <a:extLst>
+                <a:ext uri="{FF2B5EF4-FFF2-40B4-BE49-F238E27FC236}">
+                  <a16:creationId xmlns:a16="http://schemas.microsoft.com/office/drawing/2014/main" id="{1BC85E05-CF57-09C2-CC1B-EB01875E339B}"/>
+                </a:ext>
+              </a:extLst>
+            </p:cNvPr>
+            <p:cNvCxnSpPr>
+              <a:cxnSpLocks/>
+              <a:stCxn id="24" idx="3"/>
+              <a:endCxn id="40" idx="1"/>
+            </p:cNvCxnSpPr>
+            <p:nvPr/>
+          </p:nvCxnSpPr>
+          <p:spPr>
+            <a:xfrm>
+              <a:off x="4827644" y="2845680"/>
+              <a:ext cx="440055" cy="0"/>
+            </a:xfrm>
+            <a:prstGeom prst="straightConnector1">
+              <a:avLst/>
+            </a:prstGeom>
+            <a:ln w="12700">
+              <a:solidFill>
+                <a:schemeClr val="tx1"/>
+              </a:solidFill>
+              <a:tailEnd type="triangle"/>
+            </a:ln>
+          </p:spPr>
+          <p:style>
+            <a:lnRef idx="1">
+              <a:schemeClr val="accent1"/>
+            </a:lnRef>
+            <a:fillRef idx="0">
+              <a:schemeClr val="accent1"/>
+            </a:fillRef>
+            <a:effectRef idx="0">
+              <a:schemeClr val="accent1"/>
+            </a:effectRef>
+            <a:fontRef idx="minor">
+              <a:schemeClr val="tx1"/>
+            </a:fontRef>
+          </p:style>
+        </p:cxnSp>
+        <p:cxnSp>
+          <p:nvCxnSpPr>
+            <p:cNvPr id="46" name="Straight Arrow Connector 45">
+              <a:extLst>
+                <a:ext uri="{FF2B5EF4-FFF2-40B4-BE49-F238E27FC236}">
+                  <a16:creationId xmlns:a16="http://schemas.microsoft.com/office/drawing/2014/main" id="{2926729B-1F17-953C-690B-36A01C633F3B}"/>
+                </a:ext>
+              </a:extLst>
+            </p:cNvPr>
+            <p:cNvCxnSpPr>
+              <a:cxnSpLocks/>
+              <a:stCxn id="40" idx="0"/>
+              <a:endCxn id="30" idx="1"/>
+            </p:cNvCxnSpPr>
+            <p:nvPr/>
+          </p:nvCxnSpPr>
+          <p:spPr>
+            <a:xfrm flipV="1">
+              <a:off x="5653409" y="1745336"/>
+              <a:ext cx="385289" cy="692605"/>
+            </a:xfrm>
+            <a:prstGeom prst="straightConnector1">
+              <a:avLst/>
+            </a:prstGeom>
+            <a:ln w="12700">
+              <a:solidFill>
+                <a:schemeClr val="tx1"/>
+              </a:solidFill>
+              <a:tailEnd type="triangle"/>
+            </a:ln>
+          </p:spPr>
+          <p:style>
+            <a:lnRef idx="1">
+              <a:schemeClr val="accent1"/>
+            </a:lnRef>
+            <a:fillRef idx="0">
+              <a:schemeClr val="accent1"/>
+            </a:fillRef>
+            <a:effectRef idx="0">
+              <a:schemeClr val="accent1"/>
+            </a:effectRef>
+            <a:fontRef idx="minor">
+              <a:schemeClr val="tx1"/>
+            </a:fontRef>
+          </p:style>
+        </p:cxnSp>
+        <p:cxnSp>
+          <p:nvCxnSpPr>
+            <p:cNvPr id="49" name="Straight Arrow Connector 48">
+              <a:extLst>
+                <a:ext uri="{FF2B5EF4-FFF2-40B4-BE49-F238E27FC236}">
+                  <a16:creationId xmlns:a16="http://schemas.microsoft.com/office/drawing/2014/main" id="{30FC1CBA-7523-CE54-0451-37E2DAA96C82}"/>
+                </a:ext>
+              </a:extLst>
+            </p:cNvPr>
+            <p:cNvCxnSpPr>
+              <a:cxnSpLocks/>
+              <a:stCxn id="40" idx="3"/>
+              <a:endCxn id="35" idx="1"/>
+            </p:cNvCxnSpPr>
+            <p:nvPr/>
+          </p:nvCxnSpPr>
+          <p:spPr>
+            <a:xfrm flipV="1">
+              <a:off x="6039119" y="2499377"/>
+              <a:ext cx="1030083" cy="346303"/>
+            </a:xfrm>
+            <a:prstGeom prst="straightConnector1">
+              <a:avLst/>
+            </a:prstGeom>
+            <a:ln w="12700">
+              <a:solidFill>
+                <a:schemeClr val="tx1"/>
+              </a:solidFill>
+              <a:tailEnd type="triangle"/>
+            </a:ln>
+          </p:spPr>
+          <p:style>
+            <a:lnRef idx="1">
+              <a:schemeClr val="accent1"/>
+            </a:lnRef>
+            <a:fillRef idx="0">
+              <a:schemeClr val="accent1"/>
+            </a:fillRef>
+            <a:effectRef idx="0">
+              <a:schemeClr val="accent1"/>
+            </a:effectRef>
+            <a:fontRef idx="minor">
+              <a:schemeClr val="tx1"/>
+            </a:fontRef>
+          </p:style>
+        </p:cxnSp>
+        <p:cxnSp>
+          <p:nvCxnSpPr>
+            <p:cNvPr id="52" name="Straight Arrow Connector 51">
+              <a:extLst>
+                <a:ext uri="{FF2B5EF4-FFF2-40B4-BE49-F238E27FC236}">
+                  <a16:creationId xmlns:a16="http://schemas.microsoft.com/office/drawing/2014/main" id="{23982F1B-A94B-56AD-4CA9-0AEC20BE8046}"/>
+                </a:ext>
+              </a:extLst>
+            </p:cNvPr>
+            <p:cNvCxnSpPr>
+              <a:cxnSpLocks/>
+              <a:stCxn id="29" idx="3"/>
+              <a:endCxn id="35" idx="0"/>
+            </p:cNvCxnSpPr>
+            <p:nvPr/>
+          </p:nvCxnSpPr>
+          <p:spPr>
+            <a:xfrm>
+              <a:off x="6810119" y="1717363"/>
+              <a:ext cx="644793" cy="374275"/>
+            </a:xfrm>
+            <a:prstGeom prst="straightConnector1">
+              <a:avLst/>
+            </a:prstGeom>
+            <a:ln w="12700">
+              <a:solidFill>
+                <a:schemeClr val="tx1"/>
+              </a:solidFill>
+              <a:tailEnd type="triangle"/>
+            </a:ln>
+          </p:spPr>
+          <p:style>
+            <a:lnRef idx="1">
+              <a:schemeClr val="accent1"/>
+            </a:lnRef>
+            <a:fillRef idx="0">
+              <a:schemeClr val="accent1"/>
+            </a:fillRef>
+            <a:effectRef idx="0">
+              <a:schemeClr val="accent1"/>
+            </a:effectRef>
+            <a:fontRef idx="minor">
+              <a:schemeClr val="tx1"/>
+            </a:fontRef>
+          </p:style>
+        </p:cxnSp>
+        <p:sp>
+          <p:nvSpPr>
+            <p:cNvPr id="55" name="Rectangle: Rounded Corners 54">
+              <a:extLst>
+                <a:ext uri="{FF2B5EF4-FFF2-40B4-BE49-F238E27FC236}">
+                  <a16:creationId xmlns:a16="http://schemas.microsoft.com/office/drawing/2014/main" id="{71E5E651-658C-B0E0-B12D-E74D7799624C}"/>
+                </a:ext>
+              </a:extLst>
+            </p:cNvPr>
+            <p:cNvSpPr/>
+            <p:nvPr/>
+          </p:nvSpPr>
+          <p:spPr>
+            <a:xfrm>
+              <a:off x="3907757" y="1209675"/>
+              <a:ext cx="4074193" cy="2573099"/>
+            </a:xfrm>
+            <a:prstGeom prst="roundRect">
+              <a:avLst/>
+            </a:prstGeom>
+            <a:noFill/>
+            <a:ln w="19050">
+              <a:prstDash val="sysDash"/>
+            </a:ln>
+          </p:spPr>
+          <p:style>
+            <a:lnRef idx="2">
+              <a:schemeClr val="accent1">
+                <a:shade val="15000"/>
+              </a:schemeClr>
+            </a:lnRef>
+            <a:fillRef idx="1">
+              <a:schemeClr val="accent1"/>
+            </a:fillRef>
+            <a:effectRef idx="0">
+              <a:schemeClr val="accent1"/>
+            </a:effectRef>
+            <a:fontRef idx="minor">
+              <a:schemeClr val="lt1"/>
+            </a:fontRef>
+          </p:style>
+          <p:txBody>
+            <a:bodyPr rtlCol="0" anchor="t" anchorCtr="0"/>
+            <a:lstStyle/>
+            <a:p>
+              <a:r>
+                <a:rPr lang="en-US" sz="1100" dirty="0">
+                  <a:solidFill>
+                    <a:schemeClr val="tx1"/>
+                  </a:solidFill>
+                </a:rPr>
+                <a:t>Personal Assistant</a:t>
+              </a:r>
+            </a:p>
+          </p:txBody>
+        </p:sp>
+      </p:grpSp>
+    </p:spTree>
+    <p:extLst>
+      <p:ext uri="{BB962C8B-B14F-4D97-AF65-F5344CB8AC3E}">
+        <p14:creationId xmlns:p14="http://schemas.microsoft.com/office/powerpoint/2010/main" val="1711005609"/>
+      </p:ext>
+    </p:extLst>
+  </p:cSld>
+  <p:clrMapOvr>
+    <a:masterClrMapping/>
+  </p:clrMapOvr>
+</p:sld>
+</file>
+
+<file path=ppt/slides/slide12.xml><?xml version="1.0" encoding="utf-8"?>
 <p:sld xmlns:a="http://schemas.openxmlformats.org/drawingml/2006/main" xmlns:r="http://schemas.openxmlformats.org/officeDocument/2006/relationships" xmlns:p="http://schemas.openxmlformats.org/presentationml/2006/main">
   <p:cSld>
     <p:spTree>
@@ -5898,7 +10919,7 @@
 </p:sld>
 </file>
 
-<file path=ppt/slides/slide11.xml><?xml version="1.0" encoding="utf-8"?>
+<file path=ppt/slides/slide13.xml><?xml version="1.0" encoding="utf-8"?>
 <p:sld xmlns:a="http://schemas.openxmlformats.org/drawingml/2006/main" xmlns:r="http://schemas.openxmlformats.org/officeDocument/2006/relationships" xmlns:p="http://schemas.openxmlformats.org/presentationml/2006/main">
   <p:cSld>
     <p:spTree>
@@ -9470,7 +14491,7 @@
 </p:sld>
 </file>
 
-<file path=ppt/slides/slide12.xml><?xml version="1.0" encoding="utf-8"?>
+<file path=ppt/slides/slide14.xml><?xml version="1.0" encoding="utf-8"?>
 <p:sld xmlns:a="http://schemas.openxmlformats.org/drawingml/2006/main" xmlns:r="http://schemas.openxmlformats.org/officeDocument/2006/relationships" xmlns:p="http://schemas.openxmlformats.org/presentationml/2006/main">
   <p:cSld>
     <p:spTree>
@@ -12809,7 +17830,7 @@
 </p:sld>
 </file>
 
-<file path=ppt/slides/slide13.xml><?xml version="1.0" encoding="utf-8"?>
+<file path=ppt/slides/slide15.xml><?xml version="1.0" encoding="utf-8"?>
 <p:sld xmlns:a="http://schemas.openxmlformats.org/drawingml/2006/main" xmlns:r="http://schemas.openxmlformats.org/officeDocument/2006/relationships" xmlns:p="http://schemas.openxmlformats.org/presentationml/2006/main">
   <p:cSld>
     <p:spTree>
@@ -19024,7 +24045,7 @@
 </p:sld>
 </file>
 
-<file path=ppt/slides/slide14.xml><?xml version="1.0" encoding="utf-8"?>
+<file path=ppt/slides/slide16.xml><?xml version="1.0" encoding="utf-8"?>
 <p:sld xmlns:a="http://schemas.openxmlformats.org/drawingml/2006/main" xmlns:r="http://schemas.openxmlformats.org/officeDocument/2006/relationships" xmlns:p="http://schemas.openxmlformats.org/presentationml/2006/main">
   <p:cSld>
     <p:spTree>
@@ -22364,7 +27385,7 @@
 </p:sld>
 </file>
 
-<file path=ppt/slides/slide15.xml><?xml version="1.0" encoding="utf-8"?>
+<file path=ppt/slides/slide17.xml><?xml version="1.0" encoding="utf-8"?>
 <p:sld xmlns:a="http://schemas.openxmlformats.org/drawingml/2006/main" xmlns:r="http://schemas.openxmlformats.org/officeDocument/2006/relationships" xmlns:p="http://schemas.openxmlformats.org/presentationml/2006/main">
   <p:cSld>
     <p:spTree>
@@ -27827,7 +32848,7 @@
 </p:sld>
 </file>
 
-<file path=ppt/slides/slide16.xml><?xml version="1.0" encoding="utf-8"?>
+<file path=ppt/slides/slide18.xml><?xml version="1.0" encoding="utf-8"?>
 <p:sld xmlns:a="http://schemas.openxmlformats.org/drawingml/2006/main" xmlns:r="http://schemas.openxmlformats.org/officeDocument/2006/relationships" xmlns:p="http://schemas.openxmlformats.org/presentationml/2006/main">
   <p:cSld>
     <p:spTree>
@@ -28492,7 +33513,7 @@
 </p:sld>
 </file>
 
-<file path=ppt/slides/slide17.xml><?xml version="1.0" encoding="utf-8"?>
+<file path=ppt/slides/slide19.xml><?xml version="1.0" encoding="utf-8"?>
 <p:sld xmlns:a="http://schemas.openxmlformats.org/drawingml/2006/main" xmlns:r="http://schemas.openxmlformats.org/officeDocument/2006/relationships" xmlns:p="http://schemas.openxmlformats.org/presentationml/2006/main">
   <p:cSld>
     <p:spTree>
@@ -38327,7 +43348,7 @@
         <p:cNvPr id="1" name="">
           <a:extLst>
             <a:ext uri="{FF2B5EF4-FFF2-40B4-BE49-F238E27FC236}">
-              <a16:creationId xmlns:a16="http://schemas.microsoft.com/office/drawing/2014/main" id="{BCE4EC49-5347-9AA9-556E-CD96F87AE626}"/>
+              <a16:creationId xmlns:a16="http://schemas.microsoft.com/office/drawing/2014/main" id="{15EAF4AE-47C1-0EBD-44A6-2CC7768DB7C7}"/>
             </a:ext>
           </a:extLst>
         </p:cNvPr>
@@ -38342,12 +43363,760 @@
           <a:chExt cx="0" cy="0"/>
         </a:xfrm>
       </p:grpSpPr>
+      <p:grpSp>
+        <p:nvGrpSpPr>
+          <p:cNvPr id="27" name="Group 26">
+            <a:extLst>
+              <a:ext uri="{FF2B5EF4-FFF2-40B4-BE49-F238E27FC236}">
+                <a16:creationId xmlns:a16="http://schemas.microsoft.com/office/drawing/2014/main" id="{4244748B-A0AC-7F99-AFB6-E96A5348AC9A}"/>
+              </a:ext>
+            </a:extLst>
+          </p:cNvPr>
+          <p:cNvGrpSpPr/>
+          <p:nvPr/>
+        </p:nvGrpSpPr>
+        <p:grpSpPr>
+          <a:xfrm>
+            <a:off x="4025573" y="2445107"/>
+            <a:ext cx="4140854" cy="1967787"/>
+            <a:chOff x="762908" y="2016604"/>
+            <a:chExt cx="4140854" cy="1967787"/>
+          </a:xfrm>
+        </p:grpSpPr>
+        <p:sp>
+          <p:nvSpPr>
+            <p:cNvPr id="2" name="Flowchart: Multidocument 1">
+              <a:extLst>
+                <a:ext uri="{FF2B5EF4-FFF2-40B4-BE49-F238E27FC236}">
+                  <a16:creationId xmlns:a16="http://schemas.microsoft.com/office/drawing/2014/main" id="{8B200B80-52AE-4147-B0B0-AF7A7AB4A114}"/>
+                </a:ext>
+              </a:extLst>
+            </p:cNvPr>
+            <p:cNvSpPr/>
+            <p:nvPr/>
+          </p:nvSpPr>
+          <p:spPr>
+            <a:xfrm>
+              <a:off x="2567119" y="2016604"/>
+              <a:ext cx="914400" cy="685800"/>
+            </a:xfrm>
+            <a:prstGeom prst="flowChartMultidocument">
+              <a:avLst/>
+            </a:prstGeom>
+            <a:noFill/>
+            <a:ln w="19050" cap="flat" cmpd="sng" algn="ctr">
+              <a:solidFill>
+                <a:sysClr val="windowText" lastClr="000000"/>
+              </a:solidFill>
+              <a:prstDash val="solid"/>
+            </a:ln>
+            <a:effectLst/>
+          </p:spPr>
+          <p:txBody>
+            <a:bodyPr tIns="91440" rtlCol="0" anchor="t" anchorCtr="0"/>
+            <a:lstStyle/>
+            <a:p>
+              <a:r>
+                <a:rPr lang="en-US" sz="1100" kern="0" dirty="0">
+                  <a:solidFill>
+                    <a:prstClr val="black"/>
+                  </a:solidFill>
+                  <a:latin typeface="Calibri" panose="020F0502020204030204"/>
+                </a:rPr>
+                <a:t>Common Profile</a:t>
+              </a:r>
+            </a:p>
+          </p:txBody>
+        </p:sp>
+        <p:sp>
+          <p:nvSpPr>
+            <p:cNvPr id="44" name="Flowchart: Multidocument 43">
+              <a:extLst>
+                <a:ext uri="{FF2B5EF4-FFF2-40B4-BE49-F238E27FC236}">
+                  <a16:creationId xmlns:a16="http://schemas.microsoft.com/office/drawing/2014/main" id="{1A78D5B8-0EE7-2DCA-6195-9B97B6A3DFA1}"/>
+                </a:ext>
+              </a:extLst>
+            </p:cNvPr>
+            <p:cNvSpPr/>
+            <p:nvPr/>
+          </p:nvSpPr>
+          <p:spPr>
+            <a:xfrm>
+              <a:off x="762908" y="3298591"/>
+              <a:ext cx="914400" cy="685800"/>
+            </a:xfrm>
+            <a:prstGeom prst="flowChartMultidocument">
+              <a:avLst/>
+            </a:prstGeom>
+            <a:noFill/>
+            <a:ln w="19050" cap="flat" cmpd="sng" algn="ctr">
+              <a:solidFill>
+                <a:sysClr val="windowText" lastClr="000000"/>
+              </a:solidFill>
+              <a:prstDash val="solid"/>
+            </a:ln>
+            <a:effectLst/>
+          </p:spPr>
+          <p:txBody>
+            <a:bodyPr tIns="91440" rIns="0" rtlCol="0" anchor="t" anchorCtr="0"/>
+            <a:lstStyle/>
+            <a:p>
+              <a:r>
+                <a:rPr lang="en-US" sz="1100" kern="0" dirty="0">
+                  <a:solidFill>
+                    <a:prstClr val="black"/>
+                  </a:solidFill>
+                  <a:latin typeface="Calibri" panose="020F0502020204030204"/>
+                </a:rPr>
+                <a:t>Network Profile</a:t>
+              </a:r>
+            </a:p>
+          </p:txBody>
+        </p:sp>
+        <p:sp>
+          <p:nvSpPr>
+            <p:cNvPr id="46" name="Flowchart: Multidocument 45">
+              <a:extLst>
+                <a:ext uri="{FF2B5EF4-FFF2-40B4-BE49-F238E27FC236}">
+                  <a16:creationId xmlns:a16="http://schemas.microsoft.com/office/drawing/2014/main" id="{46D95D3F-6C04-CDE6-CA00-4FAA35C7F5BC}"/>
+                </a:ext>
+              </a:extLst>
+            </p:cNvPr>
+            <p:cNvSpPr/>
+            <p:nvPr/>
+          </p:nvSpPr>
+          <p:spPr>
+            <a:xfrm>
+              <a:off x="1838393" y="3298591"/>
+              <a:ext cx="914400" cy="685800"/>
+            </a:xfrm>
+            <a:prstGeom prst="flowChartMultidocument">
+              <a:avLst/>
+            </a:prstGeom>
+            <a:noFill/>
+            <a:ln w="19050" cap="flat" cmpd="sng" algn="ctr">
+              <a:solidFill>
+                <a:sysClr val="windowText" lastClr="000000"/>
+              </a:solidFill>
+              <a:prstDash val="solid"/>
+            </a:ln>
+            <a:effectLst/>
+          </p:spPr>
+          <p:txBody>
+            <a:bodyPr tIns="91440" rIns="0" rtlCol="0" anchor="t" anchorCtr="0"/>
+            <a:lstStyle/>
+            <a:p>
+              <a:r>
+                <a:rPr lang="en-US" sz="1100" kern="0" dirty="0">
+                  <a:solidFill>
+                    <a:prstClr val="black"/>
+                  </a:solidFill>
+                  <a:latin typeface="Calibri" panose="020F0502020204030204"/>
+                </a:rPr>
+                <a:t>Data</a:t>
+              </a:r>
+            </a:p>
+            <a:p>
+              <a:r>
+                <a:rPr lang="en-US" sz="1100" kern="0" dirty="0">
+                  <a:solidFill>
+                    <a:prstClr val="black"/>
+                  </a:solidFill>
+                  <a:latin typeface="Calibri" panose="020F0502020204030204"/>
+                </a:rPr>
+                <a:t>Profile</a:t>
+              </a:r>
+            </a:p>
+          </p:txBody>
+        </p:sp>
+        <p:sp>
+          <p:nvSpPr>
+            <p:cNvPr id="47" name="Flowchart: Multidocument 46">
+              <a:extLst>
+                <a:ext uri="{FF2B5EF4-FFF2-40B4-BE49-F238E27FC236}">
+                  <a16:creationId xmlns:a16="http://schemas.microsoft.com/office/drawing/2014/main" id="{B32E97C4-7425-A7FF-4417-065D307ED130}"/>
+                </a:ext>
+              </a:extLst>
+            </p:cNvPr>
+            <p:cNvSpPr/>
+            <p:nvPr/>
+          </p:nvSpPr>
+          <p:spPr>
+            <a:xfrm>
+              <a:off x="2913878" y="3298591"/>
+              <a:ext cx="914400" cy="685800"/>
+            </a:xfrm>
+            <a:prstGeom prst="flowChartMultidocument">
+              <a:avLst/>
+            </a:prstGeom>
+            <a:noFill/>
+            <a:ln w="19050" cap="flat" cmpd="sng" algn="ctr">
+              <a:solidFill>
+                <a:sysClr val="windowText" lastClr="000000"/>
+              </a:solidFill>
+              <a:prstDash val="solid"/>
+            </a:ln>
+            <a:effectLst/>
+          </p:spPr>
+          <p:txBody>
+            <a:bodyPr tIns="91440" rIns="0" rtlCol="0" anchor="t" anchorCtr="0"/>
+            <a:lstStyle/>
+            <a:p>
+              <a:r>
+                <a:rPr lang="en-US" sz="1100" kern="0" dirty="0">
+                  <a:solidFill>
+                    <a:prstClr val="black"/>
+                  </a:solidFill>
+                  <a:latin typeface="Calibri" panose="020F0502020204030204"/>
+                </a:rPr>
+                <a:t>Application Profile</a:t>
+              </a:r>
+            </a:p>
+          </p:txBody>
+        </p:sp>
+        <p:sp>
+          <p:nvSpPr>
+            <p:cNvPr id="48" name="Flowchart: Multidocument 47">
+              <a:extLst>
+                <a:ext uri="{FF2B5EF4-FFF2-40B4-BE49-F238E27FC236}">
+                  <a16:creationId xmlns:a16="http://schemas.microsoft.com/office/drawing/2014/main" id="{F391FBC0-AC91-EB4D-7B76-50871F114BAE}"/>
+                </a:ext>
+              </a:extLst>
+            </p:cNvPr>
+            <p:cNvSpPr/>
+            <p:nvPr/>
+          </p:nvSpPr>
+          <p:spPr>
+            <a:xfrm>
+              <a:off x="3989362" y="3298591"/>
+              <a:ext cx="914400" cy="685800"/>
+            </a:xfrm>
+            <a:prstGeom prst="flowChartMultidocument">
+              <a:avLst/>
+            </a:prstGeom>
+            <a:noFill/>
+            <a:ln w="19050" cap="flat" cmpd="sng" algn="ctr">
+              <a:solidFill>
+                <a:sysClr val="windowText" lastClr="000000"/>
+              </a:solidFill>
+              <a:prstDash val="solid"/>
+            </a:ln>
+            <a:effectLst/>
+          </p:spPr>
+          <p:txBody>
+            <a:bodyPr tIns="91440" rIns="0" rtlCol="0" anchor="t" anchorCtr="0"/>
+            <a:lstStyle/>
+            <a:p>
+              <a:r>
+                <a:rPr lang="en-US" sz="1100" kern="0" dirty="0">
+                  <a:solidFill>
+                    <a:prstClr val="black"/>
+                  </a:solidFill>
+                  <a:latin typeface="Calibri" panose="020F0502020204030204"/>
+                </a:rPr>
+                <a:t>Platform</a:t>
+              </a:r>
+            </a:p>
+            <a:p>
+              <a:r>
+                <a:rPr lang="en-US" sz="1100" kern="0" dirty="0">
+                  <a:solidFill>
+                    <a:prstClr val="black"/>
+                  </a:solidFill>
+                  <a:latin typeface="Calibri" panose="020F0502020204030204"/>
+                </a:rPr>
+                <a:t>Profile</a:t>
+              </a:r>
+            </a:p>
+          </p:txBody>
+        </p:sp>
+        <p:cxnSp>
+          <p:nvCxnSpPr>
+            <p:cNvPr id="49" name="Straight Arrow Connector 48">
+              <a:extLst>
+                <a:ext uri="{FF2B5EF4-FFF2-40B4-BE49-F238E27FC236}">
+                  <a16:creationId xmlns:a16="http://schemas.microsoft.com/office/drawing/2014/main" id="{002AD095-7758-C623-6ED0-58F8A5239D24}"/>
+                </a:ext>
+              </a:extLst>
+            </p:cNvPr>
+            <p:cNvCxnSpPr>
+              <a:cxnSpLocks/>
+            </p:cNvCxnSpPr>
+            <p:nvPr/>
+          </p:nvCxnSpPr>
+          <p:spPr>
+            <a:xfrm flipV="1">
+              <a:off x="1349283" y="2661356"/>
+              <a:ext cx="1170130" cy="597032"/>
+            </a:xfrm>
+            <a:prstGeom prst="straightConnector1">
+              <a:avLst/>
+            </a:prstGeom>
+            <a:noFill/>
+            <a:ln w="12700" cap="flat" cmpd="sng" algn="ctr">
+              <a:solidFill>
+                <a:sysClr val="windowText" lastClr="000000"/>
+              </a:solidFill>
+              <a:prstDash val="solid"/>
+              <a:tailEnd type="triangle" w="lg" len="lg"/>
+            </a:ln>
+            <a:effectLst/>
+          </p:spPr>
+        </p:cxnSp>
+        <p:cxnSp>
+          <p:nvCxnSpPr>
+            <p:cNvPr id="52" name="Straight Arrow Connector 51">
+              <a:extLst>
+                <a:ext uri="{FF2B5EF4-FFF2-40B4-BE49-F238E27FC236}">
+                  <a16:creationId xmlns:a16="http://schemas.microsoft.com/office/drawing/2014/main" id="{97D30E58-0380-F16E-C57D-C98897E80313}"/>
+                </a:ext>
+              </a:extLst>
+            </p:cNvPr>
+            <p:cNvCxnSpPr>
+              <a:cxnSpLocks/>
+            </p:cNvCxnSpPr>
+            <p:nvPr/>
+          </p:nvCxnSpPr>
+          <p:spPr>
+            <a:xfrm flipH="1" flipV="1">
+              <a:off x="3343646" y="2615636"/>
+              <a:ext cx="1138391" cy="637235"/>
+            </a:xfrm>
+            <a:prstGeom prst="straightConnector1">
+              <a:avLst/>
+            </a:prstGeom>
+            <a:noFill/>
+            <a:ln w="12700" cap="flat" cmpd="sng" algn="ctr">
+              <a:solidFill>
+                <a:sysClr val="windowText" lastClr="000000"/>
+              </a:solidFill>
+              <a:prstDash val="solid"/>
+              <a:tailEnd type="triangle" w="lg" len="lg"/>
+            </a:ln>
+            <a:effectLst/>
+          </p:spPr>
+        </p:cxnSp>
+        <p:cxnSp>
+          <p:nvCxnSpPr>
+            <p:cNvPr id="55" name="Straight Arrow Connector 54">
+              <a:extLst>
+                <a:ext uri="{FF2B5EF4-FFF2-40B4-BE49-F238E27FC236}">
+                  <a16:creationId xmlns:a16="http://schemas.microsoft.com/office/drawing/2014/main" id="{209A601A-A66D-2388-7864-BF7005C95401}"/>
+                </a:ext>
+              </a:extLst>
+            </p:cNvPr>
+            <p:cNvCxnSpPr>
+              <a:cxnSpLocks/>
+            </p:cNvCxnSpPr>
+            <p:nvPr/>
+          </p:nvCxnSpPr>
+          <p:spPr>
+            <a:xfrm flipV="1">
+              <a:off x="2358500" y="2728173"/>
+              <a:ext cx="359177" cy="542986"/>
+            </a:xfrm>
+            <a:prstGeom prst="straightConnector1">
+              <a:avLst/>
+            </a:prstGeom>
+            <a:noFill/>
+            <a:ln w="12700" cap="flat" cmpd="sng" algn="ctr">
+              <a:solidFill>
+                <a:sysClr val="windowText" lastClr="000000"/>
+              </a:solidFill>
+              <a:prstDash val="solid"/>
+              <a:tailEnd type="triangle" w="lg" len="lg"/>
+            </a:ln>
+            <a:effectLst/>
+          </p:spPr>
+        </p:cxnSp>
+        <p:cxnSp>
+          <p:nvCxnSpPr>
+            <p:cNvPr id="60" name="Straight Arrow Connector 59">
+              <a:extLst>
+                <a:ext uri="{FF2B5EF4-FFF2-40B4-BE49-F238E27FC236}">
+                  <a16:creationId xmlns:a16="http://schemas.microsoft.com/office/drawing/2014/main" id="{29382F1E-2B0F-9EE2-D977-FF29F0266FCF}"/>
+                </a:ext>
+              </a:extLst>
+            </p:cNvPr>
+            <p:cNvCxnSpPr>
+              <a:cxnSpLocks/>
+            </p:cNvCxnSpPr>
+            <p:nvPr/>
+          </p:nvCxnSpPr>
+          <p:spPr>
+            <a:xfrm flipH="1" flipV="1">
+              <a:off x="3128700" y="2633924"/>
+              <a:ext cx="305285" cy="628091"/>
+            </a:xfrm>
+            <a:prstGeom prst="straightConnector1">
+              <a:avLst/>
+            </a:prstGeom>
+            <a:noFill/>
+            <a:ln w="12700" cap="flat" cmpd="sng" algn="ctr">
+              <a:solidFill>
+                <a:sysClr val="windowText" lastClr="000000"/>
+              </a:solidFill>
+              <a:prstDash val="solid"/>
+              <a:tailEnd type="triangle" w="lg" len="lg"/>
+            </a:ln>
+            <a:effectLst/>
+          </p:spPr>
+        </p:cxnSp>
+        <p:sp>
+          <p:nvSpPr>
+            <p:cNvPr id="7" name="TextBox 6">
+              <a:extLst>
+                <a:ext uri="{FF2B5EF4-FFF2-40B4-BE49-F238E27FC236}">
+                  <a16:creationId xmlns:a16="http://schemas.microsoft.com/office/drawing/2014/main" id="{DF2CE5E8-BA9F-99FD-5042-4A5C17C00957}"/>
+                </a:ext>
+              </a:extLst>
+            </p:cNvPr>
+            <p:cNvSpPr txBox="1"/>
+            <p:nvPr/>
+          </p:nvSpPr>
+          <p:spPr>
+            <a:xfrm>
+              <a:off x="2295593" y="2900289"/>
+              <a:ext cx="354263" cy="153888"/>
+            </a:xfrm>
+            <a:prstGeom prst="rect">
+              <a:avLst/>
+            </a:prstGeom>
+            <a:solidFill>
+              <a:sysClr val="window" lastClr="FFFFFF"/>
+            </a:solidFill>
+          </p:spPr>
+          <p:txBody>
+            <a:bodyPr wrap="none" lIns="0" tIns="0" rIns="0" bIns="0" rtlCol="0">
+              <a:spAutoFit/>
+            </a:bodyPr>
+            <a:lstStyle/>
+            <a:p>
+              <a:pPr marL="0" marR="0" lvl="0" indent="0" algn="ctr" defTabSz="914400" eaLnBrk="1" fontAlgn="auto" latinLnBrk="0" hangingPunct="1">
+                <a:lnSpc>
+                  <a:spcPct val="100000"/>
+                </a:lnSpc>
+                <a:spcBef>
+                  <a:spcPts val="0"/>
+                </a:spcBef>
+                <a:spcAft>
+                  <a:spcPts val="0"/>
+                </a:spcAft>
+                <a:buClrTx/>
+                <a:buSzTx/>
+                <a:buFontTx/>
+                <a:buNone/>
+                <a:tabLst/>
+                <a:defRPr/>
+              </a:pPr>
+              <a:r>
+                <a:rPr kumimoji="0" lang="en-US" sz="1000" b="0" i="0" u="none" strike="noStrike" kern="0" cap="none" spc="0" normalizeH="0" baseline="0" noProof="0" dirty="0">
+                  <a:ln>
+                    <a:noFill/>
+                  </a:ln>
+                  <a:solidFill>
+                    <a:prstClr val="black"/>
+                  </a:solidFill>
+                  <a:effectLst/>
+                  <a:uLnTx/>
+                  <a:uFillTx/>
+                  <a:latin typeface="Calibri" panose="020F0502020204030204"/>
+                </a:rPr>
+                <a:t>import</a:t>
+              </a:r>
+            </a:p>
+          </p:txBody>
+        </p:sp>
+        <p:sp>
+          <p:nvSpPr>
+            <p:cNvPr id="12" name="TextBox 11">
+              <a:extLst>
+                <a:ext uri="{FF2B5EF4-FFF2-40B4-BE49-F238E27FC236}">
+                  <a16:creationId xmlns:a16="http://schemas.microsoft.com/office/drawing/2014/main" id="{D4DDE020-BF21-5EA9-F6A9-789935D69F5B}"/>
+                </a:ext>
+              </a:extLst>
+            </p:cNvPr>
+            <p:cNvSpPr txBox="1"/>
+            <p:nvPr/>
+          </p:nvSpPr>
+          <p:spPr>
+            <a:xfrm>
+              <a:off x="3134282" y="2922722"/>
+              <a:ext cx="354263" cy="153888"/>
+            </a:xfrm>
+            <a:prstGeom prst="rect">
+              <a:avLst/>
+            </a:prstGeom>
+            <a:solidFill>
+              <a:sysClr val="window" lastClr="FFFFFF"/>
+            </a:solidFill>
+          </p:spPr>
+          <p:txBody>
+            <a:bodyPr wrap="none" lIns="0" tIns="0" rIns="0" bIns="0" rtlCol="0">
+              <a:spAutoFit/>
+            </a:bodyPr>
+            <a:lstStyle>
+              <a:defPPr>
+                <a:defRPr lang="en-US"/>
+              </a:defPPr>
+              <a:lvl1pPr marR="0" lvl="0" indent="0" algn="ctr" fontAlgn="auto">
+                <a:lnSpc>
+                  <a:spcPct val="100000"/>
+                </a:lnSpc>
+                <a:spcBef>
+                  <a:spcPts val="0"/>
+                </a:spcBef>
+                <a:spcAft>
+                  <a:spcPts val="0"/>
+                </a:spcAft>
+                <a:buClrTx/>
+                <a:buSzTx/>
+                <a:buFontTx/>
+                <a:buNone/>
+                <a:tabLst/>
+                <a:defRPr kumimoji="0" sz="1000" b="0" i="0" u="none" strike="noStrike" kern="0" cap="none" spc="0" normalizeH="0" baseline="0">
+                  <a:ln>
+                    <a:noFill/>
+                  </a:ln>
+                  <a:solidFill>
+                    <a:prstClr val="black"/>
+                  </a:solidFill>
+                  <a:effectLst/>
+                  <a:uLnTx/>
+                  <a:uFillTx/>
+                  <a:latin typeface="Calibri" panose="020F0502020204030204"/>
+                </a:defRPr>
+              </a:lvl1pPr>
+            </a:lstStyle>
+            <a:p>
+              <a:r>
+                <a:rPr lang="en-US" dirty="0"/>
+                <a:t>import</a:t>
+              </a:r>
+            </a:p>
+          </p:txBody>
+        </p:sp>
+        <p:sp>
+          <p:nvSpPr>
+            <p:cNvPr id="17" name="TextBox 16">
+              <a:extLst>
+                <a:ext uri="{FF2B5EF4-FFF2-40B4-BE49-F238E27FC236}">
+                  <a16:creationId xmlns:a16="http://schemas.microsoft.com/office/drawing/2014/main" id="{3693B801-20F7-5E29-3E8F-C235ABB00037}"/>
+                </a:ext>
+              </a:extLst>
+            </p:cNvPr>
+            <p:cNvSpPr txBox="1"/>
+            <p:nvPr/>
+          </p:nvSpPr>
+          <p:spPr>
+            <a:xfrm>
+              <a:off x="3689009" y="2836609"/>
+              <a:ext cx="354263" cy="153888"/>
+            </a:xfrm>
+            <a:prstGeom prst="rect">
+              <a:avLst/>
+            </a:prstGeom>
+            <a:solidFill>
+              <a:sysClr val="window" lastClr="FFFFFF"/>
+            </a:solidFill>
+          </p:spPr>
+          <p:txBody>
+            <a:bodyPr wrap="none" lIns="0" tIns="0" rIns="0" bIns="0" rtlCol="0">
+              <a:spAutoFit/>
+            </a:bodyPr>
+            <a:lstStyle>
+              <a:defPPr>
+                <a:defRPr lang="en-US"/>
+              </a:defPPr>
+              <a:lvl1pPr marR="0" lvl="0" indent="0" algn="ctr" fontAlgn="auto">
+                <a:lnSpc>
+                  <a:spcPct val="100000"/>
+                </a:lnSpc>
+                <a:spcBef>
+                  <a:spcPts val="0"/>
+                </a:spcBef>
+                <a:spcAft>
+                  <a:spcPts val="0"/>
+                </a:spcAft>
+                <a:buClrTx/>
+                <a:buSzTx/>
+                <a:buFontTx/>
+                <a:buNone/>
+                <a:tabLst/>
+                <a:defRPr kumimoji="0" sz="1000" b="0" i="0" u="none" strike="noStrike" kern="0" cap="none" spc="0" normalizeH="0" baseline="0">
+                  <a:ln>
+                    <a:noFill/>
+                  </a:ln>
+                  <a:solidFill>
+                    <a:prstClr val="black"/>
+                  </a:solidFill>
+                  <a:effectLst/>
+                  <a:uLnTx/>
+                  <a:uFillTx/>
+                  <a:latin typeface="Calibri" panose="020F0502020204030204"/>
+                </a:defRPr>
+              </a:lvl1pPr>
+            </a:lstStyle>
+            <a:p>
+              <a:r>
+                <a:rPr lang="en-US" dirty="0"/>
+                <a:t>import</a:t>
+              </a:r>
+            </a:p>
+          </p:txBody>
+        </p:sp>
+        <p:sp>
+          <p:nvSpPr>
+            <p:cNvPr id="21" name="TextBox 20">
+              <a:extLst>
+                <a:ext uri="{FF2B5EF4-FFF2-40B4-BE49-F238E27FC236}">
+                  <a16:creationId xmlns:a16="http://schemas.microsoft.com/office/drawing/2014/main" id="{8C169F56-14CE-1681-4753-65766009FF4F}"/>
+                </a:ext>
+              </a:extLst>
+            </p:cNvPr>
+            <p:cNvSpPr txBox="1"/>
+            <p:nvPr/>
+          </p:nvSpPr>
+          <p:spPr>
+            <a:xfrm>
+              <a:off x="1774683" y="2871025"/>
+              <a:ext cx="354263" cy="153888"/>
+            </a:xfrm>
+            <a:prstGeom prst="rect">
+              <a:avLst/>
+            </a:prstGeom>
+            <a:solidFill>
+              <a:sysClr val="window" lastClr="FFFFFF"/>
+            </a:solidFill>
+          </p:spPr>
+          <p:txBody>
+            <a:bodyPr wrap="none" lIns="0" tIns="0" rIns="0" bIns="0" rtlCol="0">
+              <a:spAutoFit/>
+            </a:bodyPr>
+            <a:lstStyle/>
+            <a:p>
+              <a:pPr marL="0" marR="0" lvl="0" indent="0" algn="ctr" defTabSz="914400" eaLnBrk="1" fontAlgn="auto" latinLnBrk="0" hangingPunct="1">
+                <a:lnSpc>
+                  <a:spcPct val="100000"/>
+                </a:lnSpc>
+                <a:spcBef>
+                  <a:spcPts val="0"/>
+                </a:spcBef>
+                <a:spcAft>
+                  <a:spcPts val="0"/>
+                </a:spcAft>
+                <a:buClrTx/>
+                <a:buSzTx/>
+                <a:buFontTx/>
+                <a:buNone/>
+                <a:tabLst/>
+                <a:defRPr/>
+              </a:pPr>
+              <a:r>
+                <a:rPr kumimoji="0" lang="en-US" sz="1000" b="0" i="0" u="none" strike="noStrike" kern="0" cap="none" spc="0" normalizeH="0" baseline="0" noProof="0" dirty="0">
+                  <a:ln>
+                    <a:noFill/>
+                  </a:ln>
+                  <a:solidFill>
+                    <a:prstClr val="black"/>
+                  </a:solidFill>
+                  <a:effectLst/>
+                  <a:uLnTx/>
+                  <a:uFillTx/>
+                  <a:latin typeface="Calibri" panose="020F0502020204030204"/>
+                </a:rPr>
+                <a:t>import</a:t>
+              </a:r>
+            </a:p>
+          </p:txBody>
+        </p:sp>
+      </p:grpSp>
+    </p:spTree>
+    <p:extLst>
+      <p:ext uri="{BB962C8B-B14F-4D97-AF65-F5344CB8AC3E}">
+        <p14:creationId xmlns:p14="http://schemas.microsoft.com/office/powerpoint/2010/main" val="180784274"/>
+      </p:ext>
+    </p:extLst>
+  </p:cSld>
+  <p:clrMapOvr>
+    <a:masterClrMapping/>
+  </p:clrMapOvr>
+</p:sld>
+</file>
+
+<file path=ppt/slides/slide9.xml><?xml version="1.0" encoding="utf-8"?>
+<p:sld xmlns:a="http://schemas.openxmlformats.org/drawingml/2006/main" xmlns:r="http://schemas.openxmlformats.org/officeDocument/2006/relationships" xmlns:p="http://schemas.openxmlformats.org/presentationml/2006/main">
+  <p:cSld>
+    <p:spTree>
+      <p:nvGrpSpPr>
+        <p:cNvPr id="1" name="">
+          <a:extLst>
+            <a:ext uri="{FF2B5EF4-FFF2-40B4-BE49-F238E27FC236}">
+              <a16:creationId xmlns:a16="http://schemas.microsoft.com/office/drawing/2014/main" id="{0610AB65-455C-7FB8-BCB1-F5C36A34E3A5}"/>
+            </a:ext>
+          </a:extLst>
+        </p:cNvPr>
+        <p:cNvGrpSpPr/>
+        <p:nvPr/>
+      </p:nvGrpSpPr>
+      <p:grpSpPr>
+        <a:xfrm>
+          <a:off x="0" y="0"/>
+          <a:ext cx="0" cy="0"/>
+          <a:chOff x="0" y="0"/>
+          <a:chExt cx="0" cy="0"/>
+        </a:xfrm>
+      </p:grpSpPr>
+      <p:cxnSp>
+        <p:nvCxnSpPr>
+          <p:cNvPr id="37" name="Straight Arrow Connector 45">
+            <a:extLst>
+              <a:ext uri="{FF2B5EF4-FFF2-40B4-BE49-F238E27FC236}">
+                <a16:creationId xmlns:a16="http://schemas.microsoft.com/office/drawing/2014/main" id="{47C5A3D1-C32B-08AF-A3F1-786B3EF16378}"/>
+              </a:ext>
+            </a:extLst>
+          </p:cNvPr>
+          <p:cNvCxnSpPr>
+            <a:cxnSpLocks/>
+          </p:cNvCxnSpPr>
+          <p:nvPr/>
+        </p:nvCxnSpPr>
+        <p:spPr>
+          <a:xfrm>
+            <a:off x="5787841" y="2160990"/>
+            <a:ext cx="650137" cy="0"/>
+          </a:xfrm>
+          <a:prstGeom prst="straightConnector1">
+            <a:avLst/>
+          </a:prstGeom>
+          <a:ln w="12700">
+            <a:solidFill>
+              <a:schemeClr val="tx1"/>
+            </a:solidFill>
+            <a:tailEnd type="triangle"/>
+          </a:ln>
+        </p:spPr>
+        <p:style>
+          <a:lnRef idx="1">
+            <a:schemeClr val="accent1"/>
+          </a:lnRef>
+          <a:fillRef idx="0">
+            <a:schemeClr val="accent1"/>
+          </a:fillRef>
+          <a:effectRef idx="0">
+            <a:schemeClr val="accent1"/>
+          </a:effectRef>
+          <a:fontRef idx="minor">
+            <a:schemeClr val="tx1"/>
+          </a:fontRef>
+        </p:style>
+      </p:cxnSp>
       <p:sp>
         <p:nvSpPr>
           <p:cNvPr id="2" name="Rectangle: Rounded Corners 54">
             <a:extLst>
               <a:ext uri="{FF2B5EF4-FFF2-40B4-BE49-F238E27FC236}">
-                <a16:creationId xmlns:a16="http://schemas.microsoft.com/office/drawing/2014/main" id="{DEF71628-5049-BDA2-E5D9-9703FB3408F9}"/>
+                <a16:creationId xmlns:a16="http://schemas.microsoft.com/office/drawing/2014/main" id="{C1DAEF10-6398-21B7-8959-AB32BB57729D}"/>
               </a:ext>
             </a:extLst>
           </p:cNvPr>
@@ -38356,8 +44125,8 @@
         </p:nvSpPr>
         <p:spPr>
           <a:xfrm>
-            <a:off x="4559424" y="1760643"/>
-            <a:ext cx="3017520" cy="4575501"/>
+            <a:off x="4587240" y="1298448"/>
+            <a:ext cx="3017520" cy="4261104"/>
           </a:xfrm>
           <a:prstGeom prst="roundRect">
             <a:avLst/>
@@ -38393,7 +44162,7 @@
                   <a:schemeClr val="tx1"/>
                 </a:solidFill>
               </a:rPr>
-              <a:t>Service Template</a:t>
+              <a:t>Abstract Service Template</a:t>
             </a:r>
           </a:p>
         </p:txBody>
@@ -38403,7 +44172,7 @@
           <p:cNvPr id="9" name="Rectangle 22">
             <a:extLst>
               <a:ext uri="{FF2B5EF4-FFF2-40B4-BE49-F238E27FC236}">
-                <a16:creationId xmlns:a16="http://schemas.microsoft.com/office/drawing/2014/main" id="{418DBB63-21E9-CABB-BDDE-72AA494C8DA2}"/>
+                <a16:creationId xmlns:a16="http://schemas.microsoft.com/office/drawing/2014/main" id="{E5C13AAA-4C8A-056C-06E8-78A0A08887FF}"/>
               </a:ext>
             </a:extLst>
           </p:cNvPr>
@@ -38412,7 +44181,7 @@
         </p:nvSpPr>
         <p:spPr>
           <a:xfrm>
-            <a:off x="4840709" y="2413214"/>
+            <a:off x="4868525" y="2029165"/>
             <a:ext cx="771421" cy="279919"/>
           </a:xfrm>
           <a:prstGeom prst="rect">
@@ -38480,6 +44249,41 @@
                 <a:ea typeface="+mn-ea"/>
                 <a:cs typeface="+mn-cs"/>
               </a:rPr>
+              <a:t>Web</a:t>
+            </a:r>
+          </a:p>
+          <a:p>
+            <a:pPr marL="0" marR="0" lvl="0" indent="0" algn="ctr" defTabSz="914400" rtl="0" eaLnBrk="1" fontAlgn="auto" latinLnBrk="0" hangingPunct="1">
+              <a:lnSpc>
+                <a:spcPct val="100000"/>
+              </a:lnSpc>
+              <a:spcBef>
+                <a:spcPts val="0"/>
+              </a:spcBef>
+              <a:spcAft>
+                <a:spcPts val="0"/>
+              </a:spcAft>
+              <a:buClrTx/>
+              <a:buSzTx/>
+              <a:buFontTx/>
+              <a:buNone/>
+              <a:tabLst/>
+              <a:defRPr/>
+            </a:pPr>
+            <a:r>
+              <a:rPr kumimoji="0" lang="en-US" sz="900" b="0" i="0" u="none" strike="noStrike" kern="1200" cap="none" spc="0" normalizeH="0" baseline="0" noProof="0" dirty="0">
+                <a:ln>
+                  <a:noFill/>
+                </a:ln>
+                <a:solidFill>
+                  <a:prstClr val="black"/>
+                </a:solidFill>
+                <a:effectLst/>
+                <a:uLnTx/>
+                <a:uFillTx/>
+                <a:ea typeface="+mn-ea"/>
+                <a:cs typeface="+mn-cs"/>
+              </a:rPr>
               <a:t>Application</a:t>
             </a:r>
           </a:p>
@@ -38490,7 +44294,7 @@
           <p:cNvPr id="10" name="Rectangle: Rounded Corners 23">
             <a:extLst>
               <a:ext uri="{FF2B5EF4-FFF2-40B4-BE49-F238E27FC236}">
-                <a16:creationId xmlns:a16="http://schemas.microsoft.com/office/drawing/2014/main" id="{F34336D5-4517-BFF9-F903-7B2248FA1C74}"/>
+                <a16:creationId xmlns:a16="http://schemas.microsoft.com/office/drawing/2014/main" id="{27CE6E94-CEF7-DA33-127C-5D2B427DD4B7}"/>
               </a:ext>
             </a:extLst>
           </p:cNvPr>
@@ -38499,7 +44303,7 @@
         </p:nvSpPr>
         <p:spPr>
           <a:xfrm>
-            <a:off x="4840709" y="2173408"/>
+            <a:off x="4868525" y="1789359"/>
             <a:ext cx="771420" cy="815478"/>
           </a:xfrm>
           <a:prstGeom prst="roundRect">
@@ -38573,7 +44377,7 @@
           <p:cNvPr id="11" name="Flowchart: Off-page Connector 24">
             <a:extLst>
               <a:ext uri="{FF2B5EF4-FFF2-40B4-BE49-F238E27FC236}">
-                <a16:creationId xmlns:a16="http://schemas.microsoft.com/office/drawing/2014/main" id="{E1213925-E079-6383-3620-30B52CC0EF0E}"/>
+                <a16:creationId xmlns:a16="http://schemas.microsoft.com/office/drawing/2014/main" id="{98894D16-7B47-F941-BEFC-7B7ABD32A4C2}"/>
               </a:ext>
             </a:extLst>
           </p:cNvPr>
@@ -38582,7 +44386,7 @@
         </p:nvSpPr>
         <p:spPr>
           <a:xfrm>
-            <a:off x="5122566" y="2867588"/>
+            <a:off x="5150382" y="2483539"/>
             <a:ext cx="180000" cy="270000"/>
           </a:xfrm>
           <a:prstGeom prst="flowChartOffpageConnector">
@@ -38650,97 +44454,12 @@
           </a:p>
         </p:txBody>
       </p:sp>
-      <p:cxnSp>
-        <p:nvCxnSpPr>
-          <p:cNvPr id="13" name="Straight Arrow Connector 45">
+      <p:sp>
+        <p:nvSpPr>
+          <p:cNvPr id="12" name="Rectangle 22">
             <a:extLst>
               <a:ext uri="{FF2B5EF4-FFF2-40B4-BE49-F238E27FC236}">
-                <a16:creationId xmlns:a16="http://schemas.microsoft.com/office/drawing/2014/main" id="{03B9BD71-4145-61B2-9C71-E4E7A9C9BB9E}"/>
-              </a:ext>
-            </a:extLst>
-          </p:cNvPr>
-          <p:cNvCxnSpPr>
-            <a:cxnSpLocks/>
-            <a:stCxn id="11" idx="2"/>
-            <a:endCxn id="6" idx="1"/>
-          </p:cNvCxnSpPr>
-          <p:nvPr/>
-        </p:nvCxnSpPr>
-        <p:spPr>
-          <a:xfrm flipH="1">
-            <a:off x="5067922" y="3137588"/>
-            <a:ext cx="144644" cy="436810"/>
-          </a:xfrm>
-          <a:prstGeom prst="straightConnector1">
-            <a:avLst/>
-          </a:prstGeom>
-          <a:ln w="12700">
-            <a:solidFill>
-              <a:schemeClr val="tx1"/>
-            </a:solidFill>
-            <a:tailEnd type="triangle"/>
-          </a:ln>
-        </p:spPr>
-        <p:style>
-          <a:lnRef idx="1">
-            <a:schemeClr val="accent1"/>
-          </a:lnRef>
-          <a:fillRef idx="0">
-            <a:schemeClr val="accent1"/>
-          </a:fillRef>
-          <a:effectRef idx="0">
-            <a:schemeClr val="accent1"/>
-          </a:effectRef>
-          <a:fontRef idx="minor">
-            <a:schemeClr val="tx1"/>
-          </a:fontRef>
-        </p:style>
-      </p:cxnSp>
-      <p:sp>
-        <p:nvSpPr>
-          <p:cNvPr id="16" name="CasellaDiTesto 15">
-            <a:extLst>
-              <a:ext uri="{FF2B5EF4-FFF2-40B4-BE49-F238E27FC236}">
-                <a16:creationId xmlns:a16="http://schemas.microsoft.com/office/drawing/2014/main" id="{48F3AD40-3A35-29F2-65AE-B9A0F1BD76B3}"/>
-              </a:ext>
-            </a:extLst>
-          </p:cNvPr>
-          <p:cNvSpPr txBox="1"/>
-          <p:nvPr/>
-        </p:nvSpPr>
-        <p:spPr>
-          <a:xfrm>
-            <a:off x="4710434" y="3243520"/>
-            <a:ext cx="895928" cy="138499"/>
-          </a:xfrm>
-          <a:prstGeom prst="rect">
-            <a:avLst/>
-          </a:prstGeom>
-          <a:solidFill>
-            <a:schemeClr val="bg1"/>
-          </a:solidFill>
-        </p:spPr>
-        <p:txBody>
-          <a:bodyPr wrap="square" lIns="0" tIns="0" rIns="0" bIns="0" rtlCol="0">
-            <a:spAutoFit/>
-          </a:bodyPr>
-          <a:lstStyle/>
-          <a:p>
-            <a:pPr algn="ctr"/>
-            <a:r>
-              <a:rPr lang="it-IT" sz="900" dirty="0" err="1"/>
-              <a:t>RunsOn</a:t>
-            </a:r>
-            <a:endParaRPr lang="it-IT" sz="900" dirty="0"/>
-          </a:p>
-        </p:txBody>
-      </p:sp>
-      <p:sp>
-        <p:nvSpPr>
-          <p:cNvPr id="17" name="Rectangle: Rounded Corners 63">
-            <a:extLst>
-              <a:ext uri="{FF2B5EF4-FFF2-40B4-BE49-F238E27FC236}">
-                <a16:creationId xmlns:a16="http://schemas.microsoft.com/office/drawing/2014/main" id="{8F1D8FDA-8817-7E8F-A088-BD0E97EE90E5}"/>
+                <a16:creationId xmlns:a16="http://schemas.microsoft.com/office/drawing/2014/main" id="{132451CB-0ED1-D243-DE21-5D44CC97315A}"/>
               </a:ext>
             </a:extLst>
           </p:cNvPr>
@@ -38749,353 +44468,7 @@
         </p:nvSpPr>
         <p:spPr>
           <a:xfrm>
-            <a:off x="3576663" y="424687"/>
-            <a:ext cx="1545903" cy="1083735"/>
-          </a:xfrm>
-          <a:prstGeom prst="roundRect">
-            <a:avLst/>
-          </a:prstGeom>
-          <a:noFill/>
-          <a:ln w="19050">
-            <a:prstDash val="sysDash"/>
-          </a:ln>
-        </p:spPr>
-        <p:style>
-          <a:lnRef idx="2">
-            <a:schemeClr val="accent1">
-              <a:shade val="15000"/>
-            </a:schemeClr>
-          </a:lnRef>
-          <a:fillRef idx="1">
-            <a:schemeClr val="accent1"/>
-          </a:fillRef>
-          <a:effectRef idx="0">
-            <a:schemeClr val="accent1"/>
-          </a:effectRef>
-          <a:fontRef idx="minor">
-            <a:schemeClr val="lt1"/>
-          </a:fontRef>
-        </p:style>
-        <p:txBody>
-          <a:bodyPr rtlCol="0" anchor="ctr" anchorCtr="0"/>
-          <a:lstStyle/>
-          <a:p>
-            <a:pPr algn="ctr"/>
-            <a:r>
-              <a:rPr lang="en-US" sz="1100" dirty="0">
-                <a:solidFill>
-                  <a:schemeClr val="tx1"/>
-                </a:solidFill>
-              </a:rPr>
-              <a:t>Substituting</a:t>
-            </a:r>
-            <a:br>
-              <a:rPr lang="en-US" sz="1100" dirty="0">
-                <a:solidFill>
-                  <a:schemeClr val="tx1"/>
-                </a:solidFill>
-              </a:rPr>
-            </a:br>
-            <a:r>
-              <a:rPr lang="en-US" sz="1100" dirty="0">
-                <a:solidFill>
-                  <a:schemeClr val="tx1"/>
-                </a:solidFill>
-              </a:rPr>
-              <a:t>Service Template</a:t>
-            </a:r>
-            <a:br>
-              <a:rPr lang="en-US" sz="1100" dirty="0">
-                <a:solidFill>
-                  <a:schemeClr val="tx1"/>
-                </a:solidFill>
-              </a:rPr>
-            </a:br>
-            <a:r>
-              <a:rPr lang="en-US" sz="1100" dirty="0">
-                <a:solidFill>
-                  <a:schemeClr val="tx1"/>
-                </a:solidFill>
-              </a:rPr>
-              <a:t>(Application)</a:t>
-            </a:r>
-          </a:p>
-        </p:txBody>
-      </p:sp>
-      <p:cxnSp>
-        <p:nvCxnSpPr>
-          <p:cNvPr id="18" name="Straight Arrow Connector 134">
-            <a:extLst>
-              <a:ext uri="{FF2B5EF4-FFF2-40B4-BE49-F238E27FC236}">
-                <a16:creationId xmlns:a16="http://schemas.microsoft.com/office/drawing/2014/main" id="{5ADCD18D-9E05-559E-8798-F4DD3D824BE6}"/>
-              </a:ext>
-            </a:extLst>
-          </p:cNvPr>
-          <p:cNvCxnSpPr>
-            <a:cxnSpLocks/>
-            <a:stCxn id="10" idx="0"/>
-            <a:endCxn id="17" idx="2"/>
-          </p:cNvCxnSpPr>
-          <p:nvPr/>
-        </p:nvCxnSpPr>
-        <p:spPr>
-          <a:xfrm flipH="1" flipV="1">
-            <a:off x="4349615" y="1508422"/>
-            <a:ext cx="876804" cy="664986"/>
-          </a:xfrm>
-          <a:prstGeom prst="straightConnector1">
-            <a:avLst/>
-          </a:prstGeom>
-          <a:ln w="28575">
-            <a:solidFill>
-              <a:schemeClr val="accent2"/>
-            </a:solidFill>
-            <a:prstDash val="sysDash"/>
-            <a:headEnd type="triangle" w="med" len="med"/>
-            <a:tailEnd type="none" w="med" len="med"/>
-          </a:ln>
-        </p:spPr>
-        <p:style>
-          <a:lnRef idx="1">
-            <a:schemeClr val="accent1"/>
-          </a:lnRef>
-          <a:fillRef idx="0">
-            <a:schemeClr val="accent1"/>
-          </a:fillRef>
-          <a:effectRef idx="0">
-            <a:schemeClr val="accent1"/>
-          </a:effectRef>
-          <a:fontRef idx="minor">
-            <a:schemeClr val="tx1"/>
-          </a:fontRef>
-        </p:style>
-      </p:cxnSp>
-      <p:sp>
-        <p:nvSpPr>
-          <p:cNvPr id="19" name="TextBox 135">
-            <a:extLst>
-              <a:ext uri="{FF2B5EF4-FFF2-40B4-BE49-F238E27FC236}">
-                <a16:creationId xmlns:a16="http://schemas.microsoft.com/office/drawing/2014/main" id="{9BBA8697-E1A7-6079-7B6D-A95FE29A8113}"/>
-              </a:ext>
-            </a:extLst>
-          </p:cNvPr>
-          <p:cNvSpPr txBox="1"/>
-          <p:nvPr/>
-        </p:nvSpPr>
-        <p:spPr>
-          <a:xfrm>
-            <a:off x="3924884" y="1641541"/>
-            <a:ext cx="533800" cy="138499"/>
-          </a:xfrm>
-          <a:prstGeom prst="rect">
-            <a:avLst/>
-          </a:prstGeom>
-          <a:solidFill>
-            <a:schemeClr val="bg1"/>
-          </a:solidFill>
-        </p:spPr>
-        <p:txBody>
-          <a:bodyPr wrap="square" lIns="0" tIns="0" rIns="0" bIns="0" rtlCol="0">
-            <a:spAutoFit/>
-          </a:bodyPr>
-          <a:lstStyle/>
-          <a:p>
-            <a:pPr algn="ctr"/>
-            <a:r>
-              <a:rPr lang="en-US" sz="900" b="1" dirty="0"/>
-              <a:t>substitutes</a:t>
-            </a:r>
-          </a:p>
-        </p:txBody>
-      </p:sp>
-      <p:sp>
-        <p:nvSpPr>
-          <p:cNvPr id="23" name="Rectangle: Rounded Corners 63">
-            <a:extLst>
-              <a:ext uri="{FF2B5EF4-FFF2-40B4-BE49-F238E27FC236}">
-                <a16:creationId xmlns:a16="http://schemas.microsoft.com/office/drawing/2014/main" id="{4002801D-BFF7-C1FB-2534-28C597D28530}"/>
-              </a:ext>
-            </a:extLst>
-          </p:cNvPr>
-          <p:cNvSpPr/>
-          <p:nvPr/>
-        </p:nvSpPr>
-        <p:spPr>
-          <a:xfrm>
-            <a:off x="2761143" y="4771901"/>
-            <a:ext cx="1545903" cy="1083735"/>
-          </a:xfrm>
-          <a:prstGeom prst="roundRect">
-            <a:avLst/>
-          </a:prstGeom>
-          <a:noFill/>
-          <a:ln w="19050">
-            <a:prstDash val="sysDash"/>
-          </a:ln>
-        </p:spPr>
-        <p:style>
-          <a:lnRef idx="2">
-            <a:schemeClr val="accent1">
-              <a:shade val="15000"/>
-            </a:schemeClr>
-          </a:lnRef>
-          <a:fillRef idx="1">
-            <a:schemeClr val="accent1"/>
-          </a:fillRef>
-          <a:effectRef idx="0">
-            <a:schemeClr val="accent1"/>
-          </a:effectRef>
-          <a:fontRef idx="minor">
-            <a:schemeClr val="lt1"/>
-          </a:fontRef>
-        </p:style>
-        <p:txBody>
-          <a:bodyPr rtlCol="0" anchor="ctr" anchorCtr="0"/>
-          <a:lstStyle/>
-          <a:p>
-            <a:pPr algn="ctr"/>
-            <a:r>
-              <a:rPr lang="en-US" sz="1100" dirty="0">
-                <a:solidFill>
-                  <a:schemeClr val="tx1"/>
-                </a:solidFill>
-              </a:rPr>
-              <a:t>Substituting</a:t>
-            </a:r>
-            <a:br>
-              <a:rPr lang="en-US" sz="1100" dirty="0">
-                <a:solidFill>
-                  <a:schemeClr val="tx1"/>
-                </a:solidFill>
-              </a:rPr>
-            </a:br>
-            <a:r>
-              <a:rPr lang="en-US" sz="1100" dirty="0">
-                <a:solidFill>
-                  <a:schemeClr val="tx1"/>
-                </a:solidFill>
-              </a:rPr>
-              <a:t>Service Template</a:t>
-            </a:r>
-            <a:br>
-              <a:rPr lang="en-US" sz="1100" dirty="0">
-                <a:solidFill>
-                  <a:schemeClr val="tx1"/>
-                </a:solidFill>
-              </a:rPr>
-            </a:br>
-            <a:r>
-              <a:rPr lang="en-US" sz="1100" dirty="0">
-                <a:solidFill>
-                  <a:schemeClr val="tx1"/>
-                </a:solidFill>
-              </a:rPr>
-              <a:t>(Platform)</a:t>
-            </a:r>
-          </a:p>
-        </p:txBody>
-      </p:sp>
-      <p:cxnSp>
-        <p:nvCxnSpPr>
-          <p:cNvPr id="24" name="Straight Arrow Connector 134">
-            <a:extLst>
-              <a:ext uri="{FF2B5EF4-FFF2-40B4-BE49-F238E27FC236}">
-                <a16:creationId xmlns:a16="http://schemas.microsoft.com/office/drawing/2014/main" id="{71074922-9B0C-E947-C5D1-D54D54ABD220}"/>
-              </a:ext>
-            </a:extLst>
-          </p:cNvPr>
-          <p:cNvCxnSpPr>
-            <a:cxnSpLocks/>
-            <a:stCxn id="5" idx="1"/>
-            <a:endCxn id="23" idx="0"/>
-          </p:cNvCxnSpPr>
-          <p:nvPr/>
-        </p:nvCxnSpPr>
-        <p:spPr>
-          <a:xfrm flipH="1">
-            <a:off x="3534095" y="4086312"/>
-            <a:ext cx="1306613" cy="685589"/>
-          </a:xfrm>
-          <a:prstGeom prst="straightConnector1">
-            <a:avLst/>
-          </a:prstGeom>
-          <a:ln w="28575">
-            <a:solidFill>
-              <a:schemeClr val="accent2"/>
-            </a:solidFill>
-            <a:prstDash val="sysDash"/>
-            <a:headEnd type="triangle" w="med" len="med"/>
-            <a:tailEnd type="none" w="med" len="med"/>
-          </a:ln>
-        </p:spPr>
-        <p:style>
-          <a:lnRef idx="1">
-            <a:schemeClr val="accent1"/>
-          </a:lnRef>
-          <a:fillRef idx="0">
-            <a:schemeClr val="accent1"/>
-          </a:fillRef>
-          <a:effectRef idx="0">
-            <a:schemeClr val="accent1"/>
-          </a:effectRef>
-          <a:fontRef idx="minor">
-            <a:schemeClr val="tx1"/>
-          </a:fontRef>
-        </p:style>
-      </p:cxnSp>
-      <p:sp>
-        <p:nvSpPr>
-          <p:cNvPr id="27" name="TextBox 135">
-            <a:extLst>
-              <a:ext uri="{FF2B5EF4-FFF2-40B4-BE49-F238E27FC236}">
-                <a16:creationId xmlns:a16="http://schemas.microsoft.com/office/drawing/2014/main" id="{7D58991A-C1C5-666C-BF2B-CB4888FEFF63}"/>
-              </a:ext>
-            </a:extLst>
-          </p:cNvPr>
-          <p:cNvSpPr txBox="1"/>
-          <p:nvPr/>
-        </p:nvSpPr>
-        <p:spPr>
-          <a:xfrm>
-            <a:off x="3843750" y="4359857"/>
-            <a:ext cx="533800" cy="138499"/>
-          </a:xfrm>
-          <a:prstGeom prst="rect">
-            <a:avLst/>
-          </a:prstGeom>
-          <a:solidFill>
-            <a:schemeClr val="bg1"/>
-          </a:solidFill>
-        </p:spPr>
-        <p:txBody>
-          <a:bodyPr wrap="square" lIns="0" tIns="0" rIns="0" bIns="0" rtlCol="0">
-            <a:spAutoFit/>
-          </a:bodyPr>
-          <a:lstStyle/>
-          <a:p>
-            <a:pPr algn="ctr"/>
-            <a:r>
-              <a:rPr lang="en-US" sz="900" b="1" dirty="0"/>
-              <a:t>substitutes</a:t>
-            </a:r>
-          </a:p>
-        </p:txBody>
-      </p:sp>
-      <p:sp>
-        <p:nvSpPr>
-          <p:cNvPr id="12" name="Rectangle 22">
-            <a:extLst>
-              <a:ext uri="{FF2B5EF4-FFF2-40B4-BE49-F238E27FC236}">
-                <a16:creationId xmlns:a16="http://schemas.microsoft.com/office/drawing/2014/main" id="{38DE2E4A-2810-ACE5-4FE9-892283D74D36}"/>
-              </a:ext>
-            </a:extLst>
-          </p:cNvPr>
-          <p:cNvSpPr/>
-          <p:nvPr/>
-        </p:nvSpPr>
-        <p:spPr>
-          <a:xfrm>
-            <a:off x="6538445" y="2419310"/>
+            <a:off x="6566261" y="2035261"/>
             <a:ext cx="771421" cy="279919"/>
           </a:xfrm>
           <a:prstGeom prst="rect">
@@ -39163,7 +44536,7 @@
                 <a:ea typeface="+mn-ea"/>
                 <a:cs typeface="+mn-cs"/>
               </a:rPr>
-              <a:t>Data</a:t>
+              <a:t>Database</a:t>
             </a:r>
           </a:p>
         </p:txBody>
@@ -39173,7 +44546,7 @@
           <p:cNvPr id="14" name="Rectangle: Rounded Corners 23">
             <a:extLst>
               <a:ext uri="{FF2B5EF4-FFF2-40B4-BE49-F238E27FC236}">
-                <a16:creationId xmlns:a16="http://schemas.microsoft.com/office/drawing/2014/main" id="{114D6F49-751F-E8EE-570B-08CF4AA8697D}"/>
+                <a16:creationId xmlns:a16="http://schemas.microsoft.com/office/drawing/2014/main" id="{EE4D09DB-A138-8F2E-8BF9-90B01F0DF7CC}"/>
               </a:ext>
             </a:extLst>
           </p:cNvPr>
@@ -39182,7 +44555,7 @@
         </p:nvSpPr>
         <p:spPr>
           <a:xfrm>
-            <a:off x="6538445" y="2179504"/>
+            <a:off x="6566261" y="1795455"/>
             <a:ext cx="771420" cy="815478"/>
           </a:xfrm>
           <a:prstGeom prst="roundRect">
@@ -39256,7 +44629,7 @@
           <p:cNvPr id="20" name="Flowchart: Off-page Connector 24">
             <a:extLst>
               <a:ext uri="{FF2B5EF4-FFF2-40B4-BE49-F238E27FC236}">
-                <a16:creationId xmlns:a16="http://schemas.microsoft.com/office/drawing/2014/main" id="{D9C11C47-CF96-60DB-5A52-0C8F9897D32C}"/>
+                <a16:creationId xmlns:a16="http://schemas.microsoft.com/office/drawing/2014/main" id="{421B5B31-7EF3-AE6C-5F1E-C57AC1BD858B}"/>
               </a:ext>
             </a:extLst>
           </p:cNvPr>
@@ -39265,7 +44638,7 @@
         </p:nvSpPr>
         <p:spPr>
           <a:xfrm>
-            <a:off x="6820302" y="2873684"/>
+            <a:off x="6848118" y="2489635"/>
             <a:ext cx="180000" cy="270000"/>
           </a:xfrm>
           <a:prstGeom prst="flowChartOffpageConnector">
@@ -39338,7 +44711,7 @@
           <p:cNvPr id="4" name="Rectangle 13">
             <a:extLst>
               <a:ext uri="{FF2B5EF4-FFF2-40B4-BE49-F238E27FC236}">
-                <a16:creationId xmlns:a16="http://schemas.microsoft.com/office/drawing/2014/main" id="{661FB2EF-04D1-CBEF-84E6-92252088FC92}"/>
+                <a16:creationId xmlns:a16="http://schemas.microsoft.com/office/drawing/2014/main" id="{97E9C9F2-C836-AD49-546B-01236A7DA012}"/>
               </a:ext>
             </a:extLst>
           </p:cNvPr>
@@ -39347,7 +44720,7 @@
         </p:nvSpPr>
         <p:spPr>
           <a:xfrm>
-            <a:off x="4840708" y="3909398"/>
+            <a:off x="4868524" y="3525349"/>
             <a:ext cx="771421" cy="250978"/>
           </a:xfrm>
           <a:prstGeom prst="rect">
@@ -39415,7 +44788,42 @@
                 <a:ea typeface="+mn-ea"/>
                 <a:cs typeface="+mn-cs"/>
               </a:rPr>
-              <a:t>Platform</a:t>
+              <a:t>Kubernetes</a:t>
+            </a:r>
+          </a:p>
+          <a:p>
+            <a:pPr marL="0" marR="0" lvl="0" indent="0" algn="ctr" defTabSz="914400" rtl="0" eaLnBrk="1" fontAlgn="auto" latinLnBrk="0" hangingPunct="1">
+              <a:lnSpc>
+                <a:spcPct val="100000"/>
+              </a:lnSpc>
+              <a:spcBef>
+                <a:spcPts val="0"/>
+              </a:spcBef>
+              <a:spcAft>
+                <a:spcPts val="0"/>
+              </a:spcAft>
+              <a:buClrTx/>
+              <a:buSzTx/>
+              <a:buFontTx/>
+              <a:buNone/>
+              <a:tabLst/>
+              <a:defRPr/>
+            </a:pPr>
+            <a:r>
+              <a:rPr kumimoji="0" lang="en-US" sz="900" b="0" i="0" u="none" strike="noStrike" kern="1200" cap="none" spc="0" normalizeH="0" baseline="0" noProof="0" dirty="0">
+                <a:ln>
+                  <a:noFill/>
+                </a:ln>
+                <a:solidFill>
+                  <a:prstClr val="black"/>
+                </a:solidFill>
+                <a:effectLst/>
+                <a:uLnTx/>
+                <a:uFillTx/>
+                <a:ea typeface="+mn-ea"/>
+                <a:cs typeface="+mn-cs"/>
+              </a:rPr>
+              <a:t>Cluster</a:t>
             </a:r>
           </a:p>
         </p:txBody>
@@ -39425,7 +44833,7 @@
           <p:cNvPr id="5" name="Rectangle: Rounded Corners 14">
             <a:extLst>
               <a:ext uri="{FF2B5EF4-FFF2-40B4-BE49-F238E27FC236}">
-                <a16:creationId xmlns:a16="http://schemas.microsoft.com/office/drawing/2014/main" id="{AEC89EE1-0DB9-BB32-AA14-AE05E75821EF}"/>
+                <a16:creationId xmlns:a16="http://schemas.microsoft.com/office/drawing/2014/main" id="{60E57F97-CE34-4D28-B52B-93CCC10F9591}"/>
               </a:ext>
             </a:extLst>
           </p:cNvPr>
@@ -39434,7 +44842,7 @@
         </p:nvSpPr>
         <p:spPr>
           <a:xfrm>
-            <a:off x="4840708" y="3678572"/>
+            <a:off x="4868524" y="3294523"/>
             <a:ext cx="771420" cy="815479"/>
           </a:xfrm>
           <a:prstGeom prst="roundRect">
@@ -39499,7 +44907,7 @@
           <p:cNvPr id="6" name="Arrow: Chevron 15">
             <a:extLst>
               <a:ext uri="{FF2B5EF4-FFF2-40B4-BE49-F238E27FC236}">
-                <a16:creationId xmlns:a16="http://schemas.microsoft.com/office/drawing/2014/main" id="{5D0DA601-C7DC-B76F-133C-DA4478376664}"/>
+                <a16:creationId xmlns:a16="http://schemas.microsoft.com/office/drawing/2014/main" id="{30007F5B-0F72-CA27-5A42-4CD3AE887D22}"/>
               </a:ext>
             </a:extLst>
           </p:cNvPr>
@@ -39508,7 +44916,7 @@
         </p:nvSpPr>
         <p:spPr>
           <a:xfrm rot="5400000">
-            <a:off x="4932922" y="3594198"/>
+            <a:off x="4960738" y="3210149"/>
             <a:ext cx="270000" cy="180000"/>
           </a:xfrm>
           <a:prstGeom prst="chevron">
@@ -39583,7 +44991,7 @@
           <p:cNvPr id="21" name="Arrow: Chevron 15">
             <a:extLst>
               <a:ext uri="{FF2B5EF4-FFF2-40B4-BE49-F238E27FC236}">
-                <a16:creationId xmlns:a16="http://schemas.microsoft.com/office/drawing/2014/main" id="{52F1839F-A31B-0E29-282F-55606B711867}"/>
+                <a16:creationId xmlns:a16="http://schemas.microsoft.com/office/drawing/2014/main" id="{D421A43C-700A-0CD6-4EA9-58841CFE26E8}"/>
               </a:ext>
             </a:extLst>
           </p:cNvPr>
@@ -39592,7 +45000,7 @@
         </p:nvSpPr>
         <p:spPr>
           <a:xfrm rot="5400000">
-            <a:off x="5249914" y="3594198"/>
+            <a:off x="5277730" y="3210149"/>
             <a:ext cx="270000" cy="180000"/>
           </a:xfrm>
           <a:prstGeom prst="chevron">
@@ -39667,7 +45075,7 @@
           <p:cNvPr id="28" name="Straight Arrow Connector 45">
             <a:extLst>
               <a:ext uri="{FF2B5EF4-FFF2-40B4-BE49-F238E27FC236}">
-                <a16:creationId xmlns:a16="http://schemas.microsoft.com/office/drawing/2014/main" id="{FA17832D-3B77-D8C0-0D83-C94E587B81F1}"/>
+                <a16:creationId xmlns:a16="http://schemas.microsoft.com/office/drawing/2014/main" id="{20D2C649-09A3-D930-FA24-10DCBA92A2A2}"/>
               </a:ext>
             </a:extLst>
           </p:cNvPr>
@@ -39679,7 +45087,7 @@
         </p:nvCxnSpPr>
         <p:spPr>
           <a:xfrm>
-            <a:off x="6910302" y="3143684"/>
+            <a:off x="6938118" y="2759635"/>
             <a:ext cx="172348" cy="436675"/>
           </a:xfrm>
           <a:prstGeom prst="straightConnector1">
@@ -39712,7 +45120,7 @@
           <p:cNvPr id="29" name="CasellaDiTesto 28">
             <a:extLst>
               <a:ext uri="{FF2B5EF4-FFF2-40B4-BE49-F238E27FC236}">
-                <a16:creationId xmlns:a16="http://schemas.microsoft.com/office/drawing/2014/main" id="{8603A465-6D85-033D-30A7-8657E875303B}"/>
+                <a16:creationId xmlns:a16="http://schemas.microsoft.com/office/drawing/2014/main" id="{21E006CC-792B-E701-7D4B-D10A37E163EC}"/>
               </a:ext>
             </a:extLst>
           </p:cNvPr>
@@ -39721,7 +45129,7 @@
         </p:nvSpPr>
         <p:spPr>
           <a:xfrm>
-            <a:off x="6528046" y="3262832"/>
+            <a:off x="6555862" y="2878783"/>
             <a:ext cx="895928" cy="138499"/>
           </a:xfrm>
           <a:prstGeom prst="rect">
@@ -39756,7 +45164,7 @@
           <p:cNvPr id="34" name="Flowchart: Off-page Connector 24">
             <a:extLst>
               <a:ext uri="{FF2B5EF4-FFF2-40B4-BE49-F238E27FC236}">
-                <a16:creationId xmlns:a16="http://schemas.microsoft.com/office/drawing/2014/main" id="{BB02F2B3-5611-F3C5-C080-0629917C758D}"/>
+                <a16:creationId xmlns:a16="http://schemas.microsoft.com/office/drawing/2014/main" id="{58A6B33A-BA81-F25A-8619-45286A33953C}"/>
               </a:ext>
             </a:extLst>
           </p:cNvPr>
@@ -39765,7 +45173,7 @@
         </p:nvSpPr>
         <p:spPr>
           <a:xfrm>
-            <a:off x="5555485" y="2413977"/>
+            <a:off x="5583301" y="2029928"/>
             <a:ext cx="180000" cy="270000"/>
           </a:xfrm>
           <a:prstGeom prst="flowChartOffpageConnector">
@@ -39844,7 +45252,7 @@
           <p:cNvPr id="36" name="Arrow: Chevron 15">
             <a:extLst>
               <a:ext uri="{FF2B5EF4-FFF2-40B4-BE49-F238E27FC236}">
-                <a16:creationId xmlns:a16="http://schemas.microsoft.com/office/drawing/2014/main" id="{6314DDD9-BF53-9AE5-3FB3-ECACA2C803BE}"/>
+                <a16:creationId xmlns:a16="http://schemas.microsoft.com/office/drawing/2014/main" id="{68AC8133-9449-CAE0-6701-C0B889827620}"/>
               </a:ext>
             </a:extLst>
           </p:cNvPr>
@@ -39853,7 +45261,7 @@
         </p:nvSpPr>
         <p:spPr>
           <a:xfrm rot="5400000">
-            <a:off x="6401738" y="2467639"/>
+            <a:off x="6429554" y="2083590"/>
             <a:ext cx="270000" cy="180000"/>
           </a:xfrm>
           <a:prstGeom prst="chevron">
@@ -39929,58 +45337,12 @@
           </a:p>
         </p:txBody>
       </p:sp>
-      <p:cxnSp>
-        <p:nvCxnSpPr>
-          <p:cNvPr id="37" name="Straight Arrow Connector 45">
-            <a:extLst>
-              <a:ext uri="{FF2B5EF4-FFF2-40B4-BE49-F238E27FC236}">
-                <a16:creationId xmlns:a16="http://schemas.microsoft.com/office/drawing/2014/main" id="{E5BFFA8F-7EC9-F7DA-841F-1F36909B9A1D}"/>
-              </a:ext>
-            </a:extLst>
-          </p:cNvPr>
-          <p:cNvCxnSpPr>
-            <a:cxnSpLocks/>
-            <a:stCxn id="34" idx="3"/>
-            <a:endCxn id="36" idx="2"/>
-          </p:cNvCxnSpPr>
-          <p:nvPr/>
-        </p:nvCxnSpPr>
-        <p:spPr>
-          <a:xfrm flipV="1">
-            <a:off x="5735485" y="2545039"/>
-            <a:ext cx="711253" cy="3938"/>
-          </a:xfrm>
-          <a:prstGeom prst="straightConnector1">
-            <a:avLst/>
-          </a:prstGeom>
-          <a:ln w="12700">
-            <a:solidFill>
-              <a:schemeClr val="tx1"/>
-            </a:solidFill>
-            <a:tailEnd type="triangle"/>
-          </a:ln>
-        </p:spPr>
-        <p:style>
-          <a:lnRef idx="1">
-            <a:schemeClr val="accent1"/>
-          </a:lnRef>
-          <a:fillRef idx="0">
-            <a:schemeClr val="accent1"/>
-          </a:fillRef>
-          <a:effectRef idx="0">
-            <a:schemeClr val="accent1"/>
-          </a:effectRef>
-          <a:fontRef idx="minor">
-            <a:schemeClr val="tx1"/>
-          </a:fontRef>
-        </p:style>
-      </p:cxnSp>
       <p:sp>
         <p:nvSpPr>
           <p:cNvPr id="40" name="CasellaDiTesto 39">
             <a:extLst>
               <a:ext uri="{FF2B5EF4-FFF2-40B4-BE49-F238E27FC236}">
-                <a16:creationId xmlns:a16="http://schemas.microsoft.com/office/drawing/2014/main" id="{7FECE17C-B432-16F6-3F1D-FE99849260FD}"/>
+                <a16:creationId xmlns:a16="http://schemas.microsoft.com/office/drawing/2014/main" id="{B2821A75-8421-6C7E-B492-25FEDF9AE852}"/>
               </a:ext>
             </a:extLst>
           </p:cNvPr>
@@ -39989,180 +45351,8 @@
         </p:nvSpPr>
         <p:spPr>
           <a:xfrm>
-            <a:off x="5618267" y="2316108"/>
-            <a:ext cx="895928" cy="230832"/>
-          </a:xfrm>
-          <a:prstGeom prst="rect">
-            <a:avLst/>
-          </a:prstGeom>
-          <a:noFill/>
-        </p:spPr>
-        <p:txBody>
-          <a:bodyPr wrap="square" rtlCol="0">
-            <a:spAutoFit/>
-          </a:bodyPr>
-          <a:lstStyle/>
-          <a:p>
-            <a:pPr algn="ctr"/>
-            <a:r>
-              <a:rPr lang="it-IT" sz="900" dirty="0" err="1"/>
-              <a:t>Processes</a:t>
-            </a:r>
-            <a:endParaRPr lang="it-IT" sz="900" dirty="0"/>
-          </a:p>
-        </p:txBody>
-      </p:sp>
-      <p:sp>
-        <p:nvSpPr>
-          <p:cNvPr id="45" name="Rectangle: Rounded Corners 63">
-            <a:extLst>
-              <a:ext uri="{FF2B5EF4-FFF2-40B4-BE49-F238E27FC236}">
-                <a16:creationId xmlns:a16="http://schemas.microsoft.com/office/drawing/2014/main" id="{C78AC00A-DB3A-8E02-6F89-8A4AE5B634EA}"/>
-              </a:ext>
-            </a:extLst>
-          </p:cNvPr>
-          <p:cNvSpPr/>
-          <p:nvPr/>
-        </p:nvSpPr>
-        <p:spPr>
-          <a:xfrm>
-            <a:off x="7165531" y="424687"/>
-            <a:ext cx="1545903" cy="1083735"/>
-          </a:xfrm>
-          <a:prstGeom prst="roundRect">
-            <a:avLst/>
-          </a:prstGeom>
-          <a:noFill/>
-          <a:ln w="19050">
-            <a:prstDash val="sysDash"/>
-          </a:ln>
-        </p:spPr>
-        <p:style>
-          <a:lnRef idx="2">
-            <a:schemeClr val="accent1">
-              <a:shade val="15000"/>
-            </a:schemeClr>
-          </a:lnRef>
-          <a:fillRef idx="1">
-            <a:schemeClr val="accent1"/>
-          </a:fillRef>
-          <a:effectRef idx="0">
-            <a:schemeClr val="accent1"/>
-          </a:effectRef>
-          <a:fontRef idx="minor">
-            <a:schemeClr val="lt1"/>
-          </a:fontRef>
-        </p:style>
-        <p:txBody>
-          <a:bodyPr rtlCol="0" anchor="ctr" anchorCtr="0"/>
-          <a:lstStyle/>
-          <a:p>
-            <a:pPr algn="ctr"/>
-            <a:r>
-              <a:rPr lang="en-US" sz="1100" dirty="0">
-                <a:solidFill>
-                  <a:schemeClr val="tx1"/>
-                </a:solidFill>
-              </a:rPr>
-              <a:t>Substituting</a:t>
-            </a:r>
-            <a:br>
-              <a:rPr lang="en-US" sz="1100" dirty="0">
-                <a:solidFill>
-                  <a:schemeClr val="tx1"/>
-                </a:solidFill>
-              </a:rPr>
-            </a:br>
-            <a:r>
-              <a:rPr lang="en-US" sz="1100" dirty="0">
-                <a:solidFill>
-                  <a:schemeClr val="tx1"/>
-                </a:solidFill>
-              </a:rPr>
-              <a:t>Service Template</a:t>
-            </a:r>
-            <a:br>
-              <a:rPr lang="en-US" sz="1100" dirty="0">
-                <a:solidFill>
-                  <a:schemeClr val="tx1"/>
-                </a:solidFill>
-              </a:rPr>
-            </a:br>
-            <a:r>
-              <a:rPr lang="en-US" sz="1100" dirty="0">
-                <a:solidFill>
-                  <a:schemeClr val="tx1"/>
-                </a:solidFill>
-              </a:rPr>
-              <a:t>(Data)</a:t>
-            </a:r>
-          </a:p>
-        </p:txBody>
-      </p:sp>
-      <p:cxnSp>
-        <p:nvCxnSpPr>
-          <p:cNvPr id="46" name="Straight Arrow Connector 134">
-            <a:extLst>
-              <a:ext uri="{FF2B5EF4-FFF2-40B4-BE49-F238E27FC236}">
-                <a16:creationId xmlns:a16="http://schemas.microsoft.com/office/drawing/2014/main" id="{479AD7EE-8F73-D4C2-C81E-9787B2F28C6A}"/>
-              </a:ext>
-            </a:extLst>
-          </p:cNvPr>
-          <p:cNvCxnSpPr>
-            <a:cxnSpLocks/>
-            <a:stCxn id="14" idx="0"/>
-            <a:endCxn id="45" idx="2"/>
-          </p:cNvCxnSpPr>
-          <p:nvPr/>
-        </p:nvCxnSpPr>
-        <p:spPr>
-          <a:xfrm flipV="1">
-            <a:off x="6924155" y="1508422"/>
-            <a:ext cx="1014328" cy="671082"/>
-          </a:xfrm>
-          <a:prstGeom prst="straightConnector1">
-            <a:avLst/>
-          </a:prstGeom>
-          <a:ln w="28575">
-            <a:solidFill>
-              <a:schemeClr val="accent2"/>
-            </a:solidFill>
-            <a:prstDash val="sysDash"/>
-            <a:headEnd type="triangle" w="med" len="med"/>
-            <a:tailEnd type="none" w="med" len="med"/>
-          </a:ln>
-        </p:spPr>
-        <p:style>
-          <a:lnRef idx="1">
-            <a:schemeClr val="accent1"/>
-          </a:lnRef>
-          <a:fillRef idx="0">
-            <a:schemeClr val="accent1"/>
-          </a:fillRef>
-          <a:effectRef idx="0">
-            <a:schemeClr val="accent1"/>
-          </a:effectRef>
-          <a:fontRef idx="minor">
-            <a:schemeClr val="tx1"/>
-          </a:fontRef>
-        </p:style>
-      </p:cxnSp>
-      <p:sp>
-        <p:nvSpPr>
-          <p:cNvPr id="47" name="TextBox 135">
-            <a:extLst>
-              <a:ext uri="{FF2B5EF4-FFF2-40B4-BE49-F238E27FC236}">
-                <a16:creationId xmlns:a16="http://schemas.microsoft.com/office/drawing/2014/main" id="{AA06CFF1-8DDE-9A69-008B-9BB2FC3275AE}"/>
-              </a:ext>
-            </a:extLst>
-          </p:cNvPr>
-          <p:cNvSpPr txBox="1"/>
-          <p:nvPr/>
-        </p:nvSpPr>
-        <p:spPr>
-          <a:xfrm>
-            <a:off x="7696519" y="1719295"/>
-            <a:ext cx="533800" cy="138499"/>
+            <a:off x="5818178" y="1957579"/>
+            <a:ext cx="548951" cy="138499"/>
           </a:xfrm>
           <a:prstGeom prst="rect">
             <a:avLst/>
@@ -40175,209 +45365,18 @@
           <a:bodyPr wrap="square" lIns="0" tIns="0" rIns="0" bIns="0" rtlCol="0">
             <a:spAutoFit/>
           </a:bodyPr>
-          <a:lstStyle/>
-          <a:p>
-            <a:pPr algn="ctr"/>
-            <a:r>
-              <a:rPr lang="en-US" sz="900" b="1" dirty="0"/>
-              <a:t>substitutes</a:t>
-            </a:r>
-          </a:p>
-        </p:txBody>
-      </p:sp>
-      <p:sp>
-        <p:nvSpPr>
-          <p:cNvPr id="50" name="Flowchart: Multidocument 1">
-            <a:extLst>
-              <a:ext uri="{FF2B5EF4-FFF2-40B4-BE49-F238E27FC236}">
-                <a16:creationId xmlns:a16="http://schemas.microsoft.com/office/drawing/2014/main" id="{00D716A5-3EA9-2897-182A-F5CF123F507D}"/>
-              </a:ext>
-            </a:extLst>
-          </p:cNvPr>
-          <p:cNvSpPr/>
-          <p:nvPr/>
-        </p:nvSpPr>
-        <p:spPr>
-          <a:xfrm>
-            <a:off x="2821407" y="1578702"/>
-            <a:ext cx="1021210" cy="685800"/>
-          </a:xfrm>
-          <a:prstGeom prst="flowChartMultidocument">
-            <a:avLst/>
-          </a:prstGeom>
-          <a:noFill/>
-          <a:ln w="19050" cap="flat" cmpd="sng" algn="ctr">
-            <a:solidFill>
-              <a:sysClr val="windowText" lastClr="000000"/>
-            </a:solidFill>
-            <a:prstDash val="solid"/>
-          </a:ln>
-          <a:effectLst/>
-        </p:spPr>
-        <p:txBody>
-          <a:bodyPr tIns="91440" rtlCol="0" anchor="t" anchorCtr="0"/>
-          <a:lstStyle/>
+          <a:lstStyle>
+            <a:defPPr>
+              <a:defRPr lang="en-US"/>
+            </a:defPPr>
+            <a:lvl1pPr algn="ctr">
+              <a:defRPr sz="900"/>
+            </a:lvl1pPr>
+          </a:lstStyle>
           <a:p>
             <a:r>
-              <a:rPr lang="en-US" sz="1100" kern="0" dirty="0">
-                <a:solidFill>
-                  <a:prstClr val="black"/>
-                </a:solidFill>
-                <a:latin typeface="Calibri" panose="020F0502020204030204"/>
-              </a:rPr>
-              <a:t>Application Profile</a:t>
-            </a:r>
-          </a:p>
-        </p:txBody>
-      </p:sp>
-      <p:sp>
-        <p:nvSpPr>
-          <p:cNvPr id="51" name="Flowchart: Multidocument 1">
-            <a:extLst>
-              <a:ext uri="{FF2B5EF4-FFF2-40B4-BE49-F238E27FC236}">
-                <a16:creationId xmlns:a16="http://schemas.microsoft.com/office/drawing/2014/main" id="{2723B9EE-4E0F-83AF-0AB4-19FB4D59A63B}"/>
-              </a:ext>
-            </a:extLst>
-          </p:cNvPr>
-          <p:cNvSpPr/>
-          <p:nvPr/>
-        </p:nvSpPr>
-        <p:spPr>
-          <a:xfrm>
-            <a:off x="2195893" y="4081166"/>
-            <a:ext cx="1021210" cy="685800"/>
-          </a:xfrm>
-          <a:prstGeom prst="flowChartMultidocument">
-            <a:avLst/>
-          </a:prstGeom>
-          <a:noFill/>
-          <a:ln w="19050" cap="flat" cmpd="sng" algn="ctr">
-            <a:solidFill>
-              <a:sysClr val="windowText" lastClr="000000"/>
-            </a:solidFill>
-            <a:prstDash val="solid"/>
-          </a:ln>
-          <a:effectLst/>
-        </p:spPr>
-        <p:txBody>
-          <a:bodyPr tIns="91440" rtlCol="0" anchor="t" anchorCtr="0"/>
-          <a:lstStyle/>
-          <a:p>
-            <a:r>
-              <a:rPr lang="en-US" sz="1100" kern="0" dirty="0">
-                <a:solidFill>
-                  <a:prstClr val="black"/>
-                </a:solidFill>
-                <a:latin typeface="Calibri" panose="020F0502020204030204"/>
-              </a:rPr>
-              <a:t>Platform</a:t>
-            </a:r>
-            <a:br>
-              <a:rPr lang="en-US" sz="1100" kern="0" dirty="0">
-                <a:solidFill>
-                  <a:prstClr val="black"/>
-                </a:solidFill>
-                <a:latin typeface="Calibri" panose="020F0502020204030204"/>
-              </a:rPr>
-            </a:br>
-            <a:r>
-              <a:rPr lang="en-US" sz="1100" kern="0" dirty="0">
-                <a:solidFill>
-                  <a:prstClr val="black"/>
-                </a:solidFill>
-                <a:latin typeface="Calibri" panose="020F0502020204030204"/>
-              </a:rPr>
-              <a:t>Profile</a:t>
-            </a:r>
-          </a:p>
-        </p:txBody>
-      </p:sp>
-      <p:sp>
-        <p:nvSpPr>
-          <p:cNvPr id="52" name="Flowchart: Multidocument 1">
-            <a:extLst>
-              <a:ext uri="{FF2B5EF4-FFF2-40B4-BE49-F238E27FC236}">
-                <a16:creationId xmlns:a16="http://schemas.microsoft.com/office/drawing/2014/main" id="{7C0A90B7-6C8E-B055-BBC6-642D8841911B}"/>
-              </a:ext>
-            </a:extLst>
-          </p:cNvPr>
-          <p:cNvSpPr/>
-          <p:nvPr/>
-        </p:nvSpPr>
-        <p:spPr>
-          <a:xfrm>
-            <a:off x="3383662" y="2717800"/>
-            <a:ext cx="1021210" cy="685800"/>
-          </a:xfrm>
-          <a:prstGeom prst="flowChartMultidocument">
-            <a:avLst/>
-          </a:prstGeom>
-          <a:noFill/>
-          <a:ln w="19050" cap="flat" cmpd="sng" algn="ctr">
-            <a:solidFill>
-              <a:sysClr val="windowText" lastClr="000000"/>
-            </a:solidFill>
-            <a:prstDash val="solid"/>
-          </a:ln>
-          <a:effectLst/>
-        </p:spPr>
-        <p:txBody>
-          <a:bodyPr tIns="91440" rtlCol="0" anchor="t" anchorCtr="0"/>
-          <a:lstStyle/>
-          <a:p>
-            <a:r>
-              <a:rPr lang="en-US" sz="1100" kern="0" dirty="0">
-                <a:solidFill>
-                  <a:prstClr val="black"/>
-                </a:solidFill>
-                <a:latin typeface="Calibri" panose="020F0502020204030204"/>
-              </a:rPr>
-              <a:t>Common Profile</a:t>
-            </a:r>
-          </a:p>
-        </p:txBody>
-      </p:sp>
-      <p:sp>
-        <p:nvSpPr>
-          <p:cNvPr id="53" name="Flowchart: Multidocument 1">
-            <a:extLst>
-              <a:ext uri="{FF2B5EF4-FFF2-40B4-BE49-F238E27FC236}">
-                <a16:creationId xmlns:a16="http://schemas.microsoft.com/office/drawing/2014/main" id="{ACC5DA49-CD56-D8FF-E090-3FED2322FBDF}"/>
-              </a:ext>
-            </a:extLst>
-          </p:cNvPr>
-          <p:cNvSpPr/>
-          <p:nvPr/>
-        </p:nvSpPr>
-        <p:spPr>
-          <a:xfrm>
-            <a:off x="8349384" y="1578702"/>
-            <a:ext cx="1021210" cy="685800"/>
-          </a:xfrm>
-          <a:prstGeom prst="flowChartMultidocument">
-            <a:avLst/>
-          </a:prstGeom>
-          <a:noFill/>
-          <a:ln w="19050" cap="flat" cmpd="sng" algn="ctr">
-            <a:solidFill>
-              <a:sysClr val="windowText" lastClr="000000"/>
-            </a:solidFill>
-            <a:prstDash val="solid"/>
-          </a:ln>
-          <a:effectLst/>
-        </p:spPr>
-        <p:txBody>
-          <a:bodyPr tIns="91440" rtlCol="0" anchor="t" anchorCtr="0"/>
-          <a:lstStyle/>
-          <a:p>
-            <a:r>
-              <a:rPr lang="en-US" sz="1100" kern="0" dirty="0">
-                <a:solidFill>
-                  <a:prstClr val="black"/>
-                </a:solidFill>
-                <a:latin typeface="Calibri" panose="020F0502020204030204"/>
-              </a:rPr>
-              <a:t>Data Profile</a:t>
+              <a:rPr lang="it-IT" dirty="0"/>
+              <a:t>Processes</a:t>
             </a:r>
           </a:p>
         </p:txBody>
@@ -40387,7 +45386,7 @@
           <p:cNvPr id="22" name="Rectangle 13">
             <a:extLst>
               <a:ext uri="{FF2B5EF4-FFF2-40B4-BE49-F238E27FC236}">
-                <a16:creationId xmlns:a16="http://schemas.microsoft.com/office/drawing/2014/main" id="{432AEFCF-202E-1BBF-5696-6F63303027D4}"/>
+                <a16:creationId xmlns:a16="http://schemas.microsoft.com/office/drawing/2014/main" id="{271B8E15-C8A4-CD5B-53C9-738203EB5C72}"/>
               </a:ext>
             </a:extLst>
           </p:cNvPr>
@@ -40396,7 +45395,7 @@
         </p:nvSpPr>
         <p:spPr>
           <a:xfrm>
-            <a:off x="6538444" y="3915359"/>
+            <a:off x="6566260" y="3531310"/>
             <a:ext cx="771421" cy="250978"/>
           </a:xfrm>
           <a:prstGeom prst="rect">
@@ -40451,21 +45450,53 @@
               <a:defRPr/>
             </a:pPr>
             <a:r>
-              <a:rPr kumimoji="0" lang="en-US" sz="900" b="0" i="0" u="none" strike="noStrike" kern="1200" cap="none" spc="0" normalizeH="0" baseline="0" noProof="0" dirty="0">
-                <a:ln>
-                  <a:noFill/>
-                </a:ln>
+              <a:rPr lang="en-US" sz="900" dirty="0">
                 <a:solidFill>
                   <a:prstClr val="black"/>
                 </a:solidFill>
-                <a:effectLst/>
-                <a:uLnTx/>
-                <a:uFillTx/>
-                <a:ea typeface="+mn-ea"/>
-                <a:cs typeface="+mn-cs"/>
+              </a:rPr>
+              <a:t>Compute</a:t>
+            </a:r>
+          </a:p>
+          <a:p>
+            <a:pPr marL="0" marR="0" lvl="0" indent="0" algn="ctr" defTabSz="914400" rtl="0" eaLnBrk="1" fontAlgn="auto" latinLnBrk="0" hangingPunct="1">
+              <a:lnSpc>
+                <a:spcPct val="100000"/>
+              </a:lnSpc>
+              <a:spcBef>
+                <a:spcPts val="0"/>
+              </a:spcBef>
+              <a:spcAft>
+                <a:spcPts val="0"/>
+              </a:spcAft>
+              <a:buClrTx/>
+              <a:buSzTx/>
+              <a:buFontTx/>
+              <a:buNone/>
+              <a:tabLst/>
+              <a:defRPr/>
+            </a:pPr>
+            <a:r>
+              <a:rPr lang="en-US" sz="900" dirty="0">
+                <a:solidFill>
+                  <a:prstClr val="black"/>
+                </a:solidFill>
               </a:rPr>
               <a:t>Platform</a:t>
             </a:r>
+            <a:endParaRPr kumimoji="0" lang="en-US" sz="900" b="0" i="0" u="none" strike="noStrike" kern="1200" cap="none" spc="0" normalizeH="0" baseline="0" noProof="0" dirty="0">
+              <a:ln>
+                <a:noFill/>
+              </a:ln>
+              <a:solidFill>
+                <a:prstClr val="black"/>
+              </a:solidFill>
+              <a:effectLst/>
+              <a:uLnTx/>
+              <a:uFillTx/>
+              <a:ea typeface="+mn-ea"/>
+              <a:cs typeface="+mn-cs"/>
+            </a:endParaRPr>
           </a:p>
         </p:txBody>
       </p:sp>
@@ -40474,7 +45505,7 @@
           <p:cNvPr id="25" name="Rectangle: Rounded Corners 14">
             <a:extLst>
               <a:ext uri="{FF2B5EF4-FFF2-40B4-BE49-F238E27FC236}">
-                <a16:creationId xmlns:a16="http://schemas.microsoft.com/office/drawing/2014/main" id="{CA7BB718-0A42-E647-1DE3-1BE96B5890FD}"/>
+                <a16:creationId xmlns:a16="http://schemas.microsoft.com/office/drawing/2014/main" id="{BF6DBE77-EB83-B61B-161C-7E9B373F999E}"/>
               </a:ext>
             </a:extLst>
           </p:cNvPr>
@@ -40483,7 +45514,7 @@
         </p:nvSpPr>
         <p:spPr>
           <a:xfrm>
-            <a:off x="6538444" y="3684533"/>
+            <a:off x="6566260" y="3300484"/>
             <a:ext cx="771420" cy="815479"/>
           </a:xfrm>
           <a:prstGeom prst="roundRect">
@@ -40532,7 +45563,7 @@
           <p:cNvPr id="26" name="Arrow: Chevron 15">
             <a:extLst>
               <a:ext uri="{FF2B5EF4-FFF2-40B4-BE49-F238E27FC236}">
-                <a16:creationId xmlns:a16="http://schemas.microsoft.com/office/drawing/2014/main" id="{BCEE1D49-457A-A15D-6AD7-555115AC47C8}"/>
+                <a16:creationId xmlns:a16="http://schemas.microsoft.com/office/drawing/2014/main" id="{32832360-4F6D-3199-3AA9-CB481BDBDB85}"/>
               </a:ext>
             </a:extLst>
           </p:cNvPr>
@@ -40541,7 +45572,7 @@
         </p:nvSpPr>
         <p:spPr>
           <a:xfrm rot="5400000">
-            <a:off x="6630658" y="3600159"/>
+            <a:off x="6658474" y="3216110"/>
             <a:ext cx="270000" cy="180000"/>
           </a:xfrm>
           <a:prstGeom prst="chevron">
@@ -40616,7 +45647,7 @@
           <p:cNvPr id="30" name="Arrow: Chevron 15">
             <a:extLst>
               <a:ext uri="{FF2B5EF4-FFF2-40B4-BE49-F238E27FC236}">
-                <a16:creationId xmlns:a16="http://schemas.microsoft.com/office/drawing/2014/main" id="{0E176ACC-2C8A-250B-EEF6-A44E8A202EAC}"/>
+                <a16:creationId xmlns:a16="http://schemas.microsoft.com/office/drawing/2014/main" id="{749304F4-5915-E2AB-1837-DF80F292EA6A}"/>
               </a:ext>
             </a:extLst>
           </p:cNvPr>
@@ -40625,7 +45656,7 @@
         </p:nvSpPr>
         <p:spPr>
           <a:xfrm rot="5400000">
-            <a:off x="6947650" y="3600159"/>
+            <a:off x="6975466" y="3216110"/>
             <a:ext cx="270000" cy="180000"/>
           </a:xfrm>
           <a:prstGeom prst="chevron">
@@ -40700,7 +45731,7 @@
           <p:cNvPr id="38" name="Group 37">
             <a:extLst>
               <a:ext uri="{FF2B5EF4-FFF2-40B4-BE49-F238E27FC236}">
-                <a16:creationId xmlns:a16="http://schemas.microsoft.com/office/drawing/2014/main" id="{F8FEA937-A154-4EC5-FDF9-EBD6A478F047}"/>
+                <a16:creationId xmlns:a16="http://schemas.microsoft.com/office/drawing/2014/main" id="{3651C85E-4DDF-EDEB-5ED1-1A883AD321D6}"/>
               </a:ext>
             </a:extLst>
           </p:cNvPr>
@@ -40709,7 +45740,7 @@
         </p:nvGrpSpPr>
         <p:grpSpPr>
           <a:xfrm>
-            <a:off x="5705107" y="4873500"/>
+            <a:off x="5732923" y="4489451"/>
             <a:ext cx="771421" cy="944853"/>
             <a:chOff x="5689577" y="3579964"/>
             <a:chExt cx="771421" cy="944853"/>
@@ -40720,7 +45751,7 @@
             <p:cNvPr id="39" name="Rectangle 13">
               <a:extLst>
                 <a:ext uri="{FF2B5EF4-FFF2-40B4-BE49-F238E27FC236}">
-                  <a16:creationId xmlns:a16="http://schemas.microsoft.com/office/drawing/2014/main" id="{CBA6BD34-7409-ABCC-8429-4400542A1099}"/>
+                  <a16:creationId xmlns:a16="http://schemas.microsoft.com/office/drawing/2014/main" id="{6DB68BB8-EC91-3F47-2655-10B385C4ABA5}"/>
                 </a:ext>
               </a:extLst>
             </p:cNvPr>
@@ -40797,7 +45828,7 @@
                   <a:ea typeface="+mn-ea"/>
                   <a:cs typeface="+mn-cs"/>
                 </a:rPr>
-                <a:t>Network</a:t>
+                <a:t>Subnet</a:t>
               </a:r>
             </a:p>
           </p:txBody>
@@ -40807,7 +45838,7 @@
             <p:cNvPr id="41" name="Rectangle: Rounded Corners 14">
               <a:extLst>
                 <a:ext uri="{FF2B5EF4-FFF2-40B4-BE49-F238E27FC236}">
-                  <a16:creationId xmlns:a16="http://schemas.microsoft.com/office/drawing/2014/main" id="{F40F421E-A583-B27D-DC4D-FC31D927FE07}"/>
+                  <a16:creationId xmlns:a16="http://schemas.microsoft.com/office/drawing/2014/main" id="{E1F67DB2-D883-4BF8-9B09-5E94E9F2E4AD}"/>
                 </a:ext>
               </a:extLst>
             </p:cNvPr>
@@ -40881,7 +45912,7 @@
             <p:cNvPr id="42" name="Arrow: Chevron 15">
               <a:extLst>
                 <a:ext uri="{FF2B5EF4-FFF2-40B4-BE49-F238E27FC236}">
-                  <a16:creationId xmlns:a16="http://schemas.microsoft.com/office/drawing/2014/main" id="{D71D04E4-0AEB-AA00-4C90-593A99699BB5}"/>
+                  <a16:creationId xmlns:a16="http://schemas.microsoft.com/office/drawing/2014/main" id="{9E4DA2B2-950B-4BBB-5D34-4147331C176E}"/>
                 </a:ext>
               </a:extLst>
             </p:cNvPr>
@@ -40965,7 +45996,7 @@
             <p:cNvPr id="43" name="Arrow: Chevron 15">
               <a:extLst>
                 <a:ext uri="{FF2B5EF4-FFF2-40B4-BE49-F238E27FC236}">
-                  <a16:creationId xmlns:a16="http://schemas.microsoft.com/office/drawing/2014/main" id="{C7AC128C-691C-C750-6978-DB32C3D56D18}"/>
+                  <a16:creationId xmlns:a16="http://schemas.microsoft.com/office/drawing/2014/main" id="{16FA98AF-5719-97CE-CAFB-415DAE06FAE4}"/>
                 </a:ext>
               </a:extLst>
             </p:cNvPr>
@@ -41050,7 +46081,7 @@
           <p:cNvPr id="44" name="Flowchart: Off-page Connector 24">
             <a:extLst>
               <a:ext uri="{FF2B5EF4-FFF2-40B4-BE49-F238E27FC236}">
-                <a16:creationId xmlns:a16="http://schemas.microsoft.com/office/drawing/2014/main" id="{81D513DE-8560-9B8C-C5E2-F4E4A5C433DD}"/>
+                <a16:creationId xmlns:a16="http://schemas.microsoft.com/office/drawing/2014/main" id="{1AB25E08-281F-C508-B6E6-AF0F053692BA}"/>
               </a:ext>
             </a:extLst>
           </p:cNvPr>
@@ -41059,7 +46090,7 @@
         </p:nvSpPr>
         <p:spPr>
           <a:xfrm>
-            <a:off x="5136418" y="4412466"/>
+            <a:off x="5164234" y="4028417"/>
             <a:ext cx="180000" cy="270000"/>
           </a:xfrm>
           <a:prstGeom prst="flowChartOffpageConnector">
@@ -41132,7 +46163,7 @@
           <p:cNvPr id="48" name="Flowchart: Off-page Connector 24">
             <a:extLst>
               <a:ext uri="{FF2B5EF4-FFF2-40B4-BE49-F238E27FC236}">
-                <a16:creationId xmlns:a16="http://schemas.microsoft.com/office/drawing/2014/main" id="{867FF9A4-53B5-133C-FC6F-2E7105101230}"/>
+                <a16:creationId xmlns:a16="http://schemas.microsoft.com/office/drawing/2014/main" id="{F56B2BCA-8C21-F3A0-C1CA-7BABC4AB56F8}"/>
               </a:ext>
             </a:extLst>
           </p:cNvPr>
@@ -41141,7 +46172,7 @@
         </p:nvSpPr>
         <p:spPr>
           <a:xfrm>
-            <a:off x="6834154" y="4412466"/>
+            <a:off x="6861970" y="4028417"/>
             <a:ext cx="180000" cy="270000"/>
           </a:xfrm>
           <a:prstGeom prst="flowChartOffpageConnector">
@@ -41214,7 +46245,7 @@
           <p:cNvPr id="49" name="Straight Arrow Connector 45">
             <a:extLst>
               <a:ext uri="{FF2B5EF4-FFF2-40B4-BE49-F238E27FC236}">
-                <a16:creationId xmlns:a16="http://schemas.microsoft.com/office/drawing/2014/main" id="{9D7720F5-DC46-443B-B451-10BBA6B11BC0}"/>
+                <a16:creationId xmlns:a16="http://schemas.microsoft.com/office/drawing/2014/main" id="{5E9452D7-32D1-FAD6-D64C-D46EA0586E25}"/>
               </a:ext>
             </a:extLst>
           </p:cNvPr>
@@ -41227,7 +46258,7 @@
         </p:nvCxnSpPr>
         <p:spPr>
           <a:xfrm>
-            <a:off x="5226418" y="4682466"/>
+            <a:off x="5254234" y="4298417"/>
             <a:ext cx="705903" cy="216234"/>
           </a:xfrm>
           <a:prstGeom prst="straightConnector1">
@@ -41260,7 +46291,7 @@
           <p:cNvPr id="56" name="Straight Arrow Connector 45">
             <a:extLst>
               <a:ext uri="{FF2B5EF4-FFF2-40B4-BE49-F238E27FC236}">
-                <a16:creationId xmlns:a16="http://schemas.microsoft.com/office/drawing/2014/main" id="{1410699C-33F1-2C21-2ABA-F0DC56207468}"/>
+                <a16:creationId xmlns:a16="http://schemas.microsoft.com/office/drawing/2014/main" id="{A6BE1210-7E8F-2ED9-FD46-9C2C81348A51}"/>
               </a:ext>
             </a:extLst>
           </p:cNvPr>
@@ -41273,7 +46304,7 @@
         </p:nvCxnSpPr>
         <p:spPr>
           <a:xfrm flipH="1">
-            <a:off x="6249313" y="4682466"/>
+            <a:off x="6277129" y="4298417"/>
             <a:ext cx="674841" cy="216234"/>
           </a:xfrm>
           <a:prstGeom prst="straightConnector1">
@@ -41306,7 +46337,7 @@
           <p:cNvPr id="59" name="CasellaDiTesto 15">
             <a:extLst>
               <a:ext uri="{FF2B5EF4-FFF2-40B4-BE49-F238E27FC236}">
-                <a16:creationId xmlns:a16="http://schemas.microsoft.com/office/drawing/2014/main" id="{157490BF-8174-5AE5-4C91-32B685F3A96A}"/>
+                <a16:creationId xmlns:a16="http://schemas.microsoft.com/office/drawing/2014/main" id="{B22D4208-B636-1D46-19B4-36A2B4427673}"/>
               </a:ext>
             </a:extLst>
           </p:cNvPr>
@@ -41315,8 +46346,8 @@
         </p:nvSpPr>
         <p:spPr>
           <a:xfrm>
-            <a:off x="5041886" y="4706846"/>
-            <a:ext cx="895928" cy="138499"/>
+            <a:off x="5240382" y="4332640"/>
+            <a:ext cx="445698" cy="138499"/>
           </a:xfrm>
           <a:prstGeom prst="rect">
             <a:avLst/>
@@ -41344,7 +46375,7 @@
           <p:cNvPr id="60" name="CasellaDiTesto 15">
             <a:extLst>
               <a:ext uri="{FF2B5EF4-FFF2-40B4-BE49-F238E27FC236}">
-                <a16:creationId xmlns:a16="http://schemas.microsoft.com/office/drawing/2014/main" id="{8BF5D854-10F5-3449-9E1A-96C1FDF4C52F}"/>
+                <a16:creationId xmlns:a16="http://schemas.microsoft.com/office/drawing/2014/main" id="{72BD6B0E-2344-4802-B84C-AA4F2B720ED1}"/>
               </a:ext>
             </a:extLst>
           </p:cNvPr>
@@ -41353,7 +46384,7 @@
         </p:nvSpPr>
         <p:spPr>
           <a:xfrm>
-            <a:off x="6256639" y="4702314"/>
+            <a:off x="6284455" y="4318265"/>
             <a:ext cx="895928" cy="138499"/>
           </a:xfrm>
           <a:prstGeom prst="rect">
@@ -41377,124 +46408,33 @@
           </a:p>
         </p:txBody>
       </p:sp>
-      <p:sp>
-        <p:nvSpPr>
-          <p:cNvPr id="61" name="Rectangle: Rounded Corners 63">
+      <p:cxnSp>
+        <p:nvCxnSpPr>
+          <p:cNvPr id="7" name="Straight Arrow Connector 45">
             <a:extLst>
               <a:ext uri="{FF2B5EF4-FFF2-40B4-BE49-F238E27FC236}">
-                <a16:creationId xmlns:a16="http://schemas.microsoft.com/office/drawing/2014/main" id="{01916197-6A7F-14DB-00A6-0340F5D74390}"/>
-              </a:ext>
-            </a:extLst>
-          </p:cNvPr>
-          <p:cNvSpPr/>
-          <p:nvPr/>
-        </p:nvSpPr>
-        <p:spPr>
-          <a:xfrm>
-            <a:off x="7890331" y="5096276"/>
-            <a:ext cx="1545903" cy="1083735"/>
-          </a:xfrm>
-          <a:prstGeom prst="roundRect">
-            <a:avLst/>
-          </a:prstGeom>
-          <a:noFill/>
-          <a:ln w="19050">
-            <a:prstDash val="sysDash"/>
-          </a:ln>
-        </p:spPr>
-        <p:style>
-          <a:lnRef idx="2">
-            <a:schemeClr val="accent1">
-              <a:shade val="15000"/>
-            </a:schemeClr>
-          </a:lnRef>
-          <a:fillRef idx="1">
-            <a:schemeClr val="accent1"/>
-          </a:fillRef>
-          <a:effectRef idx="0">
-            <a:schemeClr val="accent1"/>
-          </a:effectRef>
-          <a:fontRef idx="minor">
-            <a:schemeClr val="lt1"/>
-          </a:fontRef>
-        </p:style>
-        <p:txBody>
-          <a:bodyPr rtlCol="0" anchor="ctr" anchorCtr="0"/>
-          <a:lstStyle/>
-          <a:p>
-            <a:pPr algn="ctr"/>
-            <a:r>
-              <a:rPr lang="en-US" sz="1100" dirty="0">
-                <a:solidFill>
-                  <a:schemeClr val="tx1"/>
-                </a:solidFill>
-              </a:rPr>
-              <a:t>Substituting</a:t>
-            </a:r>
-            <a:br>
-              <a:rPr lang="en-US" sz="1100" dirty="0">
-                <a:solidFill>
-                  <a:schemeClr val="tx1"/>
-                </a:solidFill>
-              </a:rPr>
-            </a:br>
-            <a:r>
-              <a:rPr lang="en-US" sz="1100" dirty="0">
-                <a:solidFill>
-                  <a:schemeClr val="tx1"/>
-                </a:solidFill>
-              </a:rPr>
-              <a:t>Service Template</a:t>
-            </a:r>
-            <a:br>
-              <a:rPr lang="en-US" sz="1100" dirty="0">
-                <a:solidFill>
-                  <a:schemeClr val="tx1"/>
-                </a:solidFill>
-              </a:rPr>
-            </a:br>
-            <a:r>
-              <a:rPr lang="en-US" sz="1100" dirty="0">
-                <a:solidFill>
-                  <a:schemeClr val="tx1"/>
-                </a:solidFill>
-              </a:rPr>
-              <a:t>(Platform)</a:t>
-            </a:r>
-          </a:p>
-        </p:txBody>
-      </p:sp>
-      <p:cxnSp>
-        <p:nvCxnSpPr>
-          <p:cNvPr id="62" name="Straight Arrow Connector 134">
-            <a:extLst>
-              <a:ext uri="{FF2B5EF4-FFF2-40B4-BE49-F238E27FC236}">
-                <a16:creationId xmlns:a16="http://schemas.microsoft.com/office/drawing/2014/main" id="{31A412C6-0587-9A73-61C1-E3CD4BD6617D}"/>
+                <a16:creationId xmlns:a16="http://schemas.microsoft.com/office/drawing/2014/main" id="{B1816558-8D0F-2AD3-C813-74DBC713CBF6}"/>
               </a:ext>
             </a:extLst>
           </p:cNvPr>
           <p:cNvCxnSpPr>
             <a:cxnSpLocks/>
-            <a:stCxn id="41" idx="3"/>
-            <a:endCxn id="61" idx="1"/>
           </p:cNvCxnSpPr>
           <p:nvPr/>
         </p:nvCxnSpPr>
         <p:spPr>
-          <a:xfrm>
-            <a:off x="6476527" y="5410614"/>
-            <a:ext cx="1413804" cy="227530"/>
+          <a:xfrm flipH="1">
+            <a:off x="5095738" y="2753539"/>
+            <a:ext cx="144644" cy="436810"/>
           </a:xfrm>
           <a:prstGeom prst="straightConnector1">
             <a:avLst/>
           </a:prstGeom>
-          <a:ln w="28575">
+          <a:ln w="12700">
             <a:solidFill>
-              <a:schemeClr val="accent2"/>
+              <a:schemeClr val="tx1"/>
             </a:solidFill>
-            <a:prstDash val="sysDash"/>
-            <a:headEnd type="triangle" w="med" len="med"/>
-            <a:tailEnd type="none" w="med" len="med"/>
+            <a:tailEnd type="triangle"/>
           </a:ln>
         </p:spPr>
         <p:style>
@@ -41514,10 +46454,10 @@
       </p:cxnSp>
       <p:sp>
         <p:nvSpPr>
-          <p:cNvPr id="63" name="TextBox 135">
+          <p:cNvPr id="16" name="CasellaDiTesto 15">
             <a:extLst>
               <a:ext uri="{FF2B5EF4-FFF2-40B4-BE49-F238E27FC236}">
-                <a16:creationId xmlns:a16="http://schemas.microsoft.com/office/drawing/2014/main" id="{25068B08-97E5-0E2B-9442-99BE0CCF4673}"/>
+                <a16:creationId xmlns:a16="http://schemas.microsoft.com/office/drawing/2014/main" id="{787C8CC5-279F-316B-109D-A7B8CCC75EF5}"/>
               </a:ext>
             </a:extLst>
           </p:cNvPr>
@@ -41526,8 +46466,8 @@
         </p:nvSpPr>
         <p:spPr>
           <a:xfrm>
-            <a:off x="6885667" y="5479863"/>
-            <a:ext cx="533800" cy="138499"/>
+            <a:off x="4738250" y="2859471"/>
+            <a:ext cx="895928" cy="138499"/>
           </a:xfrm>
           <a:prstGeom prst="rect">
             <a:avLst/>
@@ -41544,18 +46484,19 @@
           <a:p>
             <a:pPr algn="ctr"/>
             <a:r>
-              <a:rPr lang="en-US" sz="900" b="1" dirty="0"/>
-              <a:t>substitutes</a:t>
+              <a:rPr lang="it-IT" sz="900" dirty="0" err="1"/>
+              <a:t>RunsOn</a:t>
             </a:r>
+            <a:endParaRPr lang="it-IT" sz="900" dirty="0"/>
           </a:p>
         </p:txBody>
       </p:sp>
       <p:sp>
         <p:nvSpPr>
-          <p:cNvPr id="64" name="Flowchart: Multidocument 1">
+          <p:cNvPr id="3" name="Flowchart: Multidocument 1">
             <a:extLst>
               <a:ext uri="{FF2B5EF4-FFF2-40B4-BE49-F238E27FC236}">
-                <a16:creationId xmlns:a16="http://schemas.microsoft.com/office/drawing/2014/main" id="{E17DD981-A46B-3EAF-C83D-F8B208096BE8}"/>
+                <a16:creationId xmlns:a16="http://schemas.microsoft.com/office/drawing/2014/main" id="{C59C120A-2F8D-30AA-08EE-A1F6DBC06A45}"/>
               </a:ext>
             </a:extLst>
           </p:cNvPr>
@@ -41564,7 +46505,52 @@
         </p:nvSpPr>
         <p:spPr>
           <a:xfrm>
-            <a:off x="8781420" y="4317074"/>
+            <a:off x="2964398" y="1511298"/>
+            <a:ext cx="1021210" cy="685800"/>
+          </a:xfrm>
+          <a:prstGeom prst="flowChartMultidocument">
+            <a:avLst/>
+          </a:prstGeom>
+          <a:noFill/>
+          <a:ln w="19050" cap="flat" cmpd="sng" algn="ctr">
+            <a:solidFill>
+              <a:sysClr val="windowText" lastClr="000000"/>
+            </a:solidFill>
+            <a:prstDash val="solid"/>
+          </a:ln>
+          <a:effectLst/>
+        </p:spPr>
+        <p:txBody>
+          <a:bodyPr tIns="91440" rtlCol="0" anchor="t" anchorCtr="0"/>
+          <a:lstStyle/>
+          <a:p>
+            <a:r>
+              <a:rPr lang="en-US" sz="1100" kern="0" dirty="0">
+                <a:solidFill>
+                  <a:prstClr val="black"/>
+                </a:solidFill>
+                <a:latin typeface="Calibri" panose="020F0502020204030204"/>
+              </a:rPr>
+              <a:t>Application Profile</a:t>
+            </a:r>
+          </a:p>
+        </p:txBody>
+      </p:sp>
+      <p:sp>
+        <p:nvSpPr>
+          <p:cNvPr id="8" name="Flowchart: Multidocument 1">
+            <a:extLst>
+              <a:ext uri="{FF2B5EF4-FFF2-40B4-BE49-F238E27FC236}">
+                <a16:creationId xmlns:a16="http://schemas.microsoft.com/office/drawing/2014/main" id="{265B9BB3-CFCC-4716-C63F-5D2E5FED7272}"/>
+              </a:ext>
+            </a:extLst>
+          </p:cNvPr>
+          <p:cNvSpPr/>
+          <p:nvPr/>
+        </p:nvSpPr>
+        <p:spPr>
+          <a:xfrm>
+            <a:off x="2907570" y="3612617"/>
             <a:ext cx="1021210" cy="685800"/>
           </a:xfrm>
           <a:prstGeom prst="flowChartMultidocument">
@@ -41612,1723 +46598,435 @@
           </a:p>
         </p:txBody>
       </p:sp>
+      <p:sp>
+        <p:nvSpPr>
+          <p:cNvPr id="13" name="Flowchart: Multidocument 1">
+            <a:extLst>
+              <a:ext uri="{FF2B5EF4-FFF2-40B4-BE49-F238E27FC236}">
+                <a16:creationId xmlns:a16="http://schemas.microsoft.com/office/drawing/2014/main" id="{9104A790-854F-8F1F-EBDF-55AF763BBFAC}"/>
+              </a:ext>
+            </a:extLst>
+          </p:cNvPr>
+          <p:cNvSpPr/>
+          <p:nvPr/>
+        </p:nvSpPr>
+        <p:spPr>
+          <a:xfrm>
+            <a:off x="8263220" y="1753178"/>
+            <a:ext cx="1021210" cy="685800"/>
+          </a:xfrm>
+          <a:prstGeom prst="flowChartMultidocument">
+            <a:avLst/>
+          </a:prstGeom>
+          <a:noFill/>
+          <a:ln w="19050" cap="flat" cmpd="sng" algn="ctr">
+            <a:solidFill>
+              <a:sysClr val="windowText" lastClr="000000"/>
+            </a:solidFill>
+            <a:prstDash val="solid"/>
+          </a:ln>
+          <a:effectLst/>
+        </p:spPr>
+        <p:txBody>
+          <a:bodyPr tIns="91440" rtlCol="0" anchor="t" anchorCtr="0"/>
+          <a:lstStyle/>
+          <a:p>
+            <a:r>
+              <a:rPr lang="en-US" sz="1100" kern="0" dirty="0">
+                <a:solidFill>
+                  <a:prstClr val="black"/>
+                </a:solidFill>
+                <a:latin typeface="Calibri" panose="020F0502020204030204"/>
+              </a:rPr>
+              <a:t>Data Profile</a:t>
+            </a:r>
+          </a:p>
+        </p:txBody>
+      </p:sp>
+      <p:cxnSp>
+        <p:nvCxnSpPr>
+          <p:cNvPr id="15" name="Straight Arrow Connector 14">
+            <a:extLst>
+              <a:ext uri="{FF2B5EF4-FFF2-40B4-BE49-F238E27FC236}">
+                <a16:creationId xmlns:a16="http://schemas.microsoft.com/office/drawing/2014/main" id="{214F0386-51BF-6C6F-4CEB-67D0F7151515}"/>
+              </a:ext>
+            </a:extLst>
+          </p:cNvPr>
+          <p:cNvCxnSpPr>
+            <a:cxnSpLocks/>
+          </p:cNvCxnSpPr>
+          <p:nvPr/>
+        </p:nvCxnSpPr>
+        <p:spPr>
+          <a:xfrm flipH="1">
+            <a:off x="7612086" y="4980582"/>
+            <a:ext cx="653665" cy="0"/>
+          </a:xfrm>
+          <a:prstGeom prst="straightConnector1">
+            <a:avLst/>
+          </a:prstGeom>
+          <a:ln w="19050">
+            <a:solidFill>
+              <a:schemeClr val="tx1"/>
+            </a:solidFill>
+            <a:prstDash val="sysDash"/>
+            <a:tailEnd type="triangle"/>
+          </a:ln>
+        </p:spPr>
+        <p:style>
+          <a:lnRef idx="1">
+            <a:schemeClr val="accent1"/>
+          </a:lnRef>
+          <a:fillRef idx="0">
+            <a:schemeClr val="accent1"/>
+          </a:fillRef>
+          <a:effectRef idx="0">
+            <a:schemeClr val="accent1"/>
+          </a:effectRef>
+          <a:fontRef idx="minor">
+            <a:schemeClr val="tx1"/>
+          </a:fontRef>
+        </p:style>
+      </p:cxnSp>
+      <p:sp>
+        <p:nvSpPr>
+          <p:cNvPr id="17" name="Flowchart: Multidocument 1">
+            <a:extLst>
+              <a:ext uri="{FF2B5EF4-FFF2-40B4-BE49-F238E27FC236}">
+                <a16:creationId xmlns:a16="http://schemas.microsoft.com/office/drawing/2014/main" id="{DF6FF821-1284-23B4-6E52-AF70D8F63B40}"/>
+              </a:ext>
+            </a:extLst>
+          </p:cNvPr>
+          <p:cNvSpPr/>
+          <p:nvPr/>
+        </p:nvSpPr>
+        <p:spPr>
+          <a:xfrm>
+            <a:off x="8273074" y="4720253"/>
+            <a:ext cx="1021210" cy="685800"/>
+          </a:xfrm>
+          <a:prstGeom prst="flowChartMultidocument">
+            <a:avLst/>
+          </a:prstGeom>
+          <a:noFill/>
+          <a:ln w="19050" cap="flat" cmpd="sng" algn="ctr">
+            <a:solidFill>
+              <a:sysClr val="windowText" lastClr="000000"/>
+            </a:solidFill>
+            <a:prstDash val="solid"/>
+          </a:ln>
+          <a:effectLst/>
+        </p:spPr>
+        <p:txBody>
+          <a:bodyPr tIns="91440" rtlCol="0" anchor="t" anchorCtr="0"/>
+          <a:lstStyle/>
+          <a:p>
+            <a:r>
+              <a:rPr lang="en-US" sz="1100" kern="0" dirty="0">
+                <a:solidFill>
+                  <a:prstClr val="black"/>
+                </a:solidFill>
+                <a:latin typeface="Calibri" panose="020F0502020204030204"/>
+              </a:rPr>
+              <a:t>Network Profile</a:t>
+            </a:r>
+          </a:p>
+        </p:txBody>
+      </p:sp>
+      <p:sp>
+        <p:nvSpPr>
+          <p:cNvPr id="18" name="TextBox 17">
+            <a:extLst>
+              <a:ext uri="{FF2B5EF4-FFF2-40B4-BE49-F238E27FC236}">
+                <a16:creationId xmlns:a16="http://schemas.microsoft.com/office/drawing/2014/main" id="{7B666B26-5C43-9F79-BFDE-18C1D6A3E523}"/>
+              </a:ext>
+            </a:extLst>
+          </p:cNvPr>
+          <p:cNvSpPr txBox="1"/>
+          <p:nvPr/>
+        </p:nvSpPr>
+        <p:spPr>
+          <a:xfrm>
+            <a:off x="7696467" y="2045391"/>
+            <a:ext cx="533800" cy="138499"/>
+          </a:xfrm>
+          <a:prstGeom prst="rect">
+            <a:avLst/>
+          </a:prstGeom>
+          <a:solidFill>
+            <a:schemeClr val="bg1"/>
+          </a:solidFill>
+        </p:spPr>
+        <p:txBody>
+          <a:bodyPr wrap="square" lIns="0" tIns="0" rIns="0" bIns="0" rtlCol="0">
+            <a:spAutoFit/>
+          </a:bodyPr>
+          <a:lstStyle/>
+          <a:p>
+            <a:pPr algn="ctr"/>
+            <a:r>
+              <a:rPr lang="en-US" sz="900" b="1" dirty="0"/>
+              <a:t>imports</a:t>
+            </a:r>
+          </a:p>
+        </p:txBody>
+      </p:sp>
+      <p:cxnSp>
+        <p:nvCxnSpPr>
+          <p:cNvPr id="19" name="Straight Arrow Connector 18">
+            <a:extLst>
+              <a:ext uri="{FF2B5EF4-FFF2-40B4-BE49-F238E27FC236}">
+                <a16:creationId xmlns:a16="http://schemas.microsoft.com/office/drawing/2014/main" id="{7E1C71BE-5580-5D4F-2CF8-6678B4E4D988}"/>
+              </a:ext>
+            </a:extLst>
+          </p:cNvPr>
+          <p:cNvCxnSpPr>
+            <a:cxnSpLocks/>
+          </p:cNvCxnSpPr>
+          <p:nvPr/>
+        </p:nvCxnSpPr>
+        <p:spPr>
+          <a:xfrm flipH="1">
+            <a:off x="7619409" y="2218584"/>
+            <a:ext cx="653665" cy="0"/>
+          </a:xfrm>
+          <a:prstGeom prst="straightConnector1">
+            <a:avLst/>
+          </a:prstGeom>
+          <a:ln w="19050">
+            <a:solidFill>
+              <a:schemeClr val="tx1"/>
+            </a:solidFill>
+            <a:prstDash val="sysDash"/>
+            <a:tailEnd type="triangle"/>
+          </a:ln>
+        </p:spPr>
+        <p:style>
+          <a:lnRef idx="1">
+            <a:schemeClr val="accent1"/>
+          </a:lnRef>
+          <a:fillRef idx="0">
+            <a:schemeClr val="accent1"/>
+          </a:fillRef>
+          <a:effectRef idx="0">
+            <a:schemeClr val="accent1"/>
+          </a:effectRef>
+          <a:fontRef idx="minor">
+            <a:schemeClr val="tx1"/>
+          </a:fontRef>
+        </p:style>
+      </p:cxnSp>
+      <p:sp>
+        <p:nvSpPr>
+          <p:cNvPr id="23" name="TextBox 22">
+            <a:extLst>
+              <a:ext uri="{FF2B5EF4-FFF2-40B4-BE49-F238E27FC236}">
+                <a16:creationId xmlns:a16="http://schemas.microsoft.com/office/drawing/2014/main" id="{C7284CDC-53EC-0860-FBD3-62D9C32C98B7}"/>
+              </a:ext>
+            </a:extLst>
+          </p:cNvPr>
+          <p:cNvSpPr txBox="1"/>
+          <p:nvPr/>
+        </p:nvSpPr>
+        <p:spPr>
+          <a:xfrm>
+            <a:off x="7696467" y="4803513"/>
+            <a:ext cx="533800" cy="138499"/>
+          </a:xfrm>
+          <a:prstGeom prst="rect">
+            <a:avLst/>
+          </a:prstGeom>
+          <a:solidFill>
+            <a:schemeClr val="bg1"/>
+          </a:solidFill>
+        </p:spPr>
+        <p:txBody>
+          <a:bodyPr wrap="square" lIns="0" tIns="0" rIns="0" bIns="0" rtlCol="0">
+            <a:spAutoFit/>
+          </a:bodyPr>
+          <a:lstStyle/>
+          <a:p>
+            <a:pPr algn="ctr"/>
+            <a:r>
+              <a:rPr lang="en-US" sz="900" b="1" dirty="0"/>
+              <a:t>imports</a:t>
+            </a:r>
+          </a:p>
+        </p:txBody>
+      </p:sp>
+      <p:cxnSp>
+        <p:nvCxnSpPr>
+          <p:cNvPr id="24" name="Straight Arrow Connector 23">
+            <a:extLst>
+              <a:ext uri="{FF2B5EF4-FFF2-40B4-BE49-F238E27FC236}">
+                <a16:creationId xmlns:a16="http://schemas.microsoft.com/office/drawing/2014/main" id="{B76095F9-429F-96CA-CD28-91E6D424E020}"/>
+              </a:ext>
+            </a:extLst>
+          </p:cNvPr>
+          <p:cNvCxnSpPr>
+            <a:cxnSpLocks/>
+            <a:endCxn id="3" idx="3"/>
+          </p:cNvCxnSpPr>
+          <p:nvPr/>
+        </p:nvCxnSpPr>
+        <p:spPr>
+          <a:xfrm flipH="1">
+            <a:off x="3985608" y="1854198"/>
+            <a:ext cx="601632" cy="0"/>
+          </a:xfrm>
+          <a:prstGeom prst="straightConnector1">
+            <a:avLst/>
+          </a:prstGeom>
+          <a:ln w="19050">
+            <a:solidFill>
+              <a:schemeClr val="tx1"/>
+            </a:solidFill>
+            <a:prstDash val="sysDash"/>
+            <a:headEnd type="triangle" w="med" len="med"/>
+            <a:tailEnd type="none" w="med" len="med"/>
+          </a:ln>
+        </p:spPr>
+        <p:style>
+          <a:lnRef idx="1">
+            <a:schemeClr val="accent1"/>
+          </a:lnRef>
+          <a:fillRef idx="0">
+            <a:schemeClr val="accent1"/>
+          </a:fillRef>
+          <a:effectRef idx="0">
+            <a:schemeClr val="accent1"/>
+          </a:effectRef>
+          <a:fontRef idx="minor">
+            <a:schemeClr val="tx1"/>
+          </a:fontRef>
+        </p:style>
+      </p:cxnSp>
+      <p:sp>
+        <p:nvSpPr>
+          <p:cNvPr id="32" name="TextBox 31">
+            <a:extLst>
+              <a:ext uri="{FF2B5EF4-FFF2-40B4-BE49-F238E27FC236}">
+                <a16:creationId xmlns:a16="http://schemas.microsoft.com/office/drawing/2014/main" id="{E3F0D120-9336-AA2B-3F18-1223745AC270}"/>
+              </a:ext>
+            </a:extLst>
+          </p:cNvPr>
+          <p:cNvSpPr txBox="1"/>
+          <p:nvPr/>
+        </p:nvSpPr>
+        <p:spPr>
+          <a:xfrm>
+            <a:off x="3999993" y="1683928"/>
+            <a:ext cx="533800" cy="138499"/>
+          </a:xfrm>
+          <a:prstGeom prst="rect">
+            <a:avLst/>
+          </a:prstGeom>
+          <a:solidFill>
+            <a:schemeClr val="bg1"/>
+          </a:solidFill>
+        </p:spPr>
+        <p:txBody>
+          <a:bodyPr wrap="square" lIns="0" tIns="0" rIns="0" bIns="0" rtlCol="0">
+            <a:spAutoFit/>
+          </a:bodyPr>
+          <a:lstStyle/>
+          <a:p>
+            <a:pPr algn="ctr"/>
+            <a:r>
+              <a:rPr lang="en-US" sz="900" b="1" dirty="0"/>
+              <a:t>imports</a:t>
+            </a:r>
+          </a:p>
+        </p:txBody>
+      </p:sp>
+      <p:cxnSp>
+        <p:nvCxnSpPr>
+          <p:cNvPr id="33" name="Straight Arrow Connector 32">
+            <a:extLst>
+              <a:ext uri="{FF2B5EF4-FFF2-40B4-BE49-F238E27FC236}">
+                <a16:creationId xmlns:a16="http://schemas.microsoft.com/office/drawing/2014/main" id="{654190EA-52C9-4AFD-4C29-4B9C2918C6C1}"/>
+              </a:ext>
+            </a:extLst>
+          </p:cNvPr>
+          <p:cNvCxnSpPr>
+            <a:cxnSpLocks/>
+          </p:cNvCxnSpPr>
+          <p:nvPr/>
+        </p:nvCxnSpPr>
+        <p:spPr>
+          <a:xfrm flipH="1">
+            <a:off x="3928780" y="3804958"/>
+            <a:ext cx="658460" cy="0"/>
+          </a:xfrm>
+          <a:prstGeom prst="straightConnector1">
+            <a:avLst/>
+          </a:prstGeom>
+          <a:ln w="19050">
+            <a:solidFill>
+              <a:schemeClr val="tx1"/>
+            </a:solidFill>
+            <a:prstDash val="sysDash"/>
+            <a:headEnd type="triangle" w="med" len="med"/>
+            <a:tailEnd type="none" w="med" len="med"/>
+          </a:ln>
+        </p:spPr>
+        <p:style>
+          <a:lnRef idx="1">
+            <a:schemeClr val="accent1"/>
+          </a:lnRef>
+          <a:fillRef idx="0">
+            <a:schemeClr val="accent1"/>
+          </a:fillRef>
+          <a:effectRef idx="0">
+            <a:schemeClr val="accent1"/>
+          </a:effectRef>
+          <a:fontRef idx="minor">
+            <a:schemeClr val="tx1"/>
+          </a:fontRef>
+        </p:style>
+      </p:cxnSp>
+      <p:sp>
+        <p:nvSpPr>
+          <p:cNvPr id="35" name="TextBox 34">
+            <a:extLst>
+              <a:ext uri="{FF2B5EF4-FFF2-40B4-BE49-F238E27FC236}">
+                <a16:creationId xmlns:a16="http://schemas.microsoft.com/office/drawing/2014/main" id="{DCA730D0-EA71-7B50-1277-EF3E89851CD6}"/>
+              </a:ext>
+            </a:extLst>
+          </p:cNvPr>
+          <p:cNvSpPr txBox="1"/>
+          <p:nvPr/>
+        </p:nvSpPr>
+        <p:spPr>
+          <a:xfrm>
+            <a:off x="3961733" y="3634687"/>
+            <a:ext cx="533800" cy="138499"/>
+          </a:xfrm>
+          <a:prstGeom prst="rect">
+            <a:avLst/>
+          </a:prstGeom>
+          <a:solidFill>
+            <a:schemeClr val="bg1"/>
+          </a:solidFill>
+        </p:spPr>
+        <p:txBody>
+          <a:bodyPr wrap="square" lIns="0" tIns="0" rIns="0" bIns="0" rtlCol="0">
+            <a:spAutoFit/>
+          </a:bodyPr>
+          <a:lstStyle/>
+          <a:p>
+            <a:pPr algn="ctr"/>
+            <a:r>
+              <a:rPr lang="en-US" sz="900" b="1" dirty="0"/>
+              <a:t>imports</a:t>
+            </a:r>
+          </a:p>
+        </p:txBody>
+      </p:sp>
     </p:spTree>
     <p:extLst>
       <p:ext uri="{BB962C8B-B14F-4D97-AF65-F5344CB8AC3E}">
-        <p14:creationId xmlns:p14="http://schemas.microsoft.com/office/powerpoint/2010/main" val="2302801649"/>
-      </p:ext>
-    </p:extLst>
-  </p:cSld>
-  <p:clrMapOvr>
-    <a:masterClrMapping/>
-  </p:clrMapOvr>
-</p:sld>
-</file>
-
-<file path=ppt/slides/slide9.xml><?xml version="1.0" encoding="utf-8"?>
-<p:sld xmlns:a="http://schemas.openxmlformats.org/drawingml/2006/main" xmlns:r="http://schemas.openxmlformats.org/officeDocument/2006/relationships" xmlns:p="http://schemas.openxmlformats.org/presentationml/2006/main">
-  <p:cSld>
-    <p:spTree>
-      <p:nvGrpSpPr>
-        <p:cNvPr id="1" name=""/>
-        <p:cNvGrpSpPr/>
-        <p:nvPr/>
-      </p:nvGrpSpPr>
-      <p:grpSpPr>
-        <a:xfrm>
-          <a:off x="0" y="0"/>
-          <a:ext cx="0" cy="0"/>
-          <a:chOff x="0" y="0"/>
-          <a:chExt cx="0" cy="0"/>
-        </a:xfrm>
-      </p:grpSpPr>
-      <p:grpSp>
-        <p:nvGrpSpPr>
-          <p:cNvPr id="56" name="Group 55">
-            <a:extLst>
-              <a:ext uri="{FF2B5EF4-FFF2-40B4-BE49-F238E27FC236}">
-                <a16:creationId xmlns:a16="http://schemas.microsoft.com/office/drawing/2014/main" id="{581E700A-16D7-0EAC-9261-4F58A4131FC0}"/>
-              </a:ext>
-            </a:extLst>
-          </p:cNvPr>
-          <p:cNvGrpSpPr/>
-          <p:nvPr/>
-        </p:nvGrpSpPr>
-        <p:grpSpPr>
-          <a:xfrm>
-            <a:off x="916973" y="1269330"/>
-            <a:ext cx="4074193" cy="2573099"/>
-            <a:chOff x="3907757" y="1209675"/>
-            <a:chExt cx="4074193" cy="2573099"/>
-          </a:xfrm>
-        </p:grpSpPr>
-        <p:grpSp>
-          <p:nvGrpSpPr>
-            <p:cNvPr id="27" name="Group 26">
-              <a:extLst>
-                <a:ext uri="{FF2B5EF4-FFF2-40B4-BE49-F238E27FC236}">
-                  <a16:creationId xmlns:a16="http://schemas.microsoft.com/office/drawing/2014/main" id="{0E01CFB6-52FD-F6EA-23A7-6BBD5DD8BD58}"/>
-                </a:ext>
-              </a:extLst>
-            </p:cNvPr>
-            <p:cNvGrpSpPr/>
-            <p:nvPr/>
-          </p:nvGrpSpPr>
-          <p:grpSpPr>
-            <a:xfrm>
-              <a:off x="4056224" y="2437941"/>
-              <a:ext cx="771421" cy="974099"/>
-              <a:chOff x="3816085" y="2671396"/>
-              <a:chExt cx="771421" cy="974099"/>
-            </a:xfrm>
-          </p:grpSpPr>
-          <p:sp>
-            <p:nvSpPr>
-              <p:cNvPr id="23" name="Rectangle 22">
-                <a:extLst>
-                  <a:ext uri="{FF2B5EF4-FFF2-40B4-BE49-F238E27FC236}">
-                    <a16:creationId xmlns:a16="http://schemas.microsoft.com/office/drawing/2014/main" id="{5F154AFF-E66D-C26A-3511-384EE7118538}"/>
-                  </a:ext>
-                </a:extLst>
-              </p:cNvPr>
-              <p:cNvSpPr/>
-              <p:nvPr/>
-            </p:nvSpPr>
-            <p:spPr>
-              <a:xfrm>
-                <a:off x="3816085" y="2911202"/>
-                <a:ext cx="771421" cy="279919"/>
-              </a:xfrm>
-              <a:prstGeom prst="rect">
-                <a:avLst/>
-              </a:prstGeom>
-              <a:solidFill>
-                <a:schemeClr val="bg1">
-                  <a:lumMod val="95000"/>
-                </a:schemeClr>
-              </a:solidFill>
-              <a:ln w="19050">
-                <a:solidFill>
-                  <a:schemeClr val="bg2"/>
-                </a:solidFill>
-              </a:ln>
-            </p:spPr>
-            <p:style>
-              <a:lnRef idx="2">
-                <a:schemeClr val="accent1">
-                  <a:shade val="50000"/>
-                </a:schemeClr>
-              </a:lnRef>
-              <a:fillRef idx="1">
-                <a:schemeClr val="accent1"/>
-              </a:fillRef>
-              <a:effectRef idx="0">
-                <a:schemeClr val="accent1"/>
-              </a:effectRef>
-              <a:fontRef idx="minor">
-                <a:schemeClr val="lt1"/>
-              </a:fontRef>
-            </p:style>
-            <p:txBody>
-              <a:bodyPr lIns="0" rIns="0" rtlCol="0" anchor="ctr"/>
-              <a:lstStyle/>
-              <a:p>
-                <a:pPr marL="0" marR="0" lvl="0" indent="0" algn="ctr" defTabSz="914400" rtl="0" eaLnBrk="1" fontAlgn="auto" latinLnBrk="0" hangingPunct="1">
-                  <a:lnSpc>
-                    <a:spcPct val="100000"/>
-                  </a:lnSpc>
-                  <a:spcBef>
-                    <a:spcPts val="0"/>
-                  </a:spcBef>
-                  <a:spcAft>
-                    <a:spcPts val="0"/>
-                  </a:spcAft>
-                  <a:buClrTx/>
-                  <a:buSzTx/>
-                  <a:buFontTx/>
-                  <a:buNone/>
-                  <a:tabLst/>
-                  <a:defRPr/>
-                </a:pPr>
-                <a:r>
-                  <a:rPr kumimoji="0" lang="en-US" sz="900" b="0" i="0" u="none" strike="noStrike" kern="1200" cap="none" spc="0" normalizeH="0" baseline="0" noProof="0" dirty="0" err="1">
-                    <a:ln>
-                      <a:noFill/>
-                    </a:ln>
-                    <a:solidFill>
-                      <a:prstClr val="black"/>
-                    </a:solidFill>
-                    <a:effectLst/>
-                    <a:uLnTx/>
-                    <a:uFillTx/>
-                    <a:ea typeface="+mn-ea"/>
-                    <a:cs typeface="+mn-cs"/>
-                  </a:rPr>
-                  <a:t>WebUI</a:t>
-                </a:r>
-                <a:endParaRPr kumimoji="0" lang="en-US" sz="900" b="0" i="0" u="none" strike="noStrike" kern="1200" cap="none" spc="0" normalizeH="0" baseline="0" noProof="0" dirty="0">
-                  <a:ln>
-                    <a:noFill/>
-                  </a:ln>
-                  <a:solidFill>
-                    <a:prstClr val="black"/>
-                  </a:solidFill>
-                  <a:effectLst/>
-                  <a:uLnTx/>
-                  <a:uFillTx/>
-                  <a:ea typeface="+mn-ea"/>
-                  <a:cs typeface="+mn-cs"/>
-                </a:endParaRPr>
-              </a:p>
-            </p:txBody>
-          </p:sp>
-          <p:sp>
-            <p:nvSpPr>
-              <p:cNvPr id="24" name="Rectangle: Rounded Corners 23">
-                <a:extLst>
-                  <a:ext uri="{FF2B5EF4-FFF2-40B4-BE49-F238E27FC236}">
-                    <a16:creationId xmlns:a16="http://schemas.microsoft.com/office/drawing/2014/main" id="{EB8B633A-33D6-51B9-BD2D-F71276AB5A13}"/>
-                  </a:ext>
-                </a:extLst>
-              </p:cNvPr>
-              <p:cNvSpPr/>
-              <p:nvPr/>
-            </p:nvSpPr>
-            <p:spPr>
-              <a:xfrm>
-                <a:off x="3816085" y="2671396"/>
-                <a:ext cx="771420" cy="815478"/>
-              </a:xfrm>
-              <a:prstGeom prst="roundRect">
-                <a:avLst/>
-              </a:prstGeom>
-              <a:noFill/>
-              <a:ln w="19050">
-                <a:solidFill>
-                  <a:schemeClr val="tx1"/>
-                </a:solidFill>
-              </a:ln>
-            </p:spPr>
-            <p:style>
-              <a:lnRef idx="2">
-                <a:schemeClr val="accent1">
-                  <a:shade val="50000"/>
-                </a:schemeClr>
-              </a:lnRef>
-              <a:fillRef idx="1">
-                <a:schemeClr val="accent1"/>
-              </a:fillRef>
-              <a:effectRef idx="0">
-                <a:schemeClr val="accent1"/>
-              </a:effectRef>
-              <a:fontRef idx="minor">
-                <a:schemeClr val="lt1"/>
-              </a:fontRef>
-            </p:style>
-            <p:txBody>
-              <a:bodyPr tIns="0" rtlCol="0" anchor="t" anchorCtr="0"/>
-              <a:lstStyle/>
-              <a:p>
-                <a:pPr marL="0" marR="0" lvl="0" indent="0" algn="l" defTabSz="914400" rtl="0" eaLnBrk="1" fontAlgn="auto" latinLnBrk="0" hangingPunct="1">
-                  <a:lnSpc>
-                    <a:spcPct val="100000"/>
-                  </a:lnSpc>
-                  <a:spcBef>
-                    <a:spcPts val="0"/>
-                  </a:spcBef>
-                  <a:spcAft>
-                    <a:spcPts val="0"/>
-                  </a:spcAft>
-                  <a:buClrTx/>
-                  <a:buSzTx/>
-                  <a:buFontTx/>
-                  <a:buNone/>
-                  <a:tabLst/>
-                  <a:defRPr/>
-                </a:pPr>
-                <a:r>
-                  <a:rPr kumimoji="0" lang="en-US" sz="800" b="0" i="0" u="none" strike="noStrike" kern="1200" cap="none" spc="0" normalizeH="0" baseline="0" noProof="0" dirty="0" err="1">
-                    <a:ln>
-                      <a:noFill/>
-                    </a:ln>
-                    <a:solidFill>
-                      <a:prstClr val="black"/>
-                    </a:solidFill>
-                    <a:effectLst/>
-                    <a:uLnTx/>
-                    <a:uFillTx/>
-                    <a:ea typeface="+mn-ea"/>
-                    <a:cs typeface="+mn-cs"/>
-                  </a:rPr>
-                  <a:t>gui</a:t>
-                </a:r>
-                <a:endParaRPr kumimoji="0" lang="en-US" sz="800" b="0" i="0" u="none" strike="noStrike" kern="1200" cap="none" spc="0" normalizeH="0" baseline="0" noProof="0" dirty="0">
-                  <a:ln>
-                    <a:noFill/>
-                  </a:ln>
-                  <a:solidFill>
-                    <a:prstClr val="black"/>
-                  </a:solidFill>
-                  <a:effectLst/>
-                  <a:uLnTx/>
-                  <a:uFillTx/>
-                  <a:ea typeface="+mn-ea"/>
-                  <a:cs typeface="+mn-cs"/>
-                </a:endParaRPr>
-              </a:p>
-            </p:txBody>
-          </p:sp>
-          <p:sp>
-            <p:nvSpPr>
-              <p:cNvPr id="25" name="Flowchart: Off-page Connector 24">
-                <a:extLst>
-                  <a:ext uri="{FF2B5EF4-FFF2-40B4-BE49-F238E27FC236}">
-                    <a16:creationId xmlns:a16="http://schemas.microsoft.com/office/drawing/2014/main" id="{69B68D98-14FE-97A2-487E-F7BFB7443003}"/>
-                  </a:ext>
-                </a:extLst>
-              </p:cNvPr>
-              <p:cNvSpPr/>
-              <p:nvPr/>
-            </p:nvSpPr>
-            <p:spPr>
-              <a:xfrm>
-                <a:off x="3968530" y="3365576"/>
-                <a:ext cx="466531" cy="279919"/>
-              </a:xfrm>
-              <a:prstGeom prst="flowChartOffpageConnector">
-                <a:avLst/>
-              </a:prstGeom>
-              <a:solidFill>
-                <a:schemeClr val="bg1"/>
-              </a:solidFill>
-              <a:ln w="19050">
-                <a:solidFill>
-                  <a:schemeClr val="tx1"/>
-                </a:solidFill>
-              </a:ln>
-            </p:spPr>
-            <p:style>
-              <a:lnRef idx="2">
-                <a:schemeClr val="accent1">
-                  <a:shade val="50000"/>
-                </a:schemeClr>
-              </a:lnRef>
-              <a:fillRef idx="1">
-                <a:schemeClr val="accent1"/>
-              </a:fillRef>
-              <a:effectRef idx="0">
-                <a:schemeClr val="accent1"/>
-              </a:effectRef>
-              <a:fontRef idx="minor">
-                <a:schemeClr val="lt1"/>
-              </a:fontRef>
-            </p:style>
-            <p:txBody>
-              <a:bodyPr tIns="0" rtlCol="0" anchor="t" anchorCtr="0"/>
-              <a:lstStyle/>
-              <a:p>
-                <a:pPr marL="0" marR="0" lvl="0" indent="0" algn="l" defTabSz="914400" rtl="0" eaLnBrk="1" fontAlgn="auto" latinLnBrk="0" hangingPunct="1">
-                  <a:lnSpc>
-                    <a:spcPct val="100000"/>
-                  </a:lnSpc>
-                  <a:spcBef>
-                    <a:spcPts val="0"/>
-                  </a:spcBef>
-                  <a:spcAft>
-                    <a:spcPts val="0"/>
-                  </a:spcAft>
-                  <a:buClrTx/>
-                  <a:buSzTx/>
-                  <a:buFontTx/>
-                  <a:buNone/>
-                  <a:tabLst/>
-                  <a:defRPr/>
-                </a:pPr>
-                <a:endParaRPr kumimoji="0" lang="en-US" sz="1000" b="0" i="0" u="none" strike="noStrike" kern="1200" cap="none" spc="0" normalizeH="0" baseline="0" noProof="0">
-                  <a:ln>
-                    <a:noFill/>
-                  </a:ln>
-                  <a:solidFill>
-                    <a:prstClr val="black"/>
-                  </a:solidFill>
-                  <a:effectLst/>
-                  <a:uLnTx/>
-                  <a:uFillTx/>
-                  <a:ea typeface="+mn-ea"/>
-                  <a:cs typeface="+mn-cs"/>
-                </a:endParaRPr>
-              </a:p>
-            </p:txBody>
-          </p:sp>
-          <p:sp>
-            <p:nvSpPr>
-              <p:cNvPr id="26" name="TextBox 25">
-                <a:extLst>
-                  <a:ext uri="{FF2B5EF4-FFF2-40B4-BE49-F238E27FC236}">
-                    <a16:creationId xmlns:a16="http://schemas.microsoft.com/office/drawing/2014/main" id="{480C39FB-6F4D-855B-3762-A6EEFA2F65EE}"/>
-                  </a:ext>
-                </a:extLst>
-              </p:cNvPr>
-              <p:cNvSpPr txBox="1"/>
-              <p:nvPr/>
-            </p:nvSpPr>
-            <p:spPr>
-              <a:xfrm>
-                <a:off x="3995649" y="3382425"/>
-                <a:ext cx="412292" cy="230832"/>
-              </a:xfrm>
-              <a:prstGeom prst="rect">
-                <a:avLst/>
-              </a:prstGeom>
-              <a:noFill/>
-            </p:spPr>
-            <p:txBody>
-              <a:bodyPr wrap="square" rtlCol="0">
-                <a:spAutoFit/>
-              </a:bodyPr>
-              <a:lstStyle/>
-              <a:p>
-                <a:pPr marL="0" marR="0" lvl="0" indent="0" algn="l" defTabSz="914400" rtl="0" eaLnBrk="1" fontAlgn="auto" latinLnBrk="0" hangingPunct="1">
-                  <a:lnSpc>
-                    <a:spcPct val="100000"/>
-                  </a:lnSpc>
-                  <a:spcBef>
-                    <a:spcPts val="0"/>
-                  </a:spcBef>
-                  <a:spcAft>
-                    <a:spcPts val="0"/>
-                  </a:spcAft>
-                  <a:buClrTx/>
-                  <a:buSzTx/>
-                  <a:buFontTx/>
-                  <a:buNone/>
-                  <a:tabLst/>
-                  <a:defRPr/>
-                </a:pPr>
-                <a:r>
-                  <a:rPr kumimoji="0" lang="en-US" sz="900" b="0" i="0" u="none" strike="noStrike" kern="1200" cap="none" spc="0" normalizeH="0" baseline="0" noProof="0" dirty="0">
-                    <a:ln>
-                      <a:noFill/>
-                    </a:ln>
-                    <a:solidFill>
-                      <a:prstClr val="black"/>
-                    </a:solidFill>
-                    <a:effectLst/>
-                    <a:uLnTx/>
-                    <a:uFillTx/>
-                    <a:ea typeface="+mn-ea"/>
-                    <a:cs typeface="+mn-cs"/>
-                  </a:rPr>
-                  <a:t>host</a:t>
-                </a:r>
-              </a:p>
-            </p:txBody>
-          </p:sp>
-        </p:grpSp>
-        <p:grpSp>
-          <p:nvGrpSpPr>
-            <p:cNvPr id="28" name="Group 27">
-              <a:extLst>
-                <a:ext uri="{FF2B5EF4-FFF2-40B4-BE49-F238E27FC236}">
-                  <a16:creationId xmlns:a16="http://schemas.microsoft.com/office/drawing/2014/main" id="{CA303DF7-B63A-A462-3056-B4A35CEA272B}"/>
-                </a:ext>
-              </a:extLst>
-            </p:cNvPr>
-            <p:cNvGrpSpPr/>
-            <p:nvPr/>
-          </p:nvGrpSpPr>
-          <p:grpSpPr>
-            <a:xfrm>
-              <a:off x="6038698" y="1337597"/>
-              <a:ext cx="771421" cy="974099"/>
-              <a:chOff x="3816085" y="2671396"/>
-              <a:chExt cx="771421" cy="974099"/>
-            </a:xfrm>
-          </p:grpSpPr>
-          <p:sp>
-            <p:nvSpPr>
-              <p:cNvPr id="29" name="Rectangle 28">
-                <a:extLst>
-                  <a:ext uri="{FF2B5EF4-FFF2-40B4-BE49-F238E27FC236}">
-                    <a16:creationId xmlns:a16="http://schemas.microsoft.com/office/drawing/2014/main" id="{785F5931-2EF8-FDA6-3705-9DD1486D46A7}"/>
-                  </a:ext>
-                </a:extLst>
-              </p:cNvPr>
-              <p:cNvSpPr/>
-              <p:nvPr/>
-            </p:nvSpPr>
-            <p:spPr>
-              <a:xfrm>
-                <a:off x="3816085" y="2911202"/>
-                <a:ext cx="771421" cy="279919"/>
-              </a:xfrm>
-              <a:prstGeom prst="rect">
-                <a:avLst/>
-              </a:prstGeom>
-              <a:solidFill>
-                <a:schemeClr val="bg1">
-                  <a:lumMod val="95000"/>
-                </a:schemeClr>
-              </a:solidFill>
-              <a:ln w="19050">
-                <a:solidFill>
-                  <a:schemeClr val="bg2"/>
-                </a:solidFill>
-              </a:ln>
-            </p:spPr>
-            <p:style>
-              <a:lnRef idx="2">
-                <a:schemeClr val="accent1">
-                  <a:shade val="50000"/>
-                </a:schemeClr>
-              </a:lnRef>
-              <a:fillRef idx="1">
-                <a:schemeClr val="accent1"/>
-              </a:fillRef>
-              <a:effectRef idx="0">
-                <a:schemeClr val="accent1"/>
-              </a:effectRef>
-              <a:fontRef idx="minor">
-                <a:schemeClr val="lt1"/>
-              </a:fontRef>
-            </p:style>
-            <p:txBody>
-              <a:bodyPr lIns="0" rIns="0" rtlCol="0" anchor="ctr"/>
-              <a:lstStyle/>
-              <a:p>
-                <a:pPr marL="0" marR="0" lvl="0" indent="0" algn="ctr" defTabSz="914400" rtl="0" eaLnBrk="1" fontAlgn="auto" latinLnBrk="0" hangingPunct="1">
-                  <a:lnSpc>
-                    <a:spcPct val="100000"/>
-                  </a:lnSpc>
-                  <a:spcBef>
-                    <a:spcPts val="0"/>
-                  </a:spcBef>
-                  <a:spcAft>
-                    <a:spcPts val="0"/>
-                  </a:spcAft>
-                  <a:buClrTx/>
-                  <a:buSzTx/>
-                  <a:buFontTx/>
-                  <a:buNone/>
-                  <a:tabLst/>
-                  <a:defRPr/>
-                </a:pPr>
-                <a:r>
-                  <a:rPr kumimoji="0" lang="en-US" sz="900" b="0" i="0" u="none" strike="noStrike" kern="1200" cap="none" spc="0" normalizeH="0" baseline="0" noProof="0" dirty="0">
-                    <a:ln>
-                      <a:noFill/>
-                    </a:ln>
-                    <a:solidFill>
-                      <a:prstClr val="black"/>
-                    </a:solidFill>
-                    <a:effectLst/>
-                    <a:uLnTx/>
-                    <a:uFillTx/>
-                    <a:ea typeface="+mn-ea"/>
-                    <a:cs typeface="+mn-cs"/>
-                  </a:rPr>
-                  <a:t>Context</a:t>
-                </a:r>
-              </a:p>
-              <a:p>
-                <a:pPr marL="0" marR="0" lvl="0" indent="0" algn="ctr" defTabSz="914400" rtl="0" eaLnBrk="1" fontAlgn="auto" latinLnBrk="0" hangingPunct="1">
-                  <a:lnSpc>
-                    <a:spcPct val="100000"/>
-                  </a:lnSpc>
-                  <a:spcBef>
-                    <a:spcPts val="0"/>
-                  </a:spcBef>
-                  <a:spcAft>
-                    <a:spcPts val="0"/>
-                  </a:spcAft>
-                  <a:buClrTx/>
-                  <a:buSzTx/>
-                  <a:buFontTx/>
-                  <a:buNone/>
-                  <a:tabLst/>
-                  <a:defRPr/>
-                </a:pPr>
-                <a:r>
-                  <a:rPr kumimoji="0" lang="en-US" sz="900" b="0" i="0" u="none" strike="noStrike" kern="1200" cap="none" spc="0" normalizeH="0" baseline="0" noProof="0" dirty="0">
-                    <a:ln>
-                      <a:noFill/>
-                    </a:ln>
-                    <a:solidFill>
-                      <a:prstClr val="black"/>
-                    </a:solidFill>
-                    <a:effectLst/>
-                    <a:uLnTx/>
-                    <a:uFillTx/>
-                    <a:ea typeface="+mn-ea"/>
-                    <a:cs typeface="+mn-cs"/>
-                  </a:rPr>
-                  <a:t>Analyzer</a:t>
-                </a:r>
-              </a:p>
-            </p:txBody>
-          </p:sp>
-          <p:sp>
-            <p:nvSpPr>
-              <p:cNvPr id="30" name="Rectangle: Rounded Corners 29">
-                <a:extLst>
-                  <a:ext uri="{FF2B5EF4-FFF2-40B4-BE49-F238E27FC236}">
-                    <a16:creationId xmlns:a16="http://schemas.microsoft.com/office/drawing/2014/main" id="{06639B89-A87E-6F94-BBA8-64CCA7390726}"/>
-                  </a:ext>
-                </a:extLst>
-              </p:cNvPr>
-              <p:cNvSpPr/>
-              <p:nvPr/>
-            </p:nvSpPr>
-            <p:spPr>
-              <a:xfrm>
-                <a:off x="3816085" y="2671396"/>
-                <a:ext cx="771420" cy="815478"/>
-              </a:xfrm>
-              <a:prstGeom prst="roundRect">
-                <a:avLst/>
-              </a:prstGeom>
-              <a:noFill/>
-              <a:ln w="19050">
-                <a:solidFill>
-                  <a:schemeClr val="tx1"/>
-                </a:solidFill>
-              </a:ln>
-            </p:spPr>
-            <p:style>
-              <a:lnRef idx="2">
-                <a:schemeClr val="accent1">
-                  <a:shade val="50000"/>
-                </a:schemeClr>
-              </a:lnRef>
-              <a:fillRef idx="1">
-                <a:schemeClr val="accent1"/>
-              </a:fillRef>
-              <a:effectRef idx="0">
-                <a:schemeClr val="accent1"/>
-              </a:effectRef>
-              <a:fontRef idx="minor">
-                <a:schemeClr val="lt1"/>
-              </a:fontRef>
-            </p:style>
-            <p:txBody>
-              <a:bodyPr tIns="0" rtlCol="0" anchor="t" anchorCtr="0"/>
-              <a:lstStyle/>
-              <a:p>
-                <a:pPr marL="0" marR="0" lvl="0" indent="0" algn="l" defTabSz="914400" rtl="0" eaLnBrk="1" fontAlgn="auto" latinLnBrk="0" hangingPunct="1">
-                  <a:lnSpc>
-                    <a:spcPct val="100000"/>
-                  </a:lnSpc>
-                  <a:spcBef>
-                    <a:spcPts val="0"/>
-                  </a:spcBef>
-                  <a:spcAft>
-                    <a:spcPts val="0"/>
-                  </a:spcAft>
-                  <a:buClrTx/>
-                  <a:buSzTx/>
-                  <a:buFontTx/>
-                  <a:buNone/>
-                  <a:tabLst/>
-                  <a:defRPr/>
-                </a:pPr>
-                <a:r>
-                  <a:rPr kumimoji="0" lang="en-US" sz="800" b="0" i="0" u="none" strike="noStrike" kern="1200" cap="none" spc="0" normalizeH="0" baseline="0" noProof="0" dirty="0">
-                    <a:ln>
-                      <a:noFill/>
-                    </a:ln>
-                    <a:solidFill>
-                      <a:prstClr val="black"/>
-                    </a:solidFill>
-                    <a:effectLst/>
-                    <a:uLnTx/>
-                    <a:uFillTx/>
-                    <a:ea typeface="+mn-ea"/>
-                    <a:cs typeface="+mn-cs"/>
-                  </a:rPr>
-                  <a:t>analytics</a:t>
-                </a:r>
-              </a:p>
-            </p:txBody>
-          </p:sp>
-          <p:sp>
-            <p:nvSpPr>
-              <p:cNvPr id="31" name="Flowchart: Off-page Connector 30">
-                <a:extLst>
-                  <a:ext uri="{FF2B5EF4-FFF2-40B4-BE49-F238E27FC236}">
-                    <a16:creationId xmlns:a16="http://schemas.microsoft.com/office/drawing/2014/main" id="{88BA0694-B850-BC67-B211-A0691D4970B1}"/>
-                  </a:ext>
-                </a:extLst>
-              </p:cNvPr>
-              <p:cNvSpPr/>
-              <p:nvPr/>
-            </p:nvSpPr>
-            <p:spPr>
-              <a:xfrm>
-                <a:off x="3968530" y="3365576"/>
-                <a:ext cx="466531" cy="279919"/>
-              </a:xfrm>
-              <a:prstGeom prst="flowChartOffpageConnector">
-                <a:avLst/>
-              </a:prstGeom>
-              <a:solidFill>
-                <a:schemeClr val="bg1"/>
-              </a:solidFill>
-              <a:ln w="19050">
-                <a:solidFill>
-                  <a:schemeClr val="tx1"/>
-                </a:solidFill>
-              </a:ln>
-            </p:spPr>
-            <p:style>
-              <a:lnRef idx="2">
-                <a:schemeClr val="accent1">
-                  <a:shade val="50000"/>
-                </a:schemeClr>
-              </a:lnRef>
-              <a:fillRef idx="1">
-                <a:schemeClr val="accent1"/>
-              </a:fillRef>
-              <a:effectRef idx="0">
-                <a:schemeClr val="accent1"/>
-              </a:effectRef>
-              <a:fontRef idx="minor">
-                <a:schemeClr val="lt1"/>
-              </a:fontRef>
-            </p:style>
-            <p:txBody>
-              <a:bodyPr tIns="0" rtlCol="0" anchor="t" anchorCtr="0"/>
-              <a:lstStyle/>
-              <a:p>
-                <a:pPr marL="0" marR="0" lvl="0" indent="0" algn="l" defTabSz="914400" rtl="0" eaLnBrk="1" fontAlgn="auto" latinLnBrk="0" hangingPunct="1">
-                  <a:lnSpc>
-                    <a:spcPct val="100000"/>
-                  </a:lnSpc>
-                  <a:spcBef>
-                    <a:spcPts val="0"/>
-                  </a:spcBef>
-                  <a:spcAft>
-                    <a:spcPts val="0"/>
-                  </a:spcAft>
-                  <a:buClrTx/>
-                  <a:buSzTx/>
-                  <a:buFontTx/>
-                  <a:buNone/>
-                  <a:tabLst/>
-                  <a:defRPr/>
-                </a:pPr>
-                <a:endParaRPr kumimoji="0" lang="en-US" sz="1000" b="0" i="0" u="none" strike="noStrike" kern="1200" cap="none" spc="0" normalizeH="0" baseline="0" noProof="0">
-                  <a:ln>
-                    <a:noFill/>
-                  </a:ln>
-                  <a:solidFill>
-                    <a:prstClr val="black"/>
-                  </a:solidFill>
-                  <a:effectLst/>
-                  <a:uLnTx/>
-                  <a:uFillTx/>
-                  <a:ea typeface="+mn-ea"/>
-                  <a:cs typeface="+mn-cs"/>
-                </a:endParaRPr>
-              </a:p>
-            </p:txBody>
-          </p:sp>
-          <p:sp>
-            <p:nvSpPr>
-              <p:cNvPr id="32" name="TextBox 31">
-                <a:extLst>
-                  <a:ext uri="{FF2B5EF4-FFF2-40B4-BE49-F238E27FC236}">
-                    <a16:creationId xmlns:a16="http://schemas.microsoft.com/office/drawing/2014/main" id="{B1073C08-2ABA-B500-FE04-02D5BE3A9AC5}"/>
-                  </a:ext>
-                </a:extLst>
-              </p:cNvPr>
-              <p:cNvSpPr txBox="1"/>
-              <p:nvPr/>
-            </p:nvSpPr>
-            <p:spPr>
-              <a:xfrm>
-                <a:off x="3995649" y="3382425"/>
-                <a:ext cx="412292" cy="230832"/>
-              </a:xfrm>
-              <a:prstGeom prst="rect">
-                <a:avLst/>
-              </a:prstGeom>
-              <a:noFill/>
-            </p:spPr>
-            <p:txBody>
-              <a:bodyPr wrap="square" rtlCol="0">
-                <a:spAutoFit/>
-              </a:bodyPr>
-              <a:lstStyle/>
-              <a:p>
-                <a:pPr marL="0" marR="0" lvl="0" indent="0" algn="l" defTabSz="914400" rtl="0" eaLnBrk="1" fontAlgn="auto" latinLnBrk="0" hangingPunct="1">
-                  <a:lnSpc>
-                    <a:spcPct val="100000"/>
-                  </a:lnSpc>
-                  <a:spcBef>
-                    <a:spcPts val="0"/>
-                  </a:spcBef>
-                  <a:spcAft>
-                    <a:spcPts val="0"/>
-                  </a:spcAft>
-                  <a:buClrTx/>
-                  <a:buSzTx/>
-                  <a:buFontTx/>
-                  <a:buNone/>
-                  <a:tabLst/>
-                  <a:defRPr/>
-                </a:pPr>
-                <a:r>
-                  <a:rPr kumimoji="0" lang="en-US" sz="900" b="0" i="0" u="none" strike="noStrike" kern="1200" cap="none" spc="0" normalizeH="0" baseline="0" noProof="0" dirty="0">
-                    <a:ln>
-                      <a:noFill/>
-                    </a:ln>
-                    <a:solidFill>
-                      <a:prstClr val="black"/>
-                    </a:solidFill>
-                    <a:effectLst/>
-                    <a:uLnTx/>
-                    <a:uFillTx/>
-                    <a:ea typeface="+mn-ea"/>
-                    <a:cs typeface="+mn-cs"/>
-                  </a:rPr>
-                  <a:t>host</a:t>
-                </a:r>
-              </a:p>
-            </p:txBody>
-          </p:sp>
-        </p:grpSp>
-        <p:grpSp>
-          <p:nvGrpSpPr>
-            <p:cNvPr id="33" name="Group 32">
-              <a:extLst>
-                <a:ext uri="{FF2B5EF4-FFF2-40B4-BE49-F238E27FC236}">
-                  <a16:creationId xmlns:a16="http://schemas.microsoft.com/office/drawing/2014/main" id="{D1CAD669-DBD1-97D4-432A-98106C870BFC}"/>
-                </a:ext>
-              </a:extLst>
-            </p:cNvPr>
-            <p:cNvGrpSpPr/>
-            <p:nvPr/>
-          </p:nvGrpSpPr>
-          <p:grpSpPr>
-            <a:xfrm>
-              <a:off x="7069202" y="2091638"/>
-              <a:ext cx="771421" cy="974099"/>
-              <a:chOff x="3816085" y="2671396"/>
-              <a:chExt cx="771421" cy="974099"/>
-            </a:xfrm>
-          </p:grpSpPr>
-          <p:sp>
-            <p:nvSpPr>
-              <p:cNvPr id="34" name="Rectangle 33">
-                <a:extLst>
-                  <a:ext uri="{FF2B5EF4-FFF2-40B4-BE49-F238E27FC236}">
-                    <a16:creationId xmlns:a16="http://schemas.microsoft.com/office/drawing/2014/main" id="{AC8C008F-40AE-7B56-066D-358A9B134B49}"/>
-                  </a:ext>
-                </a:extLst>
-              </p:cNvPr>
-              <p:cNvSpPr/>
-              <p:nvPr/>
-            </p:nvSpPr>
-            <p:spPr>
-              <a:xfrm>
-                <a:off x="3816085" y="2911202"/>
-                <a:ext cx="771421" cy="279919"/>
-              </a:xfrm>
-              <a:prstGeom prst="rect">
-                <a:avLst/>
-              </a:prstGeom>
-              <a:solidFill>
-                <a:schemeClr val="bg1">
-                  <a:lumMod val="95000"/>
-                </a:schemeClr>
-              </a:solidFill>
-              <a:ln w="19050">
-                <a:solidFill>
-                  <a:schemeClr val="bg2"/>
-                </a:solidFill>
-              </a:ln>
-            </p:spPr>
-            <p:style>
-              <a:lnRef idx="2">
-                <a:schemeClr val="accent1">
-                  <a:shade val="50000"/>
-                </a:schemeClr>
-              </a:lnRef>
-              <a:fillRef idx="1">
-                <a:schemeClr val="accent1"/>
-              </a:fillRef>
-              <a:effectRef idx="0">
-                <a:schemeClr val="accent1"/>
-              </a:effectRef>
-              <a:fontRef idx="minor">
-                <a:schemeClr val="lt1"/>
-              </a:fontRef>
-            </p:style>
-            <p:txBody>
-              <a:bodyPr lIns="0" rIns="0" rtlCol="0" anchor="ctr"/>
-              <a:lstStyle/>
-              <a:p>
-                <a:pPr marL="0" marR="0" lvl="0" indent="0" algn="ctr" defTabSz="914400" rtl="0" eaLnBrk="1" fontAlgn="auto" latinLnBrk="0" hangingPunct="1">
-                  <a:lnSpc>
-                    <a:spcPct val="100000"/>
-                  </a:lnSpc>
-                  <a:spcBef>
-                    <a:spcPts val="0"/>
-                  </a:spcBef>
-                  <a:spcAft>
-                    <a:spcPts val="0"/>
-                  </a:spcAft>
-                  <a:buClrTx/>
-                  <a:buSzTx/>
-                  <a:buFontTx/>
-                  <a:buNone/>
-                  <a:tabLst/>
-                  <a:defRPr/>
-                </a:pPr>
-                <a:r>
-                  <a:rPr kumimoji="0" lang="en-US" sz="900" b="0" i="0" u="none" strike="noStrike" kern="1200" cap="none" spc="0" normalizeH="0" baseline="0" noProof="0" dirty="0">
-                    <a:ln>
-                      <a:noFill/>
-                    </a:ln>
-                    <a:solidFill>
-                      <a:prstClr val="black"/>
-                    </a:solidFill>
-                    <a:effectLst/>
-                    <a:uLnTx/>
-                    <a:uFillTx/>
-                    <a:ea typeface="+mn-ea"/>
-                    <a:cs typeface="+mn-cs"/>
-                  </a:rPr>
-                  <a:t>Database</a:t>
-                </a:r>
-              </a:p>
-            </p:txBody>
-          </p:sp>
-          <p:sp>
-            <p:nvSpPr>
-              <p:cNvPr id="35" name="Rectangle: Rounded Corners 34">
-                <a:extLst>
-                  <a:ext uri="{FF2B5EF4-FFF2-40B4-BE49-F238E27FC236}">
-                    <a16:creationId xmlns:a16="http://schemas.microsoft.com/office/drawing/2014/main" id="{DFBFC135-6FE4-4904-9572-E0043D70EBD6}"/>
-                  </a:ext>
-                </a:extLst>
-              </p:cNvPr>
-              <p:cNvSpPr/>
-              <p:nvPr/>
-            </p:nvSpPr>
-            <p:spPr>
-              <a:xfrm>
-                <a:off x="3816085" y="2671396"/>
-                <a:ext cx="771420" cy="815478"/>
-              </a:xfrm>
-              <a:prstGeom prst="roundRect">
-                <a:avLst/>
-              </a:prstGeom>
-              <a:noFill/>
-              <a:ln w="19050">
-                <a:solidFill>
-                  <a:schemeClr val="tx1"/>
-                </a:solidFill>
-              </a:ln>
-            </p:spPr>
-            <p:style>
-              <a:lnRef idx="2">
-                <a:schemeClr val="accent1">
-                  <a:shade val="50000"/>
-                </a:schemeClr>
-              </a:lnRef>
-              <a:fillRef idx="1">
-                <a:schemeClr val="accent1"/>
-              </a:fillRef>
-              <a:effectRef idx="0">
-                <a:schemeClr val="accent1"/>
-              </a:effectRef>
-              <a:fontRef idx="minor">
-                <a:schemeClr val="lt1"/>
-              </a:fontRef>
-            </p:style>
-            <p:txBody>
-              <a:bodyPr tIns="0" rtlCol="0" anchor="t" anchorCtr="0"/>
-              <a:lstStyle/>
-              <a:p>
-                <a:pPr marL="0" marR="0" lvl="0" indent="0" algn="l" defTabSz="914400" rtl="0" eaLnBrk="1" fontAlgn="auto" latinLnBrk="0" hangingPunct="1">
-                  <a:lnSpc>
-                    <a:spcPct val="100000"/>
-                  </a:lnSpc>
-                  <a:spcBef>
-                    <a:spcPts val="0"/>
-                  </a:spcBef>
-                  <a:spcAft>
-                    <a:spcPts val="0"/>
-                  </a:spcAft>
-                  <a:buClrTx/>
-                  <a:buSzTx/>
-                  <a:buFontTx/>
-                  <a:buNone/>
-                  <a:tabLst/>
-                  <a:defRPr/>
-                </a:pPr>
-                <a:r>
-                  <a:rPr kumimoji="0" lang="en-US" sz="800" b="0" i="0" u="none" strike="noStrike" kern="1200" cap="none" spc="0" normalizeH="0" baseline="0" noProof="0" dirty="0" err="1">
-                    <a:ln>
-                      <a:noFill/>
-                    </a:ln>
-                    <a:solidFill>
-                      <a:prstClr val="black"/>
-                    </a:solidFill>
-                    <a:effectLst/>
-                    <a:uLnTx/>
-                    <a:uFillTx/>
-                    <a:ea typeface="+mn-ea"/>
-                    <a:cs typeface="+mn-cs"/>
-                  </a:rPr>
-                  <a:t>db</a:t>
-                </a:r>
-                <a:endParaRPr kumimoji="0" lang="en-US" sz="800" b="0" i="0" u="none" strike="noStrike" kern="1200" cap="none" spc="0" normalizeH="0" baseline="0" noProof="0" dirty="0">
-                  <a:ln>
-                    <a:noFill/>
-                  </a:ln>
-                  <a:solidFill>
-                    <a:prstClr val="black"/>
-                  </a:solidFill>
-                  <a:effectLst/>
-                  <a:uLnTx/>
-                  <a:uFillTx/>
-                  <a:ea typeface="+mn-ea"/>
-                  <a:cs typeface="+mn-cs"/>
-                </a:endParaRPr>
-              </a:p>
-            </p:txBody>
-          </p:sp>
-          <p:sp>
-            <p:nvSpPr>
-              <p:cNvPr id="36" name="Flowchart: Off-page Connector 35">
-                <a:extLst>
-                  <a:ext uri="{FF2B5EF4-FFF2-40B4-BE49-F238E27FC236}">
-                    <a16:creationId xmlns:a16="http://schemas.microsoft.com/office/drawing/2014/main" id="{200F0872-23D3-5A7D-8660-9DA58F7CD82D}"/>
-                  </a:ext>
-                </a:extLst>
-              </p:cNvPr>
-              <p:cNvSpPr/>
-              <p:nvPr/>
-            </p:nvSpPr>
-            <p:spPr>
-              <a:xfrm>
-                <a:off x="3968530" y="3365576"/>
-                <a:ext cx="466531" cy="279919"/>
-              </a:xfrm>
-              <a:prstGeom prst="flowChartOffpageConnector">
-                <a:avLst/>
-              </a:prstGeom>
-              <a:solidFill>
-                <a:schemeClr val="bg1"/>
-              </a:solidFill>
-              <a:ln w="19050">
-                <a:solidFill>
-                  <a:schemeClr val="tx1"/>
-                </a:solidFill>
-              </a:ln>
-            </p:spPr>
-            <p:style>
-              <a:lnRef idx="2">
-                <a:schemeClr val="accent1">
-                  <a:shade val="50000"/>
-                </a:schemeClr>
-              </a:lnRef>
-              <a:fillRef idx="1">
-                <a:schemeClr val="accent1"/>
-              </a:fillRef>
-              <a:effectRef idx="0">
-                <a:schemeClr val="accent1"/>
-              </a:effectRef>
-              <a:fontRef idx="minor">
-                <a:schemeClr val="lt1"/>
-              </a:fontRef>
-            </p:style>
-            <p:txBody>
-              <a:bodyPr tIns="0" rtlCol="0" anchor="t" anchorCtr="0"/>
-              <a:lstStyle/>
-              <a:p>
-                <a:pPr marL="0" marR="0" lvl="0" indent="0" algn="l" defTabSz="914400" rtl="0" eaLnBrk="1" fontAlgn="auto" latinLnBrk="0" hangingPunct="1">
-                  <a:lnSpc>
-                    <a:spcPct val="100000"/>
-                  </a:lnSpc>
-                  <a:spcBef>
-                    <a:spcPts val="0"/>
-                  </a:spcBef>
-                  <a:spcAft>
-                    <a:spcPts val="0"/>
-                  </a:spcAft>
-                  <a:buClrTx/>
-                  <a:buSzTx/>
-                  <a:buFontTx/>
-                  <a:buNone/>
-                  <a:tabLst/>
-                  <a:defRPr/>
-                </a:pPr>
-                <a:endParaRPr kumimoji="0" lang="en-US" sz="1000" b="0" i="0" u="none" strike="noStrike" kern="1200" cap="none" spc="0" normalizeH="0" baseline="0" noProof="0">
-                  <a:ln>
-                    <a:noFill/>
-                  </a:ln>
-                  <a:solidFill>
-                    <a:prstClr val="black"/>
-                  </a:solidFill>
-                  <a:effectLst/>
-                  <a:uLnTx/>
-                  <a:uFillTx/>
-                  <a:ea typeface="+mn-ea"/>
-                  <a:cs typeface="+mn-cs"/>
-                </a:endParaRPr>
-              </a:p>
-            </p:txBody>
-          </p:sp>
-          <p:sp>
-            <p:nvSpPr>
-              <p:cNvPr id="37" name="TextBox 36">
-                <a:extLst>
-                  <a:ext uri="{FF2B5EF4-FFF2-40B4-BE49-F238E27FC236}">
-                    <a16:creationId xmlns:a16="http://schemas.microsoft.com/office/drawing/2014/main" id="{75E9CD42-DACD-5EDE-FB72-AF6D27C6718E}"/>
-                  </a:ext>
-                </a:extLst>
-              </p:cNvPr>
-              <p:cNvSpPr txBox="1"/>
-              <p:nvPr/>
-            </p:nvSpPr>
-            <p:spPr>
-              <a:xfrm>
-                <a:off x="3995649" y="3382425"/>
-                <a:ext cx="412292" cy="230832"/>
-              </a:xfrm>
-              <a:prstGeom prst="rect">
-                <a:avLst/>
-              </a:prstGeom>
-              <a:noFill/>
-            </p:spPr>
-            <p:txBody>
-              <a:bodyPr wrap="square" rtlCol="0">
-                <a:spAutoFit/>
-              </a:bodyPr>
-              <a:lstStyle/>
-              <a:p>
-                <a:pPr marL="0" marR="0" lvl="0" indent="0" algn="l" defTabSz="914400" rtl="0" eaLnBrk="1" fontAlgn="auto" latinLnBrk="0" hangingPunct="1">
-                  <a:lnSpc>
-                    <a:spcPct val="100000"/>
-                  </a:lnSpc>
-                  <a:spcBef>
-                    <a:spcPts val="0"/>
-                  </a:spcBef>
-                  <a:spcAft>
-                    <a:spcPts val="0"/>
-                  </a:spcAft>
-                  <a:buClrTx/>
-                  <a:buSzTx/>
-                  <a:buFontTx/>
-                  <a:buNone/>
-                  <a:tabLst/>
-                  <a:defRPr/>
-                </a:pPr>
-                <a:r>
-                  <a:rPr kumimoji="0" lang="en-US" sz="900" b="0" i="0" u="none" strike="noStrike" kern="1200" cap="none" spc="0" normalizeH="0" baseline="0" noProof="0" dirty="0">
-                    <a:ln>
-                      <a:noFill/>
-                    </a:ln>
-                    <a:solidFill>
-                      <a:prstClr val="black"/>
-                    </a:solidFill>
-                    <a:effectLst/>
-                    <a:uLnTx/>
-                    <a:uFillTx/>
-                    <a:ea typeface="+mn-ea"/>
-                    <a:cs typeface="+mn-cs"/>
-                  </a:rPr>
-                  <a:t>host</a:t>
-                </a:r>
-              </a:p>
-            </p:txBody>
-          </p:sp>
-        </p:grpSp>
-        <p:grpSp>
-          <p:nvGrpSpPr>
-            <p:cNvPr id="38" name="Group 37">
-              <a:extLst>
-                <a:ext uri="{FF2B5EF4-FFF2-40B4-BE49-F238E27FC236}">
-                  <a16:creationId xmlns:a16="http://schemas.microsoft.com/office/drawing/2014/main" id="{2BEFC344-8421-8717-1968-C22F3773F849}"/>
-                </a:ext>
-              </a:extLst>
-            </p:cNvPr>
-            <p:cNvGrpSpPr/>
-            <p:nvPr/>
-          </p:nvGrpSpPr>
-          <p:grpSpPr>
-            <a:xfrm>
-              <a:off x="5267699" y="2437941"/>
-              <a:ext cx="771421" cy="974099"/>
-              <a:chOff x="3816085" y="2671396"/>
-              <a:chExt cx="771421" cy="974099"/>
-            </a:xfrm>
-          </p:grpSpPr>
-          <p:sp>
-            <p:nvSpPr>
-              <p:cNvPr id="39" name="Rectangle 38">
-                <a:extLst>
-                  <a:ext uri="{FF2B5EF4-FFF2-40B4-BE49-F238E27FC236}">
-                    <a16:creationId xmlns:a16="http://schemas.microsoft.com/office/drawing/2014/main" id="{8FC7F0BC-E9B1-F6F8-F0B0-91EF7BABF4D7}"/>
-                  </a:ext>
-                </a:extLst>
-              </p:cNvPr>
-              <p:cNvSpPr/>
-              <p:nvPr/>
-            </p:nvSpPr>
-            <p:spPr>
-              <a:xfrm>
-                <a:off x="3816085" y="2911202"/>
-                <a:ext cx="771421" cy="279919"/>
-              </a:xfrm>
-              <a:prstGeom prst="rect">
-                <a:avLst/>
-              </a:prstGeom>
-              <a:solidFill>
-                <a:schemeClr val="bg1">
-                  <a:lumMod val="95000"/>
-                </a:schemeClr>
-              </a:solidFill>
-              <a:ln w="19050">
-                <a:solidFill>
-                  <a:schemeClr val="bg2"/>
-                </a:solidFill>
-              </a:ln>
-            </p:spPr>
-            <p:style>
-              <a:lnRef idx="2">
-                <a:schemeClr val="accent1">
-                  <a:shade val="50000"/>
-                </a:schemeClr>
-              </a:lnRef>
-              <a:fillRef idx="1">
-                <a:schemeClr val="accent1"/>
-              </a:fillRef>
-              <a:effectRef idx="0">
-                <a:schemeClr val="accent1"/>
-              </a:effectRef>
-              <a:fontRef idx="minor">
-                <a:schemeClr val="lt1"/>
-              </a:fontRef>
-            </p:style>
-            <p:txBody>
-              <a:bodyPr lIns="0" rIns="0" rtlCol="0" anchor="ctr"/>
-              <a:lstStyle/>
-              <a:p>
-                <a:pPr marL="0" marR="0" lvl="0" indent="0" algn="ctr" defTabSz="914400" rtl="0" eaLnBrk="1" fontAlgn="auto" latinLnBrk="0" hangingPunct="1">
-                  <a:lnSpc>
-                    <a:spcPct val="100000"/>
-                  </a:lnSpc>
-                  <a:spcBef>
-                    <a:spcPts val="0"/>
-                  </a:spcBef>
-                  <a:spcAft>
-                    <a:spcPts val="0"/>
-                  </a:spcAft>
-                  <a:buClrTx/>
-                  <a:buSzTx/>
-                  <a:buFontTx/>
-                  <a:buNone/>
-                  <a:tabLst/>
-                  <a:defRPr/>
-                </a:pPr>
-                <a:r>
-                  <a:rPr kumimoji="0" lang="en-US" sz="900" b="0" i="0" u="none" strike="noStrike" kern="1200" cap="none" spc="0" normalizeH="0" baseline="0" noProof="0" dirty="0">
-                    <a:ln>
-                      <a:noFill/>
-                    </a:ln>
-                    <a:solidFill>
-                      <a:prstClr val="black"/>
-                    </a:solidFill>
-                    <a:effectLst/>
-                    <a:uLnTx/>
-                    <a:uFillTx/>
-                    <a:ea typeface="+mn-ea"/>
-                    <a:cs typeface="+mn-cs"/>
-                  </a:rPr>
-                  <a:t>Assistant</a:t>
-                </a:r>
-              </a:p>
-            </p:txBody>
-          </p:sp>
-          <p:sp>
-            <p:nvSpPr>
-              <p:cNvPr id="40" name="Rectangle: Rounded Corners 39">
-                <a:extLst>
-                  <a:ext uri="{FF2B5EF4-FFF2-40B4-BE49-F238E27FC236}">
-                    <a16:creationId xmlns:a16="http://schemas.microsoft.com/office/drawing/2014/main" id="{349F8877-D641-9DA3-6E32-F1200C81A93C}"/>
-                  </a:ext>
-                </a:extLst>
-              </p:cNvPr>
-              <p:cNvSpPr/>
-              <p:nvPr/>
-            </p:nvSpPr>
-            <p:spPr>
-              <a:xfrm>
-                <a:off x="3816085" y="2671396"/>
-                <a:ext cx="771420" cy="815478"/>
-              </a:xfrm>
-              <a:prstGeom prst="roundRect">
-                <a:avLst/>
-              </a:prstGeom>
-              <a:noFill/>
-              <a:ln w="19050">
-                <a:solidFill>
-                  <a:schemeClr val="tx1"/>
-                </a:solidFill>
-              </a:ln>
-            </p:spPr>
-            <p:style>
-              <a:lnRef idx="2">
-                <a:schemeClr val="accent1">
-                  <a:shade val="50000"/>
-                </a:schemeClr>
-              </a:lnRef>
-              <a:fillRef idx="1">
-                <a:schemeClr val="accent1"/>
-              </a:fillRef>
-              <a:effectRef idx="0">
-                <a:schemeClr val="accent1"/>
-              </a:effectRef>
-              <a:fontRef idx="minor">
-                <a:schemeClr val="lt1"/>
-              </a:fontRef>
-            </p:style>
-            <p:txBody>
-              <a:bodyPr tIns="0" rtlCol="0" anchor="t" anchorCtr="0"/>
-              <a:lstStyle/>
-              <a:p>
-                <a:pPr marL="0" marR="0" lvl="0" indent="0" algn="l" defTabSz="914400" rtl="0" eaLnBrk="1" fontAlgn="auto" latinLnBrk="0" hangingPunct="1">
-                  <a:lnSpc>
-                    <a:spcPct val="100000"/>
-                  </a:lnSpc>
-                  <a:spcBef>
-                    <a:spcPts val="0"/>
-                  </a:spcBef>
-                  <a:spcAft>
-                    <a:spcPts val="0"/>
-                  </a:spcAft>
-                  <a:buClrTx/>
-                  <a:buSzTx/>
-                  <a:buFontTx/>
-                  <a:buNone/>
-                  <a:tabLst/>
-                  <a:defRPr/>
-                </a:pPr>
-                <a:r>
-                  <a:rPr kumimoji="0" lang="en-US" sz="800" b="0" i="0" u="none" strike="noStrike" kern="1200" cap="none" spc="0" normalizeH="0" baseline="0" noProof="0" dirty="0">
-                    <a:ln>
-                      <a:noFill/>
-                    </a:ln>
-                    <a:solidFill>
-                      <a:prstClr val="black"/>
-                    </a:solidFill>
-                    <a:effectLst/>
-                    <a:uLnTx/>
-                    <a:uFillTx/>
-                    <a:ea typeface="+mn-ea"/>
-                    <a:cs typeface="+mn-cs"/>
-                  </a:rPr>
-                  <a:t>assistant</a:t>
-                </a:r>
-              </a:p>
-            </p:txBody>
-          </p:sp>
-          <p:sp>
-            <p:nvSpPr>
-              <p:cNvPr id="41" name="Flowchart: Off-page Connector 40">
-                <a:extLst>
-                  <a:ext uri="{FF2B5EF4-FFF2-40B4-BE49-F238E27FC236}">
-                    <a16:creationId xmlns:a16="http://schemas.microsoft.com/office/drawing/2014/main" id="{21976103-1A4B-58D8-0DAE-023930197B13}"/>
-                  </a:ext>
-                </a:extLst>
-              </p:cNvPr>
-              <p:cNvSpPr/>
-              <p:nvPr/>
-            </p:nvSpPr>
-            <p:spPr>
-              <a:xfrm>
-                <a:off x="3968530" y="3365576"/>
-                <a:ext cx="466531" cy="279919"/>
-              </a:xfrm>
-              <a:prstGeom prst="flowChartOffpageConnector">
-                <a:avLst/>
-              </a:prstGeom>
-              <a:solidFill>
-                <a:schemeClr val="bg1"/>
-              </a:solidFill>
-              <a:ln w="19050">
-                <a:solidFill>
-                  <a:schemeClr val="tx1"/>
-                </a:solidFill>
-              </a:ln>
-            </p:spPr>
-            <p:style>
-              <a:lnRef idx="2">
-                <a:schemeClr val="accent1">
-                  <a:shade val="50000"/>
-                </a:schemeClr>
-              </a:lnRef>
-              <a:fillRef idx="1">
-                <a:schemeClr val="accent1"/>
-              </a:fillRef>
-              <a:effectRef idx="0">
-                <a:schemeClr val="accent1"/>
-              </a:effectRef>
-              <a:fontRef idx="minor">
-                <a:schemeClr val="lt1"/>
-              </a:fontRef>
-            </p:style>
-            <p:txBody>
-              <a:bodyPr tIns="0" rtlCol="0" anchor="t" anchorCtr="0"/>
-              <a:lstStyle/>
-              <a:p>
-                <a:pPr marL="0" marR="0" lvl="0" indent="0" algn="l" defTabSz="914400" rtl="0" eaLnBrk="1" fontAlgn="auto" latinLnBrk="0" hangingPunct="1">
-                  <a:lnSpc>
-                    <a:spcPct val="100000"/>
-                  </a:lnSpc>
-                  <a:spcBef>
-                    <a:spcPts val="0"/>
-                  </a:spcBef>
-                  <a:spcAft>
-                    <a:spcPts val="0"/>
-                  </a:spcAft>
-                  <a:buClrTx/>
-                  <a:buSzTx/>
-                  <a:buFontTx/>
-                  <a:buNone/>
-                  <a:tabLst/>
-                  <a:defRPr/>
-                </a:pPr>
-                <a:endParaRPr kumimoji="0" lang="en-US" sz="1000" b="0" i="0" u="none" strike="noStrike" kern="1200" cap="none" spc="0" normalizeH="0" baseline="0" noProof="0">
-                  <a:ln>
-                    <a:noFill/>
-                  </a:ln>
-                  <a:solidFill>
-                    <a:prstClr val="black"/>
-                  </a:solidFill>
-                  <a:effectLst/>
-                  <a:uLnTx/>
-                  <a:uFillTx/>
-                  <a:ea typeface="+mn-ea"/>
-                  <a:cs typeface="+mn-cs"/>
-                </a:endParaRPr>
-              </a:p>
-            </p:txBody>
-          </p:sp>
-          <p:sp>
-            <p:nvSpPr>
-              <p:cNvPr id="42" name="TextBox 41">
-                <a:extLst>
-                  <a:ext uri="{FF2B5EF4-FFF2-40B4-BE49-F238E27FC236}">
-                    <a16:creationId xmlns:a16="http://schemas.microsoft.com/office/drawing/2014/main" id="{CFFCB50C-2E13-56DA-2339-872944ED9FBD}"/>
-                  </a:ext>
-                </a:extLst>
-              </p:cNvPr>
-              <p:cNvSpPr txBox="1"/>
-              <p:nvPr/>
-            </p:nvSpPr>
-            <p:spPr>
-              <a:xfrm>
-                <a:off x="3995649" y="3382425"/>
-                <a:ext cx="412292" cy="230832"/>
-              </a:xfrm>
-              <a:prstGeom prst="rect">
-                <a:avLst/>
-              </a:prstGeom>
-              <a:noFill/>
-            </p:spPr>
-            <p:txBody>
-              <a:bodyPr wrap="square" rtlCol="0">
-                <a:spAutoFit/>
-              </a:bodyPr>
-              <a:lstStyle/>
-              <a:p>
-                <a:pPr marL="0" marR="0" lvl="0" indent="0" algn="l" defTabSz="914400" rtl="0" eaLnBrk="1" fontAlgn="auto" latinLnBrk="0" hangingPunct="1">
-                  <a:lnSpc>
-                    <a:spcPct val="100000"/>
-                  </a:lnSpc>
-                  <a:spcBef>
-                    <a:spcPts val="0"/>
-                  </a:spcBef>
-                  <a:spcAft>
-                    <a:spcPts val="0"/>
-                  </a:spcAft>
-                  <a:buClrTx/>
-                  <a:buSzTx/>
-                  <a:buFontTx/>
-                  <a:buNone/>
-                  <a:tabLst/>
-                  <a:defRPr/>
-                </a:pPr>
-                <a:r>
-                  <a:rPr kumimoji="0" lang="en-US" sz="900" b="0" i="0" u="none" strike="noStrike" kern="1200" cap="none" spc="0" normalizeH="0" baseline="0" noProof="0" dirty="0">
-                    <a:ln>
-                      <a:noFill/>
-                    </a:ln>
-                    <a:solidFill>
-                      <a:prstClr val="black"/>
-                    </a:solidFill>
-                    <a:effectLst/>
-                    <a:uLnTx/>
-                    <a:uFillTx/>
-                    <a:ea typeface="+mn-ea"/>
-                    <a:cs typeface="+mn-cs"/>
-                  </a:rPr>
-                  <a:t>host</a:t>
-                </a:r>
-              </a:p>
-            </p:txBody>
-          </p:sp>
-        </p:grpSp>
-        <p:cxnSp>
-          <p:nvCxnSpPr>
-            <p:cNvPr id="43" name="Straight Arrow Connector 42">
-              <a:extLst>
-                <a:ext uri="{FF2B5EF4-FFF2-40B4-BE49-F238E27FC236}">
-                  <a16:creationId xmlns:a16="http://schemas.microsoft.com/office/drawing/2014/main" id="{1BC85E05-CF57-09C2-CC1B-EB01875E339B}"/>
-                </a:ext>
-              </a:extLst>
-            </p:cNvPr>
-            <p:cNvCxnSpPr>
-              <a:cxnSpLocks/>
-              <a:stCxn id="24" idx="3"/>
-              <a:endCxn id="40" idx="1"/>
-            </p:cNvCxnSpPr>
-            <p:nvPr/>
-          </p:nvCxnSpPr>
-          <p:spPr>
-            <a:xfrm>
-              <a:off x="4827644" y="2845680"/>
-              <a:ext cx="440055" cy="0"/>
-            </a:xfrm>
-            <a:prstGeom prst="straightConnector1">
-              <a:avLst/>
-            </a:prstGeom>
-            <a:ln w="12700">
-              <a:solidFill>
-                <a:schemeClr val="tx1"/>
-              </a:solidFill>
-              <a:tailEnd type="triangle"/>
-            </a:ln>
-          </p:spPr>
-          <p:style>
-            <a:lnRef idx="1">
-              <a:schemeClr val="accent1"/>
-            </a:lnRef>
-            <a:fillRef idx="0">
-              <a:schemeClr val="accent1"/>
-            </a:fillRef>
-            <a:effectRef idx="0">
-              <a:schemeClr val="accent1"/>
-            </a:effectRef>
-            <a:fontRef idx="minor">
-              <a:schemeClr val="tx1"/>
-            </a:fontRef>
-          </p:style>
-        </p:cxnSp>
-        <p:cxnSp>
-          <p:nvCxnSpPr>
-            <p:cNvPr id="46" name="Straight Arrow Connector 45">
-              <a:extLst>
-                <a:ext uri="{FF2B5EF4-FFF2-40B4-BE49-F238E27FC236}">
-                  <a16:creationId xmlns:a16="http://schemas.microsoft.com/office/drawing/2014/main" id="{2926729B-1F17-953C-690B-36A01C633F3B}"/>
-                </a:ext>
-              </a:extLst>
-            </p:cNvPr>
-            <p:cNvCxnSpPr>
-              <a:cxnSpLocks/>
-              <a:stCxn id="40" idx="0"/>
-              <a:endCxn id="30" idx="1"/>
-            </p:cNvCxnSpPr>
-            <p:nvPr/>
-          </p:nvCxnSpPr>
-          <p:spPr>
-            <a:xfrm flipV="1">
-              <a:off x="5653409" y="1745336"/>
-              <a:ext cx="385289" cy="692605"/>
-            </a:xfrm>
-            <a:prstGeom prst="straightConnector1">
-              <a:avLst/>
-            </a:prstGeom>
-            <a:ln w="12700">
-              <a:solidFill>
-                <a:schemeClr val="tx1"/>
-              </a:solidFill>
-              <a:tailEnd type="triangle"/>
-            </a:ln>
-          </p:spPr>
-          <p:style>
-            <a:lnRef idx="1">
-              <a:schemeClr val="accent1"/>
-            </a:lnRef>
-            <a:fillRef idx="0">
-              <a:schemeClr val="accent1"/>
-            </a:fillRef>
-            <a:effectRef idx="0">
-              <a:schemeClr val="accent1"/>
-            </a:effectRef>
-            <a:fontRef idx="minor">
-              <a:schemeClr val="tx1"/>
-            </a:fontRef>
-          </p:style>
-        </p:cxnSp>
-        <p:cxnSp>
-          <p:nvCxnSpPr>
-            <p:cNvPr id="49" name="Straight Arrow Connector 48">
-              <a:extLst>
-                <a:ext uri="{FF2B5EF4-FFF2-40B4-BE49-F238E27FC236}">
-                  <a16:creationId xmlns:a16="http://schemas.microsoft.com/office/drawing/2014/main" id="{30FC1CBA-7523-CE54-0451-37E2DAA96C82}"/>
-                </a:ext>
-              </a:extLst>
-            </p:cNvPr>
-            <p:cNvCxnSpPr>
-              <a:cxnSpLocks/>
-              <a:stCxn id="40" idx="3"/>
-              <a:endCxn id="35" idx="1"/>
-            </p:cNvCxnSpPr>
-            <p:nvPr/>
-          </p:nvCxnSpPr>
-          <p:spPr>
-            <a:xfrm flipV="1">
-              <a:off x="6039119" y="2499377"/>
-              <a:ext cx="1030083" cy="346303"/>
-            </a:xfrm>
-            <a:prstGeom prst="straightConnector1">
-              <a:avLst/>
-            </a:prstGeom>
-            <a:ln w="12700">
-              <a:solidFill>
-                <a:schemeClr val="tx1"/>
-              </a:solidFill>
-              <a:tailEnd type="triangle"/>
-            </a:ln>
-          </p:spPr>
-          <p:style>
-            <a:lnRef idx="1">
-              <a:schemeClr val="accent1"/>
-            </a:lnRef>
-            <a:fillRef idx="0">
-              <a:schemeClr val="accent1"/>
-            </a:fillRef>
-            <a:effectRef idx="0">
-              <a:schemeClr val="accent1"/>
-            </a:effectRef>
-            <a:fontRef idx="minor">
-              <a:schemeClr val="tx1"/>
-            </a:fontRef>
-          </p:style>
-        </p:cxnSp>
-        <p:cxnSp>
-          <p:nvCxnSpPr>
-            <p:cNvPr id="52" name="Straight Arrow Connector 51">
-              <a:extLst>
-                <a:ext uri="{FF2B5EF4-FFF2-40B4-BE49-F238E27FC236}">
-                  <a16:creationId xmlns:a16="http://schemas.microsoft.com/office/drawing/2014/main" id="{23982F1B-A94B-56AD-4CA9-0AEC20BE8046}"/>
-                </a:ext>
-              </a:extLst>
-            </p:cNvPr>
-            <p:cNvCxnSpPr>
-              <a:cxnSpLocks/>
-              <a:stCxn id="29" idx="3"/>
-              <a:endCxn id="35" idx="0"/>
-            </p:cNvCxnSpPr>
-            <p:nvPr/>
-          </p:nvCxnSpPr>
-          <p:spPr>
-            <a:xfrm>
-              <a:off x="6810119" y="1717363"/>
-              <a:ext cx="644793" cy="374275"/>
-            </a:xfrm>
-            <a:prstGeom prst="straightConnector1">
-              <a:avLst/>
-            </a:prstGeom>
-            <a:ln w="12700">
-              <a:solidFill>
-                <a:schemeClr val="tx1"/>
-              </a:solidFill>
-              <a:tailEnd type="triangle"/>
-            </a:ln>
-          </p:spPr>
-          <p:style>
-            <a:lnRef idx="1">
-              <a:schemeClr val="accent1"/>
-            </a:lnRef>
-            <a:fillRef idx="0">
-              <a:schemeClr val="accent1"/>
-            </a:fillRef>
-            <a:effectRef idx="0">
-              <a:schemeClr val="accent1"/>
-            </a:effectRef>
-            <a:fontRef idx="minor">
-              <a:schemeClr val="tx1"/>
-            </a:fontRef>
-          </p:style>
-        </p:cxnSp>
-        <p:sp>
-          <p:nvSpPr>
-            <p:cNvPr id="55" name="Rectangle: Rounded Corners 54">
-              <a:extLst>
-                <a:ext uri="{FF2B5EF4-FFF2-40B4-BE49-F238E27FC236}">
-                  <a16:creationId xmlns:a16="http://schemas.microsoft.com/office/drawing/2014/main" id="{71E5E651-658C-B0E0-B12D-E74D7799624C}"/>
-                </a:ext>
-              </a:extLst>
-            </p:cNvPr>
-            <p:cNvSpPr/>
-            <p:nvPr/>
-          </p:nvSpPr>
-          <p:spPr>
-            <a:xfrm>
-              <a:off x="3907757" y="1209675"/>
-              <a:ext cx="4074193" cy="2573099"/>
-            </a:xfrm>
-            <a:prstGeom prst="roundRect">
-              <a:avLst/>
-            </a:prstGeom>
-            <a:noFill/>
-            <a:ln w="19050">
-              <a:prstDash val="sysDash"/>
-            </a:ln>
-          </p:spPr>
-          <p:style>
-            <a:lnRef idx="2">
-              <a:schemeClr val="accent1">
-                <a:shade val="15000"/>
-              </a:schemeClr>
-            </a:lnRef>
-            <a:fillRef idx="1">
-              <a:schemeClr val="accent1"/>
-            </a:fillRef>
-            <a:effectRef idx="0">
-              <a:schemeClr val="accent1"/>
-            </a:effectRef>
-            <a:fontRef idx="minor">
-              <a:schemeClr val="lt1"/>
-            </a:fontRef>
-          </p:style>
-          <p:txBody>
-            <a:bodyPr rtlCol="0" anchor="t" anchorCtr="0"/>
-            <a:lstStyle/>
-            <a:p>
-              <a:r>
-                <a:rPr lang="en-US" sz="1100" dirty="0">
-                  <a:solidFill>
-                    <a:schemeClr val="tx1"/>
-                  </a:solidFill>
-                </a:rPr>
-                <a:t>Personal Assistant</a:t>
-              </a:r>
-            </a:p>
-          </p:txBody>
-        </p:sp>
-      </p:grpSp>
-    </p:spTree>
-    <p:extLst>
-      <p:ext uri="{BB962C8B-B14F-4D97-AF65-F5344CB8AC3E}">
-        <p14:creationId xmlns:p14="http://schemas.microsoft.com/office/powerpoint/2010/main" val="1711005609"/>
+        <p14:creationId xmlns:p14="http://schemas.microsoft.com/office/powerpoint/2010/main" val="2265064699"/>
       </p:ext>
     </p:extLst>
   </p:cSld>

--- a/profiles/community/tosca/sources/figures.pptx
+++ b/profiles/community/tosca/sources/figures.pptx
@@ -33541,13 +33541,14 @@
           </p:cNvPr>
           <p:cNvCxnSpPr>
             <a:cxnSpLocks/>
+            <a:stCxn id="4" idx="0"/>
           </p:cNvCxnSpPr>
           <p:nvPr/>
         </p:nvCxnSpPr>
         <p:spPr>
           <a:xfrm flipV="1">
-            <a:off x="5817680" y="3175052"/>
-            <a:ext cx="540563" cy="949734"/>
+            <a:off x="5616756" y="3331998"/>
+            <a:ext cx="249415" cy="855502"/>
           </a:xfrm>
           <a:prstGeom prst="straightConnector1">
             <a:avLst/>
@@ -33579,8 +33580,8 @@
         </p:nvCxnSpPr>
         <p:spPr>
           <a:xfrm flipH="1" flipV="1">
-            <a:off x="6967530" y="3067441"/>
-            <a:ext cx="981260" cy="1103204"/>
+            <a:off x="6523693" y="3175582"/>
+            <a:ext cx="1425097" cy="995063"/>
           </a:xfrm>
           <a:prstGeom prst="straightConnector1">
             <a:avLst/>
@@ -33607,14 +33608,15 @@
           </p:cNvPr>
           <p:cNvCxnSpPr>
             <a:cxnSpLocks/>
+            <a:stCxn id="6" idx="0"/>
             <a:endCxn id="3" idx="2"/>
           </p:cNvCxnSpPr>
           <p:nvPr/>
         </p:nvCxnSpPr>
         <p:spPr>
           <a:xfrm flipH="1" flipV="1">
-            <a:off x="6700254" y="3132226"/>
-            <a:ext cx="171863" cy="992560"/>
+            <a:off x="6099551" y="3266867"/>
+            <a:ext cx="944249" cy="920633"/>
           </a:xfrm>
           <a:prstGeom prst="straightConnector1">
             <a:avLst/>
@@ -33920,7 +33922,7 @@
         </p:nvSpPr>
         <p:spPr>
           <a:xfrm>
-            <a:off x="6306639" y="2472397"/>
+            <a:off x="5705936" y="2607038"/>
             <a:ext cx="914400" cy="685800"/>
           </a:xfrm>
           <a:prstGeom prst="flowChartMultidocument">
@@ -33976,7 +33978,7 @@
         </p:nvSpPr>
         <p:spPr>
           <a:xfrm>
-            <a:off x="6586707" y="3518960"/>
+            <a:off x="6416459" y="3682285"/>
             <a:ext cx="354263" cy="153888"/>
           </a:xfrm>
           <a:prstGeom prst="rect">
@@ -34045,7 +34047,7 @@
         </p:nvSpPr>
         <p:spPr>
           <a:xfrm>
-            <a:off x="5997073" y="3487603"/>
+            <a:off x="5548480" y="3699346"/>
             <a:ext cx="354263" cy="153888"/>
           </a:xfrm>
           <a:prstGeom prst="rect">
@@ -34551,7 +34553,7 @@
         </p:nvSpPr>
         <p:spPr>
           <a:xfrm>
-            <a:off x="7203742" y="3496031"/>
+            <a:off x="7142031" y="3682285"/>
             <a:ext cx="354263" cy="153888"/>
           </a:xfrm>
           <a:prstGeom prst="rect">
@@ -34620,7 +34622,7 @@
         </p:nvSpPr>
         <p:spPr>
           <a:xfrm>
-            <a:off x="7886084" y="2327600"/>
+            <a:off x="7223044" y="2670500"/>
             <a:ext cx="914400" cy="685800"/>
           </a:xfrm>
           <a:prstGeom prst="flowChartMultidocument">
@@ -34668,7 +34670,7 @@
         <p:spPr>
           <a:xfrm flipH="1" flipV="1">
             <a:off x="5294209" y="1406910"/>
-            <a:ext cx="2523911" cy="1033627"/>
+            <a:ext cx="2024953" cy="1261038"/>
           </a:xfrm>
           <a:prstGeom prst="straightConnector1">
             <a:avLst/>
@@ -34698,7 +34700,7 @@
         </p:nvSpPr>
         <p:spPr>
           <a:xfrm>
-            <a:off x="6080913" y="1733640"/>
+            <a:off x="6217412" y="2016604"/>
             <a:ext cx="354263" cy="153888"/>
           </a:xfrm>
           <a:prstGeom prst="rect">
@@ -35087,6 +35089,154 @@
           <a:effectLst/>
         </p:spPr>
       </p:cxnSp>
+      <p:sp>
+        <p:nvSpPr>
+          <p:cNvPr id="31" name="Flowchart: Multidocument 30">
+            <a:extLst>
+              <a:ext uri="{FF2B5EF4-FFF2-40B4-BE49-F238E27FC236}">
+                <a16:creationId xmlns:a16="http://schemas.microsoft.com/office/drawing/2014/main" id="{D725C170-C187-702F-44A5-7BCFDC47F195}"/>
+              </a:ext>
+            </a:extLst>
+          </p:cNvPr>
+          <p:cNvSpPr/>
+          <p:nvPr/>
+        </p:nvSpPr>
+        <p:spPr>
+          <a:xfrm>
+            <a:off x="8274094" y="1942241"/>
+            <a:ext cx="914400" cy="685800"/>
+          </a:xfrm>
+          <a:prstGeom prst="flowChartMultidocument">
+            <a:avLst/>
+          </a:prstGeom>
+          <a:noFill/>
+          <a:ln w="19050" cap="flat" cmpd="sng" algn="ctr">
+            <a:solidFill>
+              <a:sysClr val="windowText" lastClr="000000"/>
+            </a:solidFill>
+            <a:prstDash val="solid"/>
+          </a:ln>
+          <a:effectLst/>
+        </p:spPr>
+        <p:txBody>
+          <a:bodyPr tIns="91440" rIns="0" rtlCol="0" anchor="t" anchorCtr="0"/>
+          <a:lstStyle/>
+          <a:p>
+            <a:r>
+              <a:rPr lang="en-US" sz="1100" kern="0" dirty="0">
+                <a:solidFill>
+                  <a:prstClr val="black"/>
+                </a:solidFill>
+                <a:latin typeface="Calibri" panose="020F0502020204030204"/>
+              </a:rPr>
+              <a:t>Docker Profile</a:t>
+            </a:r>
+          </a:p>
+        </p:txBody>
+      </p:sp>
+      <p:cxnSp>
+        <p:nvCxnSpPr>
+          <p:cNvPr id="32" name="Straight Arrow Connector 31">
+            <a:extLst>
+              <a:ext uri="{FF2B5EF4-FFF2-40B4-BE49-F238E27FC236}">
+                <a16:creationId xmlns:a16="http://schemas.microsoft.com/office/drawing/2014/main" id="{8FA49898-C06A-B131-11D1-CC7F3D2D8C3C}"/>
+              </a:ext>
+            </a:extLst>
+          </p:cNvPr>
+          <p:cNvCxnSpPr>
+            <a:cxnSpLocks/>
+            <a:stCxn id="31" idx="1"/>
+          </p:cNvCxnSpPr>
+          <p:nvPr/>
+        </p:nvCxnSpPr>
+        <p:spPr>
+          <a:xfrm flipH="1" flipV="1">
+            <a:off x="5326431" y="1353801"/>
+            <a:ext cx="2947663" cy="931340"/>
+          </a:xfrm>
+          <a:prstGeom prst="straightConnector1">
+            <a:avLst/>
+          </a:prstGeom>
+          <a:noFill/>
+          <a:ln w="12700" cap="flat" cmpd="sng" algn="ctr">
+            <a:solidFill>
+              <a:sysClr val="windowText" lastClr="000000"/>
+            </a:solidFill>
+            <a:prstDash val="solid"/>
+            <a:tailEnd type="triangle" w="lg" len="lg"/>
+          </a:ln>
+          <a:effectLst/>
+        </p:spPr>
+      </p:cxnSp>
+      <p:sp>
+        <p:nvSpPr>
+          <p:cNvPr id="37" name="TextBox 36">
+            <a:extLst>
+              <a:ext uri="{FF2B5EF4-FFF2-40B4-BE49-F238E27FC236}">
+                <a16:creationId xmlns:a16="http://schemas.microsoft.com/office/drawing/2014/main" id="{9960A4E3-0973-5BE6-E7C9-DFAED43F4BEA}"/>
+              </a:ext>
+            </a:extLst>
+          </p:cNvPr>
+          <p:cNvSpPr txBox="1"/>
+          <p:nvPr/>
+        </p:nvSpPr>
+        <p:spPr>
+          <a:xfrm>
+            <a:off x="6996352" y="1900092"/>
+            <a:ext cx="354263" cy="153888"/>
+          </a:xfrm>
+          <a:prstGeom prst="rect">
+            <a:avLst/>
+          </a:prstGeom>
+          <a:solidFill>
+            <a:sysClr val="window" lastClr="FFFFFF"/>
+          </a:solidFill>
+        </p:spPr>
+        <p:txBody>
+          <a:bodyPr wrap="none" lIns="0" tIns="0" rIns="0" bIns="0" rtlCol="0">
+            <a:spAutoFit/>
+          </a:bodyPr>
+          <a:lstStyle>
+            <a:defPPr>
+              <a:defRPr lang="en-US"/>
+            </a:defPPr>
+            <a:lvl1pPr marR="0" lvl="0" indent="0" algn="ctr" fontAlgn="auto">
+              <a:lnSpc>
+                <a:spcPct val="100000"/>
+              </a:lnSpc>
+              <a:spcBef>
+                <a:spcPts val="0"/>
+              </a:spcBef>
+              <a:spcAft>
+                <a:spcPts val="0"/>
+              </a:spcAft>
+              <a:buClrTx/>
+              <a:buSzTx/>
+              <a:buFontTx/>
+              <a:buNone/>
+              <a:tabLst/>
+              <a:defRPr kumimoji="0" sz="1000" b="0" i="0" u="none" strike="noStrike" kern="0" cap="none" spc="0" normalizeH="0" baseline="0">
+                <a:ln>
+                  <a:noFill/>
+                </a:ln>
+                <a:solidFill>
+                  <a:prstClr val="black"/>
+                </a:solidFill>
+                <a:effectLst/>
+                <a:uLnTx/>
+                <a:uFillTx/>
+                <a:latin typeface="Calibri" panose="020F0502020204030204"/>
+              </a:defRPr>
+            </a:lvl1pPr>
+          </a:lstStyle>
+          <a:p>
+            <a:r>
+              <a:rPr lang="en-US" dirty="0"/>
+              <a:t>import</a:t>
+            </a:r>
+          </a:p>
+        </p:txBody>
+      </p:sp>
     </p:spTree>
     <p:extLst>
       <p:ext uri="{BB962C8B-B14F-4D97-AF65-F5344CB8AC3E}">

--- a/profiles/community/tosca/sources/figures.pptx
+++ b/profiles/community/tosca/sources/figures.pptx
@@ -214,7 +214,7 @@
           <a:p>
             <a:fld id="{9BC9C640-FDAB-4920-985D-AE6877D6D812}" type="datetimeFigureOut">
               <a:rPr lang="en-US" smtClean="0"/>
-              <a:t>11/14/2025</a:t>
+              <a:t>11/17/2025</a:t>
             </a:fld>
             <a:endParaRPr lang="en-US"/>
           </a:p>
@@ -628,7 +628,7 @@
           <a:p>
             <a:fld id="{7588158F-7D22-4D02-A7C1-554F35EEE72C}" type="datetimeFigureOut">
               <a:rPr lang="en-US" smtClean="0"/>
-              <a:t>11/14/2025</a:t>
+              <a:t>11/17/2025</a:t>
             </a:fld>
             <a:endParaRPr lang="en-US"/>
           </a:p>
@@ -826,7 +826,7 @@
           <a:p>
             <a:fld id="{7588158F-7D22-4D02-A7C1-554F35EEE72C}" type="datetimeFigureOut">
               <a:rPr lang="en-US" smtClean="0"/>
-              <a:t>11/14/2025</a:t>
+              <a:t>11/17/2025</a:t>
             </a:fld>
             <a:endParaRPr lang="en-US"/>
           </a:p>
@@ -1034,7 +1034,7 @@
           <a:p>
             <a:fld id="{7588158F-7D22-4D02-A7C1-554F35EEE72C}" type="datetimeFigureOut">
               <a:rPr lang="en-US" smtClean="0"/>
-              <a:t>11/14/2025</a:t>
+              <a:t>11/17/2025</a:t>
             </a:fld>
             <a:endParaRPr lang="en-US"/>
           </a:p>
@@ -1232,7 +1232,7 @@
           <a:p>
             <a:fld id="{7588158F-7D22-4D02-A7C1-554F35EEE72C}" type="datetimeFigureOut">
               <a:rPr lang="en-US" smtClean="0"/>
-              <a:t>11/14/2025</a:t>
+              <a:t>11/17/2025</a:t>
             </a:fld>
             <a:endParaRPr lang="en-US"/>
           </a:p>
@@ -1507,7 +1507,7 @@
           <a:p>
             <a:fld id="{7588158F-7D22-4D02-A7C1-554F35EEE72C}" type="datetimeFigureOut">
               <a:rPr lang="en-US" smtClean="0"/>
-              <a:t>11/14/2025</a:t>
+              <a:t>11/17/2025</a:t>
             </a:fld>
             <a:endParaRPr lang="en-US"/>
           </a:p>
@@ -1772,7 +1772,7 @@
           <a:p>
             <a:fld id="{7588158F-7D22-4D02-A7C1-554F35EEE72C}" type="datetimeFigureOut">
               <a:rPr lang="en-US" smtClean="0"/>
-              <a:t>11/14/2025</a:t>
+              <a:t>11/17/2025</a:t>
             </a:fld>
             <a:endParaRPr lang="en-US"/>
           </a:p>
@@ -2184,7 +2184,7 @@
           <a:p>
             <a:fld id="{7588158F-7D22-4D02-A7C1-554F35EEE72C}" type="datetimeFigureOut">
               <a:rPr lang="en-US" smtClean="0"/>
-              <a:t>11/14/2025</a:t>
+              <a:t>11/17/2025</a:t>
             </a:fld>
             <a:endParaRPr lang="en-US"/>
           </a:p>
@@ -2325,7 +2325,7 @@
           <a:p>
             <a:fld id="{7588158F-7D22-4D02-A7C1-554F35EEE72C}" type="datetimeFigureOut">
               <a:rPr lang="en-US" smtClean="0"/>
-              <a:t>11/14/2025</a:t>
+              <a:t>11/17/2025</a:t>
             </a:fld>
             <a:endParaRPr lang="en-US"/>
           </a:p>
@@ -2438,7 +2438,7 @@
           <a:p>
             <a:fld id="{7588158F-7D22-4D02-A7C1-554F35EEE72C}" type="datetimeFigureOut">
               <a:rPr lang="en-US" smtClean="0"/>
-              <a:t>11/14/2025</a:t>
+              <a:t>11/17/2025</a:t>
             </a:fld>
             <a:endParaRPr lang="en-US"/>
           </a:p>
@@ -2749,7 +2749,7 @@
           <a:p>
             <a:fld id="{7588158F-7D22-4D02-A7C1-554F35EEE72C}" type="datetimeFigureOut">
               <a:rPr lang="en-US" smtClean="0"/>
-              <a:t>11/14/2025</a:t>
+              <a:t>11/17/2025</a:t>
             </a:fld>
             <a:endParaRPr lang="en-US"/>
           </a:p>
@@ -3037,7 +3037,7 @@
           <a:p>
             <a:fld id="{7588158F-7D22-4D02-A7C1-554F35EEE72C}" type="datetimeFigureOut">
               <a:rPr lang="en-US" smtClean="0"/>
-              <a:t>11/14/2025</a:t>
+              <a:t>11/17/2025</a:t>
             </a:fld>
             <a:endParaRPr lang="en-US"/>
           </a:p>
@@ -3278,7 +3278,7 @@
           <a:p>
             <a:fld id="{7588158F-7D22-4D02-A7C1-554F35EEE72C}" type="datetimeFigureOut">
               <a:rPr lang="en-US" smtClean="0"/>
-              <a:t>11/14/2025</a:t>
+              <a:t>11/17/2025</a:t>
             </a:fld>
             <a:endParaRPr lang="en-US"/>
           </a:p>
@@ -4827,7 +4827,7 @@
                   </a:solidFill>
                   <a:latin typeface="Calibri" panose="020F0502020204030204"/>
                 </a:rPr>
-                <a:t>Common Profile</a:t>
+                <a:t>Base Profile</a:t>
               </a:r>
             </a:p>
           </p:txBody>
@@ -26180,7 +26180,7 @@
                 </a:solidFill>
                 <a:latin typeface="Calibri" panose="020F0502020204030204"/>
               </a:rPr>
-              <a:t>Common Profile</a:t>
+              <a:t>Base Profile</a:t>
             </a:r>
           </a:p>
         </p:txBody>
@@ -26319,7 +26319,7 @@
                   </a:solidFill>
                   <a:latin typeface="Calibri" panose="020F0502020204030204"/>
                 </a:rPr>
-                <a:t>Common Profile</a:t>
+                <a:t>Base Profile</a:t>
               </a:r>
             </a:p>
           </p:txBody>

--- a/profiles/community/tosca/sources/figures.pptx
+++ b/profiles/community/tosca/sources/figures.pptx
@@ -17,7 +17,7 @@
     <p:sldId id="263" r:id="rId8"/>
     <p:sldId id="268" r:id="rId9"/>
     <p:sldId id="261" r:id="rId10"/>
-    <p:sldId id="266" r:id="rId11"/>
+    <p:sldId id="293" r:id="rId11"/>
     <p:sldId id="285" r:id="rId12"/>
     <p:sldId id="288" r:id="rId13"/>
     <p:sldId id="289" r:id="rId14"/>
@@ -214,7 +214,7 @@
           <a:p>
             <a:fld id="{9BC9C640-FDAB-4920-985D-AE6877D6D812}" type="datetimeFigureOut">
               <a:rPr lang="en-US" smtClean="0"/>
-              <a:t>11/17/2025</a:t>
+              <a:t>1/2/2026</a:t>
             </a:fld>
             <a:endParaRPr lang="en-US"/>
           </a:p>
@@ -628,7 +628,7 @@
           <a:p>
             <a:fld id="{7588158F-7D22-4D02-A7C1-554F35EEE72C}" type="datetimeFigureOut">
               <a:rPr lang="en-US" smtClean="0"/>
-              <a:t>11/17/2025</a:t>
+              <a:t>1/2/2026</a:t>
             </a:fld>
             <a:endParaRPr lang="en-US"/>
           </a:p>
@@ -826,7 +826,7 @@
           <a:p>
             <a:fld id="{7588158F-7D22-4D02-A7C1-554F35EEE72C}" type="datetimeFigureOut">
               <a:rPr lang="en-US" smtClean="0"/>
-              <a:t>11/17/2025</a:t>
+              <a:t>1/2/2026</a:t>
             </a:fld>
             <a:endParaRPr lang="en-US"/>
           </a:p>
@@ -1034,7 +1034,7 @@
           <a:p>
             <a:fld id="{7588158F-7D22-4D02-A7C1-554F35EEE72C}" type="datetimeFigureOut">
               <a:rPr lang="en-US" smtClean="0"/>
-              <a:t>11/17/2025</a:t>
+              <a:t>1/2/2026</a:t>
             </a:fld>
             <a:endParaRPr lang="en-US"/>
           </a:p>
@@ -1232,7 +1232,7 @@
           <a:p>
             <a:fld id="{7588158F-7D22-4D02-A7C1-554F35EEE72C}" type="datetimeFigureOut">
               <a:rPr lang="en-US" smtClean="0"/>
-              <a:t>11/17/2025</a:t>
+              <a:t>1/2/2026</a:t>
             </a:fld>
             <a:endParaRPr lang="en-US"/>
           </a:p>
@@ -1507,7 +1507,7 @@
           <a:p>
             <a:fld id="{7588158F-7D22-4D02-A7C1-554F35EEE72C}" type="datetimeFigureOut">
               <a:rPr lang="en-US" smtClean="0"/>
-              <a:t>11/17/2025</a:t>
+              <a:t>1/2/2026</a:t>
             </a:fld>
             <a:endParaRPr lang="en-US"/>
           </a:p>
@@ -1772,7 +1772,7 @@
           <a:p>
             <a:fld id="{7588158F-7D22-4D02-A7C1-554F35EEE72C}" type="datetimeFigureOut">
               <a:rPr lang="en-US" smtClean="0"/>
-              <a:t>11/17/2025</a:t>
+              <a:t>1/2/2026</a:t>
             </a:fld>
             <a:endParaRPr lang="en-US"/>
           </a:p>
@@ -2184,7 +2184,7 @@
           <a:p>
             <a:fld id="{7588158F-7D22-4D02-A7C1-554F35EEE72C}" type="datetimeFigureOut">
               <a:rPr lang="en-US" smtClean="0"/>
-              <a:t>11/17/2025</a:t>
+              <a:t>1/2/2026</a:t>
             </a:fld>
             <a:endParaRPr lang="en-US"/>
           </a:p>
@@ -2325,7 +2325,7 @@
           <a:p>
             <a:fld id="{7588158F-7D22-4D02-A7C1-554F35EEE72C}" type="datetimeFigureOut">
               <a:rPr lang="en-US" smtClean="0"/>
-              <a:t>11/17/2025</a:t>
+              <a:t>1/2/2026</a:t>
             </a:fld>
             <a:endParaRPr lang="en-US"/>
           </a:p>
@@ -2438,7 +2438,7 @@
           <a:p>
             <a:fld id="{7588158F-7D22-4D02-A7C1-554F35EEE72C}" type="datetimeFigureOut">
               <a:rPr lang="en-US" smtClean="0"/>
-              <a:t>11/17/2025</a:t>
+              <a:t>1/2/2026</a:t>
             </a:fld>
             <a:endParaRPr lang="en-US"/>
           </a:p>
@@ -2749,7 +2749,7 @@
           <a:p>
             <a:fld id="{7588158F-7D22-4D02-A7C1-554F35EEE72C}" type="datetimeFigureOut">
               <a:rPr lang="en-US" smtClean="0"/>
-              <a:t>11/17/2025</a:t>
+              <a:t>1/2/2026</a:t>
             </a:fld>
             <a:endParaRPr lang="en-US"/>
           </a:p>
@@ -3037,7 +3037,7 @@
           <a:p>
             <a:fld id="{7588158F-7D22-4D02-A7C1-554F35EEE72C}" type="datetimeFigureOut">
               <a:rPr lang="en-US" smtClean="0"/>
-              <a:t>11/17/2025</a:t>
+              <a:t>1/2/2026</a:t>
             </a:fld>
             <a:endParaRPr lang="en-US"/>
           </a:p>
@@ -3278,7 +3278,7 @@
           <a:p>
             <a:fld id="{7588158F-7D22-4D02-A7C1-554F35EEE72C}" type="datetimeFigureOut">
               <a:rPr lang="en-US" smtClean="0"/>
-              <a:t>11/17/2025</a:t>
+              <a:t>1/2/2026</a:t>
             </a:fld>
             <a:endParaRPr lang="en-US"/>
           </a:p>
@@ -4502,14 +4502,13 @@
           </p:cNvPr>
           <p:cNvCxnSpPr>
             <a:cxnSpLocks/>
-            <a:stCxn id="4" idx="0"/>
           </p:cNvCxnSpPr>
           <p:nvPr/>
         </p:nvCxnSpPr>
         <p:spPr>
           <a:xfrm flipV="1">
-            <a:off x="5616756" y="3331998"/>
-            <a:ext cx="249415" cy="855502"/>
+            <a:off x="6350181" y="2973534"/>
+            <a:ext cx="906937" cy="1213486"/>
           </a:xfrm>
           <a:prstGeom prst="straightConnector1">
             <a:avLst/>
@@ -4536,13 +4535,14 @@
           </p:cNvPr>
           <p:cNvCxnSpPr>
             <a:cxnSpLocks/>
+            <a:stCxn id="5" idx="0"/>
           </p:cNvCxnSpPr>
           <p:nvPr/>
         </p:nvCxnSpPr>
         <p:spPr>
           <a:xfrm flipH="1" flipV="1">
-            <a:off x="6523693" y="3175582"/>
-            <a:ext cx="1425097" cy="995063"/>
+            <a:off x="7674395" y="2910911"/>
+            <a:ext cx="1465221" cy="1302080"/>
           </a:xfrm>
           <a:prstGeom prst="straightConnector1">
             <a:avLst/>
@@ -4569,15 +4569,14 @@
           </p:cNvPr>
           <p:cNvCxnSpPr>
             <a:cxnSpLocks/>
-            <a:stCxn id="6" idx="0"/>
             <a:endCxn id="3" idx="2"/>
           </p:cNvCxnSpPr>
           <p:nvPr/>
         </p:nvCxnSpPr>
         <p:spPr>
           <a:xfrm flipH="1" flipV="1">
-            <a:off x="6099551" y="3266867"/>
-            <a:ext cx="944249" cy="920633"/>
+            <a:off x="7433679" y="2971708"/>
+            <a:ext cx="343546" cy="1241283"/>
           </a:xfrm>
           <a:prstGeom prst="straightConnector1">
             <a:avLst/>
@@ -4609,8 +4608,8 @@
         </p:nvCxnSpPr>
         <p:spPr>
           <a:xfrm flipV="1">
-            <a:off x="3524587" y="1587033"/>
-            <a:ext cx="836251" cy="415005"/>
+            <a:off x="3524587" y="1605716"/>
+            <a:ext cx="957450" cy="691597"/>
           </a:xfrm>
           <a:prstGeom prst="straightConnector1">
             <a:avLst/>
@@ -4637,13 +4636,15 @@
           </p:cNvPr>
           <p:cNvCxnSpPr>
             <a:cxnSpLocks/>
+            <a:stCxn id="3" idx="1"/>
+            <a:endCxn id="11" idx="2"/>
           </p:cNvCxnSpPr>
           <p:nvPr/>
         </p:nvCxnSpPr>
         <p:spPr>
           <a:xfrm flipH="1" flipV="1">
-            <a:off x="5261987" y="1469624"/>
-            <a:ext cx="1044652" cy="1064829"/>
+            <a:off x="4773424" y="1579745"/>
+            <a:ext cx="2266640" cy="1075034"/>
           </a:xfrm>
           <a:prstGeom prst="straightConnector1">
             <a:avLst/>
@@ -4659,114 +4660,93 @@
           <a:effectLst/>
         </p:spPr>
       </p:cxnSp>
-      <p:grpSp>
-        <p:nvGrpSpPr>
-          <p:cNvPr id="25" name="Group 24">
+      <p:sp>
+        <p:nvSpPr>
+          <p:cNvPr id="11" name="Flowchart: Multidocument 10">
             <a:extLst>
               <a:ext uri="{FF2B5EF4-FFF2-40B4-BE49-F238E27FC236}">
-                <a16:creationId xmlns:a16="http://schemas.microsoft.com/office/drawing/2014/main" id="{2ED395F2-628A-524A-A355-693E0D05D893}"/>
+                <a16:creationId xmlns:a16="http://schemas.microsoft.com/office/drawing/2014/main" id="{04C52AB1-DB63-400E-0C51-63BC2EB5D291}"/>
               </a:ext>
             </a:extLst>
           </p:cNvPr>
-          <p:cNvGrpSpPr/>
+          <p:cNvSpPr/>
           <p:nvPr/>
-        </p:nvGrpSpPr>
-        <p:grpSpPr>
+        </p:nvSpPr>
+        <p:spPr>
           <a:xfrm>
-            <a:off x="4260934" y="623420"/>
-            <a:ext cx="1152150" cy="982296"/>
-            <a:chOff x="4171829" y="1725228"/>
-            <a:chExt cx="1152150" cy="982296"/>
+            <a:off x="4379809" y="919916"/>
+            <a:ext cx="914400" cy="685800"/>
           </a:xfrm>
-        </p:grpSpPr>
-        <p:sp>
-          <p:nvSpPr>
-            <p:cNvPr id="11" name="Flowchart: Multidocument 10">
-              <a:extLst>
-                <a:ext uri="{FF2B5EF4-FFF2-40B4-BE49-F238E27FC236}">
-                  <a16:creationId xmlns:a16="http://schemas.microsoft.com/office/drawing/2014/main" id="{04C52AB1-DB63-400E-0C51-63BC2EB5D291}"/>
-                </a:ext>
-              </a:extLst>
-            </p:cNvPr>
-            <p:cNvSpPr/>
-            <p:nvPr/>
-          </p:nvSpPr>
-          <p:spPr>
-            <a:xfrm>
-              <a:off x="4290704" y="2021724"/>
-              <a:ext cx="914400" cy="685800"/>
-            </a:xfrm>
-            <a:prstGeom prst="flowChartMultidocument">
-              <a:avLst/>
-            </a:prstGeom>
-            <a:noFill/>
-            <a:ln w="19050" cap="flat" cmpd="sng" algn="ctr">
-              <a:solidFill>
-                <a:sysClr val="windowText" lastClr="000000"/>
-              </a:solidFill>
-              <a:prstDash val="solid"/>
-            </a:ln>
-            <a:effectLst/>
-          </p:spPr>
-          <p:txBody>
-            <a:bodyPr tIns="91440" rtlCol="0" anchor="t" anchorCtr="0"/>
-            <a:lstStyle/>
-            <a:p>
-              <a:r>
-                <a:rPr lang="en-US" sz="1100" kern="0" dirty="0">
-                  <a:solidFill>
-                    <a:prstClr val="black"/>
-                  </a:solidFill>
-                  <a:latin typeface="Calibri" panose="020F0502020204030204"/>
-                </a:rPr>
-                <a:t>Core Profile</a:t>
-              </a:r>
-            </a:p>
-          </p:txBody>
-        </p:sp>
-        <p:sp>
-          <p:nvSpPr>
-            <p:cNvPr id="15" name="TextBox 14">
-              <a:extLst>
-                <a:ext uri="{FF2B5EF4-FFF2-40B4-BE49-F238E27FC236}">
-                  <a16:creationId xmlns:a16="http://schemas.microsoft.com/office/drawing/2014/main" id="{B69D0241-086D-AA8C-88E2-4FD64AD7E489}"/>
-                </a:ext>
-              </a:extLst>
-            </p:cNvPr>
-            <p:cNvSpPr txBox="1"/>
-            <p:nvPr/>
-          </p:nvSpPr>
-          <p:spPr>
-            <a:xfrm>
-              <a:off x="4171829" y="1725228"/>
-              <a:ext cx="1152150" cy="246221"/>
-            </a:xfrm>
-            <a:prstGeom prst="rect">
-              <a:avLst/>
-            </a:prstGeom>
-            <a:noFill/>
-          </p:spPr>
-          <p:txBody>
-            <a:bodyPr wrap="square" rtlCol="0">
-              <a:spAutoFit/>
-            </a:bodyPr>
-            <a:lstStyle>
-              <a:defPPr>
-                <a:defRPr lang="en-US"/>
-              </a:defPPr>
-              <a:lvl1pPr algn="ctr">
-                <a:defRPr sz="1000"/>
-              </a:lvl1pPr>
-            </a:lstStyle>
-            <a:p>
-              <a:r>
-                <a:rPr lang="en-US" dirty="0"/>
-                <a:t>Shared Definitions</a:t>
-              </a:r>
-            </a:p>
-          </p:txBody>
-        </p:sp>
-      </p:grpSp>
+          <a:prstGeom prst="flowChartMultidocument">
+            <a:avLst/>
+          </a:prstGeom>
+          <a:noFill/>
+          <a:ln w="19050" cap="flat" cmpd="sng" algn="ctr">
+            <a:solidFill>
+              <a:sysClr val="windowText" lastClr="000000"/>
+            </a:solidFill>
+            <a:prstDash val="solid"/>
+          </a:ln>
+          <a:effectLst/>
+        </p:spPr>
+        <p:txBody>
+          <a:bodyPr tIns="91440" rtlCol="0" anchor="t" anchorCtr="0"/>
+          <a:lstStyle/>
+          <a:p>
+            <a:r>
+              <a:rPr lang="en-US" sz="1100" kern="0" dirty="0">
+                <a:solidFill>
+                  <a:prstClr val="black"/>
+                </a:solidFill>
+                <a:latin typeface="Calibri" panose="020F0502020204030204"/>
+              </a:rPr>
+              <a:t>Core Profile</a:t>
+            </a:r>
+          </a:p>
+        </p:txBody>
+      </p:sp>
+      <p:sp>
+        <p:nvSpPr>
+          <p:cNvPr id="15" name="TextBox 14">
+            <a:extLst>
+              <a:ext uri="{FF2B5EF4-FFF2-40B4-BE49-F238E27FC236}">
+                <a16:creationId xmlns:a16="http://schemas.microsoft.com/office/drawing/2014/main" id="{B69D0241-086D-AA8C-88E2-4FD64AD7E489}"/>
+              </a:ext>
+            </a:extLst>
+          </p:cNvPr>
+          <p:cNvSpPr txBox="1"/>
+          <p:nvPr/>
+        </p:nvSpPr>
+        <p:spPr>
+          <a:xfrm>
+            <a:off x="4279222" y="666854"/>
+            <a:ext cx="1152150" cy="246221"/>
+          </a:xfrm>
+          <a:prstGeom prst="rect">
+            <a:avLst/>
+          </a:prstGeom>
+          <a:noFill/>
+        </p:spPr>
+        <p:txBody>
+          <a:bodyPr wrap="square" rtlCol="0">
+            <a:spAutoFit/>
+          </a:bodyPr>
+          <a:lstStyle>
+            <a:defPPr>
+              <a:defRPr lang="en-US"/>
+            </a:defPPr>
+            <a:lvl1pPr algn="ctr">
+              <a:defRPr sz="1000"/>
+            </a:lvl1pPr>
+          </a:lstStyle>
+          <a:p>
+            <a:r>
+              <a:rPr lang="en-US" dirty="0"/>
+              <a:t>Shared Definitions</a:t>
+            </a:r>
+          </a:p>
+        </p:txBody>
+      </p:sp>
       <p:grpSp>
         <p:nvGrpSpPr>
           <p:cNvPr id="36" name="Group 35">
@@ -4781,7 +4761,7 @@
         </p:nvGrpSpPr>
         <p:grpSpPr>
           <a:xfrm>
-            <a:off x="2567119" y="1580055"/>
+            <a:off x="2567119" y="1875330"/>
             <a:ext cx="914401" cy="1122349"/>
             <a:chOff x="2537811" y="1900092"/>
             <a:chExt cx="914401" cy="1122349"/>
@@ -4883,7 +4863,7 @@
         </p:nvSpPr>
         <p:spPr>
           <a:xfrm>
-            <a:off x="5705936" y="2607038"/>
+            <a:off x="7040064" y="2311879"/>
             <a:ext cx="914400" cy="685800"/>
           </a:xfrm>
           <a:prstGeom prst="flowChartMultidocument">
@@ -4939,7 +4919,7 @@
         </p:nvSpPr>
         <p:spPr>
           <a:xfrm>
-            <a:off x="6416459" y="3682285"/>
+            <a:off x="7503012" y="3737899"/>
             <a:ext cx="354263" cy="153888"/>
           </a:xfrm>
           <a:prstGeom prst="rect">
@@ -5008,76 +4988,7 @@
         </p:nvSpPr>
         <p:spPr>
           <a:xfrm>
-            <a:off x="5548480" y="3699346"/>
-            <a:ext cx="354263" cy="153888"/>
-          </a:xfrm>
-          <a:prstGeom prst="rect">
-            <a:avLst/>
-          </a:prstGeom>
-          <a:solidFill>
-            <a:sysClr val="window" lastClr="FFFFFF"/>
-          </a:solidFill>
-        </p:spPr>
-        <p:txBody>
-          <a:bodyPr wrap="none" lIns="0" tIns="0" rIns="0" bIns="0" rtlCol="0">
-            <a:spAutoFit/>
-          </a:bodyPr>
-          <a:lstStyle>
-            <a:defPPr>
-              <a:defRPr lang="en-US"/>
-            </a:defPPr>
-            <a:lvl1pPr marR="0" lvl="0" indent="0" algn="ctr" fontAlgn="auto">
-              <a:lnSpc>
-                <a:spcPct val="100000"/>
-              </a:lnSpc>
-              <a:spcBef>
-                <a:spcPts val="0"/>
-              </a:spcBef>
-              <a:spcAft>
-                <a:spcPts val="0"/>
-              </a:spcAft>
-              <a:buClrTx/>
-              <a:buSzTx/>
-              <a:buFontTx/>
-              <a:buNone/>
-              <a:tabLst/>
-              <a:defRPr kumimoji="0" sz="1000" b="0" i="0" u="none" strike="noStrike" kern="0" cap="none" spc="0" normalizeH="0" baseline="0">
-                <a:ln>
-                  <a:noFill/>
-                </a:ln>
-                <a:solidFill>
-                  <a:prstClr val="black"/>
-                </a:solidFill>
-                <a:effectLst/>
-                <a:uLnTx/>
-                <a:uFillTx/>
-                <a:latin typeface="Calibri" panose="020F0502020204030204"/>
-              </a:defRPr>
-            </a:lvl1pPr>
-          </a:lstStyle>
-          <a:p>
-            <a:r>
-              <a:rPr lang="en-US" dirty="0"/>
-              <a:t>import</a:t>
-            </a:r>
-          </a:p>
-        </p:txBody>
-      </p:sp>
-      <p:sp>
-        <p:nvSpPr>
-          <p:cNvPr id="20" name="TextBox 19">
-            <a:extLst>
-              <a:ext uri="{FF2B5EF4-FFF2-40B4-BE49-F238E27FC236}">
-                <a16:creationId xmlns:a16="http://schemas.microsoft.com/office/drawing/2014/main" id="{9C349EFD-2C17-393D-36F5-A04454845239}"/>
-              </a:ext>
-            </a:extLst>
-          </p:cNvPr>
-          <p:cNvSpPr txBox="1"/>
-          <p:nvPr/>
-        </p:nvSpPr>
-        <p:spPr>
-          <a:xfrm>
-            <a:off x="5574194" y="1900092"/>
+            <a:off x="6459988" y="3737899"/>
             <a:ext cx="354263" cy="153888"/>
           </a:xfrm>
           <a:prstGeom prst="rect">
@@ -5146,7 +5057,7 @@
         </p:nvSpPr>
         <p:spPr>
           <a:xfrm>
-            <a:off x="3686197" y="1753788"/>
+            <a:off x="3682966" y="2011787"/>
             <a:ext cx="354263" cy="153888"/>
           </a:xfrm>
           <a:prstGeom prst="rect">
@@ -5211,7 +5122,7 @@
         </p:nvGrpSpPr>
         <p:grpSpPr>
           <a:xfrm>
-            <a:off x="4904623" y="4187500"/>
+            <a:off x="5638048" y="4212991"/>
             <a:ext cx="1298452" cy="1088462"/>
             <a:chOff x="5157002" y="4582599"/>
             <a:chExt cx="1298452" cy="1088462"/>
@@ -5319,7 +5230,7 @@
         </p:nvGrpSpPr>
         <p:grpSpPr>
           <a:xfrm>
-            <a:off x="6331667" y="4187500"/>
+            <a:off x="7065092" y="4212991"/>
             <a:ext cx="1298452" cy="1102765"/>
             <a:chOff x="6801099" y="4582599"/>
             <a:chExt cx="1298452" cy="1102765"/>
@@ -5413,93 +5324,114 @@
           </p:txBody>
         </p:sp>
       </p:grpSp>
-      <p:sp>
-        <p:nvSpPr>
-          <p:cNvPr id="5" name="Flowchart: Multidocument 4">
+      <p:grpSp>
+        <p:nvGrpSpPr>
+          <p:cNvPr id="17" name="Gruppo 16">
             <a:extLst>
               <a:ext uri="{FF2B5EF4-FFF2-40B4-BE49-F238E27FC236}">
-                <a16:creationId xmlns:a16="http://schemas.microsoft.com/office/drawing/2014/main" id="{9ABF8E2D-4F30-107C-C91B-38A8217A03C3}"/>
+                <a16:creationId xmlns:a16="http://schemas.microsoft.com/office/drawing/2014/main" id="{6540609C-E29F-E878-A06B-A691E5B032B2}"/>
               </a:ext>
             </a:extLst>
           </p:cNvPr>
-          <p:cNvSpPr/>
+          <p:cNvGrpSpPr/>
           <p:nvPr/>
-        </p:nvSpPr>
-        <p:spPr>
+        </p:nvGrpSpPr>
+        <p:grpSpPr>
           <a:xfrm>
-            <a:off x="7886084" y="4187500"/>
-            <a:ext cx="914400" cy="685800"/>
+            <a:off x="8427483" y="4212991"/>
+            <a:ext cx="1298452" cy="1102765"/>
+            <a:chOff x="8427483" y="4187500"/>
+            <a:chExt cx="1298452" cy="1102765"/>
           </a:xfrm>
-          <a:prstGeom prst="flowChartMultidocument">
-            <a:avLst/>
-          </a:prstGeom>
-          <a:noFill/>
-          <a:ln w="19050" cap="flat" cmpd="sng" algn="ctr">
-            <a:solidFill>
-              <a:sysClr val="windowText" lastClr="000000"/>
-            </a:solidFill>
-            <a:prstDash val="solid"/>
-          </a:ln>
-          <a:effectLst/>
-        </p:spPr>
-        <p:txBody>
-          <a:bodyPr tIns="91440" rIns="0" rtlCol="0" anchor="t" anchorCtr="0"/>
-          <a:lstStyle/>
-          <a:p>
-            <a:r>
-              <a:rPr lang="en-US" sz="1100" kern="0" dirty="0">
-                <a:solidFill>
-                  <a:prstClr val="black"/>
-                </a:solidFill>
-                <a:latin typeface="Calibri" panose="020F0502020204030204"/>
-              </a:rPr>
-              <a:t>Proxmox Profile</a:t>
-            </a:r>
-          </a:p>
-        </p:txBody>
-      </p:sp>
-      <p:sp>
-        <p:nvSpPr>
-          <p:cNvPr id="24" name="TextBox 23">
-            <a:extLst>
-              <a:ext uri="{FF2B5EF4-FFF2-40B4-BE49-F238E27FC236}">
-                <a16:creationId xmlns:a16="http://schemas.microsoft.com/office/drawing/2014/main" id="{CB76762B-DE56-28B3-919B-D1AC20FD745B}"/>
-              </a:ext>
-            </a:extLst>
-          </p:cNvPr>
-          <p:cNvSpPr txBox="1"/>
-          <p:nvPr/>
-        </p:nvSpPr>
-        <p:spPr>
-          <a:xfrm>
-            <a:off x="7694058" y="4890155"/>
-            <a:ext cx="1298452" cy="400110"/>
-          </a:xfrm>
-          <a:prstGeom prst="rect">
-            <a:avLst/>
-          </a:prstGeom>
-          <a:noFill/>
-        </p:spPr>
-        <p:txBody>
-          <a:bodyPr wrap="square" rtlCol="0">
-            <a:spAutoFit/>
-          </a:bodyPr>
-          <a:lstStyle>
-            <a:defPPr>
-              <a:defRPr lang="en-US"/>
-            </a:defPPr>
-            <a:lvl1pPr algn="ctr">
-              <a:defRPr sz="1000"/>
-            </a:lvl1pPr>
-          </a:lstStyle>
-          <a:p>
-            <a:r>
-              <a:rPr lang="en-US" dirty="0"/>
-              <a:t>Vendor Specific  Definitions</a:t>
-            </a:r>
-          </a:p>
-        </p:txBody>
-      </p:sp>
+        </p:grpSpPr>
+        <p:sp>
+          <p:nvSpPr>
+            <p:cNvPr id="5" name="Flowchart: Multidocument 4">
+              <a:extLst>
+                <a:ext uri="{FF2B5EF4-FFF2-40B4-BE49-F238E27FC236}">
+                  <a16:creationId xmlns:a16="http://schemas.microsoft.com/office/drawing/2014/main" id="{9ABF8E2D-4F30-107C-C91B-38A8217A03C3}"/>
+                </a:ext>
+              </a:extLst>
+            </p:cNvPr>
+            <p:cNvSpPr/>
+            <p:nvPr/>
+          </p:nvSpPr>
+          <p:spPr>
+            <a:xfrm>
+              <a:off x="8619509" y="4187500"/>
+              <a:ext cx="914400" cy="685800"/>
+            </a:xfrm>
+            <a:prstGeom prst="flowChartMultidocument">
+              <a:avLst/>
+            </a:prstGeom>
+            <a:noFill/>
+            <a:ln w="19050" cap="flat" cmpd="sng" algn="ctr">
+              <a:solidFill>
+                <a:sysClr val="windowText" lastClr="000000"/>
+              </a:solidFill>
+              <a:prstDash val="solid"/>
+            </a:ln>
+            <a:effectLst/>
+          </p:spPr>
+          <p:txBody>
+            <a:bodyPr tIns="91440" rIns="0" rtlCol="0" anchor="t" anchorCtr="0"/>
+            <a:lstStyle/>
+            <a:p>
+              <a:r>
+                <a:rPr lang="en-US" sz="1100" kern="0" dirty="0">
+                  <a:solidFill>
+                    <a:prstClr val="black"/>
+                  </a:solidFill>
+                  <a:latin typeface="Calibri" panose="020F0502020204030204"/>
+                </a:rPr>
+                <a:t>Proxmox Profile</a:t>
+              </a:r>
+            </a:p>
+          </p:txBody>
+        </p:sp>
+        <p:sp>
+          <p:nvSpPr>
+            <p:cNvPr id="24" name="TextBox 23">
+              <a:extLst>
+                <a:ext uri="{FF2B5EF4-FFF2-40B4-BE49-F238E27FC236}">
+                  <a16:creationId xmlns:a16="http://schemas.microsoft.com/office/drawing/2014/main" id="{CB76762B-DE56-28B3-919B-D1AC20FD745B}"/>
+                </a:ext>
+              </a:extLst>
+            </p:cNvPr>
+            <p:cNvSpPr txBox="1"/>
+            <p:nvPr/>
+          </p:nvSpPr>
+          <p:spPr>
+            <a:xfrm>
+              <a:off x="8427483" y="4890155"/>
+              <a:ext cx="1298452" cy="400110"/>
+            </a:xfrm>
+            <a:prstGeom prst="rect">
+              <a:avLst/>
+            </a:prstGeom>
+            <a:noFill/>
+          </p:spPr>
+          <p:txBody>
+            <a:bodyPr wrap="square" rtlCol="0">
+              <a:spAutoFit/>
+            </a:bodyPr>
+            <a:lstStyle>
+              <a:defPPr>
+                <a:defRPr lang="en-US"/>
+              </a:defPPr>
+              <a:lvl1pPr algn="ctr">
+                <a:defRPr sz="1000"/>
+              </a:lvl1pPr>
+            </a:lstStyle>
+            <a:p>
+              <a:r>
+                <a:rPr lang="en-US" dirty="0"/>
+                <a:t>Vendor Specific  Definitions</a:t>
+              </a:r>
+            </a:p>
+          </p:txBody>
+        </p:sp>
+      </p:grpSp>
       <p:sp>
         <p:nvSpPr>
           <p:cNvPr id="42" name="TextBox 41">
@@ -5514,7 +5446,7 @@
         </p:nvSpPr>
         <p:spPr>
           <a:xfrm>
-            <a:off x="7142031" y="3682285"/>
+            <a:off x="8486569" y="3737899"/>
             <a:ext cx="354263" cy="153888"/>
           </a:xfrm>
           <a:prstGeom prst="rect">
@@ -5583,7 +5515,7 @@
         </p:nvSpPr>
         <p:spPr>
           <a:xfrm>
-            <a:off x="7223044" y="2670500"/>
+            <a:off x="8305103" y="2022915"/>
             <a:ext cx="914400" cy="685800"/>
           </a:xfrm>
           <a:prstGeom prst="flowChartMultidocument">
@@ -5630,8 +5562,8 @@
         </p:nvCxnSpPr>
         <p:spPr>
           <a:xfrm flipH="1" flipV="1">
-            <a:off x="5294209" y="1406910"/>
-            <a:ext cx="2024953" cy="1261038"/>
+            <a:off x="5042684" y="1514366"/>
+            <a:ext cx="3262419" cy="667822"/>
           </a:xfrm>
           <a:prstGeom prst="straightConnector1">
             <a:avLst/>
@@ -5649,75 +5581,6 @@
       </p:cxnSp>
       <p:sp>
         <p:nvSpPr>
-          <p:cNvPr id="43" name="TextBox 42">
-            <a:extLst>
-              <a:ext uri="{FF2B5EF4-FFF2-40B4-BE49-F238E27FC236}">
-                <a16:creationId xmlns:a16="http://schemas.microsoft.com/office/drawing/2014/main" id="{C92A4F98-22D6-686F-C297-ADE3A81BF790}"/>
-              </a:ext>
-            </a:extLst>
-          </p:cNvPr>
-          <p:cNvSpPr txBox="1"/>
-          <p:nvPr/>
-        </p:nvSpPr>
-        <p:spPr>
-          <a:xfrm>
-            <a:off x="6217412" y="2016604"/>
-            <a:ext cx="354263" cy="153888"/>
-          </a:xfrm>
-          <a:prstGeom prst="rect">
-            <a:avLst/>
-          </a:prstGeom>
-          <a:solidFill>
-            <a:sysClr val="window" lastClr="FFFFFF"/>
-          </a:solidFill>
-        </p:spPr>
-        <p:txBody>
-          <a:bodyPr wrap="none" lIns="0" tIns="0" rIns="0" bIns="0" rtlCol="0">
-            <a:spAutoFit/>
-          </a:bodyPr>
-          <a:lstStyle>
-            <a:defPPr>
-              <a:defRPr lang="en-US"/>
-            </a:defPPr>
-            <a:lvl1pPr marR="0" lvl="0" indent="0" algn="ctr" fontAlgn="auto">
-              <a:lnSpc>
-                <a:spcPct val="100000"/>
-              </a:lnSpc>
-              <a:spcBef>
-                <a:spcPts val="0"/>
-              </a:spcBef>
-              <a:spcAft>
-                <a:spcPts val="0"/>
-              </a:spcAft>
-              <a:buClrTx/>
-              <a:buSzTx/>
-              <a:buFontTx/>
-              <a:buNone/>
-              <a:tabLst/>
-              <a:defRPr kumimoji="0" sz="1000" b="0" i="0" u="none" strike="noStrike" kern="0" cap="none" spc="0" normalizeH="0" baseline="0">
-                <a:ln>
-                  <a:noFill/>
-                </a:ln>
-                <a:solidFill>
-                  <a:prstClr val="black"/>
-                </a:solidFill>
-                <a:effectLst/>
-                <a:uLnTx/>
-                <a:uFillTx/>
-                <a:latin typeface="Calibri" panose="020F0502020204030204"/>
-              </a:defRPr>
-            </a:lvl1pPr>
-          </a:lstStyle>
-          <a:p>
-            <a:r>
-              <a:rPr lang="en-US" dirty="0"/>
-              <a:t>import</a:t>
-            </a:r>
-          </a:p>
-        </p:txBody>
-      </p:sp>
-      <p:sp>
-        <p:nvSpPr>
           <p:cNvPr id="44" name="Flowchart: Multidocument 43">
             <a:extLst>
               <a:ext uri="{FF2B5EF4-FFF2-40B4-BE49-F238E27FC236}">
@@ -5730,7 +5593,7 @@
         </p:nvSpPr>
         <p:spPr>
           <a:xfrm>
-            <a:off x="762908" y="3298591"/>
+            <a:off x="762908" y="3593866"/>
             <a:ext cx="914400" cy="685800"/>
           </a:xfrm>
           <a:prstGeom prst="flowChartMultidocument">
@@ -5775,7 +5638,7 @@
         </p:nvSpPr>
         <p:spPr>
           <a:xfrm>
-            <a:off x="1838393" y="3298591"/>
+            <a:off x="1838393" y="3593866"/>
             <a:ext cx="914400" cy="685800"/>
           </a:xfrm>
           <a:prstGeom prst="flowChartMultidocument">
@@ -5831,7 +5694,7 @@
         </p:nvSpPr>
         <p:spPr>
           <a:xfrm>
-            <a:off x="2913878" y="3298591"/>
+            <a:off x="2913878" y="3593866"/>
             <a:ext cx="914400" cy="685800"/>
           </a:xfrm>
           <a:prstGeom prst="flowChartMultidocument">
@@ -5876,7 +5739,7 @@
         </p:nvSpPr>
         <p:spPr>
           <a:xfrm>
-            <a:off x="3989362" y="3298591"/>
+            <a:off x="3989362" y="3593866"/>
             <a:ext cx="914400" cy="685800"/>
           </a:xfrm>
           <a:prstGeom prst="flowChartMultidocument">
@@ -5934,7 +5797,7 @@
         </p:nvCxnSpPr>
         <p:spPr>
           <a:xfrm flipV="1">
-            <a:off x="1349283" y="2661356"/>
+            <a:off x="1349283" y="2956631"/>
             <a:ext cx="1170130" cy="597032"/>
           </a:xfrm>
           <a:prstGeom prst="straightConnector1">
@@ -5967,7 +5830,7 @@
         </p:nvCxnSpPr>
         <p:spPr>
           <a:xfrm flipH="1" flipV="1">
-            <a:off x="3343646" y="2615636"/>
+            <a:off x="3343646" y="2910911"/>
             <a:ext cx="1138391" cy="637235"/>
           </a:xfrm>
           <a:prstGeom prst="straightConnector1">
@@ -6000,7 +5863,7 @@
         </p:nvCxnSpPr>
         <p:spPr>
           <a:xfrm flipV="1">
-            <a:off x="2358500" y="2728173"/>
+            <a:off x="2358500" y="3023448"/>
             <a:ext cx="359177" cy="542986"/>
           </a:xfrm>
           <a:prstGeom prst="straightConnector1">
@@ -6033,7 +5896,7 @@
         </p:nvCxnSpPr>
         <p:spPr>
           <a:xfrm flipH="1" flipV="1">
-            <a:off x="3128700" y="2633924"/>
+            <a:off x="3128700" y="2929199"/>
             <a:ext cx="305285" cy="628091"/>
           </a:xfrm>
           <a:prstGeom prst="straightConnector1">
@@ -6052,10 +5915,10 @@
       </p:cxnSp>
       <p:sp>
         <p:nvSpPr>
-          <p:cNvPr id="31" name="Flowchart: Multidocument 30">
+          <p:cNvPr id="50" name="Rectangle: Rounded Corners 54">
             <a:extLst>
               <a:ext uri="{FF2B5EF4-FFF2-40B4-BE49-F238E27FC236}">
-                <a16:creationId xmlns:a16="http://schemas.microsoft.com/office/drawing/2014/main" id="{D725C170-C187-702F-44A5-7BCFDC47F195}"/>
+                <a16:creationId xmlns:a16="http://schemas.microsoft.com/office/drawing/2014/main" id="{76C890FC-2465-5532-13DE-0EE854EE73C3}"/>
               </a:ext>
             </a:extLst>
           </p:cNvPr>
@@ -6064,77 +5927,69 @@
         </p:nvSpPr>
         <p:spPr>
           <a:xfrm>
-            <a:off x="8274094" y="1942241"/>
-            <a:ext cx="914400" cy="685800"/>
+            <a:off x="493158" y="1875330"/>
+            <a:ext cx="4632245" cy="3040316"/>
           </a:xfrm>
-          <a:prstGeom prst="flowChartMultidocument">
+          <a:prstGeom prst="roundRect">
             <a:avLst/>
           </a:prstGeom>
           <a:noFill/>
-          <a:ln w="19050" cap="flat" cmpd="sng" algn="ctr">
-            <a:solidFill>
-              <a:sysClr val="windowText" lastClr="000000"/>
-            </a:solidFill>
-            <a:prstDash val="solid"/>
+          <a:ln w="19050">
+            <a:prstDash val="sysDash"/>
           </a:ln>
-          <a:effectLst/>
         </p:spPr>
+        <p:style>
+          <a:lnRef idx="2">
+            <a:schemeClr val="accent1">
+              <a:shade val="15000"/>
+            </a:schemeClr>
+          </a:lnRef>
+          <a:fillRef idx="1">
+            <a:schemeClr val="accent1"/>
+          </a:fillRef>
+          <a:effectRef idx="0">
+            <a:schemeClr val="accent1"/>
+          </a:effectRef>
+          <a:fontRef idx="minor">
+            <a:schemeClr val="lt1"/>
+          </a:fontRef>
+        </p:style>
         <p:txBody>
-          <a:bodyPr tIns="91440" rIns="0" rtlCol="0" anchor="t" anchorCtr="0"/>
+          <a:bodyPr rtlCol="0" anchor="t" anchorCtr="0"/>
           <a:lstStyle/>
           <a:p>
             <a:r>
-              <a:rPr lang="en-US" sz="1100" kern="0" dirty="0">
+              <a:rPr lang="en-US" sz="1100" b="1" dirty="0">
                 <a:solidFill>
-                  <a:prstClr val="black"/>
+                  <a:schemeClr val="tx1"/>
                 </a:solidFill>
-                <a:latin typeface="Calibri" panose="020F0502020204030204"/>
               </a:rPr>
-              <a:t>Docker Profile</a:t>
+              <a:t>System View Level</a:t>
+            </a:r>
+            <a:br>
+              <a:rPr lang="en-US" sz="1100" b="1" dirty="0">
+                <a:solidFill>
+                  <a:schemeClr val="tx1"/>
+                </a:solidFill>
+              </a:rPr>
+            </a:br>
+            <a:r>
+              <a:rPr lang="en-US" sz="1100" b="1" dirty="0">
+                <a:solidFill>
+                  <a:schemeClr val="tx1"/>
+                </a:solidFill>
+              </a:rPr>
+              <a:t>Profiles</a:t>
             </a:r>
           </a:p>
         </p:txBody>
       </p:sp>
-      <p:cxnSp>
-        <p:nvCxnSpPr>
-          <p:cNvPr id="32" name="Straight Arrow Connector 31">
+      <p:sp>
+        <p:nvSpPr>
+          <p:cNvPr id="20" name="TextBox 19">
             <a:extLst>
               <a:ext uri="{FF2B5EF4-FFF2-40B4-BE49-F238E27FC236}">
-                <a16:creationId xmlns:a16="http://schemas.microsoft.com/office/drawing/2014/main" id="{8FA49898-C06A-B131-11D1-CC7F3D2D8C3C}"/>
-              </a:ext>
-            </a:extLst>
-          </p:cNvPr>
-          <p:cNvCxnSpPr>
-            <a:cxnSpLocks/>
-            <a:stCxn id="31" idx="1"/>
-          </p:cNvCxnSpPr>
-          <p:nvPr/>
-        </p:nvCxnSpPr>
-        <p:spPr>
-          <a:xfrm flipH="1" flipV="1">
-            <a:off x="5326431" y="1353801"/>
-            <a:ext cx="2947663" cy="931340"/>
-          </a:xfrm>
-          <a:prstGeom prst="straightConnector1">
-            <a:avLst/>
-          </a:prstGeom>
-          <a:noFill/>
-          <a:ln w="12700" cap="flat" cmpd="sng" algn="ctr">
-            <a:solidFill>
-              <a:sysClr val="windowText" lastClr="000000"/>
-            </a:solidFill>
-            <a:prstDash val="solid"/>
-            <a:tailEnd type="triangle" w="lg" len="lg"/>
-          </a:ln>
-          <a:effectLst/>
-        </p:spPr>
-      </p:cxnSp>
-      <p:sp>
-        <p:nvSpPr>
-          <p:cNvPr id="37" name="TextBox 36">
-            <a:extLst>
-              <a:ext uri="{FF2B5EF4-FFF2-40B4-BE49-F238E27FC236}">
-                <a16:creationId xmlns:a16="http://schemas.microsoft.com/office/drawing/2014/main" id="{9960A4E3-0973-5BE6-E7C9-DFAED43F4BEA}"/>
+                <a16:creationId xmlns:a16="http://schemas.microsoft.com/office/drawing/2014/main" id="{9C349EFD-2C17-393D-36F5-A04454845239}"/>
               </a:ext>
             </a:extLst>
           </p:cNvPr>
@@ -6143,7 +5998,7 @@
         </p:nvSpPr>
         <p:spPr>
           <a:xfrm>
-            <a:off x="6996352" y="1900092"/>
+            <a:off x="5145569" y="1764899"/>
             <a:ext cx="354263" cy="153888"/>
           </a:xfrm>
           <a:prstGeom prst="rect">
@@ -6198,10 +6053,664 @@
           </a:p>
         </p:txBody>
       </p:sp>
+      <p:sp>
+        <p:nvSpPr>
+          <p:cNvPr id="59" name="Rectangle: Rounded Corners 54">
+            <a:extLst>
+              <a:ext uri="{FF2B5EF4-FFF2-40B4-BE49-F238E27FC236}">
+                <a16:creationId xmlns:a16="http://schemas.microsoft.com/office/drawing/2014/main" id="{D7661C0E-EB43-5260-695C-8D054A023988}"/>
+              </a:ext>
+            </a:extLst>
+          </p:cNvPr>
+          <p:cNvSpPr/>
+          <p:nvPr/>
+        </p:nvSpPr>
+        <p:spPr>
+          <a:xfrm>
+            <a:off x="6286500" y="1344168"/>
+            <a:ext cx="4404509" cy="2249698"/>
+          </a:xfrm>
+          <a:prstGeom prst="roundRect">
+            <a:avLst/>
+          </a:prstGeom>
+          <a:noFill/>
+          <a:ln w="19050">
+            <a:prstDash val="sysDash"/>
+          </a:ln>
+        </p:spPr>
+        <p:style>
+          <a:lnRef idx="2">
+            <a:schemeClr val="accent1">
+              <a:shade val="15000"/>
+            </a:schemeClr>
+          </a:lnRef>
+          <a:fillRef idx="1">
+            <a:schemeClr val="accent1"/>
+          </a:fillRef>
+          <a:effectRef idx="0">
+            <a:schemeClr val="accent1"/>
+          </a:effectRef>
+          <a:fontRef idx="minor">
+            <a:schemeClr val="lt1"/>
+          </a:fontRef>
+        </p:style>
+        <p:txBody>
+          <a:bodyPr rtlCol="0" anchor="b" anchorCtr="0"/>
+          <a:lstStyle/>
+          <a:p>
+            <a:pPr algn="r"/>
+            <a:r>
+              <a:rPr lang="en-US" sz="1100" b="1" dirty="0">
+                <a:solidFill>
+                  <a:schemeClr val="tx1"/>
+                </a:solidFill>
+              </a:rPr>
+              <a:t>Administrator View Level</a:t>
+            </a:r>
+            <a:br>
+              <a:rPr lang="en-US" sz="1100" b="1" dirty="0">
+                <a:solidFill>
+                  <a:schemeClr val="tx1"/>
+                </a:solidFill>
+              </a:rPr>
+            </a:br>
+            <a:r>
+              <a:rPr lang="en-US" sz="1100" b="1" dirty="0">
+                <a:solidFill>
+                  <a:schemeClr val="tx1"/>
+                </a:solidFill>
+              </a:rPr>
+              <a:t>Profiles</a:t>
+            </a:r>
+          </a:p>
+        </p:txBody>
+      </p:sp>
+      <p:sp>
+        <p:nvSpPr>
+          <p:cNvPr id="61" name="Rectangle: Rounded Corners 54">
+            <a:extLst>
+              <a:ext uri="{FF2B5EF4-FFF2-40B4-BE49-F238E27FC236}">
+                <a16:creationId xmlns:a16="http://schemas.microsoft.com/office/drawing/2014/main" id="{2249586F-831B-18B7-5673-35D79A83FE56}"/>
+              </a:ext>
+            </a:extLst>
+          </p:cNvPr>
+          <p:cNvSpPr/>
+          <p:nvPr/>
+        </p:nvSpPr>
+        <p:spPr>
+          <a:xfrm>
+            <a:off x="5695950" y="3995238"/>
+            <a:ext cx="5076825" cy="1302079"/>
+          </a:xfrm>
+          <a:prstGeom prst="roundRect">
+            <a:avLst/>
+          </a:prstGeom>
+          <a:noFill/>
+          <a:ln w="19050">
+            <a:prstDash val="sysDash"/>
+          </a:ln>
+        </p:spPr>
+        <p:style>
+          <a:lnRef idx="2">
+            <a:schemeClr val="accent1">
+              <a:shade val="15000"/>
+            </a:schemeClr>
+          </a:lnRef>
+          <a:fillRef idx="1">
+            <a:schemeClr val="accent1"/>
+          </a:fillRef>
+          <a:effectRef idx="0">
+            <a:schemeClr val="accent1"/>
+          </a:effectRef>
+          <a:fontRef idx="minor">
+            <a:schemeClr val="lt1"/>
+          </a:fontRef>
+        </p:style>
+        <p:txBody>
+          <a:bodyPr rtlCol="0" anchor="b" anchorCtr="0"/>
+          <a:lstStyle/>
+          <a:p>
+            <a:pPr algn="r"/>
+            <a:r>
+              <a:rPr lang="en-US" sz="1100" b="1" dirty="0">
+                <a:solidFill>
+                  <a:schemeClr val="tx1"/>
+                </a:solidFill>
+              </a:rPr>
+              <a:t>Device View Level</a:t>
+            </a:r>
+            <a:br>
+              <a:rPr lang="en-US" sz="1100" b="1" dirty="0">
+                <a:solidFill>
+                  <a:schemeClr val="tx1"/>
+                </a:solidFill>
+              </a:rPr>
+            </a:br>
+            <a:r>
+              <a:rPr lang="en-US" sz="1100" b="1" dirty="0">
+                <a:solidFill>
+                  <a:schemeClr val="tx1"/>
+                </a:solidFill>
+              </a:rPr>
+              <a:t>Profiles</a:t>
+            </a:r>
+          </a:p>
+        </p:txBody>
+      </p:sp>
+      <p:sp>
+        <p:nvSpPr>
+          <p:cNvPr id="62" name="TextBox 23">
+            <a:extLst>
+              <a:ext uri="{FF2B5EF4-FFF2-40B4-BE49-F238E27FC236}">
+                <a16:creationId xmlns:a16="http://schemas.microsoft.com/office/drawing/2014/main" id="{960406CB-FFA6-BF5F-5996-2EFE47892693}"/>
+              </a:ext>
+            </a:extLst>
+          </p:cNvPr>
+          <p:cNvSpPr txBox="1"/>
+          <p:nvPr/>
+        </p:nvSpPr>
+        <p:spPr>
+          <a:xfrm>
+            <a:off x="8113077" y="2717286"/>
+            <a:ext cx="1298452" cy="400110"/>
+          </a:xfrm>
+          <a:prstGeom prst="rect">
+            <a:avLst/>
+          </a:prstGeom>
+          <a:noFill/>
+        </p:spPr>
+        <p:txBody>
+          <a:bodyPr wrap="square" rtlCol="0">
+            <a:spAutoFit/>
+          </a:bodyPr>
+          <a:lstStyle>
+            <a:defPPr>
+              <a:defRPr lang="en-US"/>
+            </a:defPPr>
+            <a:lvl1pPr algn="ctr">
+              <a:defRPr sz="1000"/>
+            </a:lvl1pPr>
+          </a:lstStyle>
+          <a:p>
+            <a:r>
+              <a:rPr lang="en-US" dirty="0"/>
+              <a:t>Technology Specific  Definitions</a:t>
+            </a:r>
+          </a:p>
+        </p:txBody>
+      </p:sp>
+      <p:sp>
+        <p:nvSpPr>
+          <p:cNvPr id="63" name="TextBox 23">
+            <a:extLst>
+              <a:ext uri="{FF2B5EF4-FFF2-40B4-BE49-F238E27FC236}">
+                <a16:creationId xmlns:a16="http://schemas.microsoft.com/office/drawing/2014/main" id="{795E430A-F5E8-C881-D999-BA8581054B58}"/>
+              </a:ext>
+            </a:extLst>
+          </p:cNvPr>
+          <p:cNvSpPr txBox="1"/>
+          <p:nvPr/>
+        </p:nvSpPr>
+        <p:spPr>
+          <a:xfrm>
+            <a:off x="6846333" y="3110087"/>
+            <a:ext cx="1298452" cy="400110"/>
+          </a:xfrm>
+          <a:prstGeom prst="rect">
+            <a:avLst/>
+          </a:prstGeom>
+          <a:noFill/>
+        </p:spPr>
+        <p:txBody>
+          <a:bodyPr wrap="square" rtlCol="0">
+            <a:spAutoFit/>
+          </a:bodyPr>
+          <a:lstStyle>
+            <a:defPPr>
+              <a:defRPr lang="en-US"/>
+            </a:defPPr>
+            <a:lvl1pPr algn="ctr">
+              <a:defRPr sz="1000"/>
+            </a:lvl1pPr>
+          </a:lstStyle>
+          <a:p>
+            <a:r>
+              <a:rPr lang="en-US" dirty="0"/>
+              <a:t>Technology Specific  Definitions</a:t>
+            </a:r>
+          </a:p>
+        </p:txBody>
+      </p:sp>
+      <p:sp>
+        <p:nvSpPr>
+          <p:cNvPr id="64" name="TextBox 23">
+            <a:extLst>
+              <a:ext uri="{FF2B5EF4-FFF2-40B4-BE49-F238E27FC236}">
+                <a16:creationId xmlns:a16="http://schemas.microsoft.com/office/drawing/2014/main" id="{18179720-B443-5FEE-7FD2-E78B35927090}"/>
+              </a:ext>
+            </a:extLst>
+          </p:cNvPr>
+          <p:cNvSpPr txBox="1"/>
+          <p:nvPr/>
+        </p:nvSpPr>
+        <p:spPr>
+          <a:xfrm>
+            <a:off x="455058" y="4277471"/>
+            <a:ext cx="1298452" cy="553998"/>
+          </a:xfrm>
+          <a:prstGeom prst="rect">
+            <a:avLst/>
+          </a:prstGeom>
+          <a:noFill/>
+        </p:spPr>
+        <p:txBody>
+          <a:bodyPr wrap="square" rtlCol="0">
+            <a:spAutoFit/>
+          </a:bodyPr>
+          <a:lstStyle>
+            <a:defPPr>
+              <a:defRPr lang="en-US"/>
+            </a:defPPr>
+            <a:lvl1pPr algn="ctr">
+              <a:defRPr sz="1000"/>
+            </a:lvl1pPr>
+          </a:lstStyle>
+          <a:p>
+            <a:r>
+              <a:rPr lang="en-US" dirty="0"/>
+              <a:t>Technology &amp; Vendor Independent  Definitions</a:t>
+            </a:r>
+          </a:p>
+        </p:txBody>
+      </p:sp>
+      <p:sp>
+        <p:nvSpPr>
+          <p:cNvPr id="65" name="TextBox 23">
+            <a:extLst>
+              <a:ext uri="{FF2B5EF4-FFF2-40B4-BE49-F238E27FC236}">
+                <a16:creationId xmlns:a16="http://schemas.microsoft.com/office/drawing/2014/main" id="{8AF293E6-DC08-4A58-F0A3-82E0AB31961E}"/>
+              </a:ext>
+            </a:extLst>
+          </p:cNvPr>
+          <p:cNvSpPr txBox="1"/>
+          <p:nvPr/>
+        </p:nvSpPr>
+        <p:spPr>
+          <a:xfrm>
+            <a:off x="1569483" y="4277471"/>
+            <a:ext cx="1298452" cy="553998"/>
+          </a:xfrm>
+          <a:prstGeom prst="rect">
+            <a:avLst/>
+          </a:prstGeom>
+          <a:noFill/>
+        </p:spPr>
+        <p:txBody>
+          <a:bodyPr wrap="square" rtlCol="0">
+            <a:spAutoFit/>
+          </a:bodyPr>
+          <a:lstStyle>
+            <a:defPPr>
+              <a:defRPr lang="en-US"/>
+            </a:defPPr>
+            <a:lvl1pPr algn="ctr">
+              <a:defRPr sz="1000"/>
+            </a:lvl1pPr>
+          </a:lstStyle>
+          <a:p>
+            <a:r>
+              <a:rPr lang="en-US" dirty="0"/>
+              <a:t>Technology &amp; Vendor Independent  Definitions</a:t>
+            </a:r>
+          </a:p>
+        </p:txBody>
+      </p:sp>
+      <p:sp>
+        <p:nvSpPr>
+          <p:cNvPr id="66" name="TextBox 23">
+            <a:extLst>
+              <a:ext uri="{FF2B5EF4-FFF2-40B4-BE49-F238E27FC236}">
+                <a16:creationId xmlns:a16="http://schemas.microsoft.com/office/drawing/2014/main" id="{7069E369-A42E-1C94-3935-00DA297975CA}"/>
+              </a:ext>
+            </a:extLst>
+          </p:cNvPr>
+          <p:cNvSpPr txBox="1"/>
+          <p:nvPr/>
+        </p:nvSpPr>
+        <p:spPr>
+          <a:xfrm>
+            <a:off x="2683908" y="4277471"/>
+            <a:ext cx="1298452" cy="553998"/>
+          </a:xfrm>
+          <a:prstGeom prst="rect">
+            <a:avLst/>
+          </a:prstGeom>
+          <a:noFill/>
+        </p:spPr>
+        <p:txBody>
+          <a:bodyPr wrap="square" rtlCol="0">
+            <a:spAutoFit/>
+          </a:bodyPr>
+          <a:lstStyle>
+            <a:defPPr>
+              <a:defRPr lang="en-US"/>
+            </a:defPPr>
+            <a:lvl1pPr algn="ctr">
+              <a:defRPr sz="1000"/>
+            </a:lvl1pPr>
+          </a:lstStyle>
+          <a:p>
+            <a:r>
+              <a:rPr lang="en-US" dirty="0"/>
+              <a:t>Technology &amp; Vendor Independent  Definitions</a:t>
+            </a:r>
+          </a:p>
+        </p:txBody>
+      </p:sp>
+      <p:sp>
+        <p:nvSpPr>
+          <p:cNvPr id="67" name="TextBox 23">
+            <a:extLst>
+              <a:ext uri="{FF2B5EF4-FFF2-40B4-BE49-F238E27FC236}">
+                <a16:creationId xmlns:a16="http://schemas.microsoft.com/office/drawing/2014/main" id="{F6199324-8B3E-7961-C6A6-B9E034D75DEB}"/>
+              </a:ext>
+            </a:extLst>
+          </p:cNvPr>
+          <p:cNvSpPr txBox="1"/>
+          <p:nvPr/>
+        </p:nvSpPr>
+        <p:spPr>
+          <a:xfrm>
+            <a:off x="3836433" y="4277471"/>
+            <a:ext cx="1298452" cy="553998"/>
+          </a:xfrm>
+          <a:prstGeom prst="rect">
+            <a:avLst/>
+          </a:prstGeom>
+          <a:noFill/>
+        </p:spPr>
+        <p:txBody>
+          <a:bodyPr wrap="square" rtlCol="0">
+            <a:spAutoFit/>
+          </a:bodyPr>
+          <a:lstStyle>
+            <a:defPPr>
+              <a:defRPr lang="en-US"/>
+            </a:defPPr>
+            <a:lvl1pPr algn="ctr">
+              <a:defRPr sz="1000"/>
+            </a:lvl1pPr>
+          </a:lstStyle>
+          <a:p>
+            <a:r>
+              <a:rPr lang="en-US" dirty="0"/>
+              <a:t>Technology &amp; Vendor Independent  Definitions</a:t>
+            </a:r>
+          </a:p>
+        </p:txBody>
+      </p:sp>
+      <p:sp>
+        <p:nvSpPr>
+          <p:cNvPr id="12" name="Flowchart: Multidocument 11">
+            <a:extLst>
+              <a:ext uri="{FF2B5EF4-FFF2-40B4-BE49-F238E27FC236}">
+                <a16:creationId xmlns:a16="http://schemas.microsoft.com/office/drawing/2014/main" id="{E1795511-46C0-59E4-3088-3386789C903C}"/>
+              </a:ext>
+            </a:extLst>
+          </p:cNvPr>
+          <p:cNvSpPr/>
+          <p:nvPr/>
+        </p:nvSpPr>
+        <p:spPr>
+          <a:xfrm>
+            <a:off x="9465580" y="1582029"/>
+            <a:ext cx="914400" cy="685800"/>
+          </a:xfrm>
+          <a:prstGeom prst="flowChartMultidocument">
+            <a:avLst/>
+          </a:prstGeom>
+          <a:noFill/>
+          <a:ln w="19050" cap="flat" cmpd="sng" algn="ctr">
+            <a:solidFill>
+              <a:sysClr val="windowText" lastClr="000000"/>
+            </a:solidFill>
+            <a:prstDash val="solid"/>
+          </a:ln>
+          <a:effectLst/>
+        </p:spPr>
+        <p:txBody>
+          <a:bodyPr tIns="91440" rIns="0" rtlCol="0" anchor="t" anchorCtr="0"/>
+          <a:lstStyle/>
+          <a:p>
+            <a:r>
+              <a:rPr lang="en-US" sz="1100" kern="0" dirty="0">
+                <a:solidFill>
+                  <a:prstClr val="black"/>
+                </a:solidFill>
+                <a:latin typeface="Calibri" panose="020F0502020204030204"/>
+              </a:rPr>
+              <a:t>Docker Profile</a:t>
+            </a:r>
+          </a:p>
+        </p:txBody>
+      </p:sp>
+      <p:cxnSp>
+        <p:nvCxnSpPr>
+          <p:cNvPr id="26" name="Straight Arrow Connector 25">
+            <a:extLst>
+              <a:ext uri="{FF2B5EF4-FFF2-40B4-BE49-F238E27FC236}">
+                <a16:creationId xmlns:a16="http://schemas.microsoft.com/office/drawing/2014/main" id="{748E1544-6F30-0BA2-F81C-200A64832AE6}"/>
+              </a:ext>
+            </a:extLst>
+          </p:cNvPr>
+          <p:cNvCxnSpPr>
+            <a:cxnSpLocks/>
+          </p:cNvCxnSpPr>
+          <p:nvPr/>
+        </p:nvCxnSpPr>
+        <p:spPr>
+          <a:xfrm flipH="1" flipV="1">
+            <a:off x="5326431" y="1353801"/>
+            <a:ext cx="4085098" cy="411098"/>
+          </a:xfrm>
+          <a:prstGeom prst="straightConnector1">
+            <a:avLst/>
+          </a:prstGeom>
+          <a:noFill/>
+          <a:ln w="12700" cap="flat" cmpd="sng" algn="ctr">
+            <a:solidFill>
+              <a:sysClr val="windowText" lastClr="000000"/>
+            </a:solidFill>
+            <a:prstDash val="solid"/>
+            <a:tailEnd type="triangle" w="lg" len="lg"/>
+          </a:ln>
+          <a:effectLst/>
+        </p:spPr>
+      </p:cxnSp>
+      <p:sp>
+        <p:nvSpPr>
+          <p:cNvPr id="27" name="TextBox 26">
+            <a:extLst>
+              <a:ext uri="{FF2B5EF4-FFF2-40B4-BE49-F238E27FC236}">
+                <a16:creationId xmlns:a16="http://schemas.microsoft.com/office/drawing/2014/main" id="{EBA97C30-3B6B-32C7-9BFD-A18536455F8E}"/>
+              </a:ext>
+            </a:extLst>
+          </p:cNvPr>
+          <p:cNvSpPr txBox="1"/>
+          <p:nvPr/>
+        </p:nvSpPr>
+        <p:spPr>
+          <a:xfrm>
+            <a:off x="6996352" y="1900092"/>
+            <a:ext cx="354263" cy="153888"/>
+          </a:xfrm>
+          <a:prstGeom prst="rect">
+            <a:avLst/>
+          </a:prstGeom>
+          <a:solidFill>
+            <a:sysClr val="window" lastClr="FFFFFF"/>
+          </a:solidFill>
+        </p:spPr>
+        <p:txBody>
+          <a:bodyPr wrap="square" lIns="0" tIns="0" rIns="0" bIns="0" rtlCol="0">
+            <a:spAutoFit/>
+          </a:bodyPr>
+          <a:lstStyle>
+            <a:defPPr>
+              <a:defRPr lang="en-US"/>
+            </a:defPPr>
+            <a:lvl1pPr marR="0" lvl="0" indent="0" algn="ctr" fontAlgn="auto">
+              <a:lnSpc>
+                <a:spcPct val="100000"/>
+              </a:lnSpc>
+              <a:spcBef>
+                <a:spcPts val="0"/>
+              </a:spcBef>
+              <a:spcAft>
+                <a:spcPts val="0"/>
+              </a:spcAft>
+              <a:buClrTx/>
+              <a:buSzTx/>
+              <a:buFontTx/>
+              <a:buNone/>
+              <a:tabLst/>
+              <a:defRPr kumimoji="0" sz="1000" b="0" i="0" u="none" strike="noStrike" kern="0" cap="none" spc="0" normalizeH="0" baseline="0">
+                <a:ln>
+                  <a:noFill/>
+                </a:ln>
+                <a:solidFill>
+                  <a:prstClr val="black"/>
+                </a:solidFill>
+                <a:effectLst/>
+                <a:uLnTx/>
+                <a:uFillTx/>
+                <a:latin typeface="Calibri" panose="020F0502020204030204"/>
+              </a:defRPr>
+            </a:lvl1pPr>
+          </a:lstStyle>
+          <a:p>
+            <a:r>
+              <a:rPr lang="en-US" dirty="0"/>
+              <a:t>import</a:t>
+            </a:r>
+          </a:p>
+        </p:txBody>
+      </p:sp>
+      <p:sp>
+        <p:nvSpPr>
+          <p:cNvPr id="43" name="TextBox 42">
+            <a:extLst>
+              <a:ext uri="{FF2B5EF4-FFF2-40B4-BE49-F238E27FC236}">
+                <a16:creationId xmlns:a16="http://schemas.microsoft.com/office/drawing/2014/main" id="{C92A4F98-22D6-686F-C297-ADE3A81BF790}"/>
+              </a:ext>
+            </a:extLst>
+          </p:cNvPr>
+          <p:cNvSpPr txBox="1"/>
+          <p:nvPr/>
+        </p:nvSpPr>
+        <p:spPr>
+          <a:xfrm>
+            <a:off x="7100283" y="1459697"/>
+            <a:ext cx="354263" cy="153888"/>
+          </a:xfrm>
+          <a:prstGeom prst="rect">
+            <a:avLst/>
+          </a:prstGeom>
+          <a:solidFill>
+            <a:sysClr val="window" lastClr="FFFFFF"/>
+          </a:solidFill>
+        </p:spPr>
+        <p:txBody>
+          <a:bodyPr wrap="none" lIns="0" tIns="0" rIns="0" bIns="0" rtlCol="0">
+            <a:spAutoFit/>
+          </a:bodyPr>
+          <a:lstStyle>
+            <a:defPPr>
+              <a:defRPr lang="en-US"/>
+            </a:defPPr>
+            <a:lvl1pPr marR="0" lvl="0" indent="0" algn="ctr" fontAlgn="auto">
+              <a:lnSpc>
+                <a:spcPct val="100000"/>
+              </a:lnSpc>
+              <a:spcBef>
+                <a:spcPts val="0"/>
+              </a:spcBef>
+              <a:spcAft>
+                <a:spcPts val="0"/>
+              </a:spcAft>
+              <a:buClrTx/>
+              <a:buSzTx/>
+              <a:buFontTx/>
+              <a:buNone/>
+              <a:tabLst/>
+              <a:defRPr kumimoji="0" sz="1000" b="0" i="0" u="none" strike="noStrike" kern="0" cap="none" spc="0" normalizeH="0" baseline="0">
+                <a:ln>
+                  <a:noFill/>
+                </a:ln>
+                <a:solidFill>
+                  <a:prstClr val="black"/>
+                </a:solidFill>
+                <a:effectLst/>
+                <a:uLnTx/>
+                <a:uFillTx/>
+                <a:latin typeface="Calibri" panose="020F0502020204030204"/>
+              </a:defRPr>
+            </a:lvl1pPr>
+          </a:lstStyle>
+          <a:p>
+            <a:r>
+              <a:rPr lang="en-US" dirty="0"/>
+              <a:t>import</a:t>
+            </a:r>
+          </a:p>
+        </p:txBody>
+      </p:sp>
+      <p:sp>
+        <p:nvSpPr>
+          <p:cNvPr id="31" name="TextBox 23">
+            <a:extLst>
+              <a:ext uri="{FF2B5EF4-FFF2-40B4-BE49-F238E27FC236}">
+                <a16:creationId xmlns:a16="http://schemas.microsoft.com/office/drawing/2014/main" id="{F88E5555-89F3-D3F6-18D5-EC8E7B833A97}"/>
+              </a:ext>
+            </a:extLst>
+          </p:cNvPr>
+          <p:cNvSpPr txBox="1"/>
+          <p:nvPr/>
+        </p:nvSpPr>
+        <p:spPr>
+          <a:xfrm>
+            <a:off x="9258061" y="2264175"/>
+            <a:ext cx="1298452" cy="400110"/>
+          </a:xfrm>
+          <a:prstGeom prst="rect">
+            <a:avLst/>
+          </a:prstGeom>
+          <a:noFill/>
+        </p:spPr>
+        <p:txBody>
+          <a:bodyPr wrap="square" rtlCol="0">
+            <a:spAutoFit/>
+          </a:bodyPr>
+          <a:lstStyle>
+            <a:defPPr>
+              <a:defRPr lang="en-US"/>
+            </a:defPPr>
+            <a:lvl1pPr algn="ctr">
+              <a:defRPr sz="1000"/>
+            </a:lvl1pPr>
+          </a:lstStyle>
+          <a:p>
+            <a:r>
+              <a:rPr lang="en-US" dirty="0"/>
+              <a:t>Technology Specific  Definitions</a:t>
+            </a:r>
+          </a:p>
+        </p:txBody>
+      </p:sp>
     </p:spTree>
     <p:extLst>
       <p:ext uri="{BB962C8B-B14F-4D97-AF65-F5344CB8AC3E}">
-        <p14:creationId xmlns:p14="http://schemas.microsoft.com/office/powerpoint/2010/main" val="3174812243"/>
+        <p14:creationId xmlns:p14="http://schemas.microsoft.com/office/powerpoint/2010/main" val="4288563986"/>
       </p:ext>
     </p:extLst>
   </p:cSld>
